--- a/HSOsprint2.pptx
+++ b/HSOsprint2.pptx
@@ -3,23 +3,24 @@
 <p:presentation xmlns:a="http://schemas.openxmlformats.org/drawingml/2006/main" xmlns:p="http://schemas.openxmlformats.org/presentationml/2006/main" xmlns:r="http://schemas.openxmlformats.org/officeDocument/2006/relationships" xmlns:p14="http://schemas.microsoft.com/office/powerpoint/2010/main" xmlns:p15="http://schemas.microsoft.com/office/powerpoint/2012/main" xmlns:mc="http://schemas.openxmlformats.org/markup-compatibility/2006">
   <p:sldMasterIdLst>
     <p:sldMasterId id="2147483648" r:id="rId2"/>
-    <p:sldMasterId id="2147483661" r:id="rId3"/>
   </p:sldMasterIdLst>
   <p:sldIdLst>
-    <p:sldId id="256" r:id="rId4"/>
-    <p:sldId id="257" r:id="rId5"/>
-    <p:sldId id="258" r:id="rId6"/>
-    <p:sldId id="259" r:id="rId7"/>
-    <p:sldId id="260" r:id="rId8"/>
-    <p:sldId id="261" r:id="rId9"/>
-    <p:sldId id="262" r:id="rId10"/>
-    <p:sldId id="263" r:id="rId11"/>
-    <p:sldId id="264" r:id="rId12"/>
-    <p:sldId id="265" r:id="rId13"/>
-    <p:sldId id="266" r:id="rId14"/>
+    <p:sldId id="256" r:id="rId3"/>
+    <p:sldId id="257" r:id="rId4"/>
+    <p:sldId id="258" r:id="rId5"/>
+    <p:sldId id="259" r:id="rId6"/>
+    <p:sldId id="260" r:id="rId7"/>
+    <p:sldId id="261" r:id="rId8"/>
+    <p:sldId id="262" r:id="rId9"/>
+    <p:sldId id="263" r:id="rId10"/>
+    <p:sldId id="264" r:id="rId11"/>
+    <p:sldId id="265" r:id="rId12"/>
+    <p:sldId id="266" r:id="rId13"/>
+    <p:sldId id="267" r:id="rId14"/>
+    <p:sldId id="268" r:id="rId15"/>
   </p:sldIdLst>
   <p:sldSz cx="12192000" cy="6858000"/>
-  <p:notesSz cx="6858000" cy="9144000"/>
+  <p:notesSz cx="7559675" cy="10691812"/>
 </p:presentation>
 </file>
 
@@ -80,21 +81,15 @@
           <a:prstGeom prst="rect">
             <a:avLst/>
           </a:prstGeom>
-          <a:noFill/>
-          <a:ln w="0">
-            <a:noFill/>
-          </a:ln>
         </p:spPr>
         <p:txBody>
           <a:bodyPr lIns="0" rIns="0" tIns="0" bIns="0" anchor="ctr">
             <a:noAutofit/>
           </a:bodyPr>
           <a:p>
-            <a:endParaRPr b="0" lang="pt-BR" sz="1800" spc="-1" strike="noStrike">
-              <a:solidFill>
-                <a:srgbClr val="000000"/>
-              </a:solidFill>
-              <a:latin typeface="思源黑体 CN Light"/>
+            <a:pPr algn="ctr"/>
+            <a:endParaRPr b="0" lang="pt-BR" sz="4400" spc="-1" strike="noStrike">
+              <a:latin typeface="Arial"/>
             </a:endParaRPr>
           </a:p>
         </p:txBody>
@@ -106,7 +101,7 @@
             <a:spLocks noGrp="1"/>
           </p:cNvSpPr>
           <p:nvPr>
-            <p:ph/>
+            <p:ph type="body"/>
           </p:nvPr>
         </p:nvSpPr>
         <p:spPr>
@@ -117,30 +112,14 @@
           <a:prstGeom prst="rect">
             <a:avLst/>
           </a:prstGeom>
-          <a:noFill/>
-          <a:ln w="0">
-            <a:noFill/>
-          </a:ln>
-        </p:spPr>
-        <p:txBody>
-          <a:bodyPr lIns="0" rIns="0" tIns="0" bIns="0" anchor="t">
+        </p:spPr>
+        <p:txBody>
+          <a:bodyPr lIns="0" rIns="0" tIns="0" bIns="0">
             <a:normAutofit/>
           </a:bodyPr>
           <a:p>
-            <a:pPr>
-              <a:lnSpc>
-                <a:spcPct val="90000"/>
-              </a:lnSpc>
-              <a:spcBef>
-                <a:spcPts val="1417"/>
-              </a:spcBef>
-              <a:buNone/>
-            </a:pPr>
-            <a:endParaRPr b="0" lang="pt-BR" sz="2800" spc="-1" strike="noStrike">
-              <a:solidFill>
-                <a:srgbClr val="000000"/>
-              </a:solidFill>
-              <a:latin typeface="思源黑体 CN Light"/>
+            <a:endParaRPr b="0" lang="pt-BR" sz="3200" spc="-1" strike="noStrike">
+              <a:latin typeface="Arial"/>
             </a:endParaRPr>
           </a:p>
         </p:txBody>
@@ -152,7 +131,7 @@
             <a:spLocks noGrp="1"/>
           </p:cNvSpPr>
           <p:nvPr>
-            <p:ph/>
+            <p:ph type="body"/>
           </p:nvPr>
         </p:nvSpPr>
         <p:spPr>
@@ -163,30 +142,14 @@
           <a:prstGeom prst="rect">
             <a:avLst/>
           </a:prstGeom>
-          <a:noFill/>
-          <a:ln w="0">
-            <a:noFill/>
-          </a:ln>
-        </p:spPr>
-        <p:txBody>
-          <a:bodyPr lIns="0" rIns="0" tIns="0" bIns="0" anchor="t">
+        </p:spPr>
+        <p:txBody>
+          <a:bodyPr lIns="0" rIns="0" tIns="0" bIns="0">
             <a:normAutofit/>
           </a:bodyPr>
           <a:p>
-            <a:pPr>
-              <a:lnSpc>
-                <a:spcPct val="90000"/>
-              </a:lnSpc>
-              <a:spcBef>
-                <a:spcPts val="1417"/>
-              </a:spcBef>
-              <a:buNone/>
-            </a:pPr>
-            <a:endParaRPr b="0" lang="pt-BR" sz="2800" spc="-1" strike="noStrike">
-              <a:solidFill>
-                <a:srgbClr val="000000"/>
-              </a:solidFill>
-              <a:latin typeface="思源黑体 CN Light"/>
+            <a:endParaRPr b="0" lang="pt-BR" sz="3200" spc="-1" strike="noStrike">
+              <a:latin typeface="Arial"/>
             </a:endParaRPr>
           </a:p>
         </p:txBody>
@@ -231,21 +194,15 @@
           <a:prstGeom prst="rect">
             <a:avLst/>
           </a:prstGeom>
-          <a:noFill/>
-          <a:ln w="0">
-            <a:noFill/>
-          </a:ln>
         </p:spPr>
         <p:txBody>
           <a:bodyPr lIns="0" rIns="0" tIns="0" bIns="0" anchor="ctr">
             <a:noAutofit/>
           </a:bodyPr>
           <a:p>
-            <a:endParaRPr b="0" lang="pt-BR" sz="1800" spc="-1" strike="noStrike">
-              <a:solidFill>
-                <a:srgbClr val="000000"/>
-              </a:solidFill>
-              <a:latin typeface="思源黑体 CN Light"/>
+            <a:pPr algn="ctr"/>
+            <a:endParaRPr b="0" lang="pt-BR" sz="4400" spc="-1" strike="noStrike">
+              <a:latin typeface="Arial"/>
             </a:endParaRPr>
           </a:p>
         </p:txBody>
@@ -257,7 +214,7 @@
             <a:spLocks noGrp="1"/>
           </p:cNvSpPr>
           <p:nvPr>
-            <p:ph/>
+            <p:ph type="body"/>
           </p:nvPr>
         </p:nvSpPr>
         <p:spPr>
@@ -268,30 +225,14 @@
           <a:prstGeom prst="rect">
             <a:avLst/>
           </a:prstGeom>
-          <a:noFill/>
-          <a:ln w="0">
-            <a:noFill/>
-          </a:ln>
-        </p:spPr>
-        <p:txBody>
-          <a:bodyPr lIns="0" rIns="0" tIns="0" bIns="0" anchor="t">
+        </p:spPr>
+        <p:txBody>
+          <a:bodyPr lIns="0" rIns="0" tIns="0" bIns="0">
             <a:normAutofit/>
           </a:bodyPr>
           <a:p>
-            <a:pPr>
-              <a:lnSpc>
-                <a:spcPct val="90000"/>
-              </a:lnSpc>
-              <a:spcBef>
-                <a:spcPts val="1417"/>
-              </a:spcBef>
-              <a:buNone/>
-            </a:pPr>
-            <a:endParaRPr b="0" lang="pt-BR" sz="2800" spc="-1" strike="noStrike">
-              <a:solidFill>
-                <a:srgbClr val="000000"/>
-              </a:solidFill>
-              <a:latin typeface="思源黑体 CN Light"/>
+            <a:endParaRPr b="0" lang="pt-BR" sz="3200" spc="-1" strike="noStrike">
+              <a:latin typeface="Arial"/>
             </a:endParaRPr>
           </a:p>
         </p:txBody>
@@ -303,7 +244,7 @@
             <a:spLocks noGrp="1"/>
           </p:cNvSpPr>
           <p:nvPr>
-            <p:ph/>
+            <p:ph type="body"/>
           </p:nvPr>
         </p:nvSpPr>
         <p:spPr>
@@ -314,30 +255,14 @@
           <a:prstGeom prst="rect">
             <a:avLst/>
           </a:prstGeom>
-          <a:noFill/>
-          <a:ln w="0">
-            <a:noFill/>
-          </a:ln>
-        </p:spPr>
-        <p:txBody>
-          <a:bodyPr lIns="0" rIns="0" tIns="0" bIns="0" anchor="t">
+        </p:spPr>
+        <p:txBody>
+          <a:bodyPr lIns="0" rIns="0" tIns="0" bIns="0">
             <a:normAutofit/>
           </a:bodyPr>
           <a:p>
-            <a:pPr>
-              <a:lnSpc>
-                <a:spcPct val="90000"/>
-              </a:lnSpc>
-              <a:spcBef>
-                <a:spcPts val="1417"/>
-              </a:spcBef>
-              <a:buNone/>
-            </a:pPr>
-            <a:endParaRPr b="0" lang="pt-BR" sz="2800" spc="-1" strike="noStrike">
-              <a:solidFill>
-                <a:srgbClr val="000000"/>
-              </a:solidFill>
-              <a:latin typeface="思源黑体 CN Light"/>
+            <a:endParaRPr b="0" lang="pt-BR" sz="3200" spc="-1" strike="noStrike">
+              <a:latin typeface="Arial"/>
             </a:endParaRPr>
           </a:p>
         </p:txBody>
@@ -349,7 +274,7 @@
             <a:spLocks noGrp="1"/>
           </p:cNvSpPr>
           <p:nvPr>
-            <p:ph/>
+            <p:ph type="body"/>
           </p:nvPr>
         </p:nvSpPr>
         <p:spPr>
@@ -360,30 +285,14 @@
           <a:prstGeom prst="rect">
             <a:avLst/>
           </a:prstGeom>
-          <a:noFill/>
-          <a:ln w="0">
-            <a:noFill/>
-          </a:ln>
-        </p:spPr>
-        <p:txBody>
-          <a:bodyPr lIns="0" rIns="0" tIns="0" bIns="0" anchor="t">
+        </p:spPr>
+        <p:txBody>
+          <a:bodyPr lIns="0" rIns="0" tIns="0" bIns="0">
             <a:normAutofit/>
           </a:bodyPr>
           <a:p>
-            <a:pPr>
-              <a:lnSpc>
-                <a:spcPct val="90000"/>
-              </a:lnSpc>
-              <a:spcBef>
-                <a:spcPts val="1417"/>
-              </a:spcBef>
-              <a:buNone/>
-            </a:pPr>
-            <a:endParaRPr b="0" lang="pt-BR" sz="2800" spc="-1" strike="noStrike">
-              <a:solidFill>
-                <a:srgbClr val="000000"/>
-              </a:solidFill>
-              <a:latin typeface="思源黑体 CN Light"/>
+            <a:endParaRPr b="0" lang="pt-BR" sz="3200" spc="-1" strike="noStrike">
+              <a:latin typeface="Arial"/>
             </a:endParaRPr>
           </a:p>
         </p:txBody>
@@ -395,7 +304,7 @@
             <a:spLocks noGrp="1"/>
           </p:cNvSpPr>
           <p:nvPr>
-            <p:ph/>
+            <p:ph type="body"/>
           </p:nvPr>
         </p:nvSpPr>
         <p:spPr>
@@ -406,30 +315,14 @@
           <a:prstGeom prst="rect">
             <a:avLst/>
           </a:prstGeom>
-          <a:noFill/>
-          <a:ln w="0">
-            <a:noFill/>
-          </a:ln>
-        </p:spPr>
-        <p:txBody>
-          <a:bodyPr lIns="0" rIns="0" tIns="0" bIns="0" anchor="t">
+        </p:spPr>
+        <p:txBody>
+          <a:bodyPr lIns="0" rIns="0" tIns="0" bIns="0">
             <a:normAutofit/>
           </a:bodyPr>
           <a:p>
-            <a:pPr>
-              <a:lnSpc>
-                <a:spcPct val="90000"/>
-              </a:lnSpc>
-              <a:spcBef>
-                <a:spcPts val="1417"/>
-              </a:spcBef>
-              <a:buNone/>
-            </a:pPr>
-            <a:endParaRPr b="0" lang="pt-BR" sz="2800" spc="-1" strike="noStrike">
-              <a:solidFill>
-                <a:srgbClr val="000000"/>
-              </a:solidFill>
-              <a:latin typeface="思源黑体 CN Light"/>
+            <a:endParaRPr b="0" lang="pt-BR" sz="3200" spc="-1" strike="noStrike">
+              <a:latin typeface="Arial"/>
             </a:endParaRPr>
           </a:p>
         </p:txBody>
@@ -474,21 +367,15 @@
           <a:prstGeom prst="rect">
             <a:avLst/>
           </a:prstGeom>
-          <a:noFill/>
-          <a:ln w="0">
-            <a:noFill/>
-          </a:ln>
         </p:spPr>
         <p:txBody>
           <a:bodyPr lIns="0" rIns="0" tIns="0" bIns="0" anchor="ctr">
             <a:noAutofit/>
           </a:bodyPr>
           <a:p>
-            <a:endParaRPr b="0" lang="pt-BR" sz="1800" spc="-1" strike="noStrike">
-              <a:solidFill>
-                <a:srgbClr val="000000"/>
-              </a:solidFill>
-              <a:latin typeface="思源黑体 CN Light"/>
+            <a:pPr algn="ctr"/>
+            <a:endParaRPr b="0" lang="pt-BR" sz="4400" spc="-1" strike="noStrike">
+              <a:latin typeface="Arial"/>
             </a:endParaRPr>
           </a:p>
         </p:txBody>
@@ -500,7 +387,7 @@
             <a:spLocks noGrp="1"/>
           </p:cNvSpPr>
           <p:nvPr>
-            <p:ph/>
+            <p:ph type="body"/>
           </p:nvPr>
         </p:nvSpPr>
         <p:spPr>
@@ -511,30 +398,14 @@
           <a:prstGeom prst="rect">
             <a:avLst/>
           </a:prstGeom>
-          <a:noFill/>
-          <a:ln w="0">
-            <a:noFill/>
-          </a:ln>
-        </p:spPr>
-        <p:txBody>
-          <a:bodyPr lIns="0" rIns="0" tIns="0" bIns="0" anchor="t">
+        </p:spPr>
+        <p:txBody>
+          <a:bodyPr lIns="0" rIns="0" tIns="0" bIns="0">
             <a:normAutofit/>
           </a:bodyPr>
           <a:p>
-            <a:pPr>
-              <a:lnSpc>
-                <a:spcPct val="90000"/>
-              </a:lnSpc>
-              <a:spcBef>
-                <a:spcPts val="1417"/>
-              </a:spcBef>
-              <a:buNone/>
-            </a:pPr>
-            <a:endParaRPr b="0" lang="pt-BR" sz="2800" spc="-1" strike="noStrike">
-              <a:solidFill>
-                <a:srgbClr val="000000"/>
-              </a:solidFill>
-              <a:latin typeface="思源黑体 CN Light"/>
+            <a:endParaRPr b="0" lang="pt-BR" sz="3200" spc="-1" strike="noStrike">
+              <a:latin typeface="Arial"/>
             </a:endParaRPr>
           </a:p>
         </p:txBody>
@@ -546,7 +417,7 @@
             <a:spLocks noGrp="1"/>
           </p:cNvSpPr>
           <p:nvPr>
-            <p:ph/>
+            <p:ph type="body"/>
           </p:nvPr>
         </p:nvSpPr>
         <p:spPr>
@@ -557,30 +428,14 @@
           <a:prstGeom prst="rect">
             <a:avLst/>
           </a:prstGeom>
-          <a:noFill/>
-          <a:ln w="0">
-            <a:noFill/>
-          </a:ln>
-        </p:spPr>
-        <p:txBody>
-          <a:bodyPr lIns="0" rIns="0" tIns="0" bIns="0" anchor="t">
+        </p:spPr>
+        <p:txBody>
+          <a:bodyPr lIns="0" rIns="0" tIns="0" bIns="0">
             <a:normAutofit/>
           </a:bodyPr>
           <a:p>
-            <a:pPr>
-              <a:lnSpc>
-                <a:spcPct val="90000"/>
-              </a:lnSpc>
-              <a:spcBef>
-                <a:spcPts val="1417"/>
-              </a:spcBef>
-              <a:buNone/>
-            </a:pPr>
-            <a:endParaRPr b="0" lang="pt-BR" sz="2800" spc="-1" strike="noStrike">
-              <a:solidFill>
-                <a:srgbClr val="000000"/>
-              </a:solidFill>
-              <a:latin typeface="思源黑体 CN Light"/>
+            <a:endParaRPr b="0" lang="pt-BR" sz="3200" spc="-1" strike="noStrike">
+              <a:latin typeface="Arial"/>
             </a:endParaRPr>
           </a:p>
         </p:txBody>
@@ -592,7 +447,7 @@
             <a:spLocks noGrp="1"/>
           </p:cNvSpPr>
           <p:nvPr>
-            <p:ph/>
+            <p:ph type="body"/>
           </p:nvPr>
         </p:nvSpPr>
         <p:spPr>
@@ -603,30 +458,14 @@
           <a:prstGeom prst="rect">
             <a:avLst/>
           </a:prstGeom>
-          <a:noFill/>
-          <a:ln w="0">
-            <a:noFill/>
-          </a:ln>
-        </p:spPr>
-        <p:txBody>
-          <a:bodyPr lIns="0" rIns="0" tIns="0" bIns="0" anchor="t">
+        </p:spPr>
+        <p:txBody>
+          <a:bodyPr lIns="0" rIns="0" tIns="0" bIns="0">
             <a:normAutofit/>
           </a:bodyPr>
           <a:p>
-            <a:pPr>
-              <a:lnSpc>
-                <a:spcPct val="90000"/>
-              </a:lnSpc>
-              <a:spcBef>
-                <a:spcPts val="1417"/>
-              </a:spcBef>
-              <a:buNone/>
-            </a:pPr>
-            <a:endParaRPr b="0" lang="pt-BR" sz="2800" spc="-1" strike="noStrike">
-              <a:solidFill>
-                <a:srgbClr val="000000"/>
-              </a:solidFill>
-              <a:latin typeface="思源黑体 CN Light"/>
+            <a:endParaRPr b="0" lang="pt-BR" sz="3200" spc="-1" strike="noStrike">
+              <a:latin typeface="Arial"/>
             </a:endParaRPr>
           </a:p>
         </p:txBody>
@@ -638,7 +477,7 @@
             <a:spLocks noGrp="1"/>
           </p:cNvSpPr>
           <p:nvPr>
-            <p:ph/>
+            <p:ph type="body"/>
           </p:nvPr>
         </p:nvSpPr>
         <p:spPr>
@@ -649,30 +488,14 @@
           <a:prstGeom prst="rect">
             <a:avLst/>
           </a:prstGeom>
-          <a:noFill/>
-          <a:ln w="0">
-            <a:noFill/>
-          </a:ln>
-        </p:spPr>
-        <p:txBody>
-          <a:bodyPr lIns="0" rIns="0" tIns="0" bIns="0" anchor="t">
+        </p:spPr>
+        <p:txBody>
+          <a:bodyPr lIns="0" rIns="0" tIns="0" bIns="0">
             <a:normAutofit/>
           </a:bodyPr>
           <a:p>
-            <a:pPr>
-              <a:lnSpc>
-                <a:spcPct val="90000"/>
-              </a:lnSpc>
-              <a:spcBef>
-                <a:spcPts val="1417"/>
-              </a:spcBef>
-              <a:buNone/>
-            </a:pPr>
-            <a:endParaRPr b="0" lang="pt-BR" sz="2800" spc="-1" strike="noStrike">
-              <a:solidFill>
-                <a:srgbClr val="000000"/>
-              </a:solidFill>
-              <a:latin typeface="思源黑体 CN Light"/>
+            <a:endParaRPr b="0" lang="pt-BR" sz="3200" spc="-1" strike="noStrike">
+              <a:latin typeface="Arial"/>
             </a:endParaRPr>
           </a:p>
         </p:txBody>
@@ -684,7 +507,7 @@
             <a:spLocks noGrp="1"/>
           </p:cNvSpPr>
           <p:nvPr>
-            <p:ph/>
+            <p:ph type="body"/>
           </p:nvPr>
         </p:nvSpPr>
         <p:spPr>
@@ -695,30 +518,14 @@
           <a:prstGeom prst="rect">
             <a:avLst/>
           </a:prstGeom>
-          <a:noFill/>
-          <a:ln w="0">
-            <a:noFill/>
-          </a:ln>
-        </p:spPr>
-        <p:txBody>
-          <a:bodyPr lIns="0" rIns="0" tIns="0" bIns="0" anchor="t">
+        </p:spPr>
+        <p:txBody>
+          <a:bodyPr lIns="0" rIns="0" tIns="0" bIns="0">
             <a:normAutofit/>
           </a:bodyPr>
           <a:p>
-            <a:pPr>
-              <a:lnSpc>
-                <a:spcPct val="90000"/>
-              </a:lnSpc>
-              <a:spcBef>
-                <a:spcPts val="1417"/>
-              </a:spcBef>
-              <a:buNone/>
-            </a:pPr>
-            <a:endParaRPr b="0" lang="pt-BR" sz="2800" spc="-1" strike="noStrike">
-              <a:solidFill>
-                <a:srgbClr val="000000"/>
-              </a:solidFill>
-              <a:latin typeface="思源黑体 CN Light"/>
+            <a:endParaRPr b="0" lang="pt-BR" sz="3200" spc="-1" strike="noStrike">
+              <a:latin typeface="Arial"/>
             </a:endParaRPr>
           </a:p>
         </p:txBody>
@@ -730,7 +537,7 @@
             <a:spLocks noGrp="1"/>
           </p:cNvSpPr>
           <p:nvPr>
-            <p:ph/>
+            <p:ph type="body"/>
           </p:nvPr>
         </p:nvSpPr>
         <p:spPr>
@@ -741,719 +548,14 @@
           <a:prstGeom prst="rect">
             <a:avLst/>
           </a:prstGeom>
-          <a:noFill/>
-          <a:ln w="0">
-            <a:noFill/>
-          </a:ln>
-        </p:spPr>
-        <p:txBody>
-          <a:bodyPr lIns="0" rIns="0" tIns="0" bIns="0" anchor="t">
+        </p:spPr>
+        <p:txBody>
+          <a:bodyPr lIns="0" rIns="0" tIns="0" bIns="0">
             <a:normAutofit/>
           </a:bodyPr>
           <a:p>
-            <a:pPr>
-              <a:lnSpc>
-                <a:spcPct val="90000"/>
-              </a:lnSpc>
-              <a:spcBef>
-                <a:spcPts val="1417"/>
-              </a:spcBef>
-              <a:buNone/>
-            </a:pPr>
-            <a:endParaRPr b="0" lang="pt-BR" sz="2800" spc="-1" strike="noStrike">
-              <a:solidFill>
-                <a:srgbClr val="000000"/>
-              </a:solidFill>
-              <a:latin typeface="思源黑体 CN Light"/>
-            </a:endParaRPr>
-          </a:p>
-        </p:txBody>
-      </p:sp>
-    </p:spTree>
-  </p:cSld>
-</p:sldLayout>
-</file>
-
-<file path=ppt/slideLayouts/slideLayout13.xml><?xml version="1.0" encoding="utf-8"?>
-<p:sldLayout xmlns:a="http://schemas.openxmlformats.org/drawingml/2006/main" xmlns:p="http://schemas.openxmlformats.org/presentationml/2006/main" xmlns:r="http://schemas.openxmlformats.org/officeDocument/2006/relationships" xmlns:p14="http://schemas.microsoft.com/office/powerpoint/2010/main" xmlns:p15="http://schemas.microsoft.com/office/powerpoint/2012/main" xmlns:mc="http://schemas.openxmlformats.org/markup-compatibility/2006" type="blank" preserve="1">
-  <p:cSld name="Blank Slide">
-    <p:spTree>
-      <p:nvGrpSpPr>
-        <p:cNvPr id="1" name=""/>
-        <p:cNvGrpSpPr/>
-        <p:nvPr/>
-      </p:nvGrpSpPr>
-      <p:grpSpPr>
-        <a:xfrm>
-          <a:off x="0" y="0"/>
-          <a:ext cx="0" cy="0"/>
-          <a:chOff x="0" y="0"/>
-          <a:chExt cx="0" cy="0"/>
-        </a:xfrm>
-      </p:grpSpPr>
-    </p:spTree>
-  </p:cSld>
-</p:sldLayout>
-</file>
-
-<file path=ppt/slideLayouts/slideLayout14.xml><?xml version="1.0" encoding="utf-8"?>
-<p:sldLayout xmlns:a="http://schemas.openxmlformats.org/drawingml/2006/main" xmlns:p="http://schemas.openxmlformats.org/presentationml/2006/main" xmlns:r="http://schemas.openxmlformats.org/officeDocument/2006/relationships" xmlns:p14="http://schemas.microsoft.com/office/powerpoint/2010/main" xmlns:p15="http://schemas.microsoft.com/office/powerpoint/2012/main" xmlns:mc="http://schemas.openxmlformats.org/markup-compatibility/2006" type="tx" preserve="1">
-  <p:cSld name="Title Slide">
-    <p:spTree>
-      <p:nvGrpSpPr>
-        <p:cNvPr id="1" name=""/>
-        <p:cNvGrpSpPr/>
-        <p:nvPr/>
-      </p:nvGrpSpPr>
-      <p:grpSpPr>
-        <a:xfrm>
-          <a:off x="0" y="0"/>
-          <a:ext cx="0" cy="0"/>
-          <a:chOff x="0" y="0"/>
-          <a:chExt cx="0" cy="0"/>
-        </a:xfrm>
-      </p:grpSpPr>
-      <p:sp>
-        <p:nvSpPr>
-          <p:cNvPr id="41" name="PlaceHolder 1"/>
-          <p:cNvSpPr>
-            <a:spLocks noGrp="1"/>
-          </p:cNvSpPr>
-          <p:nvPr>
-            <p:ph type="title"/>
-          </p:nvPr>
-        </p:nvSpPr>
-        <p:spPr>
-          <a:xfrm>
-            <a:off x="609480" y="273600"/>
-            <a:ext cx="10972440" cy="1144800"/>
-          </a:xfrm>
-          <a:prstGeom prst="rect">
-            <a:avLst/>
-          </a:prstGeom>
-          <a:noFill/>
-          <a:ln w="0">
-            <a:noFill/>
-          </a:ln>
-        </p:spPr>
-        <p:txBody>
-          <a:bodyPr lIns="0" rIns="0" tIns="0" bIns="0" anchor="ctr">
-            <a:noAutofit/>
-          </a:bodyPr>
-          <a:p>
-            <a:endParaRPr b="0" lang="pt-BR" sz="1800" spc="-1" strike="noStrike">
-              <a:solidFill>
-                <a:srgbClr val="000000"/>
-              </a:solidFill>
-              <a:latin typeface="思源黑体 CN Light"/>
-            </a:endParaRPr>
-          </a:p>
-        </p:txBody>
-      </p:sp>
-      <p:sp>
-        <p:nvSpPr>
-          <p:cNvPr id="42" name="PlaceHolder 2"/>
-          <p:cNvSpPr>
-            <a:spLocks noGrp="1"/>
-          </p:cNvSpPr>
-          <p:nvPr>
-            <p:ph type="subTitle"/>
-          </p:nvPr>
-        </p:nvSpPr>
-        <p:spPr>
-          <a:xfrm>
-            <a:off x="609480" y="1604520"/>
-            <a:ext cx="10972440" cy="3977280"/>
-          </a:xfrm>
-          <a:prstGeom prst="rect">
-            <a:avLst/>
-          </a:prstGeom>
-          <a:noFill/>
-          <a:ln w="0">
-            <a:noFill/>
-          </a:ln>
-        </p:spPr>
-        <p:txBody>
-          <a:bodyPr lIns="0" rIns="0" tIns="0" bIns="0" anchor="ctr">
-            <a:noAutofit/>
-          </a:bodyPr>
-          <a:p>
-            <a:pPr algn="ctr">
-              <a:buNone/>
-            </a:pPr>
             <a:endParaRPr b="0" lang="pt-BR" sz="3200" spc="-1" strike="noStrike">
               <a:latin typeface="Arial"/>
-            </a:endParaRPr>
-          </a:p>
-        </p:txBody>
-      </p:sp>
-    </p:spTree>
-  </p:cSld>
-</p:sldLayout>
-</file>
-
-<file path=ppt/slideLayouts/slideLayout15.xml><?xml version="1.0" encoding="utf-8"?>
-<p:sldLayout xmlns:a="http://schemas.openxmlformats.org/drawingml/2006/main" xmlns:p="http://schemas.openxmlformats.org/presentationml/2006/main" xmlns:r="http://schemas.openxmlformats.org/officeDocument/2006/relationships" xmlns:p14="http://schemas.microsoft.com/office/powerpoint/2010/main" xmlns:p15="http://schemas.microsoft.com/office/powerpoint/2012/main" xmlns:mc="http://schemas.openxmlformats.org/markup-compatibility/2006" type="obj" preserve="1">
-  <p:cSld name="Title, Content">
-    <p:spTree>
-      <p:nvGrpSpPr>
-        <p:cNvPr id="1" name=""/>
-        <p:cNvGrpSpPr/>
-        <p:nvPr/>
-      </p:nvGrpSpPr>
-      <p:grpSpPr>
-        <a:xfrm>
-          <a:off x="0" y="0"/>
-          <a:ext cx="0" cy="0"/>
-          <a:chOff x="0" y="0"/>
-          <a:chExt cx="0" cy="0"/>
-        </a:xfrm>
-      </p:grpSpPr>
-      <p:sp>
-        <p:nvSpPr>
-          <p:cNvPr id="43" name="PlaceHolder 1"/>
-          <p:cNvSpPr>
-            <a:spLocks noGrp="1"/>
-          </p:cNvSpPr>
-          <p:nvPr>
-            <p:ph type="title"/>
-          </p:nvPr>
-        </p:nvSpPr>
-        <p:spPr>
-          <a:xfrm>
-            <a:off x="609480" y="273600"/>
-            <a:ext cx="10972440" cy="1144800"/>
-          </a:xfrm>
-          <a:prstGeom prst="rect">
-            <a:avLst/>
-          </a:prstGeom>
-          <a:noFill/>
-          <a:ln w="0">
-            <a:noFill/>
-          </a:ln>
-        </p:spPr>
-        <p:txBody>
-          <a:bodyPr lIns="0" rIns="0" tIns="0" bIns="0" anchor="ctr">
-            <a:noAutofit/>
-          </a:bodyPr>
-          <a:p>
-            <a:endParaRPr b="0" lang="pt-BR" sz="1800" spc="-1" strike="noStrike">
-              <a:solidFill>
-                <a:srgbClr val="000000"/>
-              </a:solidFill>
-              <a:latin typeface="思源黑体 CN Light"/>
-            </a:endParaRPr>
-          </a:p>
-        </p:txBody>
-      </p:sp>
-      <p:sp>
-        <p:nvSpPr>
-          <p:cNvPr id="44" name="PlaceHolder 2"/>
-          <p:cNvSpPr>
-            <a:spLocks noGrp="1"/>
-          </p:cNvSpPr>
-          <p:nvPr>
-            <p:ph/>
-          </p:nvPr>
-        </p:nvSpPr>
-        <p:spPr>
-          <a:xfrm>
-            <a:off x="609480" y="1604520"/>
-            <a:ext cx="10972440" cy="3977280"/>
-          </a:xfrm>
-          <a:prstGeom prst="rect">
-            <a:avLst/>
-          </a:prstGeom>
-          <a:noFill/>
-          <a:ln w="0">
-            <a:noFill/>
-          </a:ln>
-        </p:spPr>
-        <p:txBody>
-          <a:bodyPr lIns="0" rIns="0" tIns="0" bIns="0" anchor="t">
-            <a:normAutofit/>
-          </a:bodyPr>
-          <a:p>
-            <a:pPr>
-              <a:lnSpc>
-                <a:spcPct val="90000"/>
-              </a:lnSpc>
-              <a:spcBef>
-                <a:spcPts val="1417"/>
-              </a:spcBef>
-              <a:buNone/>
-            </a:pPr>
-            <a:endParaRPr b="0" lang="pt-BR" sz="2800" spc="-1" strike="noStrike">
-              <a:solidFill>
-                <a:srgbClr val="000000"/>
-              </a:solidFill>
-              <a:latin typeface="思源黑体 CN Light"/>
-            </a:endParaRPr>
-          </a:p>
-        </p:txBody>
-      </p:sp>
-    </p:spTree>
-  </p:cSld>
-</p:sldLayout>
-</file>
-
-<file path=ppt/slideLayouts/slideLayout16.xml><?xml version="1.0" encoding="utf-8"?>
-<p:sldLayout xmlns:a="http://schemas.openxmlformats.org/drawingml/2006/main" xmlns:p="http://schemas.openxmlformats.org/presentationml/2006/main" xmlns:r="http://schemas.openxmlformats.org/officeDocument/2006/relationships" xmlns:p14="http://schemas.microsoft.com/office/powerpoint/2010/main" xmlns:p15="http://schemas.microsoft.com/office/powerpoint/2012/main" xmlns:mc="http://schemas.openxmlformats.org/markup-compatibility/2006" type="twoObj" preserve="1">
-  <p:cSld name="Title, 2 Content">
-    <p:spTree>
-      <p:nvGrpSpPr>
-        <p:cNvPr id="1" name=""/>
-        <p:cNvGrpSpPr/>
-        <p:nvPr/>
-      </p:nvGrpSpPr>
-      <p:grpSpPr>
-        <a:xfrm>
-          <a:off x="0" y="0"/>
-          <a:ext cx="0" cy="0"/>
-          <a:chOff x="0" y="0"/>
-          <a:chExt cx="0" cy="0"/>
-        </a:xfrm>
-      </p:grpSpPr>
-      <p:sp>
-        <p:nvSpPr>
-          <p:cNvPr id="45" name="PlaceHolder 1"/>
-          <p:cNvSpPr>
-            <a:spLocks noGrp="1"/>
-          </p:cNvSpPr>
-          <p:nvPr>
-            <p:ph type="title"/>
-          </p:nvPr>
-        </p:nvSpPr>
-        <p:spPr>
-          <a:xfrm>
-            <a:off x="609480" y="273600"/>
-            <a:ext cx="10972440" cy="1144800"/>
-          </a:xfrm>
-          <a:prstGeom prst="rect">
-            <a:avLst/>
-          </a:prstGeom>
-          <a:noFill/>
-          <a:ln w="0">
-            <a:noFill/>
-          </a:ln>
-        </p:spPr>
-        <p:txBody>
-          <a:bodyPr lIns="0" rIns="0" tIns="0" bIns="0" anchor="ctr">
-            <a:noAutofit/>
-          </a:bodyPr>
-          <a:p>
-            <a:endParaRPr b="0" lang="pt-BR" sz="1800" spc="-1" strike="noStrike">
-              <a:solidFill>
-                <a:srgbClr val="000000"/>
-              </a:solidFill>
-              <a:latin typeface="思源黑体 CN Light"/>
-            </a:endParaRPr>
-          </a:p>
-        </p:txBody>
-      </p:sp>
-      <p:sp>
-        <p:nvSpPr>
-          <p:cNvPr id="46" name="PlaceHolder 2"/>
-          <p:cNvSpPr>
-            <a:spLocks noGrp="1"/>
-          </p:cNvSpPr>
-          <p:nvPr>
-            <p:ph/>
-          </p:nvPr>
-        </p:nvSpPr>
-        <p:spPr>
-          <a:xfrm>
-            <a:off x="609480" y="1604520"/>
-            <a:ext cx="5354280" cy="3977280"/>
-          </a:xfrm>
-          <a:prstGeom prst="rect">
-            <a:avLst/>
-          </a:prstGeom>
-          <a:noFill/>
-          <a:ln w="0">
-            <a:noFill/>
-          </a:ln>
-        </p:spPr>
-        <p:txBody>
-          <a:bodyPr lIns="0" rIns="0" tIns="0" bIns="0" anchor="t">
-            <a:normAutofit/>
-          </a:bodyPr>
-          <a:p>
-            <a:pPr>
-              <a:lnSpc>
-                <a:spcPct val="90000"/>
-              </a:lnSpc>
-              <a:spcBef>
-                <a:spcPts val="1417"/>
-              </a:spcBef>
-              <a:buNone/>
-            </a:pPr>
-            <a:endParaRPr b="0" lang="pt-BR" sz="2800" spc="-1" strike="noStrike">
-              <a:solidFill>
-                <a:srgbClr val="000000"/>
-              </a:solidFill>
-              <a:latin typeface="思源黑体 CN Light"/>
-            </a:endParaRPr>
-          </a:p>
-        </p:txBody>
-      </p:sp>
-      <p:sp>
-        <p:nvSpPr>
-          <p:cNvPr id="47" name="PlaceHolder 3"/>
-          <p:cNvSpPr>
-            <a:spLocks noGrp="1"/>
-          </p:cNvSpPr>
-          <p:nvPr>
-            <p:ph/>
-          </p:nvPr>
-        </p:nvSpPr>
-        <p:spPr>
-          <a:xfrm>
-            <a:off x="6231960" y="1604520"/>
-            <a:ext cx="5354280" cy="3977280"/>
-          </a:xfrm>
-          <a:prstGeom prst="rect">
-            <a:avLst/>
-          </a:prstGeom>
-          <a:noFill/>
-          <a:ln w="0">
-            <a:noFill/>
-          </a:ln>
-        </p:spPr>
-        <p:txBody>
-          <a:bodyPr lIns="0" rIns="0" tIns="0" bIns="0" anchor="t">
-            <a:normAutofit/>
-          </a:bodyPr>
-          <a:p>
-            <a:pPr>
-              <a:lnSpc>
-                <a:spcPct val="90000"/>
-              </a:lnSpc>
-              <a:spcBef>
-                <a:spcPts val="1417"/>
-              </a:spcBef>
-              <a:buNone/>
-            </a:pPr>
-            <a:endParaRPr b="0" lang="pt-BR" sz="2800" spc="-1" strike="noStrike">
-              <a:solidFill>
-                <a:srgbClr val="000000"/>
-              </a:solidFill>
-              <a:latin typeface="思源黑体 CN Light"/>
-            </a:endParaRPr>
-          </a:p>
-        </p:txBody>
-      </p:sp>
-    </p:spTree>
-  </p:cSld>
-</p:sldLayout>
-</file>
-
-<file path=ppt/slideLayouts/slideLayout17.xml><?xml version="1.0" encoding="utf-8"?>
-<p:sldLayout xmlns:a="http://schemas.openxmlformats.org/drawingml/2006/main" xmlns:p="http://schemas.openxmlformats.org/presentationml/2006/main" xmlns:r="http://schemas.openxmlformats.org/officeDocument/2006/relationships" xmlns:p14="http://schemas.microsoft.com/office/powerpoint/2010/main" xmlns:p15="http://schemas.microsoft.com/office/powerpoint/2012/main" xmlns:mc="http://schemas.openxmlformats.org/markup-compatibility/2006" type="titleOnly" preserve="1">
-  <p:cSld name="Title Only">
-    <p:spTree>
-      <p:nvGrpSpPr>
-        <p:cNvPr id="1" name=""/>
-        <p:cNvGrpSpPr/>
-        <p:nvPr/>
-      </p:nvGrpSpPr>
-      <p:grpSpPr>
-        <a:xfrm>
-          <a:off x="0" y="0"/>
-          <a:ext cx="0" cy="0"/>
-          <a:chOff x="0" y="0"/>
-          <a:chExt cx="0" cy="0"/>
-        </a:xfrm>
-      </p:grpSpPr>
-      <p:sp>
-        <p:nvSpPr>
-          <p:cNvPr id="48" name="PlaceHolder 1"/>
-          <p:cNvSpPr>
-            <a:spLocks noGrp="1"/>
-          </p:cNvSpPr>
-          <p:nvPr>
-            <p:ph type="title"/>
-          </p:nvPr>
-        </p:nvSpPr>
-        <p:spPr>
-          <a:xfrm>
-            <a:off x="609480" y="273600"/>
-            <a:ext cx="10972440" cy="1144800"/>
-          </a:xfrm>
-          <a:prstGeom prst="rect">
-            <a:avLst/>
-          </a:prstGeom>
-          <a:noFill/>
-          <a:ln w="0">
-            <a:noFill/>
-          </a:ln>
-        </p:spPr>
-        <p:txBody>
-          <a:bodyPr lIns="0" rIns="0" tIns="0" bIns="0" anchor="ctr">
-            <a:noAutofit/>
-          </a:bodyPr>
-          <a:p>
-            <a:endParaRPr b="0" lang="pt-BR" sz="1800" spc="-1" strike="noStrike">
-              <a:solidFill>
-                <a:srgbClr val="000000"/>
-              </a:solidFill>
-              <a:latin typeface="思源黑体 CN Light"/>
-            </a:endParaRPr>
-          </a:p>
-        </p:txBody>
-      </p:sp>
-    </p:spTree>
-  </p:cSld>
-</p:sldLayout>
-</file>
-
-<file path=ppt/slideLayouts/slideLayout18.xml><?xml version="1.0" encoding="utf-8"?>
-<p:sldLayout xmlns:a="http://schemas.openxmlformats.org/drawingml/2006/main" xmlns:p="http://schemas.openxmlformats.org/presentationml/2006/main" xmlns:r="http://schemas.openxmlformats.org/officeDocument/2006/relationships" xmlns:p14="http://schemas.microsoft.com/office/powerpoint/2010/main" xmlns:p15="http://schemas.microsoft.com/office/powerpoint/2012/main" xmlns:mc="http://schemas.openxmlformats.org/markup-compatibility/2006" type="objOnly" preserve="1">
-  <p:cSld name="Centered Text">
-    <p:spTree>
-      <p:nvGrpSpPr>
-        <p:cNvPr id="1" name=""/>
-        <p:cNvGrpSpPr/>
-        <p:nvPr/>
-      </p:nvGrpSpPr>
-      <p:grpSpPr>
-        <a:xfrm>
-          <a:off x="0" y="0"/>
-          <a:ext cx="0" cy="0"/>
-          <a:chOff x="0" y="0"/>
-          <a:chExt cx="0" cy="0"/>
-        </a:xfrm>
-      </p:grpSpPr>
-      <p:sp>
-        <p:nvSpPr>
-          <p:cNvPr id="49" name="PlaceHolder 1"/>
-          <p:cNvSpPr>
-            <a:spLocks noGrp="1"/>
-          </p:cNvSpPr>
-          <p:nvPr>
-            <p:ph type="subTitle"/>
-          </p:nvPr>
-        </p:nvSpPr>
-        <p:spPr>
-          <a:xfrm>
-            <a:off x="609480" y="273600"/>
-            <a:ext cx="10972440" cy="5307840"/>
-          </a:xfrm>
-          <a:prstGeom prst="rect">
-            <a:avLst/>
-          </a:prstGeom>
-          <a:noFill/>
-          <a:ln w="0">
-            <a:noFill/>
-          </a:ln>
-        </p:spPr>
-        <p:txBody>
-          <a:bodyPr lIns="0" rIns="0" tIns="0" bIns="0" anchor="ctr">
-            <a:noAutofit/>
-          </a:bodyPr>
-          <a:p>
-            <a:pPr algn="ctr">
-              <a:buNone/>
-            </a:pPr>
-            <a:endParaRPr b="0" lang="pt-BR" sz="3200" spc="-1" strike="noStrike">
-              <a:latin typeface="Arial"/>
-            </a:endParaRPr>
-          </a:p>
-        </p:txBody>
-      </p:sp>
-    </p:spTree>
-  </p:cSld>
-</p:sldLayout>
-</file>
-
-<file path=ppt/slideLayouts/slideLayout19.xml><?xml version="1.0" encoding="utf-8"?>
-<p:sldLayout xmlns:a="http://schemas.openxmlformats.org/drawingml/2006/main" xmlns:p="http://schemas.openxmlformats.org/presentationml/2006/main" xmlns:r="http://schemas.openxmlformats.org/officeDocument/2006/relationships" xmlns:p14="http://schemas.microsoft.com/office/powerpoint/2010/main" xmlns:p15="http://schemas.microsoft.com/office/powerpoint/2012/main" xmlns:mc="http://schemas.openxmlformats.org/markup-compatibility/2006" type="twoObjAndObj" preserve="1">
-  <p:cSld name="Title, 2 Content and Content">
-    <p:spTree>
-      <p:nvGrpSpPr>
-        <p:cNvPr id="1" name=""/>
-        <p:cNvGrpSpPr/>
-        <p:nvPr/>
-      </p:nvGrpSpPr>
-      <p:grpSpPr>
-        <a:xfrm>
-          <a:off x="0" y="0"/>
-          <a:ext cx="0" cy="0"/>
-          <a:chOff x="0" y="0"/>
-          <a:chExt cx="0" cy="0"/>
-        </a:xfrm>
-      </p:grpSpPr>
-      <p:sp>
-        <p:nvSpPr>
-          <p:cNvPr id="50" name="PlaceHolder 1"/>
-          <p:cNvSpPr>
-            <a:spLocks noGrp="1"/>
-          </p:cNvSpPr>
-          <p:nvPr>
-            <p:ph type="title"/>
-          </p:nvPr>
-        </p:nvSpPr>
-        <p:spPr>
-          <a:xfrm>
-            <a:off x="609480" y="273600"/>
-            <a:ext cx="10972440" cy="1144800"/>
-          </a:xfrm>
-          <a:prstGeom prst="rect">
-            <a:avLst/>
-          </a:prstGeom>
-          <a:noFill/>
-          <a:ln w="0">
-            <a:noFill/>
-          </a:ln>
-        </p:spPr>
-        <p:txBody>
-          <a:bodyPr lIns="0" rIns="0" tIns="0" bIns="0" anchor="ctr">
-            <a:noAutofit/>
-          </a:bodyPr>
-          <a:p>
-            <a:endParaRPr b="0" lang="pt-BR" sz="1800" spc="-1" strike="noStrike">
-              <a:solidFill>
-                <a:srgbClr val="000000"/>
-              </a:solidFill>
-              <a:latin typeface="思源黑体 CN Light"/>
-            </a:endParaRPr>
-          </a:p>
-        </p:txBody>
-      </p:sp>
-      <p:sp>
-        <p:nvSpPr>
-          <p:cNvPr id="51" name="PlaceHolder 2"/>
-          <p:cNvSpPr>
-            <a:spLocks noGrp="1"/>
-          </p:cNvSpPr>
-          <p:nvPr>
-            <p:ph/>
-          </p:nvPr>
-        </p:nvSpPr>
-        <p:spPr>
-          <a:xfrm>
-            <a:off x="609480" y="1604520"/>
-            <a:ext cx="5354280" cy="1896840"/>
-          </a:xfrm>
-          <a:prstGeom prst="rect">
-            <a:avLst/>
-          </a:prstGeom>
-          <a:noFill/>
-          <a:ln w="0">
-            <a:noFill/>
-          </a:ln>
-        </p:spPr>
-        <p:txBody>
-          <a:bodyPr lIns="0" rIns="0" tIns="0" bIns="0" anchor="t">
-            <a:normAutofit/>
-          </a:bodyPr>
-          <a:p>
-            <a:pPr>
-              <a:lnSpc>
-                <a:spcPct val="90000"/>
-              </a:lnSpc>
-              <a:spcBef>
-                <a:spcPts val="1417"/>
-              </a:spcBef>
-              <a:buNone/>
-            </a:pPr>
-            <a:endParaRPr b="0" lang="pt-BR" sz="2800" spc="-1" strike="noStrike">
-              <a:solidFill>
-                <a:srgbClr val="000000"/>
-              </a:solidFill>
-              <a:latin typeface="思源黑体 CN Light"/>
-            </a:endParaRPr>
-          </a:p>
-        </p:txBody>
-      </p:sp>
-      <p:sp>
-        <p:nvSpPr>
-          <p:cNvPr id="52" name="PlaceHolder 3"/>
-          <p:cNvSpPr>
-            <a:spLocks noGrp="1"/>
-          </p:cNvSpPr>
-          <p:nvPr>
-            <p:ph/>
-          </p:nvPr>
-        </p:nvSpPr>
-        <p:spPr>
-          <a:xfrm>
-            <a:off x="6231960" y="1604520"/>
-            <a:ext cx="5354280" cy="3977280"/>
-          </a:xfrm>
-          <a:prstGeom prst="rect">
-            <a:avLst/>
-          </a:prstGeom>
-          <a:noFill/>
-          <a:ln w="0">
-            <a:noFill/>
-          </a:ln>
-        </p:spPr>
-        <p:txBody>
-          <a:bodyPr lIns="0" rIns="0" tIns="0" bIns="0" anchor="t">
-            <a:normAutofit/>
-          </a:bodyPr>
-          <a:p>
-            <a:pPr>
-              <a:lnSpc>
-                <a:spcPct val="90000"/>
-              </a:lnSpc>
-              <a:spcBef>
-                <a:spcPts val="1417"/>
-              </a:spcBef>
-              <a:buNone/>
-            </a:pPr>
-            <a:endParaRPr b="0" lang="pt-BR" sz="2800" spc="-1" strike="noStrike">
-              <a:solidFill>
-                <a:srgbClr val="000000"/>
-              </a:solidFill>
-              <a:latin typeface="思源黑体 CN Light"/>
-            </a:endParaRPr>
-          </a:p>
-        </p:txBody>
-      </p:sp>
-      <p:sp>
-        <p:nvSpPr>
-          <p:cNvPr id="53" name="PlaceHolder 4"/>
-          <p:cNvSpPr>
-            <a:spLocks noGrp="1"/>
-          </p:cNvSpPr>
-          <p:nvPr>
-            <p:ph/>
-          </p:nvPr>
-        </p:nvSpPr>
-        <p:spPr>
-          <a:xfrm>
-            <a:off x="609480" y="3682080"/>
-            <a:ext cx="5354280" cy="1896840"/>
-          </a:xfrm>
-          <a:prstGeom prst="rect">
-            <a:avLst/>
-          </a:prstGeom>
-          <a:noFill/>
-          <a:ln w="0">
-            <a:noFill/>
-          </a:ln>
-        </p:spPr>
-        <p:txBody>
-          <a:bodyPr lIns="0" rIns="0" tIns="0" bIns="0" anchor="t">
-            <a:normAutofit/>
-          </a:bodyPr>
-          <a:p>
-            <a:pPr>
-              <a:lnSpc>
-                <a:spcPct val="90000"/>
-              </a:lnSpc>
-              <a:spcBef>
-                <a:spcPts val="1417"/>
-              </a:spcBef>
-              <a:buNone/>
-            </a:pPr>
-            <a:endParaRPr b="0" lang="pt-BR" sz="2800" spc="-1" strike="noStrike">
-              <a:solidFill>
-                <a:srgbClr val="000000"/>
-              </a:solidFill>
-              <a:latin typeface="思源黑体 CN Light"/>
             </a:endParaRPr>
           </a:p>
         </p:txBody>
@@ -1498,21 +600,15 @@
           <a:prstGeom prst="rect">
             <a:avLst/>
           </a:prstGeom>
-          <a:noFill/>
-          <a:ln w="0">
-            <a:noFill/>
-          </a:ln>
         </p:spPr>
         <p:txBody>
           <a:bodyPr lIns="0" rIns="0" tIns="0" bIns="0" anchor="ctr">
             <a:noAutofit/>
           </a:bodyPr>
           <a:p>
-            <a:endParaRPr b="0" lang="pt-BR" sz="1800" spc="-1" strike="noStrike">
-              <a:solidFill>
-                <a:srgbClr val="000000"/>
-              </a:solidFill>
-              <a:latin typeface="思源黑体 CN Light"/>
+            <a:pPr algn="ctr"/>
+            <a:endParaRPr b="0" lang="pt-BR" sz="4400" spc="-1" strike="noStrike">
+              <a:latin typeface="Arial"/>
             </a:endParaRPr>
           </a:p>
         </p:txBody>
@@ -1535,1144 +631,15 @@
           <a:prstGeom prst="rect">
             <a:avLst/>
           </a:prstGeom>
-          <a:noFill/>
-          <a:ln w="0">
-            <a:noFill/>
-          </a:ln>
         </p:spPr>
         <p:txBody>
           <a:bodyPr lIns="0" rIns="0" tIns="0" bIns="0" anchor="ctr">
             <a:noAutofit/>
           </a:bodyPr>
           <a:p>
-            <a:pPr algn="ctr">
-              <a:buNone/>
-            </a:pPr>
+            <a:pPr algn="ctr"/>
             <a:endParaRPr b="0" lang="pt-BR" sz="3200" spc="-1" strike="noStrike">
               <a:latin typeface="Arial"/>
-            </a:endParaRPr>
-          </a:p>
-        </p:txBody>
-      </p:sp>
-    </p:spTree>
-  </p:cSld>
-</p:sldLayout>
-</file>
-
-<file path=ppt/slideLayouts/slideLayout20.xml><?xml version="1.0" encoding="utf-8"?>
-<p:sldLayout xmlns:a="http://schemas.openxmlformats.org/drawingml/2006/main" xmlns:p="http://schemas.openxmlformats.org/presentationml/2006/main" xmlns:r="http://schemas.openxmlformats.org/officeDocument/2006/relationships" xmlns:p14="http://schemas.microsoft.com/office/powerpoint/2010/main" xmlns:p15="http://schemas.microsoft.com/office/powerpoint/2012/main" xmlns:mc="http://schemas.openxmlformats.org/markup-compatibility/2006" type="objAndTwoObj" preserve="1">
-  <p:cSld name="Title Content and 2 Content">
-    <p:spTree>
-      <p:nvGrpSpPr>
-        <p:cNvPr id="1" name=""/>
-        <p:cNvGrpSpPr/>
-        <p:nvPr/>
-      </p:nvGrpSpPr>
-      <p:grpSpPr>
-        <a:xfrm>
-          <a:off x="0" y="0"/>
-          <a:ext cx="0" cy="0"/>
-          <a:chOff x="0" y="0"/>
-          <a:chExt cx="0" cy="0"/>
-        </a:xfrm>
-      </p:grpSpPr>
-      <p:sp>
-        <p:nvSpPr>
-          <p:cNvPr id="54" name="PlaceHolder 1"/>
-          <p:cNvSpPr>
-            <a:spLocks noGrp="1"/>
-          </p:cNvSpPr>
-          <p:nvPr>
-            <p:ph type="title"/>
-          </p:nvPr>
-        </p:nvSpPr>
-        <p:spPr>
-          <a:xfrm>
-            <a:off x="609480" y="273600"/>
-            <a:ext cx="10972440" cy="1144800"/>
-          </a:xfrm>
-          <a:prstGeom prst="rect">
-            <a:avLst/>
-          </a:prstGeom>
-          <a:noFill/>
-          <a:ln w="0">
-            <a:noFill/>
-          </a:ln>
-        </p:spPr>
-        <p:txBody>
-          <a:bodyPr lIns="0" rIns="0" tIns="0" bIns="0" anchor="ctr">
-            <a:noAutofit/>
-          </a:bodyPr>
-          <a:p>
-            <a:endParaRPr b="0" lang="pt-BR" sz="1800" spc="-1" strike="noStrike">
-              <a:solidFill>
-                <a:srgbClr val="000000"/>
-              </a:solidFill>
-              <a:latin typeface="思源黑体 CN Light"/>
-            </a:endParaRPr>
-          </a:p>
-        </p:txBody>
-      </p:sp>
-      <p:sp>
-        <p:nvSpPr>
-          <p:cNvPr id="55" name="PlaceHolder 2"/>
-          <p:cNvSpPr>
-            <a:spLocks noGrp="1"/>
-          </p:cNvSpPr>
-          <p:nvPr>
-            <p:ph/>
-          </p:nvPr>
-        </p:nvSpPr>
-        <p:spPr>
-          <a:xfrm>
-            <a:off x="609480" y="1604520"/>
-            <a:ext cx="5354280" cy="3977280"/>
-          </a:xfrm>
-          <a:prstGeom prst="rect">
-            <a:avLst/>
-          </a:prstGeom>
-          <a:noFill/>
-          <a:ln w="0">
-            <a:noFill/>
-          </a:ln>
-        </p:spPr>
-        <p:txBody>
-          <a:bodyPr lIns="0" rIns="0" tIns="0" bIns="0" anchor="t">
-            <a:normAutofit/>
-          </a:bodyPr>
-          <a:p>
-            <a:pPr>
-              <a:lnSpc>
-                <a:spcPct val="90000"/>
-              </a:lnSpc>
-              <a:spcBef>
-                <a:spcPts val="1417"/>
-              </a:spcBef>
-              <a:buNone/>
-            </a:pPr>
-            <a:endParaRPr b="0" lang="pt-BR" sz="2800" spc="-1" strike="noStrike">
-              <a:solidFill>
-                <a:srgbClr val="000000"/>
-              </a:solidFill>
-              <a:latin typeface="思源黑体 CN Light"/>
-            </a:endParaRPr>
-          </a:p>
-        </p:txBody>
-      </p:sp>
-      <p:sp>
-        <p:nvSpPr>
-          <p:cNvPr id="56" name="PlaceHolder 3"/>
-          <p:cNvSpPr>
-            <a:spLocks noGrp="1"/>
-          </p:cNvSpPr>
-          <p:nvPr>
-            <p:ph/>
-          </p:nvPr>
-        </p:nvSpPr>
-        <p:spPr>
-          <a:xfrm>
-            <a:off x="6231960" y="1604520"/>
-            <a:ext cx="5354280" cy="1896840"/>
-          </a:xfrm>
-          <a:prstGeom prst="rect">
-            <a:avLst/>
-          </a:prstGeom>
-          <a:noFill/>
-          <a:ln w="0">
-            <a:noFill/>
-          </a:ln>
-        </p:spPr>
-        <p:txBody>
-          <a:bodyPr lIns="0" rIns="0" tIns="0" bIns="0" anchor="t">
-            <a:normAutofit/>
-          </a:bodyPr>
-          <a:p>
-            <a:pPr>
-              <a:lnSpc>
-                <a:spcPct val="90000"/>
-              </a:lnSpc>
-              <a:spcBef>
-                <a:spcPts val="1417"/>
-              </a:spcBef>
-              <a:buNone/>
-            </a:pPr>
-            <a:endParaRPr b="0" lang="pt-BR" sz="2800" spc="-1" strike="noStrike">
-              <a:solidFill>
-                <a:srgbClr val="000000"/>
-              </a:solidFill>
-              <a:latin typeface="思源黑体 CN Light"/>
-            </a:endParaRPr>
-          </a:p>
-        </p:txBody>
-      </p:sp>
-      <p:sp>
-        <p:nvSpPr>
-          <p:cNvPr id="57" name="PlaceHolder 4"/>
-          <p:cNvSpPr>
-            <a:spLocks noGrp="1"/>
-          </p:cNvSpPr>
-          <p:nvPr>
-            <p:ph/>
-          </p:nvPr>
-        </p:nvSpPr>
-        <p:spPr>
-          <a:xfrm>
-            <a:off x="6231960" y="3682080"/>
-            <a:ext cx="5354280" cy="1896840"/>
-          </a:xfrm>
-          <a:prstGeom prst="rect">
-            <a:avLst/>
-          </a:prstGeom>
-          <a:noFill/>
-          <a:ln w="0">
-            <a:noFill/>
-          </a:ln>
-        </p:spPr>
-        <p:txBody>
-          <a:bodyPr lIns="0" rIns="0" tIns="0" bIns="0" anchor="t">
-            <a:normAutofit/>
-          </a:bodyPr>
-          <a:p>
-            <a:pPr>
-              <a:lnSpc>
-                <a:spcPct val="90000"/>
-              </a:lnSpc>
-              <a:spcBef>
-                <a:spcPts val="1417"/>
-              </a:spcBef>
-              <a:buNone/>
-            </a:pPr>
-            <a:endParaRPr b="0" lang="pt-BR" sz="2800" spc="-1" strike="noStrike">
-              <a:solidFill>
-                <a:srgbClr val="000000"/>
-              </a:solidFill>
-              <a:latin typeface="思源黑体 CN Light"/>
-            </a:endParaRPr>
-          </a:p>
-        </p:txBody>
-      </p:sp>
-    </p:spTree>
-  </p:cSld>
-</p:sldLayout>
-</file>
-
-<file path=ppt/slideLayouts/slideLayout21.xml><?xml version="1.0" encoding="utf-8"?>
-<p:sldLayout xmlns:a="http://schemas.openxmlformats.org/drawingml/2006/main" xmlns:p="http://schemas.openxmlformats.org/presentationml/2006/main" xmlns:r="http://schemas.openxmlformats.org/officeDocument/2006/relationships" xmlns:p14="http://schemas.microsoft.com/office/powerpoint/2010/main" xmlns:p15="http://schemas.microsoft.com/office/powerpoint/2012/main" xmlns:mc="http://schemas.openxmlformats.org/markup-compatibility/2006" type="twoObjOverTx" preserve="1">
-  <p:cSld name="Title, 2 Content over Content">
-    <p:spTree>
-      <p:nvGrpSpPr>
-        <p:cNvPr id="1" name=""/>
-        <p:cNvGrpSpPr/>
-        <p:nvPr/>
-      </p:nvGrpSpPr>
-      <p:grpSpPr>
-        <a:xfrm>
-          <a:off x="0" y="0"/>
-          <a:ext cx="0" cy="0"/>
-          <a:chOff x="0" y="0"/>
-          <a:chExt cx="0" cy="0"/>
-        </a:xfrm>
-      </p:grpSpPr>
-      <p:sp>
-        <p:nvSpPr>
-          <p:cNvPr id="58" name="PlaceHolder 1"/>
-          <p:cNvSpPr>
-            <a:spLocks noGrp="1"/>
-          </p:cNvSpPr>
-          <p:nvPr>
-            <p:ph type="title"/>
-          </p:nvPr>
-        </p:nvSpPr>
-        <p:spPr>
-          <a:xfrm>
-            <a:off x="609480" y="273600"/>
-            <a:ext cx="10972440" cy="1144800"/>
-          </a:xfrm>
-          <a:prstGeom prst="rect">
-            <a:avLst/>
-          </a:prstGeom>
-          <a:noFill/>
-          <a:ln w="0">
-            <a:noFill/>
-          </a:ln>
-        </p:spPr>
-        <p:txBody>
-          <a:bodyPr lIns="0" rIns="0" tIns="0" bIns="0" anchor="ctr">
-            <a:noAutofit/>
-          </a:bodyPr>
-          <a:p>
-            <a:endParaRPr b="0" lang="pt-BR" sz="1800" spc="-1" strike="noStrike">
-              <a:solidFill>
-                <a:srgbClr val="000000"/>
-              </a:solidFill>
-              <a:latin typeface="思源黑体 CN Light"/>
-            </a:endParaRPr>
-          </a:p>
-        </p:txBody>
-      </p:sp>
-      <p:sp>
-        <p:nvSpPr>
-          <p:cNvPr id="59" name="PlaceHolder 2"/>
-          <p:cNvSpPr>
-            <a:spLocks noGrp="1"/>
-          </p:cNvSpPr>
-          <p:nvPr>
-            <p:ph/>
-          </p:nvPr>
-        </p:nvSpPr>
-        <p:spPr>
-          <a:xfrm>
-            <a:off x="609480" y="1604520"/>
-            <a:ext cx="5354280" cy="1896840"/>
-          </a:xfrm>
-          <a:prstGeom prst="rect">
-            <a:avLst/>
-          </a:prstGeom>
-          <a:noFill/>
-          <a:ln w="0">
-            <a:noFill/>
-          </a:ln>
-        </p:spPr>
-        <p:txBody>
-          <a:bodyPr lIns="0" rIns="0" tIns="0" bIns="0" anchor="t">
-            <a:normAutofit/>
-          </a:bodyPr>
-          <a:p>
-            <a:pPr>
-              <a:lnSpc>
-                <a:spcPct val="90000"/>
-              </a:lnSpc>
-              <a:spcBef>
-                <a:spcPts val="1417"/>
-              </a:spcBef>
-              <a:buNone/>
-            </a:pPr>
-            <a:endParaRPr b="0" lang="pt-BR" sz="2800" spc="-1" strike="noStrike">
-              <a:solidFill>
-                <a:srgbClr val="000000"/>
-              </a:solidFill>
-              <a:latin typeface="思源黑体 CN Light"/>
-            </a:endParaRPr>
-          </a:p>
-        </p:txBody>
-      </p:sp>
-      <p:sp>
-        <p:nvSpPr>
-          <p:cNvPr id="60" name="PlaceHolder 3"/>
-          <p:cNvSpPr>
-            <a:spLocks noGrp="1"/>
-          </p:cNvSpPr>
-          <p:nvPr>
-            <p:ph/>
-          </p:nvPr>
-        </p:nvSpPr>
-        <p:spPr>
-          <a:xfrm>
-            <a:off x="6231960" y="1604520"/>
-            <a:ext cx="5354280" cy="1896840"/>
-          </a:xfrm>
-          <a:prstGeom prst="rect">
-            <a:avLst/>
-          </a:prstGeom>
-          <a:noFill/>
-          <a:ln w="0">
-            <a:noFill/>
-          </a:ln>
-        </p:spPr>
-        <p:txBody>
-          <a:bodyPr lIns="0" rIns="0" tIns="0" bIns="0" anchor="t">
-            <a:normAutofit/>
-          </a:bodyPr>
-          <a:p>
-            <a:pPr>
-              <a:lnSpc>
-                <a:spcPct val="90000"/>
-              </a:lnSpc>
-              <a:spcBef>
-                <a:spcPts val="1417"/>
-              </a:spcBef>
-              <a:buNone/>
-            </a:pPr>
-            <a:endParaRPr b="0" lang="pt-BR" sz="2800" spc="-1" strike="noStrike">
-              <a:solidFill>
-                <a:srgbClr val="000000"/>
-              </a:solidFill>
-              <a:latin typeface="思源黑体 CN Light"/>
-            </a:endParaRPr>
-          </a:p>
-        </p:txBody>
-      </p:sp>
-      <p:sp>
-        <p:nvSpPr>
-          <p:cNvPr id="61" name="PlaceHolder 4"/>
-          <p:cNvSpPr>
-            <a:spLocks noGrp="1"/>
-          </p:cNvSpPr>
-          <p:nvPr>
-            <p:ph/>
-          </p:nvPr>
-        </p:nvSpPr>
-        <p:spPr>
-          <a:xfrm>
-            <a:off x="609480" y="3682080"/>
-            <a:ext cx="10972440" cy="1896840"/>
-          </a:xfrm>
-          <a:prstGeom prst="rect">
-            <a:avLst/>
-          </a:prstGeom>
-          <a:noFill/>
-          <a:ln w="0">
-            <a:noFill/>
-          </a:ln>
-        </p:spPr>
-        <p:txBody>
-          <a:bodyPr lIns="0" rIns="0" tIns="0" bIns="0" anchor="t">
-            <a:normAutofit/>
-          </a:bodyPr>
-          <a:p>
-            <a:pPr>
-              <a:lnSpc>
-                <a:spcPct val="90000"/>
-              </a:lnSpc>
-              <a:spcBef>
-                <a:spcPts val="1417"/>
-              </a:spcBef>
-              <a:buNone/>
-            </a:pPr>
-            <a:endParaRPr b="0" lang="pt-BR" sz="2800" spc="-1" strike="noStrike">
-              <a:solidFill>
-                <a:srgbClr val="000000"/>
-              </a:solidFill>
-              <a:latin typeface="思源黑体 CN Light"/>
-            </a:endParaRPr>
-          </a:p>
-        </p:txBody>
-      </p:sp>
-    </p:spTree>
-  </p:cSld>
-</p:sldLayout>
-</file>
-
-<file path=ppt/slideLayouts/slideLayout22.xml><?xml version="1.0" encoding="utf-8"?>
-<p:sldLayout xmlns:a="http://schemas.openxmlformats.org/drawingml/2006/main" xmlns:p="http://schemas.openxmlformats.org/presentationml/2006/main" xmlns:r="http://schemas.openxmlformats.org/officeDocument/2006/relationships" xmlns:p14="http://schemas.microsoft.com/office/powerpoint/2010/main" xmlns:p15="http://schemas.microsoft.com/office/powerpoint/2012/main" xmlns:mc="http://schemas.openxmlformats.org/markup-compatibility/2006" type="objOverTx" preserve="1">
-  <p:cSld name="Title, Content over Content">
-    <p:spTree>
-      <p:nvGrpSpPr>
-        <p:cNvPr id="1" name=""/>
-        <p:cNvGrpSpPr/>
-        <p:nvPr/>
-      </p:nvGrpSpPr>
-      <p:grpSpPr>
-        <a:xfrm>
-          <a:off x="0" y="0"/>
-          <a:ext cx="0" cy="0"/>
-          <a:chOff x="0" y="0"/>
-          <a:chExt cx="0" cy="0"/>
-        </a:xfrm>
-      </p:grpSpPr>
-      <p:sp>
-        <p:nvSpPr>
-          <p:cNvPr id="62" name="PlaceHolder 1"/>
-          <p:cNvSpPr>
-            <a:spLocks noGrp="1"/>
-          </p:cNvSpPr>
-          <p:nvPr>
-            <p:ph type="title"/>
-          </p:nvPr>
-        </p:nvSpPr>
-        <p:spPr>
-          <a:xfrm>
-            <a:off x="609480" y="273600"/>
-            <a:ext cx="10972440" cy="1144800"/>
-          </a:xfrm>
-          <a:prstGeom prst="rect">
-            <a:avLst/>
-          </a:prstGeom>
-          <a:noFill/>
-          <a:ln w="0">
-            <a:noFill/>
-          </a:ln>
-        </p:spPr>
-        <p:txBody>
-          <a:bodyPr lIns="0" rIns="0" tIns="0" bIns="0" anchor="ctr">
-            <a:noAutofit/>
-          </a:bodyPr>
-          <a:p>
-            <a:endParaRPr b="0" lang="pt-BR" sz="1800" spc="-1" strike="noStrike">
-              <a:solidFill>
-                <a:srgbClr val="000000"/>
-              </a:solidFill>
-              <a:latin typeface="思源黑体 CN Light"/>
-            </a:endParaRPr>
-          </a:p>
-        </p:txBody>
-      </p:sp>
-      <p:sp>
-        <p:nvSpPr>
-          <p:cNvPr id="63" name="PlaceHolder 2"/>
-          <p:cNvSpPr>
-            <a:spLocks noGrp="1"/>
-          </p:cNvSpPr>
-          <p:nvPr>
-            <p:ph/>
-          </p:nvPr>
-        </p:nvSpPr>
-        <p:spPr>
-          <a:xfrm>
-            <a:off x="609480" y="1604520"/>
-            <a:ext cx="10972440" cy="1896840"/>
-          </a:xfrm>
-          <a:prstGeom prst="rect">
-            <a:avLst/>
-          </a:prstGeom>
-          <a:noFill/>
-          <a:ln w="0">
-            <a:noFill/>
-          </a:ln>
-        </p:spPr>
-        <p:txBody>
-          <a:bodyPr lIns="0" rIns="0" tIns="0" bIns="0" anchor="t">
-            <a:normAutofit/>
-          </a:bodyPr>
-          <a:p>
-            <a:pPr>
-              <a:lnSpc>
-                <a:spcPct val="90000"/>
-              </a:lnSpc>
-              <a:spcBef>
-                <a:spcPts val="1417"/>
-              </a:spcBef>
-              <a:buNone/>
-            </a:pPr>
-            <a:endParaRPr b="0" lang="pt-BR" sz="2800" spc="-1" strike="noStrike">
-              <a:solidFill>
-                <a:srgbClr val="000000"/>
-              </a:solidFill>
-              <a:latin typeface="思源黑体 CN Light"/>
-            </a:endParaRPr>
-          </a:p>
-        </p:txBody>
-      </p:sp>
-      <p:sp>
-        <p:nvSpPr>
-          <p:cNvPr id="64" name="PlaceHolder 3"/>
-          <p:cNvSpPr>
-            <a:spLocks noGrp="1"/>
-          </p:cNvSpPr>
-          <p:nvPr>
-            <p:ph/>
-          </p:nvPr>
-        </p:nvSpPr>
-        <p:spPr>
-          <a:xfrm>
-            <a:off x="609480" y="3682080"/>
-            <a:ext cx="10972440" cy="1896840"/>
-          </a:xfrm>
-          <a:prstGeom prst="rect">
-            <a:avLst/>
-          </a:prstGeom>
-          <a:noFill/>
-          <a:ln w="0">
-            <a:noFill/>
-          </a:ln>
-        </p:spPr>
-        <p:txBody>
-          <a:bodyPr lIns="0" rIns="0" tIns="0" bIns="0" anchor="t">
-            <a:normAutofit/>
-          </a:bodyPr>
-          <a:p>
-            <a:pPr>
-              <a:lnSpc>
-                <a:spcPct val="90000"/>
-              </a:lnSpc>
-              <a:spcBef>
-                <a:spcPts val="1417"/>
-              </a:spcBef>
-              <a:buNone/>
-            </a:pPr>
-            <a:endParaRPr b="0" lang="pt-BR" sz="2800" spc="-1" strike="noStrike">
-              <a:solidFill>
-                <a:srgbClr val="000000"/>
-              </a:solidFill>
-              <a:latin typeface="思源黑体 CN Light"/>
-            </a:endParaRPr>
-          </a:p>
-        </p:txBody>
-      </p:sp>
-    </p:spTree>
-  </p:cSld>
-</p:sldLayout>
-</file>
-
-<file path=ppt/slideLayouts/slideLayout23.xml><?xml version="1.0" encoding="utf-8"?>
-<p:sldLayout xmlns:a="http://schemas.openxmlformats.org/drawingml/2006/main" xmlns:p="http://schemas.openxmlformats.org/presentationml/2006/main" xmlns:r="http://schemas.openxmlformats.org/officeDocument/2006/relationships" xmlns:p14="http://schemas.microsoft.com/office/powerpoint/2010/main" xmlns:p15="http://schemas.microsoft.com/office/powerpoint/2012/main" xmlns:mc="http://schemas.openxmlformats.org/markup-compatibility/2006" type="fourObj" preserve="1">
-  <p:cSld name="Title, 4 Content">
-    <p:spTree>
-      <p:nvGrpSpPr>
-        <p:cNvPr id="1" name=""/>
-        <p:cNvGrpSpPr/>
-        <p:nvPr/>
-      </p:nvGrpSpPr>
-      <p:grpSpPr>
-        <a:xfrm>
-          <a:off x="0" y="0"/>
-          <a:ext cx="0" cy="0"/>
-          <a:chOff x="0" y="0"/>
-          <a:chExt cx="0" cy="0"/>
-        </a:xfrm>
-      </p:grpSpPr>
-      <p:sp>
-        <p:nvSpPr>
-          <p:cNvPr id="65" name="PlaceHolder 1"/>
-          <p:cNvSpPr>
-            <a:spLocks noGrp="1"/>
-          </p:cNvSpPr>
-          <p:nvPr>
-            <p:ph type="title"/>
-          </p:nvPr>
-        </p:nvSpPr>
-        <p:spPr>
-          <a:xfrm>
-            <a:off x="609480" y="273600"/>
-            <a:ext cx="10972440" cy="1144800"/>
-          </a:xfrm>
-          <a:prstGeom prst="rect">
-            <a:avLst/>
-          </a:prstGeom>
-          <a:noFill/>
-          <a:ln w="0">
-            <a:noFill/>
-          </a:ln>
-        </p:spPr>
-        <p:txBody>
-          <a:bodyPr lIns="0" rIns="0" tIns="0" bIns="0" anchor="ctr">
-            <a:noAutofit/>
-          </a:bodyPr>
-          <a:p>
-            <a:endParaRPr b="0" lang="pt-BR" sz="1800" spc="-1" strike="noStrike">
-              <a:solidFill>
-                <a:srgbClr val="000000"/>
-              </a:solidFill>
-              <a:latin typeface="思源黑体 CN Light"/>
-            </a:endParaRPr>
-          </a:p>
-        </p:txBody>
-      </p:sp>
-      <p:sp>
-        <p:nvSpPr>
-          <p:cNvPr id="66" name="PlaceHolder 2"/>
-          <p:cNvSpPr>
-            <a:spLocks noGrp="1"/>
-          </p:cNvSpPr>
-          <p:nvPr>
-            <p:ph/>
-          </p:nvPr>
-        </p:nvSpPr>
-        <p:spPr>
-          <a:xfrm>
-            <a:off x="609480" y="1604520"/>
-            <a:ext cx="5354280" cy="1896840"/>
-          </a:xfrm>
-          <a:prstGeom prst="rect">
-            <a:avLst/>
-          </a:prstGeom>
-          <a:noFill/>
-          <a:ln w="0">
-            <a:noFill/>
-          </a:ln>
-        </p:spPr>
-        <p:txBody>
-          <a:bodyPr lIns="0" rIns="0" tIns="0" bIns="0" anchor="t">
-            <a:normAutofit/>
-          </a:bodyPr>
-          <a:p>
-            <a:pPr>
-              <a:lnSpc>
-                <a:spcPct val="90000"/>
-              </a:lnSpc>
-              <a:spcBef>
-                <a:spcPts val="1417"/>
-              </a:spcBef>
-              <a:buNone/>
-            </a:pPr>
-            <a:endParaRPr b="0" lang="pt-BR" sz="2800" spc="-1" strike="noStrike">
-              <a:solidFill>
-                <a:srgbClr val="000000"/>
-              </a:solidFill>
-              <a:latin typeface="思源黑体 CN Light"/>
-            </a:endParaRPr>
-          </a:p>
-        </p:txBody>
-      </p:sp>
-      <p:sp>
-        <p:nvSpPr>
-          <p:cNvPr id="67" name="PlaceHolder 3"/>
-          <p:cNvSpPr>
-            <a:spLocks noGrp="1"/>
-          </p:cNvSpPr>
-          <p:nvPr>
-            <p:ph/>
-          </p:nvPr>
-        </p:nvSpPr>
-        <p:spPr>
-          <a:xfrm>
-            <a:off x="6231960" y="1604520"/>
-            <a:ext cx="5354280" cy="1896840"/>
-          </a:xfrm>
-          <a:prstGeom prst="rect">
-            <a:avLst/>
-          </a:prstGeom>
-          <a:noFill/>
-          <a:ln w="0">
-            <a:noFill/>
-          </a:ln>
-        </p:spPr>
-        <p:txBody>
-          <a:bodyPr lIns="0" rIns="0" tIns="0" bIns="0" anchor="t">
-            <a:normAutofit/>
-          </a:bodyPr>
-          <a:p>
-            <a:pPr>
-              <a:lnSpc>
-                <a:spcPct val="90000"/>
-              </a:lnSpc>
-              <a:spcBef>
-                <a:spcPts val="1417"/>
-              </a:spcBef>
-              <a:buNone/>
-            </a:pPr>
-            <a:endParaRPr b="0" lang="pt-BR" sz="2800" spc="-1" strike="noStrike">
-              <a:solidFill>
-                <a:srgbClr val="000000"/>
-              </a:solidFill>
-              <a:latin typeface="思源黑体 CN Light"/>
-            </a:endParaRPr>
-          </a:p>
-        </p:txBody>
-      </p:sp>
-      <p:sp>
-        <p:nvSpPr>
-          <p:cNvPr id="68" name="PlaceHolder 4"/>
-          <p:cNvSpPr>
-            <a:spLocks noGrp="1"/>
-          </p:cNvSpPr>
-          <p:nvPr>
-            <p:ph/>
-          </p:nvPr>
-        </p:nvSpPr>
-        <p:spPr>
-          <a:xfrm>
-            <a:off x="609480" y="3682080"/>
-            <a:ext cx="5354280" cy="1896840"/>
-          </a:xfrm>
-          <a:prstGeom prst="rect">
-            <a:avLst/>
-          </a:prstGeom>
-          <a:noFill/>
-          <a:ln w="0">
-            <a:noFill/>
-          </a:ln>
-        </p:spPr>
-        <p:txBody>
-          <a:bodyPr lIns="0" rIns="0" tIns="0" bIns="0" anchor="t">
-            <a:normAutofit/>
-          </a:bodyPr>
-          <a:p>
-            <a:pPr>
-              <a:lnSpc>
-                <a:spcPct val="90000"/>
-              </a:lnSpc>
-              <a:spcBef>
-                <a:spcPts val="1417"/>
-              </a:spcBef>
-              <a:buNone/>
-            </a:pPr>
-            <a:endParaRPr b="0" lang="pt-BR" sz="2800" spc="-1" strike="noStrike">
-              <a:solidFill>
-                <a:srgbClr val="000000"/>
-              </a:solidFill>
-              <a:latin typeface="思源黑体 CN Light"/>
-            </a:endParaRPr>
-          </a:p>
-        </p:txBody>
-      </p:sp>
-      <p:sp>
-        <p:nvSpPr>
-          <p:cNvPr id="69" name="PlaceHolder 5"/>
-          <p:cNvSpPr>
-            <a:spLocks noGrp="1"/>
-          </p:cNvSpPr>
-          <p:nvPr>
-            <p:ph/>
-          </p:nvPr>
-        </p:nvSpPr>
-        <p:spPr>
-          <a:xfrm>
-            <a:off x="6231960" y="3682080"/>
-            <a:ext cx="5354280" cy="1896840"/>
-          </a:xfrm>
-          <a:prstGeom prst="rect">
-            <a:avLst/>
-          </a:prstGeom>
-          <a:noFill/>
-          <a:ln w="0">
-            <a:noFill/>
-          </a:ln>
-        </p:spPr>
-        <p:txBody>
-          <a:bodyPr lIns="0" rIns="0" tIns="0" bIns="0" anchor="t">
-            <a:normAutofit/>
-          </a:bodyPr>
-          <a:p>
-            <a:pPr>
-              <a:lnSpc>
-                <a:spcPct val="90000"/>
-              </a:lnSpc>
-              <a:spcBef>
-                <a:spcPts val="1417"/>
-              </a:spcBef>
-              <a:buNone/>
-            </a:pPr>
-            <a:endParaRPr b="0" lang="pt-BR" sz="2800" spc="-1" strike="noStrike">
-              <a:solidFill>
-                <a:srgbClr val="000000"/>
-              </a:solidFill>
-              <a:latin typeface="思源黑体 CN Light"/>
-            </a:endParaRPr>
-          </a:p>
-        </p:txBody>
-      </p:sp>
-    </p:spTree>
-  </p:cSld>
-</p:sldLayout>
-</file>
-
-<file path=ppt/slideLayouts/slideLayout24.xml><?xml version="1.0" encoding="utf-8"?>
-<p:sldLayout xmlns:a="http://schemas.openxmlformats.org/drawingml/2006/main" xmlns:p="http://schemas.openxmlformats.org/presentationml/2006/main" xmlns:r="http://schemas.openxmlformats.org/officeDocument/2006/relationships" xmlns:p14="http://schemas.microsoft.com/office/powerpoint/2010/main" xmlns:p15="http://schemas.microsoft.com/office/powerpoint/2012/main" xmlns:mc="http://schemas.openxmlformats.org/markup-compatibility/2006" type="blank" preserve="1">
-  <p:cSld name="Title, 6 Content">
-    <p:spTree>
-      <p:nvGrpSpPr>
-        <p:cNvPr id="1" name=""/>
-        <p:cNvGrpSpPr/>
-        <p:nvPr/>
-      </p:nvGrpSpPr>
-      <p:grpSpPr>
-        <a:xfrm>
-          <a:off x="0" y="0"/>
-          <a:ext cx="0" cy="0"/>
-          <a:chOff x="0" y="0"/>
-          <a:chExt cx="0" cy="0"/>
-        </a:xfrm>
-      </p:grpSpPr>
-      <p:sp>
-        <p:nvSpPr>
-          <p:cNvPr id="70" name="PlaceHolder 1"/>
-          <p:cNvSpPr>
-            <a:spLocks noGrp="1"/>
-          </p:cNvSpPr>
-          <p:nvPr>
-            <p:ph type="title"/>
-          </p:nvPr>
-        </p:nvSpPr>
-        <p:spPr>
-          <a:xfrm>
-            <a:off x="609480" y="273600"/>
-            <a:ext cx="10972440" cy="1144800"/>
-          </a:xfrm>
-          <a:prstGeom prst="rect">
-            <a:avLst/>
-          </a:prstGeom>
-          <a:noFill/>
-          <a:ln w="0">
-            <a:noFill/>
-          </a:ln>
-        </p:spPr>
-        <p:txBody>
-          <a:bodyPr lIns="0" rIns="0" tIns="0" bIns="0" anchor="ctr">
-            <a:noAutofit/>
-          </a:bodyPr>
-          <a:p>
-            <a:endParaRPr b="0" lang="pt-BR" sz="1800" spc="-1" strike="noStrike">
-              <a:solidFill>
-                <a:srgbClr val="000000"/>
-              </a:solidFill>
-              <a:latin typeface="思源黑体 CN Light"/>
-            </a:endParaRPr>
-          </a:p>
-        </p:txBody>
-      </p:sp>
-      <p:sp>
-        <p:nvSpPr>
-          <p:cNvPr id="71" name="PlaceHolder 2"/>
-          <p:cNvSpPr>
-            <a:spLocks noGrp="1"/>
-          </p:cNvSpPr>
-          <p:nvPr>
-            <p:ph/>
-          </p:nvPr>
-        </p:nvSpPr>
-        <p:spPr>
-          <a:xfrm>
-            <a:off x="609480" y="1604520"/>
-            <a:ext cx="3533040" cy="1896840"/>
-          </a:xfrm>
-          <a:prstGeom prst="rect">
-            <a:avLst/>
-          </a:prstGeom>
-          <a:noFill/>
-          <a:ln w="0">
-            <a:noFill/>
-          </a:ln>
-        </p:spPr>
-        <p:txBody>
-          <a:bodyPr lIns="0" rIns="0" tIns="0" bIns="0" anchor="t">
-            <a:normAutofit/>
-          </a:bodyPr>
-          <a:p>
-            <a:pPr>
-              <a:lnSpc>
-                <a:spcPct val="90000"/>
-              </a:lnSpc>
-              <a:spcBef>
-                <a:spcPts val="1417"/>
-              </a:spcBef>
-              <a:buNone/>
-            </a:pPr>
-            <a:endParaRPr b="0" lang="pt-BR" sz="2800" spc="-1" strike="noStrike">
-              <a:solidFill>
-                <a:srgbClr val="000000"/>
-              </a:solidFill>
-              <a:latin typeface="思源黑体 CN Light"/>
-            </a:endParaRPr>
-          </a:p>
-        </p:txBody>
-      </p:sp>
-      <p:sp>
-        <p:nvSpPr>
-          <p:cNvPr id="72" name="PlaceHolder 3"/>
-          <p:cNvSpPr>
-            <a:spLocks noGrp="1"/>
-          </p:cNvSpPr>
-          <p:nvPr>
-            <p:ph/>
-          </p:nvPr>
-        </p:nvSpPr>
-        <p:spPr>
-          <a:xfrm>
-            <a:off x="4319640" y="1604520"/>
-            <a:ext cx="3533040" cy="1896840"/>
-          </a:xfrm>
-          <a:prstGeom prst="rect">
-            <a:avLst/>
-          </a:prstGeom>
-          <a:noFill/>
-          <a:ln w="0">
-            <a:noFill/>
-          </a:ln>
-        </p:spPr>
-        <p:txBody>
-          <a:bodyPr lIns="0" rIns="0" tIns="0" bIns="0" anchor="t">
-            <a:normAutofit/>
-          </a:bodyPr>
-          <a:p>
-            <a:pPr>
-              <a:lnSpc>
-                <a:spcPct val="90000"/>
-              </a:lnSpc>
-              <a:spcBef>
-                <a:spcPts val="1417"/>
-              </a:spcBef>
-              <a:buNone/>
-            </a:pPr>
-            <a:endParaRPr b="0" lang="pt-BR" sz="2800" spc="-1" strike="noStrike">
-              <a:solidFill>
-                <a:srgbClr val="000000"/>
-              </a:solidFill>
-              <a:latin typeface="思源黑体 CN Light"/>
-            </a:endParaRPr>
-          </a:p>
-        </p:txBody>
-      </p:sp>
-      <p:sp>
-        <p:nvSpPr>
-          <p:cNvPr id="73" name="PlaceHolder 4"/>
-          <p:cNvSpPr>
-            <a:spLocks noGrp="1"/>
-          </p:cNvSpPr>
-          <p:nvPr>
-            <p:ph/>
-          </p:nvPr>
-        </p:nvSpPr>
-        <p:spPr>
-          <a:xfrm>
-            <a:off x="8029800" y="1604520"/>
-            <a:ext cx="3533040" cy="1896840"/>
-          </a:xfrm>
-          <a:prstGeom prst="rect">
-            <a:avLst/>
-          </a:prstGeom>
-          <a:noFill/>
-          <a:ln w="0">
-            <a:noFill/>
-          </a:ln>
-        </p:spPr>
-        <p:txBody>
-          <a:bodyPr lIns="0" rIns="0" tIns="0" bIns="0" anchor="t">
-            <a:normAutofit/>
-          </a:bodyPr>
-          <a:p>
-            <a:pPr>
-              <a:lnSpc>
-                <a:spcPct val="90000"/>
-              </a:lnSpc>
-              <a:spcBef>
-                <a:spcPts val="1417"/>
-              </a:spcBef>
-              <a:buNone/>
-            </a:pPr>
-            <a:endParaRPr b="0" lang="pt-BR" sz="2800" spc="-1" strike="noStrike">
-              <a:solidFill>
-                <a:srgbClr val="000000"/>
-              </a:solidFill>
-              <a:latin typeface="思源黑体 CN Light"/>
-            </a:endParaRPr>
-          </a:p>
-        </p:txBody>
-      </p:sp>
-      <p:sp>
-        <p:nvSpPr>
-          <p:cNvPr id="74" name="PlaceHolder 5"/>
-          <p:cNvSpPr>
-            <a:spLocks noGrp="1"/>
-          </p:cNvSpPr>
-          <p:nvPr>
-            <p:ph/>
-          </p:nvPr>
-        </p:nvSpPr>
-        <p:spPr>
-          <a:xfrm>
-            <a:off x="609480" y="3682080"/>
-            <a:ext cx="3533040" cy="1896840"/>
-          </a:xfrm>
-          <a:prstGeom prst="rect">
-            <a:avLst/>
-          </a:prstGeom>
-          <a:noFill/>
-          <a:ln w="0">
-            <a:noFill/>
-          </a:ln>
-        </p:spPr>
-        <p:txBody>
-          <a:bodyPr lIns="0" rIns="0" tIns="0" bIns="0" anchor="t">
-            <a:normAutofit/>
-          </a:bodyPr>
-          <a:p>
-            <a:pPr>
-              <a:lnSpc>
-                <a:spcPct val="90000"/>
-              </a:lnSpc>
-              <a:spcBef>
-                <a:spcPts val="1417"/>
-              </a:spcBef>
-              <a:buNone/>
-            </a:pPr>
-            <a:endParaRPr b="0" lang="pt-BR" sz="2800" spc="-1" strike="noStrike">
-              <a:solidFill>
-                <a:srgbClr val="000000"/>
-              </a:solidFill>
-              <a:latin typeface="思源黑体 CN Light"/>
-            </a:endParaRPr>
-          </a:p>
-        </p:txBody>
-      </p:sp>
-      <p:sp>
-        <p:nvSpPr>
-          <p:cNvPr id="75" name="PlaceHolder 6"/>
-          <p:cNvSpPr>
-            <a:spLocks noGrp="1"/>
-          </p:cNvSpPr>
-          <p:nvPr>
-            <p:ph/>
-          </p:nvPr>
-        </p:nvSpPr>
-        <p:spPr>
-          <a:xfrm>
-            <a:off x="4319640" y="3682080"/>
-            <a:ext cx="3533040" cy="1896840"/>
-          </a:xfrm>
-          <a:prstGeom prst="rect">
-            <a:avLst/>
-          </a:prstGeom>
-          <a:noFill/>
-          <a:ln w="0">
-            <a:noFill/>
-          </a:ln>
-        </p:spPr>
-        <p:txBody>
-          <a:bodyPr lIns="0" rIns="0" tIns="0" bIns="0" anchor="t">
-            <a:normAutofit/>
-          </a:bodyPr>
-          <a:p>
-            <a:pPr>
-              <a:lnSpc>
-                <a:spcPct val="90000"/>
-              </a:lnSpc>
-              <a:spcBef>
-                <a:spcPts val="1417"/>
-              </a:spcBef>
-              <a:buNone/>
-            </a:pPr>
-            <a:endParaRPr b="0" lang="pt-BR" sz="2800" spc="-1" strike="noStrike">
-              <a:solidFill>
-                <a:srgbClr val="000000"/>
-              </a:solidFill>
-              <a:latin typeface="思源黑体 CN Light"/>
-            </a:endParaRPr>
-          </a:p>
-        </p:txBody>
-      </p:sp>
-      <p:sp>
-        <p:nvSpPr>
-          <p:cNvPr id="76" name="PlaceHolder 7"/>
-          <p:cNvSpPr>
-            <a:spLocks noGrp="1"/>
-          </p:cNvSpPr>
-          <p:nvPr>
-            <p:ph/>
-          </p:nvPr>
-        </p:nvSpPr>
-        <p:spPr>
-          <a:xfrm>
-            <a:off x="8029800" y="3682080"/>
-            <a:ext cx="3533040" cy="1896840"/>
-          </a:xfrm>
-          <a:prstGeom prst="rect">
-            <a:avLst/>
-          </a:prstGeom>
-          <a:noFill/>
-          <a:ln w="0">
-            <a:noFill/>
-          </a:ln>
-        </p:spPr>
-        <p:txBody>
-          <a:bodyPr lIns="0" rIns="0" tIns="0" bIns="0" anchor="t">
-            <a:normAutofit/>
-          </a:bodyPr>
-          <a:p>
-            <a:pPr>
-              <a:lnSpc>
-                <a:spcPct val="90000"/>
-              </a:lnSpc>
-              <a:spcBef>
-                <a:spcPts val="1417"/>
-              </a:spcBef>
-              <a:buNone/>
-            </a:pPr>
-            <a:endParaRPr b="0" lang="pt-BR" sz="2800" spc="-1" strike="noStrike">
-              <a:solidFill>
-                <a:srgbClr val="000000"/>
-              </a:solidFill>
-              <a:latin typeface="思源黑体 CN Light"/>
             </a:endParaRPr>
           </a:p>
         </p:txBody>
@@ -2717,21 +684,15 @@
           <a:prstGeom prst="rect">
             <a:avLst/>
           </a:prstGeom>
-          <a:noFill/>
-          <a:ln w="0">
-            <a:noFill/>
-          </a:ln>
         </p:spPr>
         <p:txBody>
           <a:bodyPr lIns="0" rIns="0" tIns="0" bIns="0" anchor="ctr">
             <a:noAutofit/>
           </a:bodyPr>
           <a:p>
-            <a:endParaRPr b="0" lang="pt-BR" sz="1800" spc="-1" strike="noStrike">
-              <a:solidFill>
-                <a:srgbClr val="000000"/>
-              </a:solidFill>
-              <a:latin typeface="思源黑体 CN Light"/>
+            <a:pPr algn="ctr"/>
+            <a:endParaRPr b="0" lang="pt-BR" sz="4400" spc="-1" strike="noStrike">
+              <a:latin typeface="Arial"/>
             </a:endParaRPr>
           </a:p>
         </p:txBody>
@@ -2743,7 +704,7 @@
             <a:spLocks noGrp="1"/>
           </p:cNvSpPr>
           <p:nvPr>
-            <p:ph/>
+            <p:ph type="body"/>
           </p:nvPr>
         </p:nvSpPr>
         <p:spPr>
@@ -2754,30 +715,14 @@
           <a:prstGeom prst="rect">
             <a:avLst/>
           </a:prstGeom>
-          <a:noFill/>
-          <a:ln w="0">
-            <a:noFill/>
-          </a:ln>
-        </p:spPr>
-        <p:txBody>
-          <a:bodyPr lIns="0" rIns="0" tIns="0" bIns="0" anchor="t">
+        </p:spPr>
+        <p:txBody>
+          <a:bodyPr lIns="0" rIns="0" tIns="0" bIns="0">
             <a:normAutofit/>
           </a:bodyPr>
           <a:p>
-            <a:pPr>
-              <a:lnSpc>
-                <a:spcPct val="90000"/>
-              </a:lnSpc>
-              <a:spcBef>
-                <a:spcPts val="1417"/>
-              </a:spcBef>
-              <a:buNone/>
-            </a:pPr>
-            <a:endParaRPr b="0" lang="pt-BR" sz="2800" spc="-1" strike="noStrike">
-              <a:solidFill>
-                <a:srgbClr val="000000"/>
-              </a:solidFill>
-              <a:latin typeface="思源黑体 CN Light"/>
+            <a:endParaRPr b="0" lang="pt-BR" sz="3200" spc="-1" strike="noStrike">
+              <a:latin typeface="Arial"/>
             </a:endParaRPr>
           </a:p>
         </p:txBody>
@@ -2822,21 +767,15 @@
           <a:prstGeom prst="rect">
             <a:avLst/>
           </a:prstGeom>
-          <a:noFill/>
-          <a:ln w="0">
-            <a:noFill/>
-          </a:ln>
         </p:spPr>
         <p:txBody>
           <a:bodyPr lIns="0" rIns="0" tIns="0" bIns="0" anchor="ctr">
             <a:noAutofit/>
           </a:bodyPr>
           <a:p>
-            <a:endParaRPr b="0" lang="pt-BR" sz="1800" spc="-1" strike="noStrike">
-              <a:solidFill>
-                <a:srgbClr val="000000"/>
-              </a:solidFill>
-              <a:latin typeface="思源黑体 CN Light"/>
+            <a:pPr algn="ctr"/>
+            <a:endParaRPr b="0" lang="pt-BR" sz="4400" spc="-1" strike="noStrike">
+              <a:latin typeface="Arial"/>
             </a:endParaRPr>
           </a:p>
         </p:txBody>
@@ -2848,7 +787,7 @@
             <a:spLocks noGrp="1"/>
           </p:cNvSpPr>
           <p:nvPr>
-            <p:ph/>
+            <p:ph type="body"/>
           </p:nvPr>
         </p:nvSpPr>
         <p:spPr>
@@ -2859,30 +798,14 @@
           <a:prstGeom prst="rect">
             <a:avLst/>
           </a:prstGeom>
-          <a:noFill/>
-          <a:ln w="0">
-            <a:noFill/>
-          </a:ln>
-        </p:spPr>
-        <p:txBody>
-          <a:bodyPr lIns="0" rIns="0" tIns="0" bIns="0" anchor="t">
+        </p:spPr>
+        <p:txBody>
+          <a:bodyPr lIns="0" rIns="0" tIns="0" bIns="0">
             <a:normAutofit/>
           </a:bodyPr>
           <a:p>
-            <a:pPr>
-              <a:lnSpc>
-                <a:spcPct val="90000"/>
-              </a:lnSpc>
-              <a:spcBef>
-                <a:spcPts val="1417"/>
-              </a:spcBef>
-              <a:buNone/>
-            </a:pPr>
-            <a:endParaRPr b="0" lang="pt-BR" sz="2800" spc="-1" strike="noStrike">
-              <a:solidFill>
-                <a:srgbClr val="000000"/>
-              </a:solidFill>
-              <a:latin typeface="思源黑体 CN Light"/>
+            <a:endParaRPr b="0" lang="pt-BR" sz="3200" spc="-1" strike="noStrike">
+              <a:latin typeface="Arial"/>
             </a:endParaRPr>
           </a:p>
         </p:txBody>
@@ -2894,7 +817,7 @@
             <a:spLocks noGrp="1"/>
           </p:cNvSpPr>
           <p:nvPr>
-            <p:ph/>
+            <p:ph type="body"/>
           </p:nvPr>
         </p:nvSpPr>
         <p:spPr>
@@ -2905,30 +828,14 @@
           <a:prstGeom prst="rect">
             <a:avLst/>
           </a:prstGeom>
-          <a:noFill/>
-          <a:ln w="0">
-            <a:noFill/>
-          </a:ln>
-        </p:spPr>
-        <p:txBody>
-          <a:bodyPr lIns="0" rIns="0" tIns="0" bIns="0" anchor="t">
+        </p:spPr>
+        <p:txBody>
+          <a:bodyPr lIns="0" rIns="0" tIns="0" bIns="0">
             <a:normAutofit/>
           </a:bodyPr>
           <a:p>
-            <a:pPr>
-              <a:lnSpc>
-                <a:spcPct val="90000"/>
-              </a:lnSpc>
-              <a:spcBef>
-                <a:spcPts val="1417"/>
-              </a:spcBef>
-              <a:buNone/>
-            </a:pPr>
-            <a:endParaRPr b="0" lang="pt-BR" sz="2800" spc="-1" strike="noStrike">
-              <a:solidFill>
-                <a:srgbClr val="000000"/>
-              </a:solidFill>
-              <a:latin typeface="思源黑体 CN Light"/>
+            <a:endParaRPr b="0" lang="pt-BR" sz="3200" spc="-1" strike="noStrike">
+              <a:latin typeface="Arial"/>
             </a:endParaRPr>
           </a:p>
         </p:txBody>
@@ -2973,21 +880,15 @@
           <a:prstGeom prst="rect">
             <a:avLst/>
           </a:prstGeom>
-          <a:noFill/>
-          <a:ln w="0">
-            <a:noFill/>
-          </a:ln>
         </p:spPr>
         <p:txBody>
           <a:bodyPr lIns="0" rIns="0" tIns="0" bIns="0" anchor="ctr">
             <a:noAutofit/>
           </a:bodyPr>
           <a:p>
-            <a:endParaRPr b="0" lang="pt-BR" sz="1800" spc="-1" strike="noStrike">
-              <a:solidFill>
-                <a:srgbClr val="000000"/>
-              </a:solidFill>
-              <a:latin typeface="思源黑体 CN Light"/>
+            <a:pPr algn="ctr"/>
+            <a:endParaRPr b="0" lang="pt-BR" sz="4400" spc="-1" strike="noStrike">
+              <a:latin typeface="Arial"/>
             </a:endParaRPr>
           </a:p>
         </p:txBody>
@@ -3032,19 +933,13 @@
           <a:prstGeom prst="rect">
             <a:avLst/>
           </a:prstGeom>
-          <a:noFill/>
-          <a:ln w="0">
-            <a:noFill/>
-          </a:ln>
         </p:spPr>
         <p:txBody>
           <a:bodyPr lIns="0" rIns="0" tIns="0" bIns="0" anchor="ctr">
             <a:noAutofit/>
           </a:bodyPr>
           <a:p>
-            <a:pPr algn="ctr">
-              <a:buNone/>
-            </a:pPr>
+            <a:pPr algn="ctr"/>
             <a:endParaRPr b="0" lang="pt-BR" sz="3200" spc="-1" strike="noStrike">
               <a:latin typeface="Arial"/>
             </a:endParaRPr>
@@ -3091,21 +986,15 @@
           <a:prstGeom prst="rect">
             <a:avLst/>
           </a:prstGeom>
-          <a:noFill/>
-          <a:ln w="0">
-            <a:noFill/>
-          </a:ln>
         </p:spPr>
         <p:txBody>
           <a:bodyPr lIns="0" rIns="0" tIns="0" bIns="0" anchor="ctr">
             <a:noAutofit/>
           </a:bodyPr>
           <a:p>
-            <a:endParaRPr b="0" lang="pt-BR" sz="1800" spc="-1" strike="noStrike">
-              <a:solidFill>
-                <a:srgbClr val="000000"/>
-              </a:solidFill>
-              <a:latin typeface="思源黑体 CN Light"/>
+            <a:pPr algn="ctr"/>
+            <a:endParaRPr b="0" lang="pt-BR" sz="4400" spc="-1" strike="noStrike">
+              <a:latin typeface="Arial"/>
             </a:endParaRPr>
           </a:p>
         </p:txBody>
@@ -3117,7 +1006,7 @@
             <a:spLocks noGrp="1"/>
           </p:cNvSpPr>
           <p:nvPr>
-            <p:ph/>
+            <p:ph type="body"/>
           </p:nvPr>
         </p:nvSpPr>
         <p:spPr>
@@ -3128,30 +1017,14 @@
           <a:prstGeom prst="rect">
             <a:avLst/>
           </a:prstGeom>
-          <a:noFill/>
-          <a:ln w="0">
-            <a:noFill/>
-          </a:ln>
-        </p:spPr>
-        <p:txBody>
-          <a:bodyPr lIns="0" rIns="0" tIns="0" bIns="0" anchor="t">
+        </p:spPr>
+        <p:txBody>
+          <a:bodyPr lIns="0" rIns="0" tIns="0" bIns="0">
             <a:normAutofit/>
           </a:bodyPr>
           <a:p>
-            <a:pPr>
-              <a:lnSpc>
-                <a:spcPct val="90000"/>
-              </a:lnSpc>
-              <a:spcBef>
-                <a:spcPts val="1417"/>
-              </a:spcBef>
-              <a:buNone/>
-            </a:pPr>
-            <a:endParaRPr b="0" lang="pt-BR" sz="2800" spc="-1" strike="noStrike">
-              <a:solidFill>
-                <a:srgbClr val="000000"/>
-              </a:solidFill>
-              <a:latin typeface="思源黑体 CN Light"/>
+            <a:endParaRPr b="0" lang="pt-BR" sz="3200" spc="-1" strike="noStrike">
+              <a:latin typeface="Arial"/>
             </a:endParaRPr>
           </a:p>
         </p:txBody>
@@ -3163,7 +1036,7 @@
             <a:spLocks noGrp="1"/>
           </p:cNvSpPr>
           <p:nvPr>
-            <p:ph/>
+            <p:ph type="body"/>
           </p:nvPr>
         </p:nvSpPr>
         <p:spPr>
@@ -3174,30 +1047,14 @@
           <a:prstGeom prst="rect">
             <a:avLst/>
           </a:prstGeom>
-          <a:noFill/>
-          <a:ln w="0">
-            <a:noFill/>
-          </a:ln>
-        </p:spPr>
-        <p:txBody>
-          <a:bodyPr lIns="0" rIns="0" tIns="0" bIns="0" anchor="t">
+        </p:spPr>
+        <p:txBody>
+          <a:bodyPr lIns="0" rIns="0" tIns="0" bIns="0">
             <a:normAutofit/>
           </a:bodyPr>
           <a:p>
-            <a:pPr>
-              <a:lnSpc>
-                <a:spcPct val="90000"/>
-              </a:lnSpc>
-              <a:spcBef>
-                <a:spcPts val="1417"/>
-              </a:spcBef>
-              <a:buNone/>
-            </a:pPr>
-            <a:endParaRPr b="0" lang="pt-BR" sz="2800" spc="-1" strike="noStrike">
-              <a:solidFill>
-                <a:srgbClr val="000000"/>
-              </a:solidFill>
-              <a:latin typeface="思源黑体 CN Light"/>
+            <a:endParaRPr b="0" lang="pt-BR" sz="3200" spc="-1" strike="noStrike">
+              <a:latin typeface="Arial"/>
             </a:endParaRPr>
           </a:p>
         </p:txBody>
@@ -3209,7 +1066,7 @@
             <a:spLocks noGrp="1"/>
           </p:cNvSpPr>
           <p:nvPr>
-            <p:ph/>
+            <p:ph type="body"/>
           </p:nvPr>
         </p:nvSpPr>
         <p:spPr>
@@ -3220,30 +1077,14 @@
           <a:prstGeom prst="rect">
             <a:avLst/>
           </a:prstGeom>
-          <a:noFill/>
-          <a:ln w="0">
-            <a:noFill/>
-          </a:ln>
-        </p:spPr>
-        <p:txBody>
-          <a:bodyPr lIns="0" rIns="0" tIns="0" bIns="0" anchor="t">
+        </p:spPr>
+        <p:txBody>
+          <a:bodyPr lIns="0" rIns="0" tIns="0" bIns="0">
             <a:normAutofit/>
           </a:bodyPr>
           <a:p>
-            <a:pPr>
-              <a:lnSpc>
-                <a:spcPct val="90000"/>
-              </a:lnSpc>
-              <a:spcBef>
-                <a:spcPts val="1417"/>
-              </a:spcBef>
-              <a:buNone/>
-            </a:pPr>
-            <a:endParaRPr b="0" lang="pt-BR" sz="2800" spc="-1" strike="noStrike">
-              <a:solidFill>
-                <a:srgbClr val="000000"/>
-              </a:solidFill>
-              <a:latin typeface="思源黑体 CN Light"/>
+            <a:endParaRPr b="0" lang="pt-BR" sz="3200" spc="-1" strike="noStrike">
+              <a:latin typeface="Arial"/>
             </a:endParaRPr>
           </a:p>
         </p:txBody>
@@ -3288,21 +1129,15 @@
           <a:prstGeom prst="rect">
             <a:avLst/>
           </a:prstGeom>
-          <a:noFill/>
-          <a:ln w="0">
-            <a:noFill/>
-          </a:ln>
         </p:spPr>
         <p:txBody>
           <a:bodyPr lIns="0" rIns="0" tIns="0" bIns="0" anchor="ctr">
             <a:noAutofit/>
           </a:bodyPr>
           <a:p>
-            <a:endParaRPr b="0" lang="pt-BR" sz="1800" spc="-1" strike="noStrike">
-              <a:solidFill>
-                <a:srgbClr val="000000"/>
-              </a:solidFill>
-              <a:latin typeface="思源黑体 CN Light"/>
+            <a:pPr algn="ctr"/>
+            <a:endParaRPr b="0" lang="pt-BR" sz="4400" spc="-1" strike="noStrike">
+              <a:latin typeface="Arial"/>
             </a:endParaRPr>
           </a:p>
         </p:txBody>
@@ -3314,7 +1149,7 @@
             <a:spLocks noGrp="1"/>
           </p:cNvSpPr>
           <p:nvPr>
-            <p:ph/>
+            <p:ph type="body"/>
           </p:nvPr>
         </p:nvSpPr>
         <p:spPr>
@@ -3325,30 +1160,14 @@
           <a:prstGeom prst="rect">
             <a:avLst/>
           </a:prstGeom>
-          <a:noFill/>
-          <a:ln w="0">
-            <a:noFill/>
-          </a:ln>
-        </p:spPr>
-        <p:txBody>
-          <a:bodyPr lIns="0" rIns="0" tIns="0" bIns="0" anchor="t">
+        </p:spPr>
+        <p:txBody>
+          <a:bodyPr lIns="0" rIns="0" tIns="0" bIns="0">
             <a:normAutofit/>
           </a:bodyPr>
           <a:p>
-            <a:pPr>
-              <a:lnSpc>
-                <a:spcPct val="90000"/>
-              </a:lnSpc>
-              <a:spcBef>
-                <a:spcPts val="1417"/>
-              </a:spcBef>
-              <a:buNone/>
-            </a:pPr>
-            <a:endParaRPr b="0" lang="pt-BR" sz="2800" spc="-1" strike="noStrike">
-              <a:solidFill>
-                <a:srgbClr val="000000"/>
-              </a:solidFill>
-              <a:latin typeface="思源黑体 CN Light"/>
+            <a:endParaRPr b="0" lang="pt-BR" sz="3200" spc="-1" strike="noStrike">
+              <a:latin typeface="Arial"/>
             </a:endParaRPr>
           </a:p>
         </p:txBody>
@@ -3360,7 +1179,7 @@
             <a:spLocks noGrp="1"/>
           </p:cNvSpPr>
           <p:nvPr>
-            <p:ph/>
+            <p:ph type="body"/>
           </p:nvPr>
         </p:nvSpPr>
         <p:spPr>
@@ -3371,30 +1190,14 @@
           <a:prstGeom prst="rect">
             <a:avLst/>
           </a:prstGeom>
-          <a:noFill/>
-          <a:ln w="0">
-            <a:noFill/>
-          </a:ln>
-        </p:spPr>
-        <p:txBody>
-          <a:bodyPr lIns="0" rIns="0" tIns="0" bIns="0" anchor="t">
+        </p:spPr>
+        <p:txBody>
+          <a:bodyPr lIns="0" rIns="0" tIns="0" bIns="0">
             <a:normAutofit/>
           </a:bodyPr>
           <a:p>
-            <a:pPr>
-              <a:lnSpc>
-                <a:spcPct val="90000"/>
-              </a:lnSpc>
-              <a:spcBef>
-                <a:spcPts val="1417"/>
-              </a:spcBef>
-              <a:buNone/>
-            </a:pPr>
-            <a:endParaRPr b="0" lang="pt-BR" sz="2800" spc="-1" strike="noStrike">
-              <a:solidFill>
-                <a:srgbClr val="000000"/>
-              </a:solidFill>
-              <a:latin typeface="思源黑体 CN Light"/>
+            <a:endParaRPr b="0" lang="pt-BR" sz="3200" spc="-1" strike="noStrike">
+              <a:latin typeface="Arial"/>
             </a:endParaRPr>
           </a:p>
         </p:txBody>
@@ -3406,7 +1209,7 @@
             <a:spLocks noGrp="1"/>
           </p:cNvSpPr>
           <p:nvPr>
-            <p:ph/>
+            <p:ph type="body"/>
           </p:nvPr>
         </p:nvSpPr>
         <p:spPr>
@@ -3417,30 +1220,14 @@
           <a:prstGeom prst="rect">
             <a:avLst/>
           </a:prstGeom>
-          <a:noFill/>
-          <a:ln w="0">
-            <a:noFill/>
-          </a:ln>
-        </p:spPr>
-        <p:txBody>
-          <a:bodyPr lIns="0" rIns="0" tIns="0" bIns="0" anchor="t">
+        </p:spPr>
+        <p:txBody>
+          <a:bodyPr lIns="0" rIns="0" tIns="0" bIns="0">
             <a:normAutofit/>
           </a:bodyPr>
           <a:p>
-            <a:pPr>
-              <a:lnSpc>
-                <a:spcPct val="90000"/>
-              </a:lnSpc>
-              <a:spcBef>
-                <a:spcPts val="1417"/>
-              </a:spcBef>
-              <a:buNone/>
-            </a:pPr>
-            <a:endParaRPr b="0" lang="pt-BR" sz="2800" spc="-1" strike="noStrike">
-              <a:solidFill>
-                <a:srgbClr val="000000"/>
-              </a:solidFill>
-              <a:latin typeface="思源黑体 CN Light"/>
+            <a:endParaRPr b="0" lang="pt-BR" sz="3200" spc="-1" strike="noStrike">
+              <a:latin typeface="Arial"/>
             </a:endParaRPr>
           </a:p>
         </p:txBody>
@@ -3485,21 +1272,15 @@
           <a:prstGeom prst="rect">
             <a:avLst/>
           </a:prstGeom>
-          <a:noFill/>
-          <a:ln w="0">
-            <a:noFill/>
-          </a:ln>
         </p:spPr>
         <p:txBody>
           <a:bodyPr lIns="0" rIns="0" tIns="0" bIns="0" anchor="ctr">
             <a:noAutofit/>
           </a:bodyPr>
           <a:p>
-            <a:endParaRPr b="0" lang="pt-BR" sz="1800" spc="-1" strike="noStrike">
-              <a:solidFill>
-                <a:srgbClr val="000000"/>
-              </a:solidFill>
-              <a:latin typeface="思源黑体 CN Light"/>
+            <a:pPr algn="ctr"/>
+            <a:endParaRPr b="0" lang="pt-BR" sz="4400" spc="-1" strike="noStrike">
+              <a:latin typeface="Arial"/>
             </a:endParaRPr>
           </a:p>
         </p:txBody>
@@ -3511,7 +1292,7 @@
             <a:spLocks noGrp="1"/>
           </p:cNvSpPr>
           <p:nvPr>
-            <p:ph/>
+            <p:ph type="body"/>
           </p:nvPr>
         </p:nvSpPr>
         <p:spPr>
@@ -3522,30 +1303,14 @@
           <a:prstGeom prst="rect">
             <a:avLst/>
           </a:prstGeom>
-          <a:noFill/>
-          <a:ln w="0">
-            <a:noFill/>
-          </a:ln>
-        </p:spPr>
-        <p:txBody>
-          <a:bodyPr lIns="0" rIns="0" tIns="0" bIns="0" anchor="t">
+        </p:spPr>
+        <p:txBody>
+          <a:bodyPr lIns="0" rIns="0" tIns="0" bIns="0">
             <a:normAutofit/>
           </a:bodyPr>
           <a:p>
-            <a:pPr>
-              <a:lnSpc>
-                <a:spcPct val="90000"/>
-              </a:lnSpc>
-              <a:spcBef>
-                <a:spcPts val="1417"/>
-              </a:spcBef>
-              <a:buNone/>
-            </a:pPr>
-            <a:endParaRPr b="0" lang="pt-BR" sz="2800" spc="-1" strike="noStrike">
-              <a:solidFill>
-                <a:srgbClr val="000000"/>
-              </a:solidFill>
-              <a:latin typeface="思源黑体 CN Light"/>
+            <a:endParaRPr b="0" lang="pt-BR" sz="3200" spc="-1" strike="noStrike">
+              <a:latin typeface="Arial"/>
             </a:endParaRPr>
           </a:p>
         </p:txBody>
@@ -3557,7 +1322,7 @@
             <a:spLocks noGrp="1"/>
           </p:cNvSpPr>
           <p:nvPr>
-            <p:ph/>
+            <p:ph type="body"/>
           </p:nvPr>
         </p:nvSpPr>
         <p:spPr>
@@ -3568,30 +1333,14 @@
           <a:prstGeom prst="rect">
             <a:avLst/>
           </a:prstGeom>
-          <a:noFill/>
-          <a:ln w="0">
-            <a:noFill/>
-          </a:ln>
-        </p:spPr>
-        <p:txBody>
-          <a:bodyPr lIns="0" rIns="0" tIns="0" bIns="0" anchor="t">
+        </p:spPr>
+        <p:txBody>
+          <a:bodyPr lIns="0" rIns="0" tIns="0" bIns="0">
             <a:normAutofit/>
           </a:bodyPr>
           <a:p>
-            <a:pPr>
-              <a:lnSpc>
-                <a:spcPct val="90000"/>
-              </a:lnSpc>
-              <a:spcBef>
-                <a:spcPts val="1417"/>
-              </a:spcBef>
-              <a:buNone/>
-            </a:pPr>
-            <a:endParaRPr b="0" lang="pt-BR" sz="2800" spc="-1" strike="noStrike">
-              <a:solidFill>
-                <a:srgbClr val="000000"/>
-              </a:solidFill>
-              <a:latin typeface="思源黑体 CN Light"/>
+            <a:endParaRPr b="0" lang="pt-BR" sz="3200" spc="-1" strike="noStrike">
+              <a:latin typeface="Arial"/>
             </a:endParaRPr>
           </a:p>
         </p:txBody>
@@ -3603,7 +1352,7 @@
             <a:spLocks noGrp="1"/>
           </p:cNvSpPr>
           <p:nvPr>
-            <p:ph/>
+            <p:ph type="body"/>
           </p:nvPr>
         </p:nvSpPr>
         <p:spPr>
@@ -3614,30 +1363,14 @@
           <a:prstGeom prst="rect">
             <a:avLst/>
           </a:prstGeom>
-          <a:noFill/>
-          <a:ln w="0">
-            <a:noFill/>
-          </a:ln>
-        </p:spPr>
-        <p:txBody>
-          <a:bodyPr lIns="0" rIns="0" tIns="0" bIns="0" anchor="t">
+        </p:spPr>
+        <p:txBody>
+          <a:bodyPr lIns="0" rIns="0" tIns="0" bIns="0">
             <a:normAutofit/>
           </a:bodyPr>
           <a:p>
-            <a:pPr>
-              <a:lnSpc>
-                <a:spcPct val="90000"/>
-              </a:lnSpc>
-              <a:spcBef>
-                <a:spcPts val="1417"/>
-              </a:spcBef>
-              <a:buNone/>
-            </a:pPr>
-            <a:endParaRPr b="0" lang="pt-BR" sz="2800" spc="-1" strike="noStrike">
-              <a:solidFill>
-                <a:srgbClr val="000000"/>
-              </a:solidFill>
-              <a:latin typeface="思源黑体 CN Light"/>
+            <a:endParaRPr b="0" lang="pt-BR" sz="3200" spc="-1" strike="noStrike">
+              <a:latin typeface="Arial"/>
             </a:endParaRPr>
           </a:p>
         </p:txBody>
@@ -3654,7 +1387,9 @@
       <p:bgPr>
         <a:blipFill rotWithShape="0">
           <a:blip r:embed="rId2"/>
-          <a:stretch/>
+          <a:stretch>
+            <a:fillRect/>
+          </a:stretch>
         </a:blipFill>
       </p:bgPr>
     </p:bg>
@@ -3690,39 +1425,39 @@
           <a:prstGeom prst="rect">
             <a:avLst/>
           </a:prstGeom>
-          <a:noFill/>
-          <a:ln w="0">
-            <a:noFill/>
-          </a:ln>
         </p:spPr>
         <p:txBody>
           <a:bodyPr lIns="0" rIns="0" tIns="0" bIns="0" anchor="ctr">
             <a:noAutofit/>
           </a:bodyPr>
           <a:p>
+            <a:pPr algn="ctr"/>
             <a:r>
-              <a:rPr b="0" lang="pt-BR" sz="1800" spc="-1" strike="noStrike">
-                <a:solidFill>
-                  <a:srgbClr val="000000"/>
-                </a:solidFill>
-                <a:latin typeface="思源黑体 CN Light"/>
+              <a:rPr b="0" lang="pt-BR" sz="4400" spc="-1" strike="noStrike">
+                <a:latin typeface="Arial"/>
               </a:rPr>
-              <a:t>Click to edit the </a:t>
+              <a:t>Clique para </a:t>
             </a:r>
             <a:r>
-              <a:rPr b="0" lang="pt-BR" sz="1800" spc="-1" strike="noStrike">
-                <a:solidFill>
-                  <a:srgbClr val="000000"/>
-                </a:solidFill>
-                <a:latin typeface="思源黑体 CN Light"/>
+              <a:rPr b="0" lang="pt-BR" sz="4400" spc="-1" strike="noStrike">
+                <a:latin typeface="Arial"/>
               </a:rPr>
-              <a:t>title text format</a:t>
+              <a:t>editar o formato </a:t>
             </a:r>
-            <a:endParaRPr b="0" lang="pt-BR" sz="1800" spc="-1" strike="noStrike">
-              <a:solidFill>
-                <a:srgbClr val="000000"/>
-              </a:solidFill>
-              <a:latin typeface="思源黑体 CN Light"/>
+            <a:r>
+              <a:rPr b="0" lang="pt-BR" sz="4400" spc="-1" strike="noStrike">
+                <a:latin typeface="Arial"/>
+              </a:rPr>
+              <a:t>do texto do </a:t>
+            </a:r>
+            <a:r>
+              <a:rPr b="0" lang="pt-BR" sz="4400" spc="-1" strike="noStrike">
+                <a:latin typeface="Arial"/>
+              </a:rPr>
+              <a:t>título</a:t>
+            </a:r>
+            <a:endParaRPr b="0" lang="pt-BR" sz="4400" spc="-1" strike="noStrike">
+              <a:latin typeface="Arial"/>
             </a:endParaRPr>
           </a:p>
         </p:txBody>
@@ -3745,20 +1480,13 @@
           <a:prstGeom prst="rect">
             <a:avLst/>
           </a:prstGeom>
-          <a:noFill/>
-          <a:ln w="0">
-            <a:noFill/>
-          </a:ln>
-        </p:spPr>
-        <p:txBody>
-          <a:bodyPr lIns="0" rIns="0" tIns="0" bIns="0" anchor="t">
+        </p:spPr>
+        <p:txBody>
+          <a:bodyPr lIns="0" rIns="0" tIns="0" bIns="0">
             <a:normAutofit/>
           </a:bodyPr>
           <a:p>
             <a:pPr marL="432000" indent="-324000">
-              <a:lnSpc>
-                <a:spcPct val="90000"/>
-              </a:lnSpc>
               <a:spcBef>
                 <a:spcPts val="1417"/>
               </a:spcBef>
@@ -3770,26 +1498,17 @@
               <a:buChar char=""/>
             </a:pPr>
             <a:r>
-              <a:rPr b="0" lang="pt-BR" sz="2800" spc="-1" strike="noStrike">
-                <a:solidFill>
-                  <a:srgbClr val="000000"/>
-                </a:solidFill>
-                <a:latin typeface="思源黑体 CN Light"/>
+              <a:rPr b="0" lang="pt-BR" sz="3200" spc="-1" strike="noStrike">
+                <a:latin typeface="Arial"/>
               </a:rPr>
-              <a:t>Click to edit the outline text format</a:t>
+              <a:t>Clique para editar o formato do texto da estrutura de tópicos</a:t>
             </a:r>
-            <a:endParaRPr b="0" lang="pt-BR" sz="2800" spc="-1" strike="noStrike">
-              <a:solidFill>
-                <a:srgbClr val="000000"/>
-              </a:solidFill>
-              <a:latin typeface="思源黑体 CN Light"/>
+            <a:endParaRPr b="0" lang="pt-BR" sz="3200" spc="-1" strike="noStrike">
+              <a:latin typeface="Arial"/>
             </a:endParaRPr>
           </a:p>
           <a:p>
             <a:pPr lvl="1" marL="864000" indent="-324000">
-              <a:lnSpc>
-                <a:spcPct val="90000"/>
-              </a:lnSpc>
               <a:spcBef>
                 <a:spcPts val="1134"/>
               </a:spcBef>
@@ -3801,26 +1520,17 @@
               <a:buChar char=""/>
             </a:pPr>
             <a:r>
-              <a:rPr b="0" lang="pt-BR" sz="2000" spc="-1" strike="noStrike">
-                <a:solidFill>
-                  <a:srgbClr val="000000"/>
-                </a:solidFill>
-                <a:latin typeface="思源黑体 CN Light"/>
+              <a:rPr b="0" lang="pt-BR" sz="2800" spc="-1" strike="noStrike">
+                <a:latin typeface="Arial"/>
               </a:rPr>
-              <a:t>Second Outline Level</a:t>
+              <a:t>2.º nível da estrutura de tópicos</a:t>
             </a:r>
-            <a:endParaRPr b="0" lang="pt-BR" sz="2000" spc="-1" strike="noStrike">
-              <a:solidFill>
-                <a:srgbClr val="000000"/>
-              </a:solidFill>
-              <a:latin typeface="思源黑体 CN Light"/>
+            <a:endParaRPr b="0" lang="pt-BR" sz="2800" spc="-1" strike="noStrike">
+              <a:latin typeface="Arial"/>
             </a:endParaRPr>
           </a:p>
           <a:p>
             <a:pPr lvl="2" marL="1296000" indent="-288000">
-              <a:lnSpc>
-                <a:spcPct val="90000"/>
-              </a:lnSpc>
               <a:spcBef>
                 <a:spcPts val="850"/>
               </a:spcBef>
@@ -3832,26 +1542,17 @@
               <a:buChar char=""/>
             </a:pPr>
             <a:r>
-              <a:rPr b="0" lang="pt-BR" sz="1800" spc="-1" strike="noStrike">
-                <a:solidFill>
-                  <a:srgbClr val="000000"/>
-                </a:solidFill>
-                <a:latin typeface="思源黑体 CN Light"/>
+              <a:rPr b="0" lang="pt-BR" sz="2400" spc="-1" strike="noStrike">
+                <a:latin typeface="Arial"/>
               </a:rPr>
-              <a:t>Third Outline Level</a:t>
+              <a:t>3.º nível da estrutura de tópicos</a:t>
             </a:r>
-            <a:endParaRPr b="0" lang="pt-BR" sz="1800" spc="-1" strike="noStrike">
-              <a:solidFill>
-                <a:srgbClr val="000000"/>
-              </a:solidFill>
-              <a:latin typeface="思源黑体 CN Light"/>
+            <a:endParaRPr b="0" lang="pt-BR" sz="2400" spc="-1" strike="noStrike">
+              <a:latin typeface="Arial"/>
             </a:endParaRPr>
           </a:p>
           <a:p>
             <a:pPr lvl="3" marL="1728000" indent="-216000">
-              <a:lnSpc>
-                <a:spcPct val="90000"/>
-              </a:lnSpc>
               <a:spcBef>
                 <a:spcPts val="567"/>
               </a:spcBef>
@@ -3863,26 +1564,17 @@
               <a:buChar char=""/>
             </a:pPr>
             <a:r>
-              <a:rPr b="0" lang="pt-BR" sz="1800" spc="-1" strike="noStrike">
-                <a:solidFill>
-                  <a:srgbClr val="000000"/>
-                </a:solidFill>
-                <a:latin typeface="思源黑体 CN Light"/>
+              <a:rPr b="0" lang="pt-BR" sz="2000" spc="-1" strike="noStrike">
+                <a:latin typeface="Arial"/>
               </a:rPr>
-              <a:t>Fourth Outline Level</a:t>
+              <a:t>4.º nível da estrutura de tópicos</a:t>
             </a:r>
-            <a:endParaRPr b="0" lang="pt-BR" sz="1800" spc="-1" strike="noStrike">
-              <a:solidFill>
-                <a:srgbClr val="000000"/>
-              </a:solidFill>
-              <a:latin typeface="思源黑体 CN Light"/>
+            <a:endParaRPr b="0" lang="pt-BR" sz="2000" spc="-1" strike="noStrike">
+              <a:latin typeface="Arial"/>
             </a:endParaRPr>
           </a:p>
           <a:p>
             <a:pPr lvl="4" marL="2160000" indent="-216000">
-              <a:lnSpc>
-                <a:spcPct val="90000"/>
-              </a:lnSpc>
               <a:spcBef>
                 <a:spcPts val="283"/>
               </a:spcBef>
@@ -3895,25 +1587,16 @@
             </a:pPr>
             <a:r>
               <a:rPr b="0" lang="pt-BR" sz="2000" spc="-1" strike="noStrike">
-                <a:solidFill>
-                  <a:srgbClr val="000000"/>
-                </a:solidFill>
-                <a:latin typeface="思源黑体 CN Light"/>
+                <a:latin typeface="Arial"/>
               </a:rPr>
-              <a:t>Fifth Outline Level</a:t>
+              <a:t>5.º nível da estrutura de tópicos</a:t>
             </a:r>
             <a:endParaRPr b="0" lang="pt-BR" sz="2000" spc="-1" strike="noStrike">
-              <a:solidFill>
-                <a:srgbClr val="000000"/>
-              </a:solidFill>
-              <a:latin typeface="思源黑体 CN Light"/>
+              <a:latin typeface="Arial"/>
             </a:endParaRPr>
           </a:p>
           <a:p>
             <a:pPr lvl="5" marL="2592000" indent="-216000">
-              <a:lnSpc>
-                <a:spcPct val="90000"/>
-              </a:lnSpc>
               <a:spcBef>
                 <a:spcPts val="283"/>
               </a:spcBef>
@@ -3926,25 +1609,16 @@
             </a:pPr>
             <a:r>
               <a:rPr b="0" lang="pt-BR" sz="2000" spc="-1" strike="noStrike">
-                <a:solidFill>
-                  <a:srgbClr val="000000"/>
-                </a:solidFill>
-                <a:latin typeface="思源黑体 CN Light"/>
+                <a:latin typeface="Arial"/>
               </a:rPr>
-              <a:t>Sixth Outline Level</a:t>
+              <a:t>6.º nível da estrutura de tópicos</a:t>
             </a:r>
             <a:endParaRPr b="0" lang="pt-BR" sz="2000" spc="-1" strike="noStrike">
-              <a:solidFill>
-                <a:srgbClr val="000000"/>
-              </a:solidFill>
-              <a:latin typeface="思源黑体 CN Light"/>
+              <a:latin typeface="Arial"/>
             </a:endParaRPr>
           </a:p>
           <a:p>
             <a:pPr lvl="6" marL="3024000" indent="-216000">
-              <a:lnSpc>
-                <a:spcPct val="90000"/>
-              </a:lnSpc>
               <a:spcBef>
                 <a:spcPts val="283"/>
               </a:spcBef>
@@ -3957,18 +1631,12 @@
             </a:pPr>
             <a:r>
               <a:rPr b="0" lang="pt-BR" sz="2000" spc="-1" strike="noStrike">
-                <a:solidFill>
-                  <a:srgbClr val="000000"/>
-                </a:solidFill>
-                <a:latin typeface="思源黑体 CN Light"/>
+                <a:latin typeface="Arial"/>
               </a:rPr>
-              <a:t>Seventh Outline Level</a:t>
+              <a:t>7.º nível da estrutura de tópicos</a:t>
             </a:r>
             <a:endParaRPr b="0" lang="pt-BR" sz="2000" spc="-1" strike="noStrike">
-              <a:solidFill>
-                <a:srgbClr val="000000"/>
-              </a:solidFill>
-              <a:latin typeface="思源黑体 CN Light"/>
+              <a:latin typeface="Arial"/>
             </a:endParaRPr>
           </a:p>
         </p:txBody>
@@ -3989,147 +1657,6 @@
     <p:sldLayoutId id="2147483658" r:id="rId12"/>
     <p:sldLayoutId id="2147483659" r:id="rId13"/>
     <p:sldLayoutId id="2147483660" r:id="rId14"/>
-  </p:sldLayoutIdLst>
-</p:sldMaster>
-</file>
-
-<file path=ppt/slideMasters/slideMaster2.xml><?xml version="1.0" encoding="utf-8"?>
-<p:sldMaster xmlns:a="http://schemas.openxmlformats.org/drawingml/2006/main" xmlns:p="http://schemas.openxmlformats.org/presentationml/2006/main" xmlns:r="http://schemas.openxmlformats.org/officeDocument/2006/relationships" xmlns:p14="http://schemas.microsoft.com/office/powerpoint/2010/main" xmlns:p15="http://schemas.microsoft.com/office/powerpoint/2012/main" xmlns:mc="http://schemas.openxmlformats.org/markup-compatibility/2006">
-  <p:cSld>
-    <p:bg>
-      <p:bgPr>
-        <a:blipFill rotWithShape="0">
-          <a:blip r:embed="rId2"/>
-          <a:stretch/>
-        </a:blipFill>
-      </p:bgPr>
-    </p:bg>
-    <p:spTree>
-      <p:nvGrpSpPr>
-        <p:cNvPr id="1" name=""/>
-        <p:cNvGrpSpPr/>
-        <p:nvPr/>
-      </p:nvGrpSpPr>
-      <p:grpSpPr>
-        <a:xfrm>
-          <a:off x="0" y="0"/>
-          <a:ext cx="0" cy="0"/>
-          <a:chOff x="0" y="0"/>
-          <a:chExt cx="0" cy="0"/>
-        </a:xfrm>
-      </p:grpSpPr>
-      <p:pic>
-        <p:nvPicPr>
-          <p:cNvPr id="38" name="图片占位符 3" descr="蓝色的汽车&#10;&#10;描述已自动生成"/>
-          <p:cNvPicPr/>
-          <p:nvPr/>
-        </p:nvPicPr>
-        <p:blipFill>
-          <a:blip r:embed="rId3">
-            <a:extLst>
-              <a:ext uri="{BEBA8EAE-BF5A-486C-A8C5-ECC9F3942E4B}">
-                <a14:imgProps xmlns:a14="http://schemas.microsoft.com/office/drawing/2010/main">
-                  <a14:imgLayer r:embed="rId4">
-                    <a14:imgEffect>
-                      <a14:saturation sat="0"/>
-                    </a14:imgEffect>
-                  </a14:imgLayer>
-                </a14:imgProps>
-              </a:ext>
-            </a:extLst>
-          </a:blip>
-          <a:stretch/>
-        </p:blipFill>
-        <p:spPr>
-          <a:xfrm>
-            <a:off x="0" y="0"/>
-            <a:ext cx="12191760" cy="6857640"/>
-          </a:xfrm>
-          <a:prstGeom prst="rect">
-            <a:avLst/>
-          </a:prstGeom>
-          <a:ln w="0">
-            <a:noFill/>
-          </a:ln>
-        </p:spPr>
-      </p:pic>
-      <p:pic>
-        <p:nvPicPr>
-          <p:cNvPr id="39" name="图片 1" descr="pexels-burst-373965"/>
-          <p:cNvPicPr/>
-          <p:nvPr/>
-        </p:nvPicPr>
-        <p:blipFill>
-          <a:blip r:embed="rId5"/>
-          <a:stretch/>
-        </p:blipFill>
-        <p:spPr>
-          <a:xfrm>
-            <a:off x="0" y="0"/>
-            <a:ext cx="12191760" cy="6857640"/>
-          </a:xfrm>
-          <a:prstGeom prst="rect">
-            <a:avLst/>
-          </a:prstGeom>
-          <a:ln w="0">
-            <a:noFill/>
-          </a:ln>
-        </p:spPr>
-      </p:pic>
-      <p:sp>
-        <p:nvSpPr>
-          <p:cNvPr id="40" name="矩形 4"/>
-          <p:cNvSpPr/>
-          <p:nvPr/>
-        </p:nvSpPr>
-        <p:spPr>
-          <a:xfrm>
-            <a:off x="-76320" y="-85680"/>
-            <a:ext cx="12363120" cy="6990480"/>
-          </a:xfrm>
-          <a:prstGeom prst="rect">
-            <a:avLst/>
-          </a:prstGeom>
-          <a:solidFill>
-            <a:srgbClr val="1c1f25">
-              <a:alpha val="63000"/>
-            </a:srgbClr>
-          </a:solidFill>
-          <a:ln>
-            <a:noFill/>
-          </a:ln>
-        </p:spPr>
-        <p:style>
-          <a:lnRef idx="2">
-            <a:schemeClr val="accent1">
-              <a:shade val="50000"/>
-            </a:schemeClr>
-          </a:lnRef>
-          <a:fillRef idx="1">
-            <a:schemeClr val="accent1"/>
-          </a:fillRef>
-          <a:effectRef idx="0">
-            <a:schemeClr val="accent1"/>
-          </a:effectRef>
-          <a:fontRef idx="minor"/>
-        </p:style>
-      </p:sp>
-    </p:spTree>
-  </p:cSld>
-  <p:clrMap bg1="lt1" bg2="lt2" tx1="dk1" tx2="dk2" accent1="accent1" accent2="accent2" accent3="accent3" accent4="accent4" accent5="accent5" accent6="accent6" hlink="hlink" folHlink="folHlink"/>
-  <p:sldLayoutIdLst>
-    <p:sldLayoutId id="2147483662" r:id="rId6"/>
-    <p:sldLayoutId id="2147483663" r:id="rId7"/>
-    <p:sldLayoutId id="2147483664" r:id="rId8"/>
-    <p:sldLayoutId id="2147483665" r:id="rId9"/>
-    <p:sldLayoutId id="2147483666" r:id="rId10"/>
-    <p:sldLayoutId id="2147483667" r:id="rId11"/>
-    <p:sldLayoutId id="2147483668" r:id="rId12"/>
-    <p:sldLayoutId id="2147483669" r:id="rId13"/>
-    <p:sldLayoutId id="2147483670" r:id="rId14"/>
-    <p:sldLayoutId id="2147483671" r:id="rId15"/>
-    <p:sldLayoutId id="2147483672" r:id="rId16"/>
-    <p:sldLayoutId id="2147483673" r:id="rId17"/>
   </p:sldLayoutIdLst>
 </p:sldMaster>
 </file>
@@ -4160,7 +1687,7 @@
       </p:grpSpPr>
       <p:pic>
         <p:nvPicPr>
-          <p:cNvPr id="77" name="图片 2" descr="2 10"/>
+          <p:cNvPr id="38" name="图片 2" descr="2 10"/>
           <p:cNvPicPr/>
           <p:nvPr/>
         </p:nvPicPr>
@@ -4171,32 +1698,32 @@
         <p:spPr>
           <a:xfrm>
             <a:off x="0" y="0"/>
-            <a:ext cx="12191760" cy="6857640"/>
-          </a:xfrm>
-          <a:prstGeom prst="rect">
-            <a:avLst/>
-          </a:prstGeom>
-          <a:ln w="0">
+            <a:ext cx="12191400" cy="6857280"/>
+          </a:xfrm>
+          <a:prstGeom prst="rect">
+            <a:avLst/>
+          </a:prstGeom>
+          <a:ln>
             <a:noFill/>
           </a:ln>
         </p:spPr>
       </p:pic>
       <p:sp>
         <p:nvSpPr>
-          <p:cNvPr id="78" name="文本框 7"/>
+          <p:cNvPr id="39" name="CustomShape 1"/>
           <p:cNvSpPr/>
           <p:nvPr/>
         </p:nvSpPr>
         <p:spPr>
           <a:xfrm>
             <a:off x="522000" y="2619360"/>
-            <a:ext cx="6933600" cy="3106080"/>
+            <a:ext cx="6933240" cy="3106080"/>
           </a:xfrm>
           <a:prstGeom prst="rect">
             <a:avLst/>
           </a:prstGeom>
           <a:noFill/>
-          <a:ln w="0">
+          <a:ln>
             <a:noFill/>
           </a:ln>
         </p:spPr>
@@ -4207,7 +1734,7 @@
           <a:fontRef idx="minor"/>
         </p:style>
         <p:txBody>
-          <a:bodyPr lIns="90000" rIns="90000" tIns="45000" bIns="45000" anchor="t">
+          <a:bodyPr lIns="90000" rIns="90000" tIns="45000" bIns="45000">
             <a:spAutoFit/>
           </a:bodyPr>
           <a:p>
@@ -4215,7 +1742,6 @@
               <a:lnSpc>
                 <a:spcPct val="100000"/>
               </a:lnSpc>
-              <a:buNone/>
             </a:pPr>
             <a:r>
               <a:rPr b="0" lang="pt-BR" sz="6600" spc="-1" strike="noStrike" cap="all">
@@ -4235,20 +1761,20 @@
       </p:sp>
       <p:sp>
         <p:nvSpPr>
-          <p:cNvPr id="79" name="文本框 4"/>
+          <p:cNvPr id="40" name="CustomShape 2"/>
           <p:cNvSpPr/>
           <p:nvPr/>
         </p:nvSpPr>
         <p:spPr>
           <a:xfrm>
             <a:off x="522000" y="1974240"/>
-            <a:ext cx="5134320" cy="639000"/>
+            <a:ext cx="5133960" cy="638640"/>
           </a:xfrm>
           <a:prstGeom prst="rect">
             <a:avLst/>
           </a:prstGeom>
           <a:noFill/>
-          <a:ln w="0">
+          <a:ln>
             <a:noFill/>
           </a:ln>
         </p:spPr>
@@ -4259,7 +1785,7 @@
           <a:fontRef idx="minor"/>
         </p:style>
         <p:txBody>
-          <a:bodyPr lIns="90000" rIns="90000" tIns="45000" bIns="45000" anchor="t">
+          <a:bodyPr lIns="90000" rIns="90000" tIns="45000" bIns="45000">
             <a:spAutoFit/>
           </a:bodyPr>
           <a:p>
@@ -4267,7 +1793,6 @@
               <a:lnSpc>
                 <a:spcPct val="100000"/>
               </a:lnSpc>
-              <a:buNone/>
             </a:pPr>
             <a:r>
               <a:rPr b="0" lang="pt-BR" sz="3600" spc="-1" strike="noStrike" cap="all">
@@ -4277,17 +1802,7 @@
                 <a:latin typeface="思源黑体 Bold"/>
                 <a:ea typeface="思源黑体 Bold"/>
               </a:rPr>
-              <a:t>Grupo</a:t>
-            </a:r>
-            <a:r>
-              <a:rPr b="0" lang="pt-BR" sz="3600" spc="-1" strike="noStrike" cap="all">
-                <a:solidFill>
-                  <a:srgbClr val="0daaf7"/>
-                </a:solidFill>
-                <a:latin typeface="思源黑体 Bold"/>
-                <a:ea typeface="思源黑体 Bold"/>
-              </a:rPr>
-              <a:t> 9</a:t>
+              <a:t>Grupo 9</a:t>
             </a:r>
             <a:endParaRPr b="0" lang="pt-BR" sz="3600" spc="-1" strike="noStrike">
               <a:latin typeface="Arial"/>
@@ -4311,13 +1826,6 @@
 <file path=ppt/slides/slide10.xml><?xml version="1.0" encoding="utf-8"?>
 <p:sld xmlns:a="http://schemas.openxmlformats.org/drawingml/2006/main" xmlns:p="http://schemas.openxmlformats.org/presentationml/2006/main" xmlns:r="http://schemas.openxmlformats.org/officeDocument/2006/relationships" xmlns:p14="http://schemas.microsoft.com/office/powerpoint/2010/main" xmlns:p15="http://schemas.microsoft.com/office/powerpoint/2012/main" xmlns:mc="http://schemas.openxmlformats.org/markup-compatibility/2006">
   <p:cSld>
-    <p:bg>
-      <p:bgPr>
-        <a:solidFill>
-          <a:srgbClr val="ffffff"/>
-        </a:solidFill>
-      </p:bgPr>
-    </p:bg>
     <p:spTree>
       <p:nvGrpSpPr>
         <p:cNvPr id="1" name=""/>
@@ -4332,239 +1840,29 @@
           <a:chExt cx="0" cy="0"/>
         </a:xfrm>
       </p:grpSpPr>
-      <p:sp>
-        <p:nvSpPr>
-          <p:cNvPr id="153" name="Straight Connector 13"/>
-          <p:cNvSpPr/>
-          <p:nvPr/>
-        </p:nvSpPr>
-        <p:spPr>
-          <a:xfrm>
-            <a:off x="6147720" y="701640"/>
-            <a:ext cx="360" cy="5462640"/>
-          </a:xfrm>
-          <a:prstGeom prst="line">
-            <a:avLst/>
-          </a:prstGeom>
-          <a:ln w="9525">
-            <a:solidFill>
-              <a:srgbClr val="ffffff">
-                <a:lumMod val="65000"/>
-              </a:srgbClr>
-            </a:solidFill>
-            <a:prstDash val="sysDot"/>
-          </a:ln>
-        </p:spPr>
-        <p:style>
-          <a:lnRef idx="1">
-            <a:schemeClr val="accent1"/>
-          </a:lnRef>
-          <a:fillRef idx="0">
-            <a:schemeClr val="accent1"/>
-          </a:fillRef>
-          <a:effectRef idx="0">
-            <a:schemeClr val="accent1"/>
-          </a:effectRef>
-          <a:fontRef idx="minor"/>
-        </p:style>
-      </p:sp>
-      <p:sp>
-        <p:nvSpPr>
-          <p:cNvPr id="154" name="矩形 2"/>
-          <p:cNvSpPr/>
-          <p:nvPr/>
-        </p:nvSpPr>
-        <p:spPr>
-          <a:xfrm>
-            <a:off x="1210320" y="2431080"/>
-            <a:ext cx="4526640" cy="1995480"/>
-          </a:xfrm>
-          <a:prstGeom prst="rect">
-            <a:avLst/>
-          </a:prstGeom>
-          <a:solidFill>
-            <a:schemeClr val="bg1">
-              <a:lumMod val="65000"/>
-            </a:schemeClr>
-          </a:solidFill>
-          <a:ln>
-            <a:noFill/>
-          </a:ln>
-        </p:spPr>
-        <p:style>
-          <a:lnRef idx="2">
-            <a:schemeClr val="accent1">
-              <a:shade val="50000"/>
-            </a:schemeClr>
-          </a:lnRef>
-          <a:fillRef idx="1">
-            <a:schemeClr val="accent1"/>
-          </a:fillRef>
-          <a:effectRef idx="0">
-            <a:schemeClr val="accent1"/>
-          </a:effectRef>
-          <a:fontRef idx="minor"/>
-        </p:style>
-      </p:sp>
-      <p:sp>
-        <p:nvSpPr>
-          <p:cNvPr id="155" name="矩形 11"/>
-          <p:cNvSpPr/>
-          <p:nvPr/>
-        </p:nvSpPr>
-        <p:spPr>
-          <a:xfrm>
-            <a:off x="6412320" y="1887120"/>
-            <a:ext cx="4569120" cy="3177000"/>
-          </a:xfrm>
-          <a:prstGeom prst="rect">
-            <a:avLst/>
-          </a:prstGeom>
-          <a:solidFill>
-            <a:srgbClr val="2f50a1"/>
-          </a:solidFill>
-          <a:ln>
-            <a:noFill/>
-          </a:ln>
-        </p:spPr>
-        <p:style>
-          <a:lnRef idx="2">
-            <a:schemeClr val="accent1">
-              <a:shade val="50000"/>
-            </a:schemeClr>
-          </a:lnRef>
-          <a:fillRef idx="1">
-            <a:schemeClr val="accent1"/>
-          </a:fillRef>
-          <a:effectRef idx="0">
-            <a:schemeClr val="accent1"/>
-          </a:effectRef>
-          <a:fontRef idx="minor"/>
-        </p:style>
-      </p:sp>
-      <p:sp>
-        <p:nvSpPr>
-          <p:cNvPr id="156" name="CaixaDeTexto 13"/>
-          <p:cNvSpPr/>
-          <p:nvPr/>
-        </p:nvSpPr>
-        <p:spPr>
-          <a:xfrm>
-            <a:off x="6454800" y="2320200"/>
-            <a:ext cx="4526640" cy="2832840"/>
-          </a:xfrm>
-          <a:prstGeom prst="rect">
-            <a:avLst/>
-          </a:prstGeom>
-          <a:noFill/>
-          <a:ln w="0">
-            <a:noFill/>
-          </a:ln>
-        </p:spPr>
-        <p:style>
-          <a:lnRef idx="0"/>
-          <a:fillRef idx="0"/>
-          <a:effectRef idx="0"/>
-          <a:fontRef idx="minor"/>
-        </p:style>
-        <p:txBody>
-          <a:bodyPr lIns="90000" rIns="90000" tIns="45000" bIns="45000" anchor="t">
-            <a:spAutoFit/>
-          </a:bodyPr>
-          <a:p>
-            <a:pPr>
-              <a:lnSpc>
-                <a:spcPct val="100000"/>
-              </a:lnSpc>
-              <a:buNone/>
-            </a:pPr>
-            <a:r>
-              <a:rPr b="1" lang="pt-BR" sz="1800" spc="-1" strike="noStrike">
-                <a:solidFill>
-                  <a:srgbClr val="ffffff"/>
-                </a:solidFill>
-                <a:latin typeface="Bahnschrift SemiLight SemiConde"/>
-              </a:rPr>
-              <a:t>Nosso principal objetivo é otimizar atendimentos em consultórios, monitorando máquinas e assim, evitando possíveis falhas nos processos, atrapalhando o fluxo dos atendimentos. </a:t>
-            </a:r>
-            <a:endParaRPr b="0" lang="pt-BR" sz="1800" spc="-1" strike="noStrike">
-              <a:latin typeface="Arial"/>
-            </a:endParaRPr>
-          </a:p>
-          <a:p>
-            <a:pPr>
-              <a:lnSpc>
-                <a:spcPct val="100000"/>
-              </a:lnSpc>
-              <a:buNone/>
-            </a:pPr>
-            <a:r>
-              <a:rPr b="1" lang="pt-BR" sz="1800" spc="-1" strike="noStrike">
-                <a:solidFill>
-                  <a:srgbClr val="ffffff"/>
-                </a:solidFill>
-                <a:latin typeface="Bahnschrift SemiLight SemiConde"/>
-              </a:rPr>
-              <a:t>Nosso monitoramento para uma ótima experiência no seu consultório. </a:t>
-            </a:r>
-            <a:endParaRPr b="0" lang="pt-BR" sz="1800" spc="-1" strike="noStrike">
-              <a:latin typeface="Arial"/>
-            </a:endParaRPr>
-          </a:p>
-        </p:txBody>
-      </p:sp>
-      <p:sp>
-        <p:nvSpPr>
-          <p:cNvPr id="157" name="文本框 1"/>
-          <p:cNvSpPr/>
-          <p:nvPr/>
-        </p:nvSpPr>
-        <p:spPr>
-          <a:xfrm>
-            <a:off x="1367280" y="2921040"/>
-            <a:ext cx="4212720" cy="1004760"/>
-          </a:xfrm>
-          <a:prstGeom prst="rect">
-            <a:avLst/>
-          </a:prstGeom>
-          <a:noFill/>
-          <a:ln w="0">
-            <a:noFill/>
-          </a:ln>
-        </p:spPr>
-        <p:style>
-          <a:lnRef idx="0"/>
-          <a:fillRef idx="0"/>
-          <a:effectRef idx="0"/>
-          <a:fontRef idx="minor"/>
-        </p:style>
-        <p:txBody>
-          <a:bodyPr lIns="90000" rIns="90000" tIns="45000" bIns="45000" anchor="t">
-            <a:spAutoFit/>
-          </a:bodyPr>
-          <a:p>
-            <a:pPr algn="ctr">
-              <a:lnSpc>
-                <a:spcPct val="100000"/>
-              </a:lnSpc>
-              <a:buNone/>
-            </a:pPr>
-            <a:r>
-              <a:rPr b="0" lang="en-US" sz="6000" spc="-1" strike="noStrike">
-                <a:solidFill>
-                  <a:srgbClr val="ffffff"/>
-                </a:solidFill>
-                <a:latin typeface="思源黑体 CN Bold"/>
-                <a:ea typeface="思源黑体 CN Bold"/>
-              </a:rPr>
-              <a:t>Conclusão</a:t>
-            </a:r>
-            <a:endParaRPr b="0" lang="pt-BR" sz="6000" spc="-1" strike="noStrike">
-              <a:latin typeface="Arial"/>
-            </a:endParaRPr>
-          </a:p>
-        </p:txBody>
-      </p:sp>
+      <p:pic>
+        <p:nvPicPr>
+          <p:cNvPr id="114" name="" descr=""/>
+          <p:cNvPicPr/>
+          <p:nvPr/>
+        </p:nvPicPr>
+        <p:blipFill>
+          <a:blip r:embed="rId1"/>
+          <a:stretch/>
+        </p:blipFill>
+        <p:spPr>
+          <a:xfrm>
+            <a:off x="720000" y="270720"/>
+            <a:ext cx="10718640" cy="6028920"/>
+          </a:xfrm>
+          <a:prstGeom prst="rect">
+            <a:avLst/>
+          </a:prstGeom>
+          <a:ln>
+            <a:noFill/>
+          </a:ln>
+        </p:spPr>
+      </p:pic>
     </p:spTree>
   </p:cSld>
   <mc:AlternateContent>
@@ -4602,9 +1900,175 @@
           <a:chExt cx="0" cy="0"/>
         </a:xfrm>
       </p:grpSpPr>
+      <p:sp>
+        <p:nvSpPr>
+          <p:cNvPr id="115" name="CustomShape 1"/>
+          <p:cNvSpPr/>
+          <p:nvPr/>
+        </p:nvSpPr>
+        <p:spPr>
+          <a:xfrm>
+            <a:off x="6847920" y="1636560"/>
+            <a:ext cx="3837240" cy="3837240"/>
+          </a:xfrm>
+          <a:prstGeom prst="ellipse">
+            <a:avLst/>
+          </a:prstGeom>
+          <a:solidFill>
+            <a:srgbClr val="2f50a1">
+              <a:alpha val="83000"/>
+            </a:srgbClr>
+          </a:solidFill>
+          <a:ln w="76320">
+            <a:noFill/>
+          </a:ln>
+          <a:effectLst>
+            <a:outerShdw blurRad="40000" dir="5400000" dist="23040" rotWithShape="0">
+              <a:srgbClr val="000000">
+                <a:alpha val="35000"/>
+              </a:srgbClr>
+            </a:outerShdw>
+          </a:effectLst>
+        </p:spPr>
+        <p:style>
+          <a:lnRef idx="1">
+            <a:schemeClr val="accent1"/>
+          </a:lnRef>
+          <a:fillRef idx="3">
+            <a:schemeClr val="accent1"/>
+          </a:fillRef>
+          <a:effectRef idx="2">
+            <a:schemeClr val="accent1"/>
+          </a:effectRef>
+          <a:fontRef idx="minor"/>
+        </p:style>
+      </p:sp>
+      <p:sp>
+        <p:nvSpPr>
+          <p:cNvPr id="116" name="CustomShape 2"/>
+          <p:cNvSpPr/>
+          <p:nvPr/>
+        </p:nvSpPr>
+        <p:spPr>
+          <a:xfrm>
+            <a:off x="1877760" y="1566000"/>
+            <a:ext cx="3060720" cy="3060720"/>
+          </a:xfrm>
+          <a:prstGeom prst="ellipse">
+            <a:avLst/>
+          </a:prstGeom>
+          <a:solidFill>
+            <a:srgbClr val="d9d9d9"/>
+          </a:solidFill>
+          <a:ln w="76320">
+            <a:noFill/>
+          </a:ln>
+          <a:effectLst>
+            <a:outerShdw blurRad="40000" dir="5400000" dist="23040" rotWithShape="0">
+              <a:srgbClr val="000000">
+                <a:alpha val="35000"/>
+              </a:srgbClr>
+            </a:outerShdw>
+          </a:effectLst>
+        </p:spPr>
+        <p:style>
+          <a:lnRef idx="1">
+            <a:schemeClr val="accent1"/>
+          </a:lnRef>
+          <a:fillRef idx="3">
+            <a:schemeClr val="accent1"/>
+          </a:fillRef>
+          <a:effectRef idx="2">
+            <a:schemeClr val="accent1"/>
+          </a:effectRef>
+          <a:fontRef idx="minor"/>
+        </p:style>
+      </p:sp>
+      <p:sp>
+        <p:nvSpPr>
+          <p:cNvPr id="117" name="CustomShape 3"/>
+          <p:cNvSpPr/>
+          <p:nvPr/>
+        </p:nvSpPr>
+        <p:spPr>
+          <a:xfrm>
+            <a:off x="4337640" y="3255480"/>
+            <a:ext cx="2483280" cy="2483280"/>
+          </a:xfrm>
+          <a:prstGeom prst="ellipse">
+            <a:avLst/>
+          </a:prstGeom>
+          <a:solidFill>
+            <a:srgbClr val="2f50a1"/>
+          </a:solidFill>
+          <a:ln w="76320">
+            <a:noFill/>
+          </a:ln>
+          <a:effectLst>
+            <a:outerShdw blurRad="40000" dir="5400000" dist="23040" rotWithShape="0">
+              <a:srgbClr val="000000">
+                <a:alpha val="35000"/>
+              </a:srgbClr>
+            </a:outerShdw>
+          </a:effectLst>
+        </p:spPr>
+        <p:style>
+          <a:lnRef idx="1">
+            <a:schemeClr val="accent1"/>
+          </a:lnRef>
+          <a:fillRef idx="3">
+            <a:schemeClr val="accent1"/>
+          </a:fillRef>
+          <a:effectRef idx="2">
+            <a:schemeClr val="accent1"/>
+          </a:effectRef>
+          <a:fontRef idx="minor"/>
+        </p:style>
+      </p:sp>
+      <p:sp>
+        <p:nvSpPr>
+          <p:cNvPr id="118" name="CustomShape 4"/>
+          <p:cNvSpPr/>
+          <p:nvPr/>
+        </p:nvSpPr>
+        <p:spPr>
+          <a:xfrm>
+            <a:off x="5350680" y="1434960"/>
+            <a:ext cx="2030760" cy="2030760"/>
+          </a:xfrm>
+          <a:prstGeom prst="ellipse">
+            <a:avLst/>
+          </a:prstGeom>
+          <a:solidFill>
+            <a:srgbClr val="2f50a1"/>
+          </a:solidFill>
+          <a:ln w="76320">
+            <a:noFill/>
+          </a:ln>
+          <a:effectLst>
+            <a:outerShdw blurRad="40000" dir="5400000" dist="23040" rotWithShape="0">
+              <a:srgbClr val="000000">
+                <a:alpha val="35000"/>
+              </a:srgbClr>
+            </a:outerShdw>
+          </a:effectLst>
+        </p:spPr>
+        <p:style>
+          <a:lnRef idx="1">
+            <a:schemeClr val="accent1"/>
+          </a:lnRef>
+          <a:fillRef idx="3">
+            <a:schemeClr val="accent1"/>
+          </a:fillRef>
+          <a:effectRef idx="2">
+            <a:schemeClr val="accent1"/>
+          </a:effectRef>
+          <a:fontRef idx="minor"/>
+        </p:style>
+      </p:sp>
       <p:pic>
         <p:nvPicPr>
-          <p:cNvPr id="158" name="图片 2" descr="2 10"/>
+          <p:cNvPr id="119" name="Picture 2" descr="https://o.remove.bg/downloads/bff62d5f-6c43-41d4-af4e-2156a2b4c341/image-removebg-preview.png"/>
           <p:cNvPicPr/>
           <p:nvPr/>
         </p:nvPicPr>
@@ -4614,33 +2078,247 @@
         </p:blipFill>
         <p:spPr>
           <a:xfrm>
-            <a:off x="0" y="-720"/>
-            <a:ext cx="12191760" cy="6857640"/>
-          </a:xfrm>
-          <a:prstGeom prst="rect">
-            <a:avLst/>
-          </a:prstGeom>
-          <a:ln w="0">
+            <a:off x="5520600" y="1933920"/>
+            <a:ext cx="1886760" cy="817920"/>
+          </a:xfrm>
+          <a:prstGeom prst="rect">
+            <a:avLst/>
+          </a:prstGeom>
+          <a:ln>
             <a:noFill/>
           </a:ln>
         </p:spPr>
       </p:pic>
-      <p:sp>
-        <p:nvSpPr>
-          <p:cNvPr id="159" name="文本框 7"/>
-          <p:cNvSpPr/>
-          <p:nvPr/>
-        </p:nvSpPr>
-        <p:spPr>
-          <a:xfrm>
-            <a:off x="1200960" y="2275200"/>
-            <a:ext cx="6251760" cy="2284920"/>
+      <p:pic>
+        <p:nvPicPr>
+          <p:cNvPr id="120" name="Picture 4" descr="Amazon Web Services – Wikipédia, a enciclopédia livre"/>
+          <p:cNvPicPr/>
+          <p:nvPr/>
+        </p:nvPicPr>
+        <p:blipFill>
+          <a:blip r:embed="rId2"/>
+          <a:stretch/>
+        </p:blipFill>
+        <p:spPr>
+          <a:xfrm>
+            <a:off x="7672680" y="2768040"/>
+            <a:ext cx="2208600" cy="1321200"/>
+          </a:xfrm>
+          <a:prstGeom prst="rect">
+            <a:avLst/>
+          </a:prstGeom>
+          <a:ln>
+            <a:noFill/>
+          </a:ln>
+        </p:spPr>
+      </p:pic>
+      <p:pic>
+        <p:nvPicPr>
+          <p:cNvPr id="121" name="Picture 6" descr="Microsoft Azure - Wikipedia"/>
+          <p:cNvPicPr/>
+          <p:nvPr/>
+        </p:nvPicPr>
+        <p:blipFill>
+          <a:blip r:embed="rId3"/>
+          <a:stretch/>
+        </p:blipFill>
+        <p:spPr>
+          <a:xfrm>
+            <a:off x="2306880" y="1887840"/>
+            <a:ext cx="2093040" cy="2093040"/>
+          </a:xfrm>
+          <a:prstGeom prst="rect">
+            <a:avLst/>
+          </a:prstGeom>
+          <a:ln>
+            <a:noFill/>
+          </a:ln>
+        </p:spPr>
+      </p:pic>
+      <p:pic>
+        <p:nvPicPr>
+          <p:cNvPr id="122" name="Picture 8" descr="Logotipo do github - ícones de mídia social grátis"/>
+          <p:cNvPicPr/>
+          <p:nvPr/>
+        </p:nvPicPr>
+        <p:blipFill>
+          <a:blip r:embed="rId4"/>
+          <a:stretch/>
+        </p:blipFill>
+        <p:spPr>
+          <a:xfrm>
+            <a:off x="4950000" y="3769560"/>
+            <a:ext cx="1258560" cy="1258560"/>
+          </a:xfrm>
+          <a:prstGeom prst="rect">
+            <a:avLst/>
+          </a:prstGeom>
+          <a:ln>
+            <a:noFill/>
+          </a:ln>
+        </p:spPr>
+      </p:pic>
+    </p:spTree>
+  </p:cSld>
+  <mc:AlternateContent>
+    <mc:Choice Requires="p14">
+      <p:transition spd="slow" p14:dur="2000"/>
+    </mc:Choice>
+    <mc:Fallback>
+      <p:transition spd="slow"/>
+    </mc:Fallback>
+  </mc:AlternateContent>
+</p:sld>
+</file>
+
+<file path=ppt/slides/slide12.xml><?xml version="1.0" encoding="utf-8"?>
+<p:sld xmlns:a="http://schemas.openxmlformats.org/drawingml/2006/main" xmlns:p="http://schemas.openxmlformats.org/presentationml/2006/main" xmlns:r="http://schemas.openxmlformats.org/officeDocument/2006/relationships" xmlns:p14="http://schemas.microsoft.com/office/powerpoint/2010/main" xmlns:p15="http://schemas.microsoft.com/office/powerpoint/2012/main" xmlns:mc="http://schemas.openxmlformats.org/markup-compatibility/2006">
+  <p:cSld>
+    <p:bg>
+      <p:bgPr>
+        <a:solidFill>
+          <a:srgbClr val="ffffff"/>
+        </a:solidFill>
+      </p:bgPr>
+    </p:bg>
+    <p:spTree>
+      <p:nvGrpSpPr>
+        <p:cNvPr id="1" name=""/>
+        <p:cNvGrpSpPr/>
+        <p:nvPr/>
+      </p:nvGrpSpPr>
+      <p:grpSpPr>
+        <a:xfrm>
+          <a:off x="0" y="0"/>
+          <a:ext cx="0" cy="0"/>
+          <a:chOff x="0" y="0"/>
+          <a:chExt cx="0" cy="0"/>
+        </a:xfrm>
+      </p:grpSpPr>
+      <p:sp>
+        <p:nvSpPr>
+          <p:cNvPr id="123" name="Line 1"/>
+          <p:cNvSpPr/>
+          <p:nvPr/>
+        </p:nvSpPr>
+        <p:spPr>
+          <a:xfrm>
+            <a:off x="6147720" y="701640"/>
+            <a:ext cx="360" cy="5462640"/>
+          </a:xfrm>
+          <a:prstGeom prst="line">
+            <a:avLst/>
+          </a:prstGeom>
+          <a:ln>
+            <a:solidFill>
+              <a:srgbClr val="a6a6a6"/>
+            </a:solidFill>
+            <a:prstDash val="sysDot"/>
+          </a:ln>
+        </p:spPr>
+        <p:style>
+          <a:lnRef idx="1">
+            <a:schemeClr val="accent1"/>
+          </a:lnRef>
+          <a:fillRef idx="0">
+            <a:schemeClr val="accent1"/>
+          </a:fillRef>
+          <a:effectRef idx="0">
+            <a:schemeClr val="accent1"/>
+          </a:effectRef>
+          <a:fontRef idx="minor"/>
+        </p:style>
+      </p:sp>
+      <p:sp>
+        <p:nvSpPr>
+          <p:cNvPr id="124" name="CustomShape 2"/>
+          <p:cNvSpPr/>
+          <p:nvPr/>
+        </p:nvSpPr>
+        <p:spPr>
+          <a:xfrm>
+            <a:off x="1210320" y="2431080"/>
+            <a:ext cx="4526280" cy="1995120"/>
+          </a:xfrm>
+          <a:prstGeom prst="rect">
+            <a:avLst/>
+          </a:prstGeom>
+          <a:solidFill>
+            <a:schemeClr val="bg1">
+              <a:lumMod val="65000"/>
+            </a:schemeClr>
+          </a:solidFill>
+          <a:ln>
+            <a:noFill/>
+          </a:ln>
+        </p:spPr>
+        <p:style>
+          <a:lnRef idx="2">
+            <a:schemeClr val="accent1">
+              <a:shade val="50000"/>
+            </a:schemeClr>
+          </a:lnRef>
+          <a:fillRef idx="1">
+            <a:schemeClr val="accent1"/>
+          </a:fillRef>
+          <a:effectRef idx="0">
+            <a:schemeClr val="accent1"/>
+          </a:effectRef>
+          <a:fontRef idx="minor"/>
+        </p:style>
+      </p:sp>
+      <p:sp>
+        <p:nvSpPr>
+          <p:cNvPr id="125" name="CustomShape 3"/>
+          <p:cNvSpPr/>
+          <p:nvPr/>
+        </p:nvSpPr>
+        <p:spPr>
+          <a:xfrm>
+            <a:off x="6412320" y="1887120"/>
+            <a:ext cx="4568760" cy="3176640"/>
+          </a:xfrm>
+          <a:prstGeom prst="rect">
+            <a:avLst/>
+          </a:prstGeom>
+          <a:solidFill>
+            <a:srgbClr val="2f50a1"/>
+          </a:solidFill>
+          <a:ln>
+            <a:noFill/>
+          </a:ln>
+        </p:spPr>
+        <p:style>
+          <a:lnRef idx="2">
+            <a:schemeClr val="accent1">
+              <a:shade val="50000"/>
+            </a:schemeClr>
+          </a:lnRef>
+          <a:fillRef idx="1">
+            <a:schemeClr val="accent1"/>
+          </a:fillRef>
+          <a:effectRef idx="0">
+            <a:schemeClr val="accent1"/>
+          </a:effectRef>
+          <a:fontRef idx="minor"/>
+        </p:style>
+      </p:sp>
+      <p:sp>
+        <p:nvSpPr>
+          <p:cNvPr id="126" name="CustomShape 4"/>
+          <p:cNvSpPr/>
+          <p:nvPr/>
+        </p:nvSpPr>
+        <p:spPr>
+          <a:xfrm>
+            <a:off x="6454800" y="2320200"/>
+            <a:ext cx="4526280" cy="2832840"/>
           </a:xfrm>
           <a:prstGeom prst="rect">
             <a:avLst/>
           </a:prstGeom>
           <a:noFill/>
-          <a:ln w="0">
+          <a:ln>
             <a:noFill/>
           </a:ln>
         </p:spPr>
@@ -4651,7 +2329,7 @@
           <a:fontRef idx="minor"/>
         </p:style>
         <p:txBody>
-          <a:bodyPr lIns="90000" rIns="90000" tIns="45000" bIns="45000" anchor="t">
+          <a:bodyPr lIns="90000" rIns="90000" tIns="45000" bIns="45000">
             <a:spAutoFit/>
           </a:bodyPr>
           <a:p>
@@ -4659,9 +2337,18 @@
               <a:lnSpc>
                 <a:spcPct val="100000"/>
               </a:lnSpc>
-              <a:buNone/>
             </a:pPr>
-            <a:endParaRPr b="0" lang="pt-BR" sz="7200" spc="-1" strike="noStrike">
+            <a:r>
+              <a:rPr b="1" lang="pt-BR" sz="1800" spc="-1" strike="noStrike">
+                <a:solidFill>
+                  <a:srgbClr val="ffffff"/>
+                </a:solidFill>
+                <a:latin typeface="Bahnschrift SemiLight SemiConde"/>
+                <a:ea typeface="DejaVu Sans"/>
+              </a:rPr>
+              <a:t>Nosso principal objetivo é otimizar atendimentos em consultórios, monitorando máquinas e assim, evitando possíveis falhas nos processos, atrapalhando o fluxo dos atendimentos. </a:t>
+            </a:r>
+            <a:endParaRPr b="0" lang="pt-BR" sz="1800" spc="-1" strike="noStrike">
               <a:latin typeface="Arial"/>
             </a:endParaRPr>
           </a:p>
@@ -4670,30 +2357,39 @@
               <a:lnSpc>
                 <a:spcPct val="100000"/>
               </a:lnSpc>
-              <a:buNone/>
             </a:pPr>
-            <a:endParaRPr b="0" lang="pt-BR" sz="7200" spc="-1" strike="noStrike">
-              <a:latin typeface="Arial"/>
-            </a:endParaRPr>
-          </a:p>
-        </p:txBody>
-      </p:sp>
-      <p:sp>
-        <p:nvSpPr>
-          <p:cNvPr id="160" name="Google Shape;2738;p51"/>
-          <p:cNvSpPr/>
-          <p:nvPr/>
-        </p:nvSpPr>
-        <p:spPr>
-          <a:xfrm>
-            <a:off x="578520" y="1266840"/>
-            <a:ext cx="5901480" cy="572400"/>
+            <a:r>
+              <a:rPr b="1" lang="pt-BR" sz="1800" spc="-1" strike="noStrike">
+                <a:solidFill>
+                  <a:srgbClr val="ffffff"/>
+                </a:solidFill>
+                <a:latin typeface="Bahnschrift SemiLight SemiConde"/>
+                <a:ea typeface="DejaVu Sans"/>
+              </a:rPr>
+              <a:t>Nosso monitoramento para uma ótima experiência no seu consultório. </a:t>
+            </a:r>
+            <a:endParaRPr b="0" lang="pt-BR" sz="1800" spc="-1" strike="noStrike">
+              <a:latin typeface="Arial"/>
+            </a:endParaRPr>
+          </a:p>
+        </p:txBody>
+      </p:sp>
+      <p:sp>
+        <p:nvSpPr>
+          <p:cNvPr id="127" name="CustomShape 5"/>
+          <p:cNvSpPr/>
+          <p:nvPr/>
+        </p:nvSpPr>
+        <p:spPr>
+          <a:xfrm>
+            <a:off x="1367280" y="2921040"/>
+            <a:ext cx="4212360" cy="1004400"/>
           </a:xfrm>
           <a:prstGeom prst="rect">
             <a:avLst/>
           </a:prstGeom>
           <a:noFill/>
-          <a:ln w="0">
+          <a:ln>
             <a:noFill/>
           </a:ln>
         </p:spPr>
@@ -4704,7 +2400,169 @@
           <a:fontRef idx="minor"/>
         </p:style>
         <p:txBody>
-          <a:bodyPr tIns="91440" bIns="91440" anchor="t">
+          <a:bodyPr lIns="90000" rIns="90000" tIns="45000" bIns="45000">
+            <a:spAutoFit/>
+          </a:bodyPr>
+          <a:p>
+            <a:pPr algn="ctr">
+              <a:lnSpc>
+                <a:spcPct val="100000"/>
+              </a:lnSpc>
+            </a:pPr>
+            <a:r>
+              <a:rPr b="0" lang="en-US" sz="6000" spc="-1" strike="noStrike">
+                <a:solidFill>
+                  <a:srgbClr val="ffffff"/>
+                </a:solidFill>
+                <a:latin typeface="思源黑体 CN Bold"/>
+                <a:ea typeface="思源黑体 CN Bold"/>
+              </a:rPr>
+              <a:t>Conclusão</a:t>
+            </a:r>
+            <a:endParaRPr b="0" lang="pt-BR" sz="6000" spc="-1" strike="noStrike">
+              <a:latin typeface="Arial"/>
+            </a:endParaRPr>
+          </a:p>
+        </p:txBody>
+      </p:sp>
+    </p:spTree>
+  </p:cSld>
+  <mc:AlternateContent>
+    <mc:Choice Requires="p14">
+      <p:transition spd="slow" p14:dur="2000"/>
+    </mc:Choice>
+    <mc:Fallback>
+      <p:transition spd="slow"/>
+    </mc:Fallback>
+  </mc:AlternateContent>
+</p:sld>
+</file>
+
+<file path=ppt/slides/slide13.xml><?xml version="1.0" encoding="utf-8"?>
+<p:sld xmlns:a="http://schemas.openxmlformats.org/drawingml/2006/main" xmlns:p="http://schemas.openxmlformats.org/presentationml/2006/main" xmlns:r="http://schemas.openxmlformats.org/officeDocument/2006/relationships" xmlns:p14="http://schemas.microsoft.com/office/powerpoint/2010/main" xmlns:p15="http://schemas.microsoft.com/office/powerpoint/2012/main" xmlns:mc="http://schemas.openxmlformats.org/markup-compatibility/2006">
+  <p:cSld>
+    <p:bg>
+      <p:bgPr>
+        <a:solidFill>
+          <a:srgbClr val="ffffff"/>
+        </a:solidFill>
+      </p:bgPr>
+    </p:bg>
+    <p:spTree>
+      <p:nvGrpSpPr>
+        <p:cNvPr id="1" name=""/>
+        <p:cNvGrpSpPr/>
+        <p:nvPr/>
+      </p:nvGrpSpPr>
+      <p:grpSpPr>
+        <a:xfrm>
+          <a:off x="0" y="0"/>
+          <a:ext cx="0" cy="0"/>
+          <a:chOff x="0" y="0"/>
+          <a:chExt cx="0" cy="0"/>
+        </a:xfrm>
+      </p:grpSpPr>
+      <p:pic>
+        <p:nvPicPr>
+          <p:cNvPr id="128" name="图片 2" descr="2 10"/>
+          <p:cNvPicPr/>
+          <p:nvPr/>
+        </p:nvPicPr>
+        <p:blipFill>
+          <a:blip r:embed="rId1"/>
+          <a:stretch/>
+        </p:blipFill>
+        <p:spPr>
+          <a:xfrm>
+            <a:off x="0" y="-720"/>
+            <a:ext cx="12191400" cy="6857280"/>
+          </a:xfrm>
+          <a:prstGeom prst="rect">
+            <a:avLst/>
+          </a:prstGeom>
+          <a:ln>
+            <a:noFill/>
+          </a:ln>
+        </p:spPr>
+      </p:pic>
+      <p:sp>
+        <p:nvSpPr>
+          <p:cNvPr id="129" name="CustomShape 1"/>
+          <p:cNvSpPr/>
+          <p:nvPr/>
+        </p:nvSpPr>
+        <p:spPr>
+          <a:xfrm>
+            <a:off x="1200960" y="2275200"/>
+            <a:ext cx="6251400" cy="2284560"/>
+          </a:xfrm>
+          <a:prstGeom prst="rect">
+            <a:avLst/>
+          </a:prstGeom>
+          <a:noFill/>
+          <a:ln>
+            <a:noFill/>
+          </a:ln>
+        </p:spPr>
+        <p:style>
+          <a:lnRef idx="0"/>
+          <a:fillRef idx="0"/>
+          <a:effectRef idx="0"/>
+          <a:fontRef idx="minor"/>
+        </p:style>
+        <p:txBody>
+          <a:bodyPr lIns="90000" rIns="90000" tIns="45000" bIns="45000">
+            <a:spAutoFit/>
+          </a:bodyPr>
+          <a:p>
+            <a:pPr>
+              <a:lnSpc>
+                <a:spcPct val="100000"/>
+              </a:lnSpc>
+            </a:pPr>
+            <a:endParaRPr b="0" lang="pt-BR" sz="1800" spc="-1" strike="noStrike">
+              <a:latin typeface="Arial"/>
+            </a:endParaRPr>
+          </a:p>
+          <a:p>
+            <a:pPr>
+              <a:lnSpc>
+                <a:spcPct val="100000"/>
+              </a:lnSpc>
+            </a:pPr>
+            <a:endParaRPr b="0" lang="pt-BR" sz="1800" spc="-1" strike="noStrike">
+              <a:latin typeface="Arial"/>
+            </a:endParaRPr>
+          </a:p>
+        </p:txBody>
+      </p:sp>
+      <p:sp>
+        <p:nvSpPr>
+          <p:cNvPr id="130" name="CustomShape 2"/>
+          <p:cNvSpPr/>
+          <p:nvPr/>
+        </p:nvSpPr>
+        <p:spPr>
+          <a:xfrm>
+            <a:off x="578520" y="1266840"/>
+            <a:ext cx="5901120" cy="572040"/>
+          </a:xfrm>
+          <a:prstGeom prst="rect">
+            <a:avLst/>
+          </a:prstGeom>
+          <a:noFill/>
+          <a:ln>
+            <a:noFill/>
+          </a:ln>
+        </p:spPr>
+        <p:style>
+          <a:lnRef idx="0"/>
+          <a:fillRef idx="0"/>
+          <a:effectRef idx="0"/>
+          <a:fontRef idx="minor"/>
+        </p:style>
+        <p:txBody>
+          <a:bodyPr lIns="90000" rIns="90000" tIns="91440" bIns="91440">
             <a:noAutofit/>
           </a:bodyPr>
           <a:p>
@@ -4712,7 +2570,6 @@
               <a:lnSpc>
                 <a:spcPct val="90000"/>
               </a:lnSpc>
-              <a:buNone/>
             </a:pPr>
             <a:r>
               <a:rPr b="1" lang="pt-BR" sz="4400" spc="-1" strike="noStrike">
@@ -4720,6 +2577,7 @@
                   <a:srgbClr val="ffffff"/>
                 </a:solidFill>
                 <a:latin typeface="等线 Light"/>
+                <a:ea typeface="DejaVu Sans"/>
               </a:rPr>
               <a:t>Agradecimentos</a:t>
             </a:r>
@@ -4731,20 +2589,20 @@
       </p:sp>
       <p:sp>
         <p:nvSpPr>
-          <p:cNvPr id="161" name="Google Shape;2936;p51"/>
+          <p:cNvPr id="131" name="CustomShape 3"/>
           <p:cNvSpPr/>
           <p:nvPr/>
         </p:nvSpPr>
         <p:spPr>
           <a:xfrm>
             <a:off x="386280" y="2129400"/>
-            <a:ext cx="6562800" cy="2888640"/>
+            <a:ext cx="6562440" cy="2888280"/>
           </a:xfrm>
           <a:prstGeom prst="rect">
             <a:avLst/>
           </a:prstGeom>
           <a:noFill/>
-          <a:ln w="0">
+          <a:ln>
             <a:noFill/>
           </a:ln>
         </p:spPr>
@@ -4755,7 +2613,7 @@
           <a:fontRef idx="minor"/>
         </p:style>
         <p:txBody>
-          <a:bodyPr tIns="91440" bIns="91440" anchor="t">
+          <a:bodyPr lIns="90000" rIns="90000" tIns="91440" bIns="91440">
             <a:noAutofit/>
           </a:bodyPr>
           <a:p>
@@ -4763,7 +2621,6 @@
               <a:lnSpc>
                 <a:spcPct val="90000"/>
               </a:lnSpc>
-              <a:buNone/>
               <a:tabLst>
                 <a:tab algn="l" pos="0"/>
               </a:tabLst>
@@ -4787,7 +2644,6 @@
               <a:lnSpc>
                 <a:spcPct val="90000"/>
               </a:lnSpc>
-              <a:buNone/>
               <a:tabLst>
                 <a:tab algn="l" pos="0"/>
               </a:tabLst>
@@ -4811,7 +2667,6 @@
               <a:lnSpc>
                 <a:spcPct val="90000"/>
               </a:lnSpc>
-              <a:buNone/>
               <a:tabLst>
                 <a:tab algn="l" pos="0"/>
               </a:tabLst>
@@ -4844,7 +2699,7 @@
       </p:sp>
       <p:pic>
         <p:nvPicPr>
-          <p:cNvPr id="162" name="Picture 6" descr="Safra: Conta Completa – Apps no Google Play"/>
+          <p:cNvPr id="132" name="Picture 6" descr="Safra: Conta Completa – Apps no Google Play"/>
           <p:cNvPicPr/>
           <p:nvPr/>
         </p:nvPicPr>
@@ -4855,19 +2710,19 @@
         <p:spPr>
           <a:xfrm>
             <a:off x="1618920" y="5578920"/>
-            <a:ext cx="901080" cy="901080"/>
-          </a:xfrm>
-          <a:prstGeom prst="rect">
-            <a:avLst/>
-          </a:prstGeom>
-          <a:ln w="0">
+            <a:ext cx="900720" cy="900720"/>
+          </a:xfrm>
+          <a:prstGeom prst="rect">
+            <a:avLst/>
+          </a:prstGeom>
+          <a:ln>
             <a:noFill/>
           </a:ln>
         </p:spPr>
       </p:pic>
       <p:pic>
         <p:nvPicPr>
-          <p:cNvPr id="163" name="Picture 8" descr="Como é trabalhar na empresa VR Benefícios | 99jobs.com"/>
+          <p:cNvPr id="133" name="Picture 8" descr="Como é trabalhar na empresa VR Benefícios | 99jobs.com"/>
           <p:cNvPicPr/>
           <p:nvPr/>
         </p:nvPicPr>
@@ -4878,19 +2733,19 @@
         <p:spPr>
           <a:xfrm>
             <a:off x="360000" y="5580000"/>
-            <a:ext cx="901080" cy="901080"/>
-          </a:xfrm>
-          <a:prstGeom prst="rect">
-            <a:avLst/>
-          </a:prstGeom>
-          <a:ln w="0">
+            <a:ext cx="900720" cy="900720"/>
+          </a:xfrm>
+          <a:prstGeom prst="rect">
+            <a:avLst/>
+          </a:prstGeom>
+          <a:ln>
             <a:noFill/>
           </a:ln>
         </p:spPr>
       </p:pic>
       <p:pic>
         <p:nvPicPr>
-          <p:cNvPr id="164" name="Picture 10" descr="yHub | LinkedIn"/>
+          <p:cNvPr id="134" name="Picture 10" descr="yHub | LinkedIn"/>
           <p:cNvPicPr/>
           <p:nvPr/>
         </p:nvPicPr>
@@ -4901,19 +2756,19 @@
         <p:spPr>
           <a:xfrm>
             <a:off x="2892240" y="5578920"/>
-            <a:ext cx="901080" cy="901080"/>
-          </a:xfrm>
-          <a:prstGeom prst="rect">
-            <a:avLst/>
-          </a:prstGeom>
-          <a:ln w="0">
+            <a:ext cx="900720" cy="900720"/>
+          </a:xfrm>
+          <a:prstGeom prst="rect">
+            <a:avLst/>
+          </a:prstGeom>
+          <a:ln>
             <a:noFill/>
           </a:ln>
         </p:spPr>
       </p:pic>
       <p:pic>
         <p:nvPicPr>
-          <p:cNvPr id="165" name="Picture 12" descr="São Paulo Tech School - SPTech (@SptechSchool) / Twitter"/>
+          <p:cNvPr id="135" name="Picture 12" descr="São Paulo Tech School - SPTech (@SptechSchool) / Twitter"/>
           <p:cNvPicPr/>
           <p:nvPr/>
         </p:nvPicPr>
@@ -4924,12 +2779,12 @@
         <p:spPr>
           <a:xfrm>
             <a:off x="4138920" y="5578920"/>
-            <a:ext cx="901080" cy="901080"/>
-          </a:xfrm>
-          <a:prstGeom prst="rect">
-            <a:avLst/>
-          </a:prstGeom>
-          <a:ln w="0">
+            <a:ext cx="900720" cy="900720"/>
+          </a:xfrm>
+          <a:prstGeom prst="rect">
+            <a:avLst/>
+          </a:prstGeom>
+          <a:ln>
             <a:noFill/>
           </a:ln>
         </p:spPr>
@@ -4954,7 +2809,9 @@
       <p:bgPr>
         <a:blipFill rotWithShape="0">
           <a:blip r:embed="rId1"/>
-          <a:stretch/>
+          <a:stretch>
+            <a:fillRect/>
+          </a:stretch>
         </a:blipFill>
       </p:bgPr>
     </p:bg>
@@ -4974,20 +2831,20 @@
       </p:grpSpPr>
       <p:sp>
         <p:nvSpPr>
-          <p:cNvPr id="80" name="文本框 8"/>
+          <p:cNvPr id="41" name="CustomShape 1"/>
           <p:cNvSpPr/>
           <p:nvPr/>
         </p:nvSpPr>
         <p:spPr>
           <a:xfrm>
             <a:off x="1121400" y="2075040"/>
-            <a:ext cx="2133360" cy="638280"/>
+            <a:ext cx="5358600" cy="364680"/>
           </a:xfrm>
           <a:prstGeom prst="rect">
             <a:avLst/>
           </a:prstGeom>
           <a:noFill/>
-          <a:ln w="0">
+          <a:ln>
             <a:noFill/>
           </a:ln>
         </p:spPr>
@@ -4998,7 +2855,7 @@
           <a:fontRef idx="minor"/>
         </p:style>
         <p:txBody>
-          <a:bodyPr lIns="90000" rIns="90000" tIns="45000" bIns="45000" anchor="t">
+          <a:bodyPr lIns="90000" rIns="90000" tIns="45000" bIns="45000">
             <a:spAutoFit/>
           </a:bodyPr>
           <a:p>
@@ -5006,7 +2863,6 @@
               <a:lnSpc>
                 <a:spcPct val="100000"/>
               </a:lnSpc>
-              <a:buNone/>
             </a:pPr>
             <a:r>
               <a:rPr b="1" lang="pt-BR" sz="1800" spc="-1" strike="noStrike">
@@ -5016,17 +2872,7 @@
                 <a:latin typeface="思源黑体 CN Bold"/>
                 <a:ea typeface="思源黑体 CN Bold"/>
               </a:rPr>
-              <a:t>Jaciana</a:t>
-            </a:r>
-            <a:r>
-              <a:rPr b="1" lang="pt-BR" sz="1800" spc="-1" strike="noStrike">
-                <a:solidFill>
-                  <a:srgbClr val="ffffff"/>
-                </a:solidFill>
-                <a:latin typeface="思源黑体 CN Bold"/>
-                <a:ea typeface="思源黑体 CN Bold"/>
-              </a:rPr>
-              <a:t> Resende</a:t>
+              <a:t>Jaciana Resende</a:t>
             </a:r>
             <a:endParaRPr b="0" lang="pt-BR" sz="1800" spc="-1" strike="noStrike">
               <a:latin typeface="Arial"/>
@@ -5036,20 +2882,20 @@
       </p:sp>
       <p:sp>
         <p:nvSpPr>
-          <p:cNvPr id="81" name="文本框 24"/>
+          <p:cNvPr id="42" name="CustomShape 2"/>
           <p:cNvSpPr/>
           <p:nvPr/>
         </p:nvSpPr>
         <p:spPr>
           <a:xfrm>
             <a:off x="1135440" y="3206160"/>
-            <a:ext cx="1451880" cy="638280"/>
+            <a:ext cx="4696560" cy="364680"/>
           </a:xfrm>
           <a:prstGeom prst="rect">
             <a:avLst/>
           </a:prstGeom>
           <a:noFill/>
-          <a:ln w="0">
+          <a:ln>
             <a:noFill/>
           </a:ln>
         </p:spPr>
@@ -5060,7 +2906,7 @@
           <a:fontRef idx="minor"/>
         </p:style>
         <p:txBody>
-          <a:bodyPr lIns="90000" rIns="90000" tIns="45000" bIns="45000" anchor="t">
+          <a:bodyPr lIns="90000" rIns="90000" tIns="45000" bIns="45000">
             <a:spAutoFit/>
           </a:bodyPr>
           <a:p>
@@ -5068,7 +2914,6 @@
               <a:lnSpc>
                 <a:spcPct val="100000"/>
               </a:lnSpc>
-              <a:buNone/>
             </a:pPr>
             <a:r>
               <a:rPr b="1" lang="pt-BR" sz="1800" spc="-1" strike="noStrike">
@@ -5078,17 +2923,7 @@
                 <a:latin typeface="思源黑体 CN Bold"/>
                 <a:ea typeface="思源黑体 CN Bold"/>
               </a:rPr>
-              <a:t>Luiz</a:t>
-            </a:r>
-            <a:r>
-              <a:rPr b="1" lang="pt-BR" sz="1800" spc="-1" strike="noStrike">
-                <a:solidFill>
-                  <a:srgbClr val="ffffff"/>
-                </a:solidFill>
-                <a:latin typeface="思源黑体 CN Bold"/>
-                <a:ea typeface="思源黑体 CN Bold"/>
-              </a:rPr>
-              <a:t> Felipe</a:t>
+              <a:t>Luiz Felipe</a:t>
             </a:r>
             <a:endParaRPr b="0" lang="pt-BR" sz="1800" spc="-1" strike="noStrike">
               <a:latin typeface="Arial"/>
@@ -5098,20 +2933,20 @@
       </p:sp>
       <p:sp>
         <p:nvSpPr>
-          <p:cNvPr id="82" name="文本框 18"/>
+          <p:cNvPr id="43" name="CustomShape 3"/>
           <p:cNvSpPr/>
           <p:nvPr/>
         </p:nvSpPr>
         <p:spPr>
           <a:xfrm>
             <a:off x="1121400" y="2640600"/>
-            <a:ext cx="1733040" cy="638280"/>
+            <a:ext cx="4998600" cy="364680"/>
           </a:xfrm>
           <a:prstGeom prst="rect">
             <a:avLst/>
           </a:prstGeom>
           <a:noFill/>
-          <a:ln w="0">
+          <a:ln>
             <a:noFill/>
           </a:ln>
         </p:spPr>
@@ -5122,7 +2957,7 @@
           <a:fontRef idx="minor"/>
         </p:style>
         <p:txBody>
-          <a:bodyPr lIns="90000" rIns="90000" tIns="45000" bIns="45000" anchor="t">
+          <a:bodyPr lIns="90000" rIns="90000" tIns="45000" bIns="45000">
             <a:spAutoFit/>
           </a:bodyPr>
           <a:p>
@@ -5130,7 +2965,6 @@
               <a:lnSpc>
                 <a:spcPct val="100000"/>
               </a:lnSpc>
-              <a:buNone/>
             </a:pPr>
             <a:r>
               <a:rPr b="1" lang="pt-BR" sz="1800" spc="-1" strike="noStrike">
@@ -5140,17 +2974,7 @@
                 <a:latin typeface="思源黑体 CN Bold"/>
                 <a:ea typeface="思源黑体 CN Bold"/>
               </a:rPr>
-              <a:t>Lucas</a:t>
-            </a:r>
-            <a:r>
-              <a:rPr b="1" lang="pt-BR" sz="1800" spc="-1" strike="noStrike">
-                <a:solidFill>
-                  <a:srgbClr val="ffffff"/>
-                </a:solidFill>
-                <a:latin typeface="思源黑体 CN Bold"/>
-                <a:ea typeface="思源黑体 CN Bold"/>
-              </a:rPr>
-              <a:t> Soares</a:t>
+              <a:t>Lucas Soares</a:t>
             </a:r>
             <a:endParaRPr b="0" lang="pt-BR" sz="1800" spc="-1" strike="noStrike">
               <a:latin typeface="Arial"/>
@@ -5160,20 +2984,20 @@
       </p:sp>
       <p:sp>
         <p:nvSpPr>
-          <p:cNvPr id="83" name="文本框 35"/>
+          <p:cNvPr id="44" name="CustomShape 4"/>
           <p:cNvSpPr/>
           <p:nvPr/>
         </p:nvSpPr>
         <p:spPr>
           <a:xfrm>
             <a:off x="1135440" y="3771720"/>
-            <a:ext cx="1451880" cy="638280"/>
+            <a:ext cx="4984560" cy="364680"/>
           </a:xfrm>
           <a:prstGeom prst="rect">
             <a:avLst/>
           </a:prstGeom>
           <a:noFill/>
-          <a:ln w="0">
+          <a:ln>
             <a:noFill/>
           </a:ln>
         </p:spPr>
@@ -5184,7 +3008,7 @@
           <a:fontRef idx="minor"/>
         </p:style>
         <p:txBody>
-          <a:bodyPr lIns="90000" rIns="90000" tIns="45000" bIns="45000" anchor="t">
+          <a:bodyPr lIns="90000" rIns="90000" tIns="45000" bIns="45000">
             <a:spAutoFit/>
           </a:bodyPr>
           <a:p>
@@ -5192,7 +3016,6 @@
               <a:lnSpc>
                 <a:spcPct val="100000"/>
               </a:lnSpc>
-              <a:buNone/>
             </a:pPr>
             <a:r>
               <a:rPr b="1" lang="pt-BR" sz="1800" spc="-1" strike="noStrike">
@@ -5212,20 +3035,20 @@
       </p:sp>
       <p:sp>
         <p:nvSpPr>
-          <p:cNvPr id="84" name="文本框 22"/>
+          <p:cNvPr id="45" name="CustomShape 5"/>
           <p:cNvSpPr/>
           <p:nvPr/>
         </p:nvSpPr>
         <p:spPr>
           <a:xfrm>
             <a:off x="1178640" y="4284360"/>
-            <a:ext cx="2133360" cy="638280"/>
+            <a:ext cx="5085360" cy="364680"/>
           </a:xfrm>
           <a:prstGeom prst="rect">
             <a:avLst/>
           </a:prstGeom>
           <a:noFill/>
-          <a:ln w="0">
+          <a:ln>
             <a:noFill/>
           </a:ln>
         </p:spPr>
@@ -5236,7 +3059,7 @@
           <a:fontRef idx="minor"/>
         </p:style>
         <p:txBody>
-          <a:bodyPr lIns="90000" rIns="90000" tIns="45000" bIns="45000" anchor="t">
+          <a:bodyPr lIns="90000" rIns="90000" tIns="45000" bIns="45000">
             <a:spAutoFit/>
           </a:bodyPr>
           <a:p>
@@ -5244,7 +3067,6 @@
               <a:lnSpc>
                 <a:spcPct val="100000"/>
               </a:lnSpc>
-              <a:buNone/>
             </a:pPr>
             <a:r>
               <a:rPr b="1" lang="pt-BR" sz="1800" spc="-1" strike="noStrike">
@@ -5254,17 +3076,7 @@
                 <a:latin typeface="思源黑体 CN Bold"/>
                 <a:ea typeface="思源黑体 CN Bold"/>
               </a:rPr>
-              <a:t>Rafael</a:t>
-            </a:r>
-            <a:r>
-              <a:rPr b="1" lang="pt-BR" sz="1800" spc="-1" strike="noStrike">
-                <a:solidFill>
-                  <a:srgbClr val="ffffff"/>
-                </a:solidFill>
-                <a:latin typeface="思源黑体 CN Bold"/>
-                <a:ea typeface="思源黑体 CN Bold"/>
-              </a:rPr>
-              <a:t> Sampaio</a:t>
+              <a:t>Rafael Sampaio</a:t>
             </a:r>
             <a:endParaRPr b="0" lang="pt-BR" sz="1800" spc="-1" strike="noStrike">
               <a:latin typeface="Arial"/>
@@ -5274,20 +3086,20 @@
       </p:sp>
       <p:sp>
         <p:nvSpPr>
-          <p:cNvPr id="85" name="文本框 26"/>
+          <p:cNvPr id="46" name="CustomShape 6"/>
           <p:cNvSpPr/>
           <p:nvPr/>
         </p:nvSpPr>
         <p:spPr>
           <a:xfrm>
             <a:off x="1178640" y="4777920"/>
-            <a:ext cx="1085040" cy="638280"/>
+            <a:ext cx="2997360" cy="364680"/>
           </a:xfrm>
           <a:prstGeom prst="rect">
             <a:avLst/>
           </a:prstGeom>
           <a:noFill/>
-          <a:ln w="0">
+          <a:ln>
             <a:noFill/>
           </a:ln>
         </p:spPr>
@@ -5298,7 +3110,7 @@
           <a:fontRef idx="minor"/>
         </p:style>
         <p:txBody>
-          <a:bodyPr lIns="90000" rIns="90000" tIns="45000" bIns="45000" anchor="t">
+          <a:bodyPr lIns="90000" rIns="90000" tIns="45000" bIns="45000">
             <a:spAutoFit/>
           </a:bodyPr>
           <a:p>
@@ -5306,7 +3118,6 @@
               <a:lnSpc>
                 <a:spcPct val="100000"/>
               </a:lnSpc>
-              <a:buNone/>
             </a:pPr>
             <a:r>
               <a:rPr b="1" lang="pt-BR" sz="1800" spc="-1" strike="noStrike">
@@ -5336,20 +3147,20 @@
       </p:sp>
       <p:sp>
         <p:nvSpPr>
-          <p:cNvPr id="86" name="CaixaDeTexto 2"/>
+          <p:cNvPr id="47" name="CustomShape 7"/>
           <p:cNvSpPr/>
           <p:nvPr/>
         </p:nvSpPr>
         <p:spPr>
           <a:xfrm>
             <a:off x="1121400" y="1308240"/>
-            <a:ext cx="4449240" cy="639000"/>
+            <a:ext cx="4448880" cy="638640"/>
           </a:xfrm>
           <a:prstGeom prst="rect">
             <a:avLst/>
           </a:prstGeom>
           <a:noFill/>
-          <a:ln w="0">
+          <a:ln>
             <a:noFill/>
           </a:ln>
         </p:spPr>
@@ -5360,7 +3171,7 @@
           <a:fontRef idx="minor"/>
         </p:style>
         <p:txBody>
-          <a:bodyPr lIns="90000" rIns="90000" tIns="45000" bIns="45000" anchor="t">
+          <a:bodyPr lIns="90000" rIns="90000" tIns="45000" bIns="45000">
             <a:spAutoFit/>
           </a:bodyPr>
           <a:p>
@@ -5368,7 +3179,6 @@
               <a:lnSpc>
                 <a:spcPct val="100000"/>
               </a:lnSpc>
-              <a:buNone/>
             </a:pPr>
             <a:r>
               <a:rPr b="1" lang="pt-BR" sz="3600" spc="-1" strike="noStrike">
@@ -5376,6 +3186,7 @@
                   <a:srgbClr val="ffffff"/>
                 </a:solidFill>
                 <a:latin typeface="思源黑体 CN Light"/>
+                <a:ea typeface="DejaVu Sans"/>
               </a:rPr>
               <a:t>Grupo 9</a:t>
             </a:r>
@@ -5424,14 +3235,14 @@
       </p:grpSpPr>
       <p:sp>
         <p:nvSpPr>
-          <p:cNvPr id="87" name="Rectangle 6"/>
+          <p:cNvPr id="48" name="CustomShape 1"/>
           <p:cNvSpPr/>
           <p:nvPr/>
         </p:nvSpPr>
         <p:spPr>
           <a:xfrm>
             <a:off x="1329840" y="1940040"/>
-            <a:ext cx="583200" cy="568080"/>
+            <a:ext cx="542160" cy="567720"/>
           </a:xfrm>
           <a:prstGeom prst="rect">
             <a:avLst/>
@@ -5460,20 +3271,20 @@
       </p:sp>
       <p:sp>
         <p:nvSpPr>
-          <p:cNvPr id="88" name="TextBox 16"/>
+          <p:cNvPr id="49" name="CustomShape 2"/>
           <p:cNvSpPr/>
           <p:nvPr/>
         </p:nvSpPr>
         <p:spPr>
           <a:xfrm>
             <a:off x="1972080" y="2096280"/>
-            <a:ext cx="1642320" cy="274680"/>
+            <a:ext cx="1641960" cy="274320"/>
           </a:xfrm>
           <a:prstGeom prst="rect">
             <a:avLst/>
           </a:prstGeom>
           <a:noFill/>
-          <a:ln w="0">
+          <a:ln>
             <a:noFill/>
           </a:ln>
         </p:spPr>
@@ -5484,7 +3295,7 @@
           <a:fontRef idx="minor"/>
         </p:style>
         <p:txBody>
-          <a:bodyPr lIns="0" rIns="0" tIns="0" bIns="0" anchor="t">
+          <a:bodyPr lIns="0" rIns="0" tIns="0" bIns="0">
             <a:spAutoFit/>
           </a:bodyPr>
           <a:p>
@@ -5492,7 +3303,6 @@
               <a:lnSpc>
                 <a:spcPct val="100000"/>
               </a:lnSpc>
-              <a:buNone/>
             </a:pPr>
             <a:r>
               <a:rPr b="0" lang="pt-BR" sz="1800" spc="-1" strike="noStrike">
@@ -5512,20 +3322,20 @@
       </p:sp>
       <p:sp>
         <p:nvSpPr>
-          <p:cNvPr id="89" name="TextBox 19"/>
+          <p:cNvPr id="50" name="CustomShape 3"/>
           <p:cNvSpPr/>
           <p:nvPr/>
         </p:nvSpPr>
         <p:spPr>
           <a:xfrm>
             <a:off x="1972080" y="2859840"/>
-            <a:ext cx="1310760" cy="274680"/>
+            <a:ext cx="1310400" cy="274320"/>
           </a:xfrm>
           <a:prstGeom prst="rect">
             <a:avLst/>
           </a:prstGeom>
           <a:noFill/>
-          <a:ln w="0">
+          <a:ln>
             <a:noFill/>
           </a:ln>
         </p:spPr>
@@ -5536,7 +3346,7 @@
           <a:fontRef idx="minor"/>
         </p:style>
         <p:txBody>
-          <a:bodyPr lIns="0" rIns="0" tIns="0" bIns="0" anchor="t">
+          <a:bodyPr lIns="0" rIns="0" tIns="0" bIns="0">
             <a:spAutoFit/>
           </a:bodyPr>
           <a:p>
@@ -5544,7 +3354,6 @@
               <a:lnSpc>
                 <a:spcPct val="100000"/>
               </a:lnSpc>
-              <a:buNone/>
             </a:pPr>
             <a:r>
               <a:rPr b="0" lang="pt-BR" sz="1800" spc="-1" strike="noStrike">
@@ -5564,20 +3373,20 @@
       </p:sp>
       <p:sp>
         <p:nvSpPr>
-          <p:cNvPr id="90" name="TextBox 22"/>
+          <p:cNvPr id="51" name="CustomShape 4"/>
           <p:cNvSpPr/>
           <p:nvPr/>
         </p:nvSpPr>
         <p:spPr>
           <a:xfrm>
             <a:off x="1972080" y="3633840"/>
-            <a:ext cx="2109240" cy="274680"/>
+            <a:ext cx="2108880" cy="274320"/>
           </a:xfrm>
           <a:prstGeom prst="rect">
             <a:avLst/>
           </a:prstGeom>
           <a:noFill/>
-          <a:ln w="0">
+          <a:ln>
             <a:noFill/>
           </a:ln>
         </p:spPr>
@@ -5588,7 +3397,7 @@
           <a:fontRef idx="minor"/>
         </p:style>
         <p:txBody>
-          <a:bodyPr lIns="0" rIns="0" tIns="0" bIns="0" anchor="t">
+          <a:bodyPr lIns="0" rIns="0" tIns="0" bIns="0">
             <a:spAutoFit/>
           </a:bodyPr>
           <a:p>
@@ -5596,7 +3405,6 @@
               <a:lnSpc>
                 <a:spcPct val="100000"/>
               </a:lnSpc>
-              <a:buNone/>
             </a:pPr>
             <a:r>
               <a:rPr b="0" lang="pt-BR" sz="1800" spc="-1" strike="noStrike">
@@ -5606,17 +3414,7 @@
                 <a:latin typeface="思源黑体 CN Bold"/>
                 <a:ea typeface="思源黑体 CN Bold"/>
               </a:rPr>
-              <a:t>Product</a:t>
-            </a:r>
-            <a:r>
-              <a:rPr b="0" lang="pt-BR" sz="1800" spc="-1" strike="noStrike">
-                <a:solidFill>
-                  <a:srgbClr val="595959"/>
-                </a:solidFill>
-                <a:latin typeface="思源黑体 CN Bold"/>
-                <a:ea typeface="思源黑体 CN Bold"/>
-              </a:rPr>
-              <a:t> Backlog</a:t>
+              <a:t>Product Backlog</a:t>
             </a:r>
             <a:endParaRPr b="0" lang="pt-BR" sz="1800" spc="-1" strike="noStrike">
               <a:latin typeface="Arial"/>
@@ -5626,20 +3424,20 @@
       </p:sp>
       <p:sp>
         <p:nvSpPr>
-          <p:cNvPr id="91" name="文本框 4"/>
+          <p:cNvPr id="52" name="CustomShape 5"/>
           <p:cNvSpPr/>
           <p:nvPr/>
         </p:nvSpPr>
         <p:spPr>
           <a:xfrm>
             <a:off x="4290840" y="812880"/>
-            <a:ext cx="3610080" cy="547200"/>
+            <a:ext cx="3609720" cy="546840"/>
           </a:xfrm>
           <a:prstGeom prst="rect">
             <a:avLst/>
           </a:prstGeom>
           <a:noFill/>
-          <a:ln w="0">
+          <a:ln>
             <a:noFill/>
           </a:ln>
         </p:spPr>
@@ -5650,7 +3448,7 @@
           <a:fontRef idx="minor"/>
         </p:style>
         <p:txBody>
-          <a:bodyPr lIns="90000" rIns="90000" tIns="45000" bIns="45000" anchor="t">
+          <a:bodyPr lIns="90000" rIns="90000" tIns="45000" bIns="45000">
             <a:spAutoFit/>
           </a:bodyPr>
           <a:p>
@@ -5658,7 +3456,6 @@
               <a:lnSpc>
                 <a:spcPct val="100000"/>
               </a:lnSpc>
-              <a:buNone/>
             </a:pPr>
             <a:r>
               <a:rPr b="0" lang="pt-BR" sz="3000" spc="-1" strike="noStrike" cap="all">
@@ -5678,20 +3475,20 @@
       </p:sp>
       <p:sp>
         <p:nvSpPr>
-          <p:cNvPr id="92" name="文本框 6"/>
+          <p:cNvPr id="53" name="CustomShape 6"/>
           <p:cNvSpPr/>
           <p:nvPr/>
         </p:nvSpPr>
         <p:spPr>
           <a:xfrm>
             <a:off x="1357200" y="1987920"/>
-            <a:ext cx="555480" cy="821160"/>
+            <a:ext cx="874800" cy="456120"/>
           </a:xfrm>
           <a:prstGeom prst="rect">
             <a:avLst/>
           </a:prstGeom>
           <a:noFill/>
-          <a:ln w="0">
+          <a:ln>
             <a:noFill/>
           </a:ln>
         </p:spPr>
@@ -5702,7 +3499,7 @@
           <a:fontRef idx="minor"/>
         </p:style>
         <p:txBody>
-          <a:bodyPr lIns="90000" rIns="90000" tIns="45000" bIns="45000" anchor="t">
+          <a:bodyPr lIns="90000" rIns="90000" tIns="45000" bIns="45000">
             <a:spAutoFit/>
           </a:bodyPr>
           <a:p>
@@ -5710,7 +3507,6 @@
               <a:lnSpc>
                 <a:spcPct val="100000"/>
               </a:lnSpc>
-              <a:buNone/>
             </a:pPr>
             <a:r>
               <a:rPr b="0" lang="en-US" sz="2400" spc="-1" strike="noStrike" cap="all">
@@ -5730,14 +3526,14 @@
       </p:sp>
       <p:sp>
         <p:nvSpPr>
-          <p:cNvPr id="93" name="Rectangle 6"/>
+          <p:cNvPr id="54" name="CustomShape 7"/>
           <p:cNvSpPr/>
           <p:nvPr/>
         </p:nvSpPr>
         <p:spPr>
           <a:xfrm>
             <a:off x="1328400" y="2714040"/>
-            <a:ext cx="583200" cy="568080"/>
+            <a:ext cx="555120" cy="567720"/>
           </a:xfrm>
           <a:prstGeom prst="rect">
             <a:avLst/>
@@ -5766,14 +3562,14 @@
       </p:sp>
       <p:sp>
         <p:nvSpPr>
-          <p:cNvPr id="94" name="Rectangle 6"/>
+          <p:cNvPr id="55" name="CustomShape 8"/>
           <p:cNvSpPr/>
           <p:nvPr/>
         </p:nvSpPr>
         <p:spPr>
           <a:xfrm>
             <a:off x="1328400" y="3488400"/>
-            <a:ext cx="583200" cy="568080"/>
+            <a:ext cx="543600" cy="567720"/>
           </a:xfrm>
           <a:prstGeom prst="rect">
             <a:avLst/>
@@ -5802,14 +3598,14 @@
       </p:sp>
       <p:sp>
         <p:nvSpPr>
-          <p:cNvPr id="95" name="Rectangle 6"/>
-          <p:cNvSpPr/>
-          <p:nvPr/>
-        </p:nvSpPr>
-        <p:spPr>
-          <a:xfrm>
-            <a:off x="1327320" y="5018400"/>
-            <a:ext cx="583200" cy="568080"/>
+          <p:cNvPr id="56" name="CustomShape 9"/>
+          <p:cNvSpPr/>
+          <p:nvPr/>
+        </p:nvSpPr>
+        <p:spPr>
+          <a:xfrm>
+            <a:off x="5544000" y="2744280"/>
+            <a:ext cx="582840" cy="567720"/>
           </a:xfrm>
           <a:prstGeom prst="rect">
             <a:avLst/>
@@ -5838,14 +3634,14 @@
       </p:sp>
       <p:sp>
         <p:nvSpPr>
-          <p:cNvPr id="96" name="Rectangle 6"/>
-          <p:cNvSpPr/>
-          <p:nvPr/>
-        </p:nvSpPr>
-        <p:spPr>
-          <a:xfrm>
-            <a:off x="1328400" y="4262400"/>
-            <a:ext cx="583200" cy="568080"/>
+          <p:cNvPr id="57" name="CustomShape 10"/>
+          <p:cNvSpPr/>
+          <p:nvPr/>
+        </p:nvSpPr>
+        <p:spPr>
+          <a:xfrm>
+            <a:off x="1289160" y="5336280"/>
+            <a:ext cx="582840" cy="567720"/>
           </a:xfrm>
           <a:prstGeom prst="rect">
             <a:avLst/>
@@ -5874,20 +3670,20 @@
       </p:sp>
       <p:sp>
         <p:nvSpPr>
-          <p:cNvPr id="97" name="文本框 6"/>
+          <p:cNvPr id="58" name="CustomShape 11"/>
           <p:cNvSpPr/>
           <p:nvPr/>
         </p:nvSpPr>
         <p:spPr>
           <a:xfrm>
             <a:off x="1328400" y="2781000"/>
-            <a:ext cx="555480" cy="821160"/>
+            <a:ext cx="1335600" cy="456120"/>
           </a:xfrm>
           <a:prstGeom prst="rect">
             <a:avLst/>
           </a:prstGeom>
           <a:noFill/>
-          <a:ln w="0">
+          <a:ln>
             <a:noFill/>
           </a:ln>
         </p:spPr>
@@ -5898,7 +3694,7 @@
           <a:fontRef idx="minor"/>
         </p:style>
         <p:txBody>
-          <a:bodyPr lIns="90000" rIns="90000" tIns="45000" bIns="45000" anchor="t">
+          <a:bodyPr lIns="90000" rIns="90000" tIns="45000" bIns="45000">
             <a:spAutoFit/>
           </a:bodyPr>
           <a:p>
@@ -5906,7 +3702,6 @@
               <a:lnSpc>
                 <a:spcPct val="100000"/>
               </a:lnSpc>
-              <a:buNone/>
             </a:pPr>
             <a:r>
               <a:rPr b="0" lang="en-US" sz="2400" spc="-1" strike="noStrike" cap="all">
@@ -5926,20 +3721,20 @@
       </p:sp>
       <p:sp>
         <p:nvSpPr>
-          <p:cNvPr id="98" name="文本框 6"/>
+          <p:cNvPr id="59" name="CustomShape 12"/>
           <p:cNvSpPr/>
           <p:nvPr/>
         </p:nvSpPr>
         <p:spPr>
           <a:xfrm>
             <a:off x="1327320" y="3541680"/>
-            <a:ext cx="555480" cy="821160"/>
+            <a:ext cx="1192680" cy="456120"/>
           </a:xfrm>
           <a:prstGeom prst="rect">
             <a:avLst/>
           </a:prstGeom>
           <a:noFill/>
-          <a:ln w="0">
+          <a:ln>
             <a:noFill/>
           </a:ln>
         </p:spPr>
@@ -5950,7 +3745,7 @@
           <a:fontRef idx="minor"/>
         </p:style>
         <p:txBody>
-          <a:bodyPr lIns="90000" rIns="90000" tIns="45000" bIns="45000" anchor="t">
+          <a:bodyPr lIns="90000" rIns="90000" tIns="45000" bIns="45000">
             <a:spAutoFit/>
           </a:bodyPr>
           <a:p>
@@ -5958,7 +3753,6 @@
               <a:lnSpc>
                 <a:spcPct val="100000"/>
               </a:lnSpc>
-              <a:buNone/>
             </a:pPr>
             <a:r>
               <a:rPr b="0" lang="en-US" sz="2400" spc="-1" strike="noStrike" cap="all">
@@ -5978,20 +3772,20 @@
       </p:sp>
       <p:sp>
         <p:nvSpPr>
-          <p:cNvPr id="99" name="文本框 6"/>
-          <p:cNvSpPr/>
-          <p:nvPr/>
-        </p:nvSpPr>
-        <p:spPr>
-          <a:xfrm>
-            <a:off x="1327320" y="4306680"/>
-            <a:ext cx="555480" cy="821160"/>
+          <p:cNvPr id="60" name="CustomShape 13"/>
+          <p:cNvSpPr/>
+          <p:nvPr/>
+        </p:nvSpPr>
+        <p:spPr>
+          <a:xfrm>
+            <a:off x="5616000" y="2778840"/>
+            <a:ext cx="555120" cy="821160"/>
           </a:xfrm>
           <a:prstGeom prst="rect">
             <a:avLst/>
           </a:prstGeom>
           <a:noFill/>
-          <a:ln w="0">
+          <a:ln>
             <a:noFill/>
           </a:ln>
         </p:spPr>
@@ -6002,7 +3796,7 @@
           <a:fontRef idx="minor"/>
         </p:style>
         <p:txBody>
-          <a:bodyPr lIns="90000" rIns="90000" tIns="45000" bIns="45000" anchor="t">
+          <a:bodyPr lIns="90000" rIns="90000" tIns="45000" bIns="45000">
             <a:spAutoFit/>
           </a:bodyPr>
           <a:p>
@@ -6010,59 +3804,6 @@
               <a:lnSpc>
                 <a:spcPct val="100000"/>
               </a:lnSpc>
-              <a:buNone/>
-            </a:pPr>
-            <a:r>
-              <a:rPr b="0" lang="en-US" sz="2400" spc="-1" strike="noStrike" cap="all">
-                <a:solidFill>
-                  <a:srgbClr val="ffffff"/>
-                </a:solidFill>
-                <a:latin typeface="思源黑体 CN Medium"/>
-                <a:ea typeface="思源黑体 CN Medium"/>
-              </a:rPr>
-              <a:t>04</a:t>
-            </a:r>
-            <a:endParaRPr b="0" lang="pt-BR" sz="2400" spc="-1" strike="noStrike">
-              <a:latin typeface="Arial"/>
-            </a:endParaRPr>
-          </a:p>
-        </p:txBody>
-      </p:sp>
-      <p:sp>
-        <p:nvSpPr>
-          <p:cNvPr id="100" name="文本框 6"/>
-          <p:cNvSpPr/>
-          <p:nvPr/>
-        </p:nvSpPr>
-        <p:spPr>
-          <a:xfrm>
-            <a:off x="1341000" y="5096520"/>
-            <a:ext cx="555480" cy="821160"/>
-          </a:xfrm>
-          <a:prstGeom prst="rect">
-            <a:avLst/>
-          </a:prstGeom>
-          <a:noFill/>
-          <a:ln w="0">
-            <a:noFill/>
-          </a:ln>
-        </p:spPr>
-        <p:style>
-          <a:lnRef idx="0"/>
-          <a:fillRef idx="0"/>
-          <a:effectRef idx="0"/>
-          <a:fontRef idx="minor"/>
-        </p:style>
-        <p:txBody>
-          <a:bodyPr lIns="90000" rIns="90000" tIns="45000" bIns="45000" anchor="t">
-            <a:spAutoFit/>
-          </a:bodyPr>
-          <a:p>
-            <a:pPr>
-              <a:lnSpc>
-                <a:spcPct val="100000"/>
-              </a:lnSpc>
-              <a:buNone/>
             </a:pPr>
             <a:r>
               <a:rPr b="0" lang="en-US" sz="2400" spc="-1" strike="noStrike" cap="all">
@@ -6082,20 +3823,20 @@
       </p:sp>
       <p:sp>
         <p:nvSpPr>
-          <p:cNvPr id="101" name="TextBox 22"/>
-          <p:cNvSpPr/>
-          <p:nvPr/>
-        </p:nvSpPr>
-        <p:spPr>
-          <a:xfrm>
-            <a:off x="1972080" y="4397760"/>
-            <a:ext cx="2726280" cy="274680"/>
+          <p:cNvPr id="61" name="CustomShape 14"/>
+          <p:cNvSpPr/>
+          <p:nvPr/>
+        </p:nvSpPr>
+        <p:spPr>
+          <a:xfrm>
+            <a:off x="6274080" y="3672000"/>
+            <a:ext cx="2725920" cy="548280"/>
           </a:xfrm>
           <a:prstGeom prst="rect">
             <a:avLst/>
           </a:prstGeom>
           <a:noFill/>
-          <a:ln w="0">
+          <a:ln>
             <a:noFill/>
           </a:ln>
         </p:spPr>
@@ -6106,7 +3847,7 @@
           <a:fontRef idx="minor"/>
         </p:style>
         <p:txBody>
-          <a:bodyPr lIns="0" rIns="0" tIns="0" bIns="0" anchor="t">
+          <a:bodyPr lIns="0" rIns="0" tIns="0" bIns="0">
             <a:spAutoFit/>
           </a:bodyPr>
           <a:p>
@@ -6114,7 +3855,6 @@
               <a:lnSpc>
                 <a:spcPct val="100000"/>
               </a:lnSpc>
-              <a:buNone/>
             </a:pPr>
             <a:r>
               <a:rPr b="0" lang="pt-BR" sz="1800" spc="-1" strike="noStrike">
@@ -6124,7 +3864,7 @@
                 <a:latin typeface="思源黑体 CN Bold"/>
                 <a:ea typeface="思源黑体 CN Bold"/>
               </a:rPr>
-              <a:t>Site/AWS/Azure/GitHub</a:t>
+              <a:t>Site/AWS/Azure/GitHubccc</a:t>
             </a:r>
             <a:endParaRPr b="0" lang="pt-BR" sz="1800" spc="-1" strike="noStrike">
               <a:latin typeface="Arial"/>
@@ -6134,20 +3874,20 @@
       </p:sp>
       <p:sp>
         <p:nvSpPr>
-          <p:cNvPr id="102" name="TextBox 22"/>
-          <p:cNvSpPr/>
-          <p:nvPr/>
-        </p:nvSpPr>
-        <p:spPr>
-          <a:xfrm>
-            <a:off x="1972080" y="5159160"/>
-            <a:ext cx="2109240" cy="274680"/>
+          <p:cNvPr id="62" name="CustomShape 15"/>
+          <p:cNvSpPr/>
+          <p:nvPr/>
+        </p:nvSpPr>
+        <p:spPr>
+          <a:xfrm>
+            <a:off x="6243120" y="2893680"/>
+            <a:ext cx="2108880" cy="274320"/>
           </a:xfrm>
           <a:prstGeom prst="rect">
             <a:avLst/>
           </a:prstGeom>
           <a:noFill/>
-          <a:ln w="0">
+          <a:ln>
             <a:noFill/>
           </a:ln>
         </p:spPr>
@@ -6158,7 +3898,7 @@
           <a:fontRef idx="minor"/>
         </p:style>
         <p:txBody>
-          <a:bodyPr lIns="0" rIns="0" tIns="0" bIns="0" anchor="t">
+          <a:bodyPr lIns="0" rIns="0" tIns="0" bIns="0">
             <a:spAutoFit/>
           </a:bodyPr>
           <a:p>
@@ -6166,7 +3906,6 @@
               <a:lnSpc>
                 <a:spcPct val="100000"/>
               </a:lnSpc>
-              <a:buNone/>
             </a:pPr>
             <a:r>
               <a:rPr b="0" lang="pt-BR" sz="1800" spc="-1" strike="noStrike">
@@ -6186,14 +3925,14 @@
       </p:sp>
       <p:sp>
         <p:nvSpPr>
-          <p:cNvPr id="103" name="Rectangle 6"/>
+          <p:cNvPr id="63" name="CustomShape 16"/>
           <p:cNvSpPr/>
           <p:nvPr/>
         </p:nvSpPr>
         <p:spPr>
           <a:xfrm>
             <a:off x="5552640" y="1939320"/>
-            <a:ext cx="583200" cy="568080"/>
+            <a:ext cx="582840" cy="567720"/>
           </a:xfrm>
           <a:prstGeom prst="rect">
             <a:avLst/>
@@ -6222,20 +3961,20 @@
       </p:sp>
       <p:sp>
         <p:nvSpPr>
-          <p:cNvPr id="104" name="TextBox 22"/>
+          <p:cNvPr id="64" name="CustomShape 17"/>
           <p:cNvSpPr/>
           <p:nvPr/>
         </p:nvSpPr>
         <p:spPr>
           <a:xfrm>
             <a:off x="6199560" y="2037960"/>
-            <a:ext cx="2109240" cy="274680"/>
+            <a:ext cx="2108880" cy="274320"/>
           </a:xfrm>
           <a:prstGeom prst="rect">
             <a:avLst/>
           </a:prstGeom>
           <a:noFill/>
-          <a:ln w="0">
+          <a:ln>
             <a:noFill/>
           </a:ln>
         </p:spPr>
@@ -6246,7 +3985,7 @@
           <a:fontRef idx="minor"/>
         </p:style>
         <p:txBody>
-          <a:bodyPr lIns="0" rIns="0" tIns="0" bIns="0" anchor="t">
+          <a:bodyPr lIns="0" rIns="0" tIns="0" bIns="0">
             <a:spAutoFit/>
           </a:bodyPr>
           <a:p>
@@ -6254,7 +3993,6 @@
               <a:lnSpc>
                 <a:spcPct val="100000"/>
               </a:lnSpc>
-              <a:buNone/>
             </a:pPr>
             <a:r>
               <a:rPr b="0" lang="pt-BR" sz="1800" spc="-1" strike="noStrike">
@@ -6274,20 +4012,20 @@
       </p:sp>
       <p:sp>
         <p:nvSpPr>
-          <p:cNvPr id="105" name="文本框 6"/>
+          <p:cNvPr id="65" name="CustomShape 18"/>
           <p:cNvSpPr/>
           <p:nvPr/>
         </p:nvSpPr>
         <p:spPr>
           <a:xfrm>
             <a:off x="5554800" y="1987920"/>
-            <a:ext cx="555480" cy="821160"/>
+            <a:ext cx="555120" cy="821160"/>
           </a:xfrm>
           <a:prstGeom prst="rect">
             <a:avLst/>
           </a:prstGeom>
           <a:noFill/>
-          <a:ln w="0">
+          <a:ln>
             <a:noFill/>
           </a:ln>
         </p:spPr>
@@ -6298,7 +4036,7 @@
           <a:fontRef idx="minor"/>
         </p:style>
         <p:txBody>
-          <a:bodyPr lIns="90000" rIns="90000" tIns="45000" bIns="45000" anchor="t">
+          <a:bodyPr lIns="90000" rIns="90000" tIns="45000" bIns="45000">
             <a:spAutoFit/>
           </a:bodyPr>
           <a:p>
@@ -6306,7 +4044,6 @@
               <a:lnSpc>
                 <a:spcPct val="100000"/>
               </a:lnSpc>
-              <a:buNone/>
             </a:pPr>
             <a:r>
               <a:rPr b="0" lang="en-US" sz="2400" spc="-1" strike="noStrike" cap="all">
@@ -6323,6 +4060,461 @@
             </a:endParaRPr>
           </a:p>
         </p:txBody>
+      </p:sp>
+      <p:sp>
+        <p:nvSpPr>
+          <p:cNvPr id="66" name="CustomShape 19"/>
+          <p:cNvSpPr/>
+          <p:nvPr/>
+        </p:nvSpPr>
+        <p:spPr>
+          <a:xfrm>
+            <a:off x="1368000" y="4256280"/>
+            <a:ext cx="576000" cy="567720"/>
+          </a:xfrm>
+          <a:prstGeom prst="rect">
+            <a:avLst/>
+          </a:prstGeom>
+          <a:solidFill>
+            <a:srgbClr val="2f50a1"/>
+          </a:solidFill>
+          <a:ln>
+            <a:noFill/>
+          </a:ln>
+        </p:spPr>
+        <p:style>
+          <a:lnRef idx="2">
+            <a:schemeClr val="accent1">
+              <a:shade val="50000"/>
+            </a:schemeClr>
+          </a:lnRef>
+          <a:fillRef idx="1">
+            <a:schemeClr val="accent1"/>
+          </a:fillRef>
+          <a:effectRef idx="0">
+            <a:schemeClr val="accent1"/>
+          </a:effectRef>
+          <a:fontRef idx="minor"/>
+        </p:style>
+      </p:sp>
+      <p:sp>
+        <p:nvSpPr>
+          <p:cNvPr id="67" name="CustomShape 20"/>
+          <p:cNvSpPr/>
+          <p:nvPr/>
+        </p:nvSpPr>
+        <p:spPr>
+          <a:xfrm>
+            <a:off x="2016000" y="4464000"/>
+            <a:ext cx="2108880" cy="274320"/>
+          </a:xfrm>
+          <a:prstGeom prst="rect">
+            <a:avLst/>
+          </a:prstGeom>
+          <a:noFill/>
+          <a:ln>
+            <a:noFill/>
+          </a:ln>
+        </p:spPr>
+        <p:style>
+          <a:lnRef idx="0"/>
+          <a:fillRef idx="0"/>
+          <a:effectRef idx="0"/>
+          <a:fontRef idx="minor"/>
+        </p:style>
+        <p:txBody>
+          <a:bodyPr lIns="0" rIns="0" tIns="0" bIns="0">
+            <a:spAutoFit/>
+          </a:bodyPr>
+          <a:p>
+            <a:pPr>
+              <a:lnSpc>
+                <a:spcPct val="100000"/>
+              </a:lnSpc>
+            </a:pPr>
+            <a:r>
+              <a:rPr b="0" lang="pt-BR" sz="1800" spc="-1" strike="noStrike">
+                <a:solidFill>
+                  <a:srgbClr val="595959"/>
+                </a:solidFill>
+                <a:latin typeface="思源黑体 CN Bold"/>
+                <a:ea typeface="思源黑体 CN Bold"/>
+              </a:rPr>
+              <a:t>BPMN</a:t>
+            </a:r>
+            <a:endParaRPr b="0" lang="pt-BR" sz="1800" spc="-1" strike="noStrike">
+              <a:latin typeface="Arial"/>
+            </a:endParaRPr>
+          </a:p>
+        </p:txBody>
+      </p:sp>
+      <p:sp>
+        <p:nvSpPr>
+          <p:cNvPr id="68" name="CustomShape 21"/>
+          <p:cNvSpPr/>
+          <p:nvPr/>
+        </p:nvSpPr>
+        <p:spPr>
+          <a:xfrm>
+            <a:off x="4968000" y="4104000"/>
+            <a:ext cx="582840" cy="567720"/>
+          </a:xfrm>
+          <a:prstGeom prst="rect">
+            <a:avLst/>
+          </a:prstGeom>
+          <a:solidFill>
+            <a:srgbClr val="2f50a1"/>
+          </a:solidFill>
+          <a:ln>
+            <a:noFill/>
+          </a:ln>
+        </p:spPr>
+        <p:style>
+          <a:lnRef idx="2">
+            <a:schemeClr val="accent1">
+              <a:shade val="50000"/>
+            </a:schemeClr>
+          </a:lnRef>
+          <a:fillRef idx="1">
+            <a:schemeClr val="accent1"/>
+          </a:fillRef>
+          <a:effectRef idx="0">
+            <a:schemeClr val="accent1"/>
+          </a:effectRef>
+          <a:fontRef idx="minor"/>
+        </p:style>
+      </p:sp>
+      <p:sp>
+        <p:nvSpPr>
+          <p:cNvPr id="69" name="CustomShape 22"/>
+          <p:cNvSpPr/>
+          <p:nvPr/>
+        </p:nvSpPr>
+        <p:spPr>
+          <a:xfrm>
+            <a:off x="1944000" y="5485680"/>
+            <a:ext cx="2108880" cy="274320"/>
+          </a:xfrm>
+          <a:prstGeom prst="rect">
+            <a:avLst/>
+          </a:prstGeom>
+          <a:noFill/>
+          <a:ln>
+            <a:noFill/>
+          </a:ln>
+        </p:spPr>
+        <p:style>
+          <a:lnRef idx="0"/>
+          <a:fillRef idx="0"/>
+          <a:effectRef idx="0"/>
+          <a:fontRef idx="minor"/>
+        </p:style>
+        <p:txBody>
+          <a:bodyPr lIns="0" rIns="0" tIns="0" bIns="0">
+            <a:spAutoFit/>
+          </a:bodyPr>
+          <a:p>
+            <a:pPr>
+              <a:lnSpc>
+                <a:spcPct val="100000"/>
+              </a:lnSpc>
+            </a:pPr>
+            <a:r>
+              <a:rPr b="0" lang="pt-BR" sz="1800" spc="-1" strike="noStrike">
+                <a:solidFill>
+                  <a:srgbClr val="595959"/>
+                </a:solidFill>
+                <a:latin typeface="思源黑体 CN Bold"/>
+                <a:ea typeface="思源黑体 CN Bold"/>
+              </a:rPr>
+              <a:t>Diagrama</a:t>
+            </a:r>
+            <a:endParaRPr b="0" lang="pt-BR" sz="1800" spc="-1" strike="noStrike">
+              <a:latin typeface="Arial"/>
+            </a:endParaRPr>
+          </a:p>
+        </p:txBody>
+      </p:sp>
+      <p:sp>
+        <p:nvSpPr>
+          <p:cNvPr id="70" name="CustomShape 23"/>
+          <p:cNvSpPr/>
+          <p:nvPr/>
+        </p:nvSpPr>
+        <p:spPr>
+          <a:xfrm>
+            <a:off x="4875120" y="5485680"/>
+            <a:ext cx="2108880" cy="274320"/>
+          </a:xfrm>
+          <a:prstGeom prst="rect">
+            <a:avLst/>
+          </a:prstGeom>
+          <a:noFill/>
+          <a:ln>
+            <a:noFill/>
+          </a:ln>
+        </p:spPr>
+        <p:style>
+          <a:lnRef idx="0"/>
+          <a:fillRef idx="0"/>
+          <a:effectRef idx="0"/>
+          <a:fontRef idx="minor"/>
+        </p:style>
+        <p:txBody>
+          <a:bodyPr lIns="0" rIns="0" tIns="0" bIns="0">
+            <a:spAutoFit/>
+          </a:bodyPr>
+          <a:p>
+            <a:pPr>
+              <a:lnSpc>
+                <a:spcPct val="100000"/>
+              </a:lnSpc>
+            </a:pPr>
+            <a:r>
+              <a:rPr b="0" lang="pt-BR" sz="1800" spc="-1" strike="noStrike">
+                <a:solidFill>
+                  <a:srgbClr val="595959"/>
+                </a:solidFill>
+                <a:latin typeface="思源黑体 CN Bold"/>
+                <a:ea typeface="思源黑体 CN Bold"/>
+              </a:rPr>
+              <a:t>Mockups </a:t>
+            </a:r>
+            <a:endParaRPr b="0" lang="pt-BR" sz="1800" spc="-1" strike="noStrike">
+              <a:latin typeface="Arial"/>
+            </a:endParaRPr>
+          </a:p>
+        </p:txBody>
+      </p:sp>
+      <p:sp>
+        <p:nvSpPr>
+          <p:cNvPr id="71" name="CustomShape 24"/>
+          <p:cNvSpPr/>
+          <p:nvPr/>
+        </p:nvSpPr>
+        <p:spPr>
+          <a:xfrm>
+            <a:off x="6891120" y="5112000"/>
+            <a:ext cx="2108880" cy="274320"/>
+          </a:xfrm>
+          <a:prstGeom prst="rect">
+            <a:avLst/>
+          </a:prstGeom>
+          <a:noFill/>
+          <a:ln>
+            <a:noFill/>
+          </a:ln>
+        </p:spPr>
+        <p:style>
+          <a:lnRef idx="0"/>
+          <a:fillRef idx="0"/>
+          <a:effectRef idx="0"/>
+          <a:fontRef idx="minor"/>
+        </p:style>
+        <p:txBody>
+          <a:bodyPr lIns="0" rIns="0" tIns="0" bIns="0">
+            <a:spAutoFit/>
+          </a:bodyPr>
+          <a:p>
+            <a:pPr>
+              <a:lnSpc>
+                <a:spcPct val="100000"/>
+              </a:lnSpc>
+            </a:pPr>
+            <a:r>
+              <a:rPr b="0" lang="pt-BR" sz="1800" spc="-1" strike="noStrike">
+                <a:solidFill>
+                  <a:srgbClr val="595959"/>
+                </a:solidFill>
+                <a:latin typeface="思源黑体 CN Bold"/>
+                <a:ea typeface="思源黑体 CN Bold"/>
+              </a:rPr>
+              <a:t>Lições </a:t>
+            </a:r>
+            <a:r>
+              <a:rPr b="0" lang="pt-BR" sz="1800" spc="-1" strike="noStrike">
+                <a:solidFill>
+                  <a:srgbClr val="595959"/>
+                </a:solidFill>
+                <a:latin typeface="思源黑体 CN Bold"/>
+                <a:ea typeface="思源黑体 CN Bold"/>
+              </a:rPr>
+              <a:t>Aprend</a:t>
+            </a:r>
+            <a:r>
+              <a:rPr b="0" lang="pt-BR" sz="1800" spc="-1" strike="noStrike">
+                <a:solidFill>
+                  <a:srgbClr val="595959"/>
+                </a:solidFill>
+                <a:latin typeface="思源黑体 CN Bold"/>
+                <a:ea typeface="思源黑体 CN Bold"/>
+              </a:rPr>
+              <a:t>idas </a:t>
+            </a:r>
+            <a:endParaRPr b="0" lang="pt-BR" sz="1800" spc="-1" strike="noStrike">
+              <a:latin typeface="Arial"/>
+            </a:endParaRPr>
+          </a:p>
+        </p:txBody>
+      </p:sp>
+      <p:sp>
+        <p:nvSpPr>
+          <p:cNvPr id="72" name="CustomShape 25"/>
+          <p:cNvSpPr/>
+          <p:nvPr/>
+        </p:nvSpPr>
+        <p:spPr>
+          <a:xfrm>
+            <a:off x="6696000" y="5760000"/>
+            <a:ext cx="2108880" cy="274680"/>
+          </a:xfrm>
+          <a:prstGeom prst="rect">
+            <a:avLst/>
+          </a:prstGeom>
+          <a:noFill/>
+          <a:ln>
+            <a:noFill/>
+          </a:ln>
+        </p:spPr>
+        <p:style>
+          <a:lnRef idx="0"/>
+          <a:fillRef idx="0"/>
+          <a:effectRef idx="0"/>
+          <a:fontRef idx="minor"/>
+        </p:style>
+        <p:txBody>
+          <a:bodyPr lIns="0" rIns="0" tIns="0" bIns="0">
+            <a:spAutoFit/>
+          </a:bodyPr>
+          <a:p>
+            <a:pPr>
+              <a:lnSpc>
+                <a:spcPct val="100000"/>
+              </a:lnSpc>
+            </a:pPr>
+            <a:r>
+              <a:rPr b="0" lang="pt-BR" sz="1800" spc="-1" strike="noStrike">
+                <a:solidFill>
+                  <a:srgbClr val="595959"/>
+                </a:solidFill>
+                <a:latin typeface="思源黑体 CN Bold"/>
+                <a:ea typeface="思源黑体 CN Bold"/>
+              </a:rPr>
+              <a:t>Próximos Passos</a:t>
+            </a:r>
+            <a:endParaRPr b="0" lang="pt-BR" sz="1800" spc="-1" strike="noStrike">
+              <a:latin typeface="Arial"/>
+            </a:endParaRPr>
+          </a:p>
+        </p:txBody>
+      </p:sp>
+      <p:sp>
+        <p:nvSpPr>
+          <p:cNvPr id="73" name="CustomShape 26"/>
+          <p:cNvSpPr/>
+          <p:nvPr/>
+        </p:nvSpPr>
+        <p:spPr>
+          <a:xfrm>
+            <a:off x="4025160" y="4760280"/>
+            <a:ext cx="582840" cy="567720"/>
+          </a:xfrm>
+          <a:prstGeom prst="rect">
+            <a:avLst/>
+          </a:prstGeom>
+          <a:solidFill>
+            <a:srgbClr val="2f50a1"/>
+          </a:solidFill>
+          <a:ln>
+            <a:noFill/>
+          </a:ln>
+        </p:spPr>
+        <p:style>
+          <a:lnRef idx="2">
+            <a:schemeClr val="accent1">
+              <a:shade val="50000"/>
+            </a:schemeClr>
+          </a:lnRef>
+          <a:fillRef idx="1">
+            <a:schemeClr val="accent1"/>
+          </a:fillRef>
+          <a:effectRef idx="0">
+            <a:schemeClr val="accent1"/>
+          </a:effectRef>
+          <a:fontRef idx="minor"/>
+        </p:style>
+      </p:sp>
+      <p:sp>
+        <p:nvSpPr>
+          <p:cNvPr id="74" name="CustomShape 27"/>
+          <p:cNvSpPr/>
+          <p:nvPr/>
+        </p:nvSpPr>
+        <p:spPr>
+          <a:xfrm>
+            <a:off x="5897160" y="4824000"/>
+            <a:ext cx="582840" cy="567720"/>
+          </a:xfrm>
+          <a:prstGeom prst="rect">
+            <a:avLst/>
+          </a:prstGeom>
+          <a:solidFill>
+            <a:srgbClr val="2f50a1"/>
+          </a:solidFill>
+          <a:ln>
+            <a:noFill/>
+          </a:ln>
+        </p:spPr>
+        <p:style>
+          <a:lnRef idx="2">
+            <a:schemeClr val="accent1">
+              <a:shade val="50000"/>
+            </a:schemeClr>
+          </a:lnRef>
+          <a:fillRef idx="1">
+            <a:schemeClr val="accent1"/>
+          </a:fillRef>
+          <a:effectRef idx="0">
+            <a:schemeClr val="accent1"/>
+          </a:effectRef>
+          <a:fontRef idx="minor"/>
+        </p:style>
+      </p:sp>
+      <p:sp>
+        <p:nvSpPr>
+          <p:cNvPr id="75" name="CustomShape 28"/>
+          <p:cNvSpPr/>
+          <p:nvPr/>
+        </p:nvSpPr>
+        <p:spPr>
+          <a:xfrm>
+            <a:off x="3665160" y="5760000"/>
+            <a:ext cx="582840" cy="567720"/>
+          </a:xfrm>
+          <a:prstGeom prst="rect">
+            <a:avLst/>
+          </a:prstGeom>
+          <a:solidFill>
+            <a:srgbClr val="2f50a1"/>
+          </a:solidFill>
+          <a:ln>
+            <a:noFill/>
+          </a:ln>
+        </p:spPr>
+        <p:style>
+          <a:lnRef idx="2">
+            <a:schemeClr val="accent1">
+              <a:shade val="50000"/>
+            </a:schemeClr>
+          </a:lnRef>
+          <a:fillRef idx="1">
+            <a:schemeClr val="accent1"/>
+          </a:fillRef>
+          <a:effectRef idx="0">
+            <a:schemeClr val="accent1"/>
+          </a:effectRef>
+          <a:fontRef idx="minor"/>
+        </p:style>
       </p:sp>
     </p:spTree>
   </p:cSld>
@@ -6363,14 +4555,14 @@
       </p:grpSpPr>
       <p:sp>
         <p:nvSpPr>
-          <p:cNvPr id="106" name="任意多边形: 形状 7"/>
+          <p:cNvPr id="76" name="CustomShape 1"/>
           <p:cNvSpPr/>
           <p:nvPr/>
         </p:nvSpPr>
         <p:spPr>
           <a:xfrm>
             <a:off x="4263480" y="1133640"/>
-            <a:ext cx="3458520" cy="6048000"/>
+            <a:ext cx="3458160" cy="6047640"/>
           </a:xfrm>
           <a:custGeom>
             <a:avLst/>
@@ -6436,20 +4628,20 @@
       </p:sp>
       <p:sp>
         <p:nvSpPr>
-          <p:cNvPr id="107" name="文本框 17"/>
+          <p:cNvPr id="77" name="CustomShape 2"/>
           <p:cNvSpPr/>
           <p:nvPr/>
         </p:nvSpPr>
         <p:spPr>
           <a:xfrm>
             <a:off x="3930120" y="2431800"/>
-            <a:ext cx="4124880" cy="913320"/>
+            <a:ext cx="4124520" cy="912960"/>
           </a:xfrm>
           <a:prstGeom prst="rect">
             <a:avLst/>
           </a:prstGeom>
           <a:noFill/>
-          <a:ln w="0">
+          <a:ln>
             <a:noFill/>
           </a:ln>
         </p:spPr>
@@ -6460,7 +4652,7 @@
           <a:fontRef idx="minor"/>
         </p:style>
         <p:txBody>
-          <a:bodyPr lIns="90000" rIns="90000" tIns="45000" bIns="45000" anchor="t">
+          <a:bodyPr lIns="90000" rIns="90000" tIns="45000" bIns="45000">
             <a:spAutoFit/>
           </a:bodyPr>
           <a:p>
@@ -6468,7 +4660,6 @@
               <a:lnSpc>
                 <a:spcPct val="100000"/>
               </a:lnSpc>
-              <a:buNone/>
             </a:pPr>
             <a:r>
               <a:rPr b="0" lang="pt-BR" sz="5400" spc="-1" strike="noStrike">
@@ -6488,14 +4679,14 @@
       </p:sp>
       <p:sp>
         <p:nvSpPr>
-          <p:cNvPr id="108" name="矩形 21"/>
+          <p:cNvPr id="78" name="CustomShape 3"/>
           <p:cNvSpPr/>
           <p:nvPr/>
         </p:nvSpPr>
         <p:spPr>
           <a:xfrm>
             <a:off x="0" y="0"/>
-            <a:ext cx="12191760" cy="362160"/>
+            <a:ext cx="12191400" cy="361800"/>
           </a:xfrm>
           <a:prstGeom prst="rect">
             <a:avLst/>
@@ -6524,14 +4715,14 @@
       </p:sp>
       <p:sp>
         <p:nvSpPr>
-          <p:cNvPr id="109" name="矩形 22"/>
+          <p:cNvPr id="79" name="CustomShape 4"/>
           <p:cNvSpPr/>
           <p:nvPr/>
         </p:nvSpPr>
         <p:spPr>
           <a:xfrm>
             <a:off x="0" y="6495480"/>
-            <a:ext cx="12191760" cy="362160"/>
+            <a:ext cx="12191400" cy="361800"/>
           </a:xfrm>
           <a:prstGeom prst="rect">
             <a:avLst/>
@@ -6560,14 +4751,14 @@
       </p:sp>
       <p:sp>
         <p:nvSpPr>
-          <p:cNvPr id="110" name="矩形 23"/>
+          <p:cNvPr id="80" name="CustomShape 5"/>
           <p:cNvSpPr/>
           <p:nvPr/>
         </p:nvSpPr>
         <p:spPr>
           <a:xfrm rot="5400000">
-            <a:off x="8584920" y="3247200"/>
-            <a:ext cx="6857640" cy="362160"/>
+            <a:off x="8585280" y="3246840"/>
+            <a:ext cx="6857280" cy="361800"/>
           </a:xfrm>
           <a:prstGeom prst="rect">
             <a:avLst/>
@@ -6596,14 +4787,14 @@
       </p:sp>
       <p:sp>
         <p:nvSpPr>
-          <p:cNvPr id="111" name="矩形 24"/>
+          <p:cNvPr id="81" name="CustomShape 6"/>
           <p:cNvSpPr/>
           <p:nvPr/>
         </p:nvSpPr>
         <p:spPr>
           <a:xfrm rot="5400000">
-            <a:off x="-3246840" y="3247200"/>
-            <a:ext cx="6857640" cy="362160"/>
+            <a:off x="-3246120" y="3246840"/>
+            <a:ext cx="6857280" cy="361800"/>
           </a:xfrm>
           <a:prstGeom prst="rect">
             <a:avLst/>
@@ -6669,48 +4860,48 @@
       </p:grpSpPr>
       <p:grpSp>
         <p:nvGrpSpPr>
-          <p:cNvPr id="112" name="组合 31"/>
+          <p:cNvPr id="82" name="Group 1"/>
           <p:cNvGrpSpPr/>
           <p:nvPr/>
         </p:nvGrpSpPr>
         <p:grpSpPr>
           <a:xfrm>
             <a:off x="341640" y="450000"/>
-            <a:ext cx="11707200" cy="6727680"/>
+            <a:ext cx="11706840" cy="6727680"/>
             <a:chOff x="341640" y="450000"/>
-            <a:chExt cx="11707200" cy="6727680"/>
+            <a:chExt cx="11706840" cy="6727680"/>
           </a:xfrm>
         </p:grpSpPr>
         <p:grpSp>
           <p:nvGrpSpPr>
-            <p:cNvPr id="113" name="组合 27"/>
+            <p:cNvPr id="83" name="Group 2"/>
             <p:cNvGrpSpPr/>
             <p:nvPr/>
           </p:nvGrpSpPr>
           <p:grpSpPr>
             <a:xfrm>
               <a:off x="833040" y="2746080"/>
-              <a:ext cx="3481920" cy="4431600"/>
+              <a:ext cx="3481560" cy="4431600"/>
               <a:chOff x="833040" y="2746080"/>
-              <a:chExt cx="3481920" cy="4431600"/>
+              <a:chExt cx="3481560" cy="4431600"/>
             </a:xfrm>
           </p:grpSpPr>
           <p:sp>
             <p:nvSpPr>
-              <p:cNvPr id="114" name="TextBox 57"/>
+              <p:cNvPr id="84" name="CustomShape 3"/>
               <p:cNvSpPr/>
               <p:nvPr/>
             </p:nvSpPr>
             <p:spPr>
               <a:xfrm>
                 <a:off x="833040" y="3124080"/>
-                <a:ext cx="3481920" cy="4053600"/>
+                <a:ext cx="3481560" cy="4053600"/>
               </a:xfrm>
               <a:prstGeom prst="rect">
                 <a:avLst/>
               </a:prstGeom>
               <a:noFill/>
-              <a:ln w="0">
+              <a:ln>
                 <a:noFill/>
               </a:ln>
             </p:spPr>
@@ -6721,7 +4912,7 @@
               <a:fontRef idx="minor"/>
             </p:style>
             <p:txBody>
-              <a:bodyPr lIns="90000" rIns="90000" tIns="45000" bIns="45000" anchor="t">
+              <a:bodyPr lIns="90000" rIns="90000" tIns="45000" bIns="45000">
                 <a:spAutoFit/>
               </a:bodyPr>
               <a:p>
@@ -6729,7 +4920,6 @@
                   <a:lnSpc>
                     <a:spcPct val="100000"/>
                   </a:lnSpc>
-                  <a:buNone/>
                 </a:pPr>
                 <a:r>
                   <a:rPr b="0" lang="en-US" sz="2000" spc="-1" strike="noStrike">
@@ -6737,6 +4927,7 @@
                       <a:srgbClr val="000000"/>
                     </a:solidFill>
                     <a:latin typeface="思源黑体 CN Light"/>
+                    <a:ea typeface="DejaVu Sans"/>
                   </a:rPr>
                   <a:t>Demora em atendimentos devido a panes nos Sistemas Operacionais.</a:t>
                 </a:r>
@@ -6749,7 +4940,6 @@
                   <a:lnSpc>
                     <a:spcPct val="100000"/>
                   </a:lnSpc>
-                  <a:buNone/>
                 </a:pPr>
                 <a:endParaRPr b="0" lang="pt-BR" sz="2000" spc="-1" strike="noStrike">
                   <a:latin typeface="Arial"/>
@@ -6760,7 +4950,6 @@
                   <a:lnSpc>
                     <a:spcPct val="100000"/>
                   </a:lnSpc>
-                  <a:buNone/>
                 </a:pPr>
                 <a:r>
                   <a:rPr b="0" lang="en-US" sz="2000" spc="-1" strike="noStrike">
@@ -6768,6 +4957,7 @@
                       <a:srgbClr val="000000"/>
                     </a:solidFill>
                     <a:latin typeface="思源黑体 CN Light"/>
+                    <a:ea typeface="DejaVu Sans"/>
                   </a:rPr>
                   <a:t>Por muitos relatos e por experiência própria concluímos que há necessidade de um monitoramento das máquinas para diminuir a ocorrência dessas panes. </a:t>
                 </a:r>
@@ -6780,7 +4970,6 @@
                   <a:lnSpc>
                     <a:spcPct val="100000"/>
                   </a:lnSpc>
-                  <a:buNone/>
                 </a:pPr>
                 <a:endParaRPr b="0" lang="pt-BR" sz="2000" spc="-1" strike="noStrike">
                   <a:latin typeface="Arial"/>
@@ -6790,14 +4979,14 @@
           </p:sp>
           <p:sp>
             <p:nvSpPr>
-              <p:cNvPr id="115" name="Rectangle 10"/>
+              <p:cNvPr id="85" name="CustomShape 4"/>
               <p:cNvSpPr/>
               <p:nvPr/>
             </p:nvSpPr>
             <p:spPr>
               <a:xfrm>
                 <a:off x="1694160" y="2746080"/>
-                <a:ext cx="1759320" cy="259920"/>
+                <a:ext cx="1758960" cy="259560"/>
               </a:xfrm>
               <a:prstGeom prst="rect">
                 <a:avLst/>
@@ -6830,7 +5019,6 @@
                   <a:lnSpc>
                     <a:spcPct val="100000"/>
                   </a:lnSpc>
-                  <a:buNone/>
                   <a:tabLst>
                     <a:tab algn="l" pos="0"/>
                   </a:tabLst>
@@ -6854,42 +5042,42 @@
         </p:grpSp>
         <p:grpSp>
           <p:nvGrpSpPr>
-            <p:cNvPr id="116" name="组合 29"/>
+            <p:cNvPr id="86" name="Group 5"/>
             <p:cNvGrpSpPr/>
             <p:nvPr/>
           </p:nvGrpSpPr>
           <p:grpSpPr>
             <a:xfrm>
               <a:off x="341640" y="450000"/>
-              <a:ext cx="11707200" cy="2083680"/>
+              <a:ext cx="11706840" cy="2083320"/>
               <a:chOff x="341640" y="450000"/>
-              <a:chExt cx="11707200" cy="2083680"/>
+              <a:chExt cx="11706840" cy="2083320"/>
             </a:xfrm>
           </p:grpSpPr>
           <p:grpSp>
             <p:nvGrpSpPr>
-              <p:cNvPr id="117" name="组合 21"/>
+              <p:cNvPr id="87" name="Group 6"/>
               <p:cNvGrpSpPr/>
               <p:nvPr/>
             </p:nvGrpSpPr>
             <p:grpSpPr>
               <a:xfrm>
                 <a:off x="341640" y="459720"/>
-                <a:ext cx="3419640" cy="2073960"/>
+                <a:ext cx="3419280" cy="2073600"/>
                 <a:chOff x="341640" y="459720"/>
-                <a:chExt cx="3419640" cy="2073960"/>
+                <a:chExt cx="3419280" cy="2073600"/>
               </a:xfrm>
             </p:grpSpPr>
             <p:sp>
               <p:nvSpPr>
-                <p:cNvPr id="118" name="任意多边形 51"/>
+                <p:cNvPr id="88" name="CustomShape 7"/>
                 <p:cNvSpPr/>
                 <p:nvPr/>
               </p:nvSpPr>
               <p:spPr>
                 <a:xfrm>
                   <a:off x="341640" y="459720"/>
-                  <a:ext cx="3419640" cy="1891440"/>
+                  <a:ext cx="3419280" cy="1891080"/>
                 </a:xfrm>
                 <a:custGeom>
                   <a:avLst/>
@@ -6953,7 +5141,7 @@
                 <a:fontRef idx="minor"/>
               </p:style>
               <p:txBody>
-                <a:bodyPr numCol="1" spcCol="1440" lIns="629280" rIns="597240" tIns="15840" bIns="15840" anchor="ctr">
+                <a:bodyPr lIns="629280" rIns="597240" tIns="15840" bIns="15840" anchor="ctr">
                   <a:noAutofit/>
                 </a:bodyPr>
                 <a:p>
@@ -6964,7 +5152,6 @@
                     <a:spcAft>
                       <a:spcPts val="420"/>
                     </a:spcAft>
-                    <a:buNone/>
                   </a:pPr>
                   <a:r>
                     <a:rPr b="0" lang="en-US" sz="1200" spc="-1" strike="noStrike">
@@ -6972,6 +5159,7 @@
                         <a:srgbClr val="595959"/>
                       </a:solidFill>
                       <a:latin typeface="思源黑体"/>
+                      <a:ea typeface="DejaVu Sans"/>
                     </a:rPr>
                     <a:t> </a:t>
                   </a:r>
@@ -6983,20 +5171,20 @@
             </p:sp>
             <p:sp>
               <p:nvSpPr>
-                <p:cNvPr id="119" name="文本框 2"/>
+                <p:cNvPr id="89" name="CustomShape 8"/>
                 <p:cNvSpPr/>
                 <p:nvPr/>
               </p:nvSpPr>
               <p:spPr>
                 <a:xfrm>
                   <a:off x="1303560" y="2057040"/>
-                  <a:ext cx="1442880" cy="476640"/>
+                  <a:ext cx="1442520" cy="476280"/>
                 </a:xfrm>
                 <a:prstGeom prst="rect">
                   <a:avLst/>
                 </a:prstGeom>
                 <a:noFill/>
-                <a:ln w="0">
+                <a:ln>
                   <a:noFill/>
                 </a:ln>
               </p:spPr>
@@ -7010,14 +5198,14 @@
           </p:grpSp>
           <p:sp>
             <p:nvSpPr>
-              <p:cNvPr id="120" name="任意多边形 52"/>
+              <p:cNvPr id="90" name="CustomShape 9"/>
               <p:cNvSpPr/>
               <p:nvPr/>
             </p:nvSpPr>
             <p:spPr>
               <a:xfrm>
                 <a:off x="3193560" y="483840"/>
-                <a:ext cx="3344760" cy="1867320"/>
+                <a:ext cx="3344400" cy="1866960"/>
               </a:xfrm>
               <a:custGeom>
                 <a:avLst/>
@@ -7079,7 +5267,7 @@
               <a:fontRef idx="minor"/>
             </p:style>
             <p:txBody>
-              <a:bodyPr numCol="1" spcCol="1440" lIns="629280" rIns="597240" tIns="15840" bIns="15840" anchor="ctr">
+              <a:bodyPr lIns="629280" rIns="597240" tIns="15840" bIns="15840" anchor="ctr">
                 <a:noAutofit/>
               </a:bodyPr>
               <a:p>
@@ -7090,7 +5278,6 @@
                   <a:spcAft>
                     <a:spcPts val="420"/>
                   </a:spcAft>
-                  <a:buNone/>
                 </a:pPr>
                 <a:r>
                   <a:rPr b="0" lang="en-US" sz="1200" spc="-1" strike="noStrike">
@@ -7098,6 +5285,7 @@
                       <a:srgbClr val="595959"/>
                     </a:solidFill>
                     <a:latin typeface="思源黑体"/>
+                    <a:ea typeface="DejaVu Sans"/>
                   </a:rPr>
                   <a:t> </a:t>
                 </a:r>
@@ -7109,28 +5297,28 @@
           </p:sp>
           <p:grpSp>
             <p:nvGrpSpPr>
-              <p:cNvPr id="121" name="组合 25"/>
+              <p:cNvPr id="91" name="Group 10"/>
               <p:cNvGrpSpPr/>
               <p:nvPr/>
             </p:nvGrpSpPr>
             <p:grpSpPr>
               <a:xfrm>
                 <a:off x="3761640" y="469800"/>
-                <a:ext cx="5536800" cy="1881000"/>
+                <a:ext cx="5536440" cy="1880640"/>
                 <a:chOff x="3761640" y="469800"/>
-                <a:chExt cx="5536800" cy="1881000"/>
+                <a:chExt cx="5536440" cy="1880640"/>
               </a:xfrm>
             </p:grpSpPr>
             <p:sp>
               <p:nvSpPr>
-                <p:cNvPr id="122" name="任意多边形 53"/>
+                <p:cNvPr id="92" name="CustomShape 11"/>
                 <p:cNvSpPr/>
                 <p:nvPr/>
               </p:nvSpPr>
               <p:spPr>
                 <a:xfrm>
                   <a:off x="5991120" y="469800"/>
-                  <a:ext cx="3307320" cy="1881000"/>
+                  <a:ext cx="3306960" cy="1880640"/>
                 </a:xfrm>
                 <a:custGeom>
                   <a:avLst/>
@@ -7194,7 +5382,7 @@
                 <a:fontRef idx="minor"/>
               </p:style>
               <p:txBody>
-                <a:bodyPr numCol="1" spcCol="1440" lIns="629280" rIns="597240" tIns="15840" bIns="15840" anchor="ctr">
+                <a:bodyPr lIns="629280" rIns="597240" tIns="15840" bIns="15840" anchor="ctr">
                   <a:noAutofit/>
                 </a:bodyPr>
                 <a:p>
@@ -7205,7 +5393,6 @@
                     <a:spcAft>
                       <a:spcPts val="420"/>
                     </a:spcAft>
-                    <a:buNone/>
                   </a:pPr>
                   <a:r>
                     <a:rPr b="0" lang="en-US" sz="1200" spc="-1" strike="noStrike">
@@ -7213,6 +5400,7 @@
                         <a:srgbClr val="595959"/>
                       </a:solidFill>
                       <a:latin typeface="思源黑体"/>
+                      <a:ea typeface="DejaVu Sans"/>
                     </a:rPr>
                     <a:t> </a:t>
                   </a:r>
@@ -7224,20 +5412,20 @@
             </p:sp>
             <p:sp>
               <p:nvSpPr>
-                <p:cNvPr id="123" name="文本框 22"/>
+                <p:cNvPr id="93" name="CustomShape 12"/>
                 <p:cNvSpPr/>
                 <p:nvPr/>
               </p:nvSpPr>
               <p:spPr>
                 <a:xfrm>
                   <a:off x="3761640" y="497520"/>
-                  <a:ext cx="1442880" cy="476640"/>
+                  <a:ext cx="1442520" cy="476280"/>
                 </a:xfrm>
                 <a:prstGeom prst="rect">
                   <a:avLst/>
                 </a:prstGeom>
                 <a:noFill/>
-                <a:ln w="0">
+                <a:ln>
                   <a:noFill/>
                 </a:ln>
               </p:spPr>
@@ -7251,14 +5439,14 @@
           </p:grpSp>
           <p:sp>
             <p:nvSpPr>
-              <p:cNvPr id="124" name="任意多边形 54"/>
+              <p:cNvPr id="94" name="CustomShape 13"/>
               <p:cNvSpPr/>
               <p:nvPr/>
             </p:nvSpPr>
             <p:spPr>
               <a:xfrm>
                 <a:off x="8741520" y="450000"/>
-                <a:ext cx="3307320" cy="1900800"/>
+                <a:ext cx="3306960" cy="1900440"/>
               </a:xfrm>
               <a:custGeom>
                 <a:avLst/>
@@ -7324,20 +5512,20 @@
       </p:grpSp>
       <p:sp>
         <p:nvSpPr>
-          <p:cNvPr id="125" name="Título 3"/>
+          <p:cNvPr id="95" name="CustomShape 14"/>
           <p:cNvSpPr/>
           <p:nvPr/>
         </p:nvSpPr>
         <p:spPr>
           <a:xfrm>
             <a:off x="718200" y="459720"/>
-            <a:ext cx="2174760" cy="591120"/>
+            <a:ext cx="2174400" cy="590760"/>
           </a:xfrm>
           <a:prstGeom prst="rect">
             <a:avLst/>
           </a:prstGeom>
           <a:noFill/>
-          <a:ln w="0">
+          <a:ln>
             <a:noFill/>
           </a:ln>
         </p:spPr>
@@ -7348,7 +5536,7 @@
           <a:fontRef idx="minor"/>
         </p:style>
         <p:txBody>
-          <a:bodyPr tIns="91440" bIns="91440" anchor="t">
+          <a:bodyPr lIns="90000" rIns="90000" tIns="91440" bIns="91440">
             <a:noAutofit/>
           </a:bodyPr>
           <a:p>
@@ -7356,7 +5544,6 @@
               <a:lnSpc>
                 <a:spcPct val="100000"/>
               </a:lnSpc>
-              <a:buNone/>
             </a:pPr>
             <a:r>
               <a:rPr b="1" lang="pt-BR" sz="2000" spc="-1" strike="noStrike">
@@ -7376,20 +5563,20 @@
       </p:sp>
       <p:sp>
         <p:nvSpPr>
-          <p:cNvPr id="126" name="Google Shape;2178;p39"/>
+          <p:cNvPr id="96" name="CustomShape 15"/>
           <p:cNvSpPr/>
           <p:nvPr/>
         </p:nvSpPr>
         <p:spPr>
           <a:xfrm>
             <a:off x="832680" y="781200"/>
-            <a:ext cx="2502000" cy="1133640"/>
+            <a:ext cx="2501640" cy="1133280"/>
           </a:xfrm>
           <a:prstGeom prst="rect">
             <a:avLst/>
           </a:prstGeom>
           <a:noFill/>
-          <a:ln w="0">
+          <a:ln>
             <a:noFill/>
           </a:ln>
         </p:spPr>
@@ -7400,7 +5587,7 @@
           <a:fontRef idx="minor"/>
         </p:style>
         <p:txBody>
-          <a:bodyPr tIns="91440" bIns="91440" anchor="t">
+          <a:bodyPr lIns="90000" rIns="90000" tIns="91440" bIns="91440">
             <a:noAutofit/>
           </a:bodyPr>
           <a:p>
@@ -7408,7 +5595,6 @@
               <a:lnSpc>
                 <a:spcPct val="100000"/>
               </a:lnSpc>
-              <a:buNone/>
             </a:pPr>
             <a:r>
               <a:rPr b="0" lang="pt-BR" sz="1800" spc="-1" strike="noStrike">
@@ -7428,20 +5614,20 @@
       </p:sp>
       <p:sp>
         <p:nvSpPr>
-          <p:cNvPr id="127" name="Título 3"/>
+          <p:cNvPr id="97" name="CustomShape 16"/>
           <p:cNvSpPr/>
           <p:nvPr/>
         </p:nvSpPr>
         <p:spPr>
           <a:xfrm>
             <a:off x="4315680" y="543240"/>
-            <a:ext cx="1955160" cy="423360"/>
+            <a:ext cx="1954800" cy="423000"/>
           </a:xfrm>
           <a:prstGeom prst="rect">
             <a:avLst/>
           </a:prstGeom>
           <a:noFill/>
-          <a:ln w="0">
+          <a:ln>
             <a:noFill/>
           </a:ln>
         </p:spPr>
@@ -7452,7 +5638,7 @@
           <a:fontRef idx="minor"/>
         </p:style>
         <p:txBody>
-          <a:bodyPr lIns="90000" rIns="90000" tIns="45000" bIns="45000" anchor="t">
+          <a:bodyPr lIns="90000" rIns="90000" tIns="45000" bIns="45000">
             <a:noAutofit/>
           </a:bodyPr>
           <a:p>
@@ -7460,7 +5646,6 @@
               <a:lnSpc>
                 <a:spcPct val="90000"/>
               </a:lnSpc>
-              <a:buNone/>
             </a:pPr>
             <a:r>
               <a:rPr b="1" lang="pt-BR" sz="1800" spc="-1" strike="noStrike">
@@ -7468,6 +5653,7 @@
                   <a:srgbClr val="ffffff"/>
                 </a:solidFill>
                 <a:latin typeface="Fjalla One"/>
+                <a:ea typeface="DejaVu Sans"/>
               </a:rPr>
               <a:t>Missão</a:t>
             </a:r>
@@ -7479,20 +5665,20 @@
       </p:sp>
       <p:sp>
         <p:nvSpPr>
-          <p:cNvPr id="128" name="Google Shape;2178;p39"/>
+          <p:cNvPr id="98" name="CustomShape 17"/>
           <p:cNvSpPr/>
           <p:nvPr/>
         </p:nvSpPr>
         <p:spPr>
           <a:xfrm>
             <a:off x="3727800" y="754920"/>
-            <a:ext cx="2502000" cy="1455840"/>
+            <a:ext cx="2501640" cy="1455480"/>
           </a:xfrm>
           <a:prstGeom prst="rect">
             <a:avLst/>
           </a:prstGeom>
           <a:noFill/>
-          <a:ln w="0">
+          <a:ln>
             <a:noFill/>
           </a:ln>
         </p:spPr>
@@ -7503,7 +5689,7 @@
           <a:fontRef idx="minor"/>
         </p:style>
         <p:txBody>
-          <a:bodyPr tIns="91440" bIns="91440" anchor="t">
+          <a:bodyPr lIns="90000" rIns="90000" tIns="91440" bIns="91440">
             <a:noAutofit/>
           </a:bodyPr>
           <a:p>
@@ -7511,7 +5697,6 @@
               <a:lnSpc>
                 <a:spcPct val="100000"/>
               </a:lnSpc>
-              <a:buNone/>
             </a:pPr>
             <a:r>
               <a:rPr b="0" lang="pt-BR" sz="1800" spc="-1" strike="noStrike">
@@ -7532,7 +5717,6 @@
               <a:lnSpc>
                 <a:spcPct val="100000"/>
               </a:lnSpc>
-              <a:buNone/>
             </a:pPr>
             <a:endParaRPr b="0" lang="pt-BR" sz="1800" spc="-1" strike="noStrike">
               <a:latin typeface="Arial"/>
@@ -7542,20 +5726,20 @@
       </p:sp>
       <p:sp>
         <p:nvSpPr>
-          <p:cNvPr id="129" name="Título 3"/>
+          <p:cNvPr id="99" name="CustomShape 18"/>
           <p:cNvSpPr/>
           <p:nvPr/>
         </p:nvSpPr>
         <p:spPr>
           <a:xfrm>
             <a:off x="7016400" y="524160"/>
-            <a:ext cx="1044000" cy="423360"/>
+            <a:ext cx="1043640" cy="423000"/>
           </a:xfrm>
           <a:prstGeom prst="rect">
             <a:avLst/>
           </a:prstGeom>
           <a:noFill/>
-          <a:ln w="0">
+          <a:ln>
             <a:noFill/>
           </a:ln>
         </p:spPr>
@@ -7566,7 +5750,7 @@
           <a:fontRef idx="minor"/>
         </p:style>
         <p:txBody>
-          <a:bodyPr lIns="90000" rIns="90000" tIns="45000" bIns="45000" anchor="t">
+          <a:bodyPr lIns="90000" rIns="90000" tIns="45000" bIns="45000">
             <a:noAutofit/>
           </a:bodyPr>
           <a:p>
@@ -7574,7 +5758,6 @@
               <a:lnSpc>
                 <a:spcPct val="90000"/>
               </a:lnSpc>
-              <a:buNone/>
             </a:pPr>
             <a:r>
               <a:rPr b="1" lang="pt-BR" sz="1800" spc="-1" strike="noStrike">
@@ -7582,6 +5765,7 @@
                   <a:srgbClr val="ffffff"/>
                 </a:solidFill>
                 <a:latin typeface="Fjalla One"/>
+                <a:ea typeface="DejaVu Sans"/>
               </a:rPr>
               <a:t>Valores</a:t>
             </a:r>
@@ -7593,20 +5777,20 @@
       </p:sp>
       <p:sp>
         <p:nvSpPr>
-          <p:cNvPr id="130" name="Google Shape;2178;p39"/>
+          <p:cNvPr id="100" name="CustomShape 19"/>
           <p:cNvSpPr/>
           <p:nvPr/>
         </p:nvSpPr>
         <p:spPr>
           <a:xfrm>
             <a:off x="6334560" y="781200"/>
-            <a:ext cx="2502000" cy="1455840"/>
+            <a:ext cx="2501640" cy="1455480"/>
           </a:xfrm>
           <a:prstGeom prst="rect">
             <a:avLst/>
           </a:prstGeom>
           <a:noFill/>
-          <a:ln w="0">
+          <a:ln>
             <a:noFill/>
           </a:ln>
         </p:spPr>
@@ -7617,7 +5801,7 @@
           <a:fontRef idx="minor"/>
         </p:style>
         <p:txBody>
-          <a:bodyPr tIns="91440" bIns="91440" anchor="t">
+          <a:bodyPr lIns="90000" rIns="90000" tIns="91440" bIns="91440">
             <a:noAutofit/>
           </a:bodyPr>
           <a:p>
@@ -7625,7 +5809,6 @@
               <a:lnSpc>
                 <a:spcPct val="100000"/>
               </a:lnSpc>
-              <a:buNone/>
             </a:pPr>
             <a:r>
               <a:rPr b="0" lang="pt-BR" sz="1800" spc="-1" strike="noStrike">
@@ -7646,7 +5829,6 @@
               <a:lnSpc>
                 <a:spcPct val="100000"/>
               </a:lnSpc>
-              <a:buNone/>
             </a:pPr>
             <a:r>
               <a:rPr b="0" lang="pt-BR" sz="1800" spc="-1" strike="noStrike">
@@ -7667,7 +5849,6 @@
               <a:lnSpc>
                 <a:spcPct val="100000"/>
               </a:lnSpc>
-              <a:buNone/>
             </a:pPr>
             <a:r>
               <a:rPr b="0" lang="pt-BR" sz="1800" spc="-1" strike="noStrike">
@@ -7688,7 +5869,6 @@
               <a:lnSpc>
                 <a:spcPct val="100000"/>
               </a:lnSpc>
-              <a:buNone/>
             </a:pPr>
             <a:r>
               <a:rPr b="0" lang="pt-BR" sz="1800" spc="-1" strike="noStrike">
@@ -7709,7 +5889,6 @@
               <a:lnSpc>
                 <a:spcPct val="100000"/>
               </a:lnSpc>
-              <a:buNone/>
             </a:pPr>
             <a:endParaRPr b="0" lang="pt-BR" sz="1800" spc="-1" strike="noStrike">
               <a:latin typeface="Arial"/>
@@ -7719,20 +5898,20 @@
       </p:sp>
       <p:sp>
         <p:nvSpPr>
-          <p:cNvPr id="131" name="Título 3"/>
+          <p:cNvPr id="101" name="CustomShape 20"/>
           <p:cNvSpPr/>
           <p:nvPr/>
         </p:nvSpPr>
         <p:spPr>
           <a:xfrm>
             <a:off x="9873000" y="566280"/>
-            <a:ext cx="1044000" cy="423360"/>
+            <a:ext cx="1043640" cy="423000"/>
           </a:xfrm>
           <a:prstGeom prst="rect">
             <a:avLst/>
           </a:prstGeom>
           <a:noFill/>
-          <a:ln w="0">
+          <a:ln>
             <a:noFill/>
           </a:ln>
         </p:spPr>
@@ -7743,7 +5922,7 @@
           <a:fontRef idx="minor"/>
         </p:style>
         <p:txBody>
-          <a:bodyPr lIns="90000" rIns="90000" tIns="45000" bIns="45000" anchor="t">
+          <a:bodyPr lIns="90000" rIns="90000" tIns="45000" bIns="45000">
             <a:noAutofit/>
           </a:bodyPr>
           <a:p>
@@ -7751,7 +5930,6 @@
               <a:lnSpc>
                 <a:spcPct val="90000"/>
               </a:lnSpc>
-              <a:buNone/>
             </a:pPr>
             <a:r>
               <a:rPr b="1" lang="pt-BR" sz="1800" spc="-1" strike="noStrike">
@@ -7759,6 +5937,7 @@
                   <a:srgbClr val="ffffff"/>
                 </a:solidFill>
                 <a:latin typeface="Fjalla One"/>
+                <a:ea typeface="DejaVu Sans"/>
               </a:rPr>
               <a:t>Visão</a:t>
             </a:r>
@@ -7770,20 +5949,20 @@
       </p:sp>
       <p:sp>
         <p:nvSpPr>
-          <p:cNvPr id="132" name="Google Shape;2178;p39"/>
+          <p:cNvPr id="102" name="CustomShape 21"/>
           <p:cNvSpPr/>
           <p:nvPr/>
         </p:nvSpPr>
         <p:spPr>
           <a:xfrm>
             <a:off x="9144000" y="778320"/>
-            <a:ext cx="2502000" cy="1455840"/>
+            <a:ext cx="2501640" cy="1455480"/>
           </a:xfrm>
           <a:prstGeom prst="rect">
             <a:avLst/>
           </a:prstGeom>
           <a:noFill/>
-          <a:ln w="0">
+          <a:ln>
             <a:noFill/>
           </a:ln>
         </p:spPr>
@@ -7794,7 +5973,7 @@
           <a:fontRef idx="minor"/>
         </p:style>
         <p:txBody>
-          <a:bodyPr tIns="91440" bIns="91440" anchor="t">
+          <a:bodyPr lIns="90000" rIns="90000" tIns="91440" bIns="91440">
             <a:noAutofit/>
           </a:bodyPr>
           <a:p>
@@ -7802,7 +5981,6 @@
               <a:lnSpc>
                 <a:spcPct val="100000"/>
               </a:lnSpc>
-              <a:buNone/>
             </a:pPr>
             <a:r>
               <a:rPr b="0" lang="pt-BR" sz="1800" spc="-1" strike="noStrike">
@@ -7823,7 +6001,6 @@
               <a:lnSpc>
                 <a:spcPct val="100000"/>
               </a:lnSpc>
-              <a:buNone/>
             </a:pPr>
             <a:r>
               <a:rPr b="0" lang="pt-BR" sz="1800" spc="-1" strike="noStrike">
@@ -7844,7 +6021,6 @@
               <a:lnSpc>
                 <a:spcPct val="100000"/>
               </a:lnSpc>
-              <a:buNone/>
             </a:pPr>
             <a:endParaRPr b="0" lang="pt-BR" sz="1800" spc="-1" strike="noStrike">
               <a:latin typeface="Arial"/>
@@ -7854,7 +6030,7 @@
       </p:sp>
       <p:pic>
         <p:nvPicPr>
-          <p:cNvPr id="133" name="Picture 2" descr="Graphical user interface, text, application&#10;&#10;Description automatically generated"/>
+          <p:cNvPr id="103" name="Picture 2" descr="Graphical user interface, text, application&#10;&#10;Description automatically generated"/>
           <p:cNvPicPr/>
           <p:nvPr/>
         </p:nvPicPr>
@@ -7865,19 +6041,19 @@
         <p:spPr>
           <a:xfrm>
             <a:off x="4866120" y="2508840"/>
-            <a:ext cx="4198680" cy="1084320"/>
-          </a:xfrm>
-          <a:prstGeom prst="rect">
-            <a:avLst/>
-          </a:prstGeom>
-          <a:ln w="0">
+            <a:ext cx="4198320" cy="1083960"/>
+          </a:xfrm>
+          <a:prstGeom prst="rect">
+            <a:avLst/>
+          </a:prstGeom>
+          <a:ln>
             <a:noFill/>
           </a:ln>
         </p:spPr>
       </p:pic>
       <p:pic>
         <p:nvPicPr>
-          <p:cNvPr id="134" name="Picture 3" descr="Graphical user interface, text, application&#10;&#10;Description automatically generated"/>
+          <p:cNvPr id="104" name="Picture 3" descr="Graphical user interface, text, application&#10;&#10;Description automatically generated"/>
           <p:cNvPicPr/>
           <p:nvPr/>
         </p:nvPicPr>
@@ -7888,19 +6064,19 @@
         <p:spPr>
           <a:xfrm>
             <a:off x="6735960" y="3655800"/>
-            <a:ext cx="5126040" cy="1205280"/>
-          </a:xfrm>
-          <a:prstGeom prst="rect">
-            <a:avLst/>
-          </a:prstGeom>
-          <a:ln w="0">
+            <a:ext cx="5125680" cy="1204920"/>
+          </a:xfrm>
+          <a:prstGeom prst="rect">
+            <a:avLst/>
+          </a:prstGeom>
+          <a:ln>
             <a:noFill/>
           </a:ln>
         </p:spPr>
       </p:pic>
       <p:pic>
         <p:nvPicPr>
-          <p:cNvPr id="135" name="Picture 4" descr="Graphical user interface, text, application, email&#10;&#10;Description automatically generated"/>
+          <p:cNvPr id="105" name="Picture 4" descr="Graphical user interface, text, application, email&#10;&#10;Description automatically generated"/>
           <p:cNvPicPr/>
           <p:nvPr/>
         </p:nvPicPr>
@@ -7911,12 +6087,12 @@
         <p:spPr>
           <a:xfrm>
             <a:off x="5182560" y="5115240"/>
-            <a:ext cx="3961440" cy="1298160"/>
-          </a:xfrm>
-          <a:prstGeom prst="rect">
-            <a:avLst/>
-          </a:prstGeom>
-          <a:ln w="0">
+            <a:ext cx="3961080" cy="1297800"/>
+          </a:xfrm>
+          <a:prstGeom prst="rect">
+            <a:avLst/>
+          </a:prstGeom>
+          <a:ln>
             <a:noFill/>
           </a:ln>
         </p:spPr>
@@ -7960,14 +6136,14 @@
       </p:grpSpPr>
       <p:sp>
         <p:nvSpPr>
-          <p:cNvPr id="136" name="任意多边形: 形状 7"/>
+          <p:cNvPr id="106" name="CustomShape 1"/>
           <p:cNvSpPr/>
           <p:nvPr/>
         </p:nvSpPr>
         <p:spPr>
           <a:xfrm>
             <a:off x="4263480" y="1133640"/>
-            <a:ext cx="3458520" cy="6048000"/>
+            <a:ext cx="3458160" cy="6047640"/>
           </a:xfrm>
           <a:custGeom>
             <a:avLst/>
@@ -8033,20 +6209,20 @@
       </p:sp>
       <p:sp>
         <p:nvSpPr>
-          <p:cNvPr id="137" name="文本框 26"/>
+          <p:cNvPr id="107" name="CustomShape 2"/>
           <p:cNvSpPr/>
           <p:nvPr/>
         </p:nvSpPr>
         <p:spPr>
           <a:xfrm>
             <a:off x="3930120" y="2060280"/>
-            <a:ext cx="4124880" cy="1736280"/>
+            <a:ext cx="4124520" cy="1735920"/>
           </a:xfrm>
           <a:prstGeom prst="rect">
             <a:avLst/>
           </a:prstGeom>
           <a:noFill/>
-          <a:ln w="0">
+          <a:ln>
             <a:noFill/>
           </a:ln>
         </p:spPr>
@@ -8057,7 +6233,7 @@
           <a:fontRef idx="minor"/>
         </p:style>
         <p:txBody>
-          <a:bodyPr lIns="90000" rIns="90000" tIns="45000" bIns="45000" anchor="t">
+          <a:bodyPr lIns="90000" rIns="90000" tIns="45000" bIns="45000">
             <a:spAutoFit/>
           </a:bodyPr>
           <a:p>
@@ -8065,7 +6241,6 @@
               <a:lnSpc>
                 <a:spcPct val="100000"/>
               </a:lnSpc>
-              <a:buNone/>
             </a:pPr>
             <a:r>
               <a:rPr b="0" lang="pt-BR" sz="5400" spc="-1" strike="noStrike">
@@ -8075,17 +6250,7 @@
                 <a:latin typeface="思源黑体 CN Medium"/>
                 <a:ea typeface="思源黑体 CN Medium"/>
               </a:rPr>
-              <a:t>Product</a:t>
-            </a:r>
-            <a:r>
-              <a:rPr b="0" lang="pt-BR" sz="5400" spc="-1" strike="noStrike">
-                <a:solidFill>
-                  <a:srgbClr val="125490"/>
-                </a:solidFill>
-                <a:latin typeface="思源黑体 CN Medium"/>
-                <a:ea typeface="思源黑体 CN Medium"/>
-              </a:rPr>
-              <a:t> Backlog</a:t>
+              <a:t>Product Backlog</a:t>
             </a:r>
             <a:endParaRPr b="0" lang="pt-BR" sz="5400" spc="-1" strike="noStrike">
               <a:latin typeface="Arial"/>
@@ -8095,14 +6260,14 @@
       </p:sp>
       <p:sp>
         <p:nvSpPr>
-          <p:cNvPr id="138" name="矩形 28"/>
+          <p:cNvPr id="108" name="CustomShape 3"/>
           <p:cNvSpPr/>
           <p:nvPr/>
         </p:nvSpPr>
         <p:spPr>
           <a:xfrm>
             <a:off x="0" y="0"/>
-            <a:ext cx="12191760" cy="362160"/>
+            <a:ext cx="12191400" cy="361800"/>
           </a:xfrm>
           <a:prstGeom prst="rect">
             <a:avLst/>
@@ -8131,14 +6296,14 @@
       </p:sp>
       <p:sp>
         <p:nvSpPr>
-          <p:cNvPr id="139" name="矩形 29"/>
+          <p:cNvPr id="109" name="CustomShape 4"/>
           <p:cNvSpPr/>
           <p:nvPr/>
         </p:nvSpPr>
         <p:spPr>
           <a:xfrm>
             <a:off x="0" y="6495480"/>
-            <a:ext cx="12191760" cy="362160"/>
+            <a:ext cx="12191400" cy="361800"/>
           </a:xfrm>
           <a:prstGeom prst="rect">
             <a:avLst/>
@@ -8167,14 +6332,14 @@
       </p:sp>
       <p:sp>
         <p:nvSpPr>
-          <p:cNvPr id="140" name="矩形 30"/>
+          <p:cNvPr id="110" name="CustomShape 5"/>
           <p:cNvSpPr/>
           <p:nvPr/>
         </p:nvSpPr>
         <p:spPr>
           <a:xfrm rot="5400000">
-            <a:off x="8584920" y="3247200"/>
-            <a:ext cx="6857640" cy="362160"/>
+            <a:off x="8585280" y="3246840"/>
+            <a:ext cx="6857280" cy="361800"/>
           </a:xfrm>
           <a:prstGeom prst="rect">
             <a:avLst/>
@@ -8203,14 +6368,14 @@
       </p:sp>
       <p:sp>
         <p:nvSpPr>
-          <p:cNvPr id="141" name="矩形 31"/>
+          <p:cNvPr id="111" name="CustomShape 6"/>
           <p:cNvSpPr/>
           <p:nvPr/>
         </p:nvSpPr>
         <p:spPr>
           <a:xfrm rot="5400000">
-            <a:off x="-3246840" y="3247200"/>
-            <a:ext cx="6857640" cy="362160"/>
+            <a:off x="-3246120" y="3246840"/>
+            <a:ext cx="6857280" cy="361800"/>
           </a:xfrm>
           <a:prstGeom prst="rect">
             <a:avLst/>
@@ -8239,7 +6404,7 @@
       </p:sp>
       <p:pic>
         <p:nvPicPr>
-          <p:cNvPr id="142" name="Picture 2" descr="Microsoft 365 Education – oit.ua.edu | The University of Alabama"/>
+          <p:cNvPr id="112" name="Picture 2" descr="Microsoft 365 Education – oit.ua.edu | The University of Alabama"/>
           <p:cNvPicPr/>
           <p:nvPr/>
         </p:nvPicPr>
@@ -8250,12 +6415,12 @@
         <p:spPr>
           <a:xfrm>
             <a:off x="5486400" y="4585320"/>
-            <a:ext cx="1218960" cy="1218960"/>
-          </a:xfrm>
-          <a:prstGeom prst="rect">
-            <a:avLst/>
-          </a:prstGeom>
-          <a:ln w="0">
+            <a:ext cx="1218600" cy="1218600"/>
+          </a:xfrm>
+          <a:prstGeom prst="rect">
+            <a:avLst/>
+          </a:prstGeom>
+          <a:ln>
             <a:noFill/>
           </a:ln>
         </p:spPr>
@@ -8290,29 +6455,6 @@
           <a:chExt cx="0" cy="0"/>
         </a:xfrm>
       </p:grpSpPr>
-      <p:pic>
-        <p:nvPicPr>
-          <p:cNvPr id="143" name="" descr=""/>
-          <p:cNvPicPr/>
-          <p:nvPr/>
-        </p:nvPicPr>
-        <p:blipFill>
-          <a:blip r:embed="rId1"/>
-          <a:stretch/>
-        </p:blipFill>
-        <p:spPr>
-          <a:xfrm>
-            <a:off x="402120" y="540000"/>
-            <a:ext cx="11377080" cy="5760000"/>
-          </a:xfrm>
-          <a:prstGeom prst="rect">
-            <a:avLst/>
-          </a:prstGeom>
-          <a:ln w="0">
-            <a:noFill/>
-          </a:ln>
-        </p:spPr>
-      </p:pic>
     </p:spTree>
   </p:cSld>
   <mc:AlternateContent>
@@ -8343,29 +6485,6 @@
           <a:chExt cx="0" cy="0"/>
         </a:xfrm>
       </p:grpSpPr>
-      <p:pic>
-        <p:nvPicPr>
-          <p:cNvPr id="144" name="" descr=""/>
-          <p:cNvPicPr/>
-          <p:nvPr/>
-        </p:nvPicPr>
-        <p:blipFill>
-          <a:blip r:embed="rId1"/>
-          <a:stretch/>
-        </p:blipFill>
-        <p:spPr>
-          <a:xfrm>
-            <a:off x="720000" y="270720"/>
-            <a:ext cx="10719000" cy="6029280"/>
-          </a:xfrm>
-          <a:prstGeom prst="rect">
-            <a:avLst/>
-          </a:prstGeom>
-          <a:ln w="0">
-            <a:noFill/>
-          </a:ln>
-        </p:spPr>
-      </p:pic>
     </p:spTree>
   </p:cSld>
   <mc:AlternateContent>
@@ -8382,13 +6501,6 @@
 <file path=ppt/slides/slide9.xml><?xml version="1.0" encoding="utf-8"?>
 <p:sld xmlns:a="http://schemas.openxmlformats.org/drawingml/2006/main" xmlns:p="http://schemas.openxmlformats.org/presentationml/2006/main" xmlns:r="http://schemas.openxmlformats.org/officeDocument/2006/relationships" xmlns:p14="http://schemas.microsoft.com/office/powerpoint/2010/main" xmlns:p15="http://schemas.microsoft.com/office/powerpoint/2012/main" xmlns:mc="http://schemas.openxmlformats.org/markup-compatibility/2006">
   <p:cSld>
-    <p:bg>
-      <p:bgPr>
-        <a:solidFill>
-          <a:srgbClr val="ffffff"/>
-        </a:solidFill>
-      </p:bgPr>
-    </p:bg>
     <p:spTree>
       <p:nvGrpSpPr>
         <p:cNvPr id="1" name=""/>
@@ -8403,147 +6515,9 @@
           <a:chExt cx="0" cy="0"/>
         </a:xfrm>
       </p:grpSpPr>
-      <p:sp>
-        <p:nvSpPr>
-          <p:cNvPr id="145" name="Oval 18"/>
-          <p:cNvSpPr/>
-          <p:nvPr/>
-        </p:nvSpPr>
-        <p:spPr>
-          <a:xfrm>
-            <a:off x="6847920" y="1636560"/>
-            <a:ext cx="3837600" cy="3837600"/>
-          </a:xfrm>
-          <a:prstGeom prst="ellipse">
-            <a:avLst/>
-          </a:prstGeom>
-          <a:solidFill>
-            <a:srgbClr val="2f50a1">
-              <a:alpha val="83000"/>
-            </a:srgbClr>
-          </a:solidFill>
-          <a:ln w="76200">
-            <a:noFill/>
-          </a:ln>
-        </p:spPr>
-        <p:style>
-          <a:lnRef idx="1">
-            <a:schemeClr val="accent1"/>
-          </a:lnRef>
-          <a:fillRef idx="3">
-            <a:schemeClr val="accent1"/>
-          </a:fillRef>
-          <a:effectRef idx="2">
-            <a:schemeClr val="accent1"/>
-          </a:effectRef>
-          <a:fontRef idx="minor"/>
-        </p:style>
-      </p:sp>
-      <p:sp>
-        <p:nvSpPr>
-          <p:cNvPr id="146" name="Oval 16"/>
-          <p:cNvSpPr/>
-          <p:nvPr/>
-        </p:nvSpPr>
-        <p:spPr>
-          <a:xfrm>
-            <a:off x="1877760" y="1566000"/>
-            <a:ext cx="3061080" cy="3061080"/>
-          </a:xfrm>
-          <a:prstGeom prst="ellipse">
-            <a:avLst/>
-          </a:prstGeom>
-          <a:solidFill>
-            <a:srgbClr val="d9d9d9"/>
-          </a:solidFill>
-          <a:ln w="76200">
-            <a:noFill/>
-          </a:ln>
-        </p:spPr>
-        <p:style>
-          <a:lnRef idx="1">
-            <a:schemeClr val="accent1"/>
-          </a:lnRef>
-          <a:fillRef idx="3">
-            <a:schemeClr val="accent1"/>
-          </a:fillRef>
-          <a:effectRef idx="2">
-            <a:schemeClr val="accent1"/>
-          </a:effectRef>
-          <a:fontRef idx="minor"/>
-        </p:style>
-      </p:sp>
-      <p:sp>
-        <p:nvSpPr>
-          <p:cNvPr id="147" name="Oval 14"/>
-          <p:cNvSpPr/>
-          <p:nvPr/>
-        </p:nvSpPr>
-        <p:spPr>
-          <a:xfrm>
-            <a:off x="4337640" y="3255480"/>
-            <a:ext cx="2483640" cy="2483640"/>
-          </a:xfrm>
-          <a:prstGeom prst="ellipse">
-            <a:avLst/>
-          </a:prstGeom>
-          <a:solidFill>
-            <a:srgbClr val="2f50a1"/>
-          </a:solidFill>
-          <a:ln w="76200">
-            <a:noFill/>
-          </a:ln>
-        </p:spPr>
-        <p:style>
-          <a:lnRef idx="1">
-            <a:schemeClr val="accent1"/>
-          </a:lnRef>
-          <a:fillRef idx="3">
-            <a:schemeClr val="accent1"/>
-          </a:fillRef>
-          <a:effectRef idx="2">
-            <a:schemeClr val="accent1"/>
-          </a:effectRef>
-          <a:fontRef idx="minor"/>
-        </p:style>
-      </p:sp>
-      <p:sp>
-        <p:nvSpPr>
-          <p:cNvPr id="148" name="Oval 17"/>
-          <p:cNvSpPr/>
-          <p:nvPr/>
-        </p:nvSpPr>
-        <p:spPr>
-          <a:xfrm>
-            <a:off x="5350680" y="1434960"/>
-            <a:ext cx="2031120" cy="2031120"/>
-          </a:xfrm>
-          <a:prstGeom prst="ellipse">
-            <a:avLst/>
-          </a:prstGeom>
-          <a:solidFill>
-            <a:srgbClr val="2f50a1"/>
-          </a:solidFill>
-          <a:ln w="76200">
-            <a:noFill/>
-          </a:ln>
-        </p:spPr>
-        <p:style>
-          <a:lnRef idx="1">
-            <a:schemeClr val="accent1"/>
-          </a:lnRef>
-          <a:fillRef idx="3">
-            <a:schemeClr val="accent1"/>
-          </a:fillRef>
-          <a:effectRef idx="2">
-            <a:schemeClr val="accent1"/>
-          </a:effectRef>
-          <a:fontRef idx="minor"/>
-        </p:style>
-      </p:sp>
       <p:pic>
         <p:nvPicPr>
-          <p:cNvPr id="149" name="Picture 2" descr="https://o.remove.bg/downloads/bff62d5f-6c43-41d4-af4e-2156a2b4c341/image-removebg-preview.png"/>
+          <p:cNvPr id="113" name="" descr=""/>
           <p:cNvPicPr/>
           <p:nvPr/>
         </p:nvPicPr>
@@ -8553,82 +6527,13 @@
         </p:blipFill>
         <p:spPr>
           <a:xfrm>
-            <a:off x="5520600" y="1933920"/>
-            <a:ext cx="1887120" cy="818280"/>
-          </a:xfrm>
-          <a:prstGeom prst="rect">
-            <a:avLst/>
-          </a:prstGeom>
-          <a:ln w="0">
-            <a:noFill/>
-          </a:ln>
-        </p:spPr>
-      </p:pic>
-      <p:pic>
-        <p:nvPicPr>
-          <p:cNvPr id="150" name="Picture 4" descr="Amazon Web Services – Wikipédia, a enciclopédia livre"/>
-          <p:cNvPicPr/>
-          <p:nvPr/>
-        </p:nvPicPr>
-        <p:blipFill>
-          <a:blip r:embed="rId2"/>
-          <a:stretch/>
-        </p:blipFill>
-        <p:spPr>
-          <a:xfrm>
-            <a:off x="7672680" y="2768040"/>
-            <a:ext cx="2208960" cy="1321560"/>
-          </a:xfrm>
-          <a:prstGeom prst="rect">
-            <a:avLst/>
-          </a:prstGeom>
-          <a:ln w="0">
-            <a:noFill/>
-          </a:ln>
-        </p:spPr>
-      </p:pic>
-      <p:pic>
-        <p:nvPicPr>
-          <p:cNvPr id="151" name="Picture 6" descr="Microsoft Azure - Wikipedia"/>
-          <p:cNvPicPr/>
-          <p:nvPr/>
-        </p:nvPicPr>
-        <p:blipFill>
-          <a:blip r:embed="rId3"/>
-          <a:stretch/>
-        </p:blipFill>
-        <p:spPr>
-          <a:xfrm>
-            <a:off x="2306880" y="1887840"/>
-            <a:ext cx="2093400" cy="2093400"/>
-          </a:xfrm>
-          <a:prstGeom prst="rect">
-            <a:avLst/>
-          </a:prstGeom>
-          <a:ln w="0">
-            <a:noFill/>
-          </a:ln>
-        </p:spPr>
-      </p:pic>
-      <p:pic>
-        <p:nvPicPr>
-          <p:cNvPr id="152" name="Picture 8" descr="Logotipo do github - ícones de mídia social grátis"/>
-          <p:cNvPicPr/>
-          <p:nvPr/>
-        </p:nvPicPr>
-        <p:blipFill>
-          <a:blip r:embed="rId4"/>
-          <a:stretch/>
-        </p:blipFill>
-        <p:spPr>
-          <a:xfrm>
-            <a:off x="4950000" y="3769560"/>
-            <a:ext cx="1258920" cy="1258920"/>
-          </a:xfrm>
-          <a:prstGeom prst="rect">
-            <a:avLst/>
-          </a:prstGeom>
-          <a:ln w="0">
+            <a:off x="402120" y="540000"/>
+            <a:ext cx="11376720" cy="5759640"/>
+          </a:xfrm>
+          <a:prstGeom prst="rect">
+            <a:avLst/>
+          </a:prstGeom>
+          <a:ln>
             <a:noFill/>
           </a:ln>
         </p:spPr>
@@ -8870,230 +6775,4 @@
     </a:fmtScheme>
   </a:themeElements>
 </a:theme>
-</file>
-
-<file path=ppt/theme/theme2.xml><?xml version="1.0" encoding="utf-8"?>
-<a:theme xmlns:a="http://schemas.openxmlformats.org/drawingml/2006/main" name="Office Theme">
-  <a:themeElements>
-    <a:clrScheme name="Office">
-      <a:dk1>
-        <a:sysClr val="windowText" lastClr="000000"/>
-      </a:dk1>
-      <a:lt1>
-        <a:sysClr val="window" lastClr="FFFFFF"/>
-      </a:lt1>
-      <a:dk2>
-        <a:srgbClr val="44546a"/>
-      </a:dk2>
-      <a:lt2>
-        <a:srgbClr val="e7e6e6"/>
-      </a:lt2>
-      <a:accent1>
-        <a:srgbClr val="5b9bd5"/>
-      </a:accent1>
-      <a:accent2>
-        <a:srgbClr val="ed7d31"/>
-      </a:accent2>
-      <a:accent3>
-        <a:srgbClr val="a5a5a5"/>
-      </a:accent3>
-      <a:accent4>
-        <a:srgbClr val="ffc000"/>
-      </a:accent4>
-      <a:accent5>
-        <a:srgbClr val="4472c4"/>
-      </a:accent5>
-      <a:accent6>
-        <a:srgbClr val="70ad47"/>
-      </a:accent6>
-      <a:hlink>
-        <a:srgbClr val="0563c1"/>
-      </a:hlink>
-      <a:folHlink>
-        <a:srgbClr val="954f72"/>
-      </a:folHlink>
-    </a:clrScheme>
-    <a:fontScheme name="Office">
-      <a:majorFont>
-        <a:latin typeface="Arial"/>
-        <a:ea typeface="DejaVu Sans"/>
-        <a:cs typeface="DejaVu Sans"/>
-      </a:majorFont>
-      <a:minorFont>
-        <a:latin typeface="Arial"/>
-        <a:ea typeface="DejaVu Sans"/>
-        <a:cs typeface="DejaVu Sans"/>
-      </a:minorFont>
-    </a:fontScheme>
-    <a:fmtScheme name="Office">
-      <a:fillStyleLst>
-        <a:solidFill>
-          <a:schemeClr val="phClr"/>
-        </a:solidFill>
-        <a:gradFill rotWithShape="1">
-          <a:gsLst>
-            <a:gs pos="0">
-              <a:schemeClr val="phClr">
-                <a:tint val="50000"/>
-                <a:satMod val="300000"/>
-              </a:schemeClr>
-            </a:gs>
-            <a:gs pos="35000">
-              <a:schemeClr val="phClr">
-                <a:tint val="37000"/>
-                <a:satMod val="300000"/>
-              </a:schemeClr>
-            </a:gs>
-            <a:gs pos="100000">
-              <a:schemeClr val="phClr">
-                <a:tint val="15000"/>
-                <a:satMod val="350000"/>
-              </a:schemeClr>
-            </a:gs>
-          </a:gsLst>
-          <a:lin ang="16200000" scaled="1"/>
-        </a:gradFill>
-        <a:gradFill rotWithShape="1">
-          <a:gsLst>
-            <a:gs pos="0">
-              <a:schemeClr val="phClr">
-                <a:shade val="51000"/>
-                <a:satMod val="130000"/>
-              </a:schemeClr>
-            </a:gs>
-            <a:gs pos="80000">
-              <a:schemeClr val="phClr">
-                <a:shade val="93000"/>
-                <a:satMod val="130000"/>
-              </a:schemeClr>
-            </a:gs>
-            <a:gs pos="100000">
-              <a:schemeClr val="phClr">
-                <a:shade val="94000"/>
-                <a:satMod val="135000"/>
-              </a:schemeClr>
-            </a:gs>
-          </a:gsLst>
-          <a:lin ang="16200000" scaled="0"/>
-        </a:gradFill>
-      </a:fillStyleLst>
-      <a:lnStyleLst>
-        <a:ln w="9525" cap="flat" cmpd="sng" algn="ctr">
-          <a:solidFill>
-            <a:schemeClr val="phClr">
-              <a:shade val="95000"/>
-              <a:satMod val="105000"/>
-            </a:schemeClr>
-          </a:solidFill>
-          <a:prstDash val="solid"/>
-          <a:miter/>
-        </a:ln>
-        <a:ln w="25400" cap="flat" cmpd="sng" algn="ctr">
-          <a:solidFill>
-            <a:schemeClr val="phClr"/>
-          </a:solidFill>
-          <a:prstDash val="solid"/>
-          <a:miter/>
-        </a:ln>
-        <a:ln w="38100" cap="flat" cmpd="sng" algn="ctr">
-          <a:solidFill>
-            <a:schemeClr val="phClr"/>
-          </a:solidFill>
-          <a:prstDash val="solid"/>
-          <a:miter/>
-        </a:ln>
-      </a:lnStyleLst>
-      <a:effectStyleLst>
-        <a:effectStyle>
-          <a:effectLst>
-            <a:outerShdw blurRad="40000" dist="20000" dir="5400000" rotWithShape="0">
-              <a:srgbClr val="000000">
-                <a:alpha val="38000"/>
-              </a:srgbClr>
-            </a:outerShdw>
-          </a:effectLst>
-        </a:effectStyle>
-        <a:effectStyle>
-          <a:effectLst>
-            <a:outerShdw blurRad="40000" dist="23000" dir="5400000" rotWithShape="0">
-              <a:srgbClr val="000000">
-                <a:alpha val="35000"/>
-              </a:srgbClr>
-            </a:outerShdw>
-          </a:effectLst>
-        </a:effectStyle>
-        <a:effectStyle>
-          <a:effectLst>
-            <a:outerShdw blurRad="40000" dist="23000" dir="5400000" rotWithShape="0">
-              <a:srgbClr val="000000">
-                <a:alpha val="35000"/>
-              </a:srgbClr>
-            </a:outerShdw>
-          </a:effectLst>
-          <a:scene3d>
-            <a:camera prst="orthographicFront">
-              <a:rot lat="0" lon="0" rev="0"/>
-            </a:camera>
-            <a:lightRig rig="threePt" dir="t">
-              <a:rot lat="0" lon="0" rev="1200000"/>
-            </a:lightRig>
-          </a:scene3d>
-          <a:sp3d>
-            <a:bevelT w="63500" h="25400"/>
-          </a:sp3d>
-        </a:effectStyle>
-      </a:effectStyleLst>
-      <a:bgFillStyleLst>
-        <a:solidFill>
-          <a:schemeClr val="phClr"/>
-        </a:solidFill>
-        <a:gradFill rotWithShape="1">
-          <a:gsLst>
-            <a:gs pos="0">
-              <a:schemeClr val="phClr">
-                <a:tint val="40000"/>
-                <a:satMod val="350000"/>
-              </a:schemeClr>
-            </a:gs>
-            <a:gs pos="40000">
-              <a:schemeClr val="phClr">
-                <a:tint val="45000"/>
-                <a:shade val="99000"/>
-                <a:satMod val="350000"/>
-              </a:schemeClr>
-            </a:gs>
-            <a:gs pos="100000">
-              <a:schemeClr val="phClr">
-                <a:shade val="20000"/>
-                <a:satMod val="255000"/>
-              </a:schemeClr>
-            </a:gs>
-          </a:gsLst>
-          <a:path path="circle">
-            <a:fillToRect l="50000" t="-80000" r="50000" b="180000"/>
-          </a:path>
-        </a:gradFill>
-        <a:gradFill rotWithShape="1">
-          <a:gsLst>
-            <a:gs pos="0">
-              <a:schemeClr val="phClr">
-                <a:tint val="80000"/>
-                <a:satMod val="300000"/>
-              </a:schemeClr>
-            </a:gs>
-            <a:gs pos="100000">
-              <a:schemeClr val="phClr">
-                <a:shade val="30000"/>
-                <a:satMod val="200000"/>
-              </a:schemeClr>
-            </a:gs>
-          </a:gsLst>
-          <a:path path="circle">
-            <a:fillToRect l="50000" t="50000" r="50000" b="50000"/>
-          </a:path>
-        </a:gradFill>
-      </a:bgFillStyleLst>
-    </a:fmtScheme>
-  </a:themeElements>
-</a:theme>
 </file>
--- a/HSOsprint2.pptx
+++ b/HSOsprint2.pptx
@@ -1,31 +1,127 @@
 
 <file path=ppt/presentation.xml><?xml version="1.0" encoding="utf-8"?>
-<p:presentation xmlns:a="http://schemas.openxmlformats.org/drawingml/2006/main" xmlns:p="http://schemas.openxmlformats.org/presentationml/2006/main" xmlns:r="http://schemas.openxmlformats.org/officeDocument/2006/relationships" xmlns:p14="http://schemas.microsoft.com/office/powerpoint/2010/main" xmlns:p15="http://schemas.microsoft.com/office/powerpoint/2012/main" xmlns:mc="http://schemas.openxmlformats.org/markup-compatibility/2006">
+<p:presentation xmlns:a="http://schemas.openxmlformats.org/drawingml/2006/main" xmlns:r="http://schemas.openxmlformats.org/officeDocument/2006/relationships" xmlns:p="http://schemas.openxmlformats.org/presentationml/2006/main">
   <p:sldMasterIdLst>
-    <p:sldMasterId id="2147483648" r:id="rId2"/>
+    <p:sldMasterId id="2147483648" r:id="rId1"/>
   </p:sldMasterIdLst>
   <p:sldIdLst>
-    <p:sldId id="256" r:id="rId3"/>
-    <p:sldId id="257" r:id="rId4"/>
-    <p:sldId id="258" r:id="rId5"/>
-    <p:sldId id="259" r:id="rId6"/>
-    <p:sldId id="260" r:id="rId7"/>
-    <p:sldId id="261" r:id="rId8"/>
-    <p:sldId id="262" r:id="rId9"/>
-    <p:sldId id="263" r:id="rId10"/>
-    <p:sldId id="264" r:id="rId11"/>
-    <p:sldId id="265" r:id="rId12"/>
-    <p:sldId id="266" r:id="rId13"/>
+    <p:sldId id="256" r:id="rId2"/>
+    <p:sldId id="257" r:id="rId3"/>
+    <p:sldId id="258" r:id="rId4"/>
+    <p:sldId id="259" r:id="rId5"/>
+    <p:sldId id="260" r:id="rId6"/>
+    <p:sldId id="261" r:id="rId7"/>
+    <p:sldId id="264" r:id="rId8"/>
+    <p:sldId id="265" r:id="rId9"/>
+    <p:sldId id="262" r:id="rId10"/>
+    <p:sldId id="263" r:id="rId11"/>
+    <p:sldId id="266" r:id="rId12"/>
+    <p:sldId id="269" r:id="rId13"/>
     <p:sldId id="267" r:id="rId14"/>
     <p:sldId id="268" r:id="rId15"/>
   </p:sldIdLst>
   <p:sldSz cx="12192000" cy="6858000"/>
-  <p:notesSz cx="7559675" cy="10691812"/>
+  <p:notesSz cx="7559675" cy="10691813"/>
+  <p:defaultTextStyle>
+    <a:defPPr>
+      <a:defRPr lang="pt-BR"/>
+    </a:defPPr>
+    <a:lvl1pPr marL="0" algn="l" defTabSz="914400" rtl="0" eaLnBrk="1" latinLnBrk="0" hangingPunct="1">
+      <a:defRPr sz="1800" kern="1200">
+        <a:solidFill>
+          <a:schemeClr val="tx1"/>
+        </a:solidFill>
+        <a:latin typeface="+mn-lt"/>
+        <a:ea typeface="+mn-ea"/>
+        <a:cs typeface="+mn-cs"/>
+      </a:defRPr>
+    </a:lvl1pPr>
+    <a:lvl2pPr marL="457200" algn="l" defTabSz="914400" rtl="0" eaLnBrk="1" latinLnBrk="0" hangingPunct="1">
+      <a:defRPr sz="1800" kern="1200">
+        <a:solidFill>
+          <a:schemeClr val="tx1"/>
+        </a:solidFill>
+        <a:latin typeface="+mn-lt"/>
+        <a:ea typeface="+mn-ea"/>
+        <a:cs typeface="+mn-cs"/>
+      </a:defRPr>
+    </a:lvl2pPr>
+    <a:lvl3pPr marL="914400" algn="l" defTabSz="914400" rtl="0" eaLnBrk="1" latinLnBrk="0" hangingPunct="1">
+      <a:defRPr sz="1800" kern="1200">
+        <a:solidFill>
+          <a:schemeClr val="tx1"/>
+        </a:solidFill>
+        <a:latin typeface="+mn-lt"/>
+        <a:ea typeface="+mn-ea"/>
+        <a:cs typeface="+mn-cs"/>
+      </a:defRPr>
+    </a:lvl3pPr>
+    <a:lvl4pPr marL="1371600" algn="l" defTabSz="914400" rtl="0" eaLnBrk="1" latinLnBrk="0" hangingPunct="1">
+      <a:defRPr sz="1800" kern="1200">
+        <a:solidFill>
+          <a:schemeClr val="tx1"/>
+        </a:solidFill>
+        <a:latin typeface="+mn-lt"/>
+        <a:ea typeface="+mn-ea"/>
+        <a:cs typeface="+mn-cs"/>
+      </a:defRPr>
+    </a:lvl4pPr>
+    <a:lvl5pPr marL="1828800" algn="l" defTabSz="914400" rtl="0" eaLnBrk="1" latinLnBrk="0" hangingPunct="1">
+      <a:defRPr sz="1800" kern="1200">
+        <a:solidFill>
+          <a:schemeClr val="tx1"/>
+        </a:solidFill>
+        <a:latin typeface="+mn-lt"/>
+        <a:ea typeface="+mn-ea"/>
+        <a:cs typeface="+mn-cs"/>
+      </a:defRPr>
+    </a:lvl5pPr>
+    <a:lvl6pPr marL="2286000" algn="l" defTabSz="914400" rtl="0" eaLnBrk="1" latinLnBrk="0" hangingPunct="1">
+      <a:defRPr sz="1800" kern="1200">
+        <a:solidFill>
+          <a:schemeClr val="tx1"/>
+        </a:solidFill>
+        <a:latin typeface="+mn-lt"/>
+        <a:ea typeface="+mn-ea"/>
+        <a:cs typeface="+mn-cs"/>
+      </a:defRPr>
+    </a:lvl6pPr>
+    <a:lvl7pPr marL="2743200" algn="l" defTabSz="914400" rtl="0" eaLnBrk="1" latinLnBrk="0" hangingPunct="1">
+      <a:defRPr sz="1800" kern="1200">
+        <a:solidFill>
+          <a:schemeClr val="tx1"/>
+        </a:solidFill>
+        <a:latin typeface="+mn-lt"/>
+        <a:ea typeface="+mn-ea"/>
+        <a:cs typeface="+mn-cs"/>
+      </a:defRPr>
+    </a:lvl7pPr>
+    <a:lvl8pPr marL="3200400" algn="l" defTabSz="914400" rtl="0" eaLnBrk="1" latinLnBrk="0" hangingPunct="1">
+      <a:defRPr sz="1800" kern="1200">
+        <a:solidFill>
+          <a:schemeClr val="tx1"/>
+        </a:solidFill>
+        <a:latin typeface="+mn-lt"/>
+        <a:ea typeface="+mn-ea"/>
+        <a:cs typeface="+mn-cs"/>
+      </a:defRPr>
+    </a:lvl8pPr>
+    <a:lvl9pPr marL="3657600" algn="l" defTabSz="914400" rtl="0" eaLnBrk="1" latinLnBrk="0" hangingPunct="1">
+      <a:defRPr sz="1800" kern="1200">
+        <a:solidFill>
+          <a:schemeClr val="tx1"/>
+        </a:solidFill>
+        <a:latin typeface="+mn-lt"/>
+        <a:ea typeface="+mn-ea"/>
+        <a:cs typeface="+mn-cs"/>
+      </a:defRPr>
+    </a:lvl9pPr>
+  </p:defaultTextStyle>
 </p:presentation>
 </file>
 
 <file path=ppt/slideLayouts/slideLayout1.xml><?xml version="1.0" encoding="utf-8"?>
-<p:sldLayout xmlns:a="http://schemas.openxmlformats.org/drawingml/2006/main" xmlns:p="http://schemas.openxmlformats.org/presentationml/2006/main" xmlns:r="http://schemas.openxmlformats.org/officeDocument/2006/relationships" xmlns:p14="http://schemas.microsoft.com/office/powerpoint/2010/main" xmlns:p15="http://schemas.microsoft.com/office/powerpoint/2012/main" xmlns:mc="http://schemas.openxmlformats.org/markup-compatibility/2006" type="blank" preserve="1">
+<p:sldLayout xmlns:a="http://schemas.openxmlformats.org/drawingml/2006/main" xmlns:r="http://schemas.openxmlformats.org/officeDocument/2006/relationships" xmlns:p="http://schemas.openxmlformats.org/presentationml/2006/main" type="blank" preserve="1">
   <p:cSld name="Blank Slide">
     <p:spTree>
       <p:nvGrpSpPr>
@@ -43,11 +139,14 @@
       </p:grpSpPr>
     </p:spTree>
   </p:cSld>
+  <p:clrMapOvr>
+    <a:masterClrMapping/>
+  </p:clrMapOvr>
 </p:sldLayout>
 </file>
 
 <file path=ppt/slideLayouts/slideLayout10.xml><?xml version="1.0" encoding="utf-8"?>
-<p:sldLayout xmlns:a="http://schemas.openxmlformats.org/drawingml/2006/main" xmlns:p="http://schemas.openxmlformats.org/presentationml/2006/main" xmlns:r="http://schemas.openxmlformats.org/officeDocument/2006/relationships" xmlns:p14="http://schemas.microsoft.com/office/powerpoint/2010/main" xmlns:p15="http://schemas.microsoft.com/office/powerpoint/2012/main" xmlns:mc="http://schemas.openxmlformats.org/markup-compatibility/2006" type="objOverTx" preserve="1">
+<p:sldLayout xmlns:a="http://schemas.openxmlformats.org/drawingml/2006/main" xmlns:r="http://schemas.openxmlformats.org/officeDocument/2006/relationships" xmlns:p="http://schemas.openxmlformats.org/presentationml/2006/main" type="objOverTx" preserve="1">
   <p:cSld name="Title, Content over Content">
     <p:spTree>
       <p:nvGrpSpPr>
@@ -83,12 +182,13 @@
           </a:prstGeom>
         </p:spPr>
         <p:txBody>
-          <a:bodyPr lIns="0" rIns="0" tIns="0" bIns="0" anchor="ctr">
+          <a:bodyPr lIns="0" tIns="0" rIns="0" bIns="0" anchor="ctr">
             <a:noAutofit/>
           </a:bodyPr>
+          <a:lstStyle/>
           <a:p>
             <a:pPr algn="ctr"/>
-            <a:endParaRPr b="0" lang="pt-BR" sz="4400" spc="-1" strike="noStrike">
+            <a:endParaRPr lang="pt-BR" sz="4400" b="0" strike="noStrike" spc="-1">
               <a:latin typeface="Arial"/>
             </a:endParaRPr>
           </a:p>
@@ -114,11 +214,12 @@
           </a:prstGeom>
         </p:spPr>
         <p:txBody>
-          <a:bodyPr lIns="0" rIns="0" tIns="0" bIns="0">
+          <a:bodyPr lIns="0" tIns="0" rIns="0" bIns="0">
             <a:normAutofit/>
           </a:bodyPr>
-          <a:p>
-            <a:endParaRPr b="0" lang="pt-BR" sz="3200" spc="-1" strike="noStrike">
+          <a:lstStyle/>
+          <a:p>
+            <a:endParaRPr lang="pt-BR" sz="3200" b="0" strike="noStrike" spc="-1">
               <a:latin typeface="Arial"/>
             </a:endParaRPr>
           </a:p>
@@ -144,11 +245,12 @@
           </a:prstGeom>
         </p:spPr>
         <p:txBody>
-          <a:bodyPr lIns="0" rIns="0" tIns="0" bIns="0">
+          <a:bodyPr lIns="0" tIns="0" rIns="0" bIns="0">
             <a:normAutofit/>
           </a:bodyPr>
-          <a:p>
-            <a:endParaRPr b="0" lang="pt-BR" sz="3200" spc="-1" strike="noStrike">
+          <a:lstStyle/>
+          <a:p>
+            <a:endParaRPr lang="pt-BR" sz="3200" b="0" strike="noStrike" spc="-1">
               <a:latin typeface="Arial"/>
             </a:endParaRPr>
           </a:p>
@@ -156,11 +258,14 @@
       </p:sp>
     </p:spTree>
   </p:cSld>
+  <p:clrMapOvr>
+    <a:masterClrMapping/>
+  </p:clrMapOvr>
 </p:sldLayout>
 </file>
 
 <file path=ppt/slideLayouts/slideLayout11.xml><?xml version="1.0" encoding="utf-8"?>
-<p:sldLayout xmlns:a="http://schemas.openxmlformats.org/drawingml/2006/main" xmlns:p="http://schemas.openxmlformats.org/presentationml/2006/main" xmlns:r="http://schemas.openxmlformats.org/officeDocument/2006/relationships" xmlns:p14="http://schemas.microsoft.com/office/powerpoint/2010/main" xmlns:p15="http://schemas.microsoft.com/office/powerpoint/2012/main" xmlns:mc="http://schemas.openxmlformats.org/markup-compatibility/2006" type="fourObj" preserve="1">
+<p:sldLayout xmlns:a="http://schemas.openxmlformats.org/drawingml/2006/main" xmlns:r="http://schemas.openxmlformats.org/officeDocument/2006/relationships" xmlns:p="http://schemas.openxmlformats.org/presentationml/2006/main" type="fourObj" preserve="1">
   <p:cSld name="Title, 4 Content">
     <p:spTree>
       <p:nvGrpSpPr>
@@ -196,12 +301,13 @@
           </a:prstGeom>
         </p:spPr>
         <p:txBody>
-          <a:bodyPr lIns="0" rIns="0" tIns="0" bIns="0" anchor="ctr">
+          <a:bodyPr lIns="0" tIns="0" rIns="0" bIns="0" anchor="ctr">
             <a:noAutofit/>
           </a:bodyPr>
+          <a:lstStyle/>
           <a:p>
             <a:pPr algn="ctr"/>
-            <a:endParaRPr b="0" lang="pt-BR" sz="4400" spc="-1" strike="noStrike">
+            <a:endParaRPr lang="pt-BR" sz="4400" b="0" strike="noStrike" spc="-1">
               <a:latin typeface="Arial"/>
             </a:endParaRPr>
           </a:p>
@@ -227,11 +333,12 @@
           </a:prstGeom>
         </p:spPr>
         <p:txBody>
-          <a:bodyPr lIns="0" rIns="0" tIns="0" bIns="0">
+          <a:bodyPr lIns="0" tIns="0" rIns="0" bIns="0">
             <a:normAutofit/>
           </a:bodyPr>
-          <a:p>
-            <a:endParaRPr b="0" lang="pt-BR" sz="3200" spc="-1" strike="noStrike">
+          <a:lstStyle/>
+          <a:p>
+            <a:endParaRPr lang="pt-BR" sz="3200" b="0" strike="noStrike" spc="-1">
               <a:latin typeface="Arial"/>
             </a:endParaRPr>
           </a:p>
@@ -257,11 +364,12 @@
           </a:prstGeom>
         </p:spPr>
         <p:txBody>
-          <a:bodyPr lIns="0" rIns="0" tIns="0" bIns="0">
+          <a:bodyPr lIns="0" tIns="0" rIns="0" bIns="0">
             <a:normAutofit/>
           </a:bodyPr>
-          <a:p>
-            <a:endParaRPr b="0" lang="pt-BR" sz="3200" spc="-1" strike="noStrike">
+          <a:lstStyle/>
+          <a:p>
+            <a:endParaRPr lang="pt-BR" sz="3200" b="0" strike="noStrike" spc="-1">
               <a:latin typeface="Arial"/>
             </a:endParaRPr>
           </a:p>
@@ -287,11 +395,12 @@
           </a:prstGeom>
         </p:spPr>
         <p:txBody>
-          <a:bodyPr lIns="0" rIns="0" tIns="0" bIns="0">
+          <a:bodyPr lIns="0" tIns="0" rIns="0" bIns="0">
             <a:normAutofit/>
           </a:bodyPr>
-          <a:p>
-            <a:endParaRPr b="0" lang="pt-BR" sz="3200" spc="-1" strike="noStrike">
+          <a:lstStyle/>
+          <a:p>
+            <a:endParaRPr lang="pt-BR" sz="3200" b="0" strike="noStrike" spc="-1">
               <a:latin typeface="Arial"/>
             </a:endParaRPr>
           </a:p>
@@ -317,11 +426,12 @@
           </a:prstGeom>
         </p:spPr>
         <p:txBody>
-          <a:bodyPr lIns="0" rIns="0" tIns="0" bIns="0">
+          <a:bodyPr lIns="0" tIns="0" rIns="0" bIns="0">
             <a:normAutofit/>
           </a:bodyPr>
-          <a:p>
-            <a:endParaRPr b="0" lang="pt-BR" sz="3200" spc="-1" strike="noStrike">
+          <a:lstStyle/>
+          <a:p>
+            <a:endParaRPr lang="pt-BR" sz="3200" b="0" strike="noStrike" spc="-1">
               <a:latin typeface="Arial"/>
             </a:endParaRPr>
           </a:p>
@@ -329,11 +439,14 @@
       </p:sp>
     </p:spTree>
   </p:cSld>
+  <p:clrMapOvr>
+    <a:masterClrMapping/>
+  </p:clrMapOvr>
 </p:sldLayout>
 </file>
 
 <file path=ppt/slideLayouts/slideLayout12.xml><?xml version="1.0" encoding="utf-8"?>
-<p:sldLayout xmlns:a="http://schemas.openxmlformats.org/drawingml/2006/main" xmlns:p="http://schemas.openxmlformats.org/presentationml/2006/main" xmlns:r="http://schemas.openxmlformats.org/officeDocument/2006/relationships" xmlns:p14="http://schemas.microsoft.com/office/powerpoint/2010/main" xmlns:p15="http://schemas.microsoft.com/office/powerpoint/2012/main" xmlns:mc="http://schemas.openxmlformats.org/markup-compatibility/2006" type="blank" preserve="1">
+<p:sldLayout xmlns:a="http://schemas.openxmlformats.org/drawingml/2006/main" xmlns:r="http://schemas.openxmlformats.org/officeDocument/2006/relationships" xmlns:p="http://schemas.openxmlformats.org/presentationml/2006/main" type="blank" preserve="1">
   <p:cSld name="Title, 6 Content">
     <p:spTree>
       <p:nvGrpSpPr>
@@ -369,12 +482,13 @@
           </a:prstGeom>
         </p:spPr>
         <p:txBody>
-          <a:bodyPr lIns="0" rIns="0" tIns="0" bIns="0" anchor="ctr">
+          <a:bodyPr lIns="0" tIns="0" rIns="0" bIns="0" anchor="ctr">
             <a:noAutofit/>
           </a:bodyPr>
+          <a:lstStyle/>
           <a:p>
             <a:pPr algn="ctr"/>
-            <a:endParaRPr b="0" lang="pt-BR" sz="4400" spc="-1" strike="noStrike">
+            <a:endParaRPr lang="pt-BR" sz="4400" b="0" strike="noStrike" spc="-1">
               <a:latin typeface="Arial"/>
             </a:endParaRPr>
           </a:p>
@@ -400,11 +514,12 @@
           </a:prstGeom>
         </p:spPr>
         <p:txBody>
-          <a:bodyPr lIns="0" rIns="0" tIns="0" bIns="0">
+          <a:bodyPr lIns="0" tIns="0" rIns="0" bIns="0">
             <a:normAutofit/>
           </a:bodyPr>
-          <a:p>
-            <a:endParaRPr b="0" lang="pt-BR" sz="3200" spc="-1" strike="noStrike">
+          <a:lstStyle/>
+          <a:p>
+            <a:endParaRPr lang="pt-BR" sz="3200" b="0" strike="noStrike" spc="-1">
               <a:latin typeface="Arial"/>
             </a:endParaRPr>
           </a:p>
@@ -430,11 +545,12 @@
           </a:prstGeom>
         </p:spPr>
         <p:txBody>
-          <a:bodyPr lIns="0" rIns="0" tIns="0" bIns="0">
+          <a:bodyPr lIns="0" tIns="0" rIns="0" bIns="0">
             <a:normAutofit/>
           </a:bodyPr>
-          <a:p>
-            <a:endParaRPr b="0" lang="pt-BR" sz="3200" spc="-1" strike="noStrike">
+          <a:lstStyle/>
+          <a:p>
+            <a:endParaRPr lang="pt-BR" sz="3200" b="0" strike="noStrike" spc="-1">
               <a:latin typeface="Arial"/>
             </a:endParaRPr>
           </a:p>
@@ -460,11 +576,12 @@
           </a:prstGeom>
         </p:spPr>
         <p:txBody>
-          <a:bodyPr lIns="0" rIns="0" tIns="0" bIns="0">
+          <a:bodyPr lIns="0" tIns="0" rIns="0" bIns="0">
             <a:normAutofit/>
           </a:bodyPr>
-          <a:p>
-            <a:endParaRPr b="0" lang="pt-BR" sz="3200" spc="-1" strike="noStrike">
+          <a:lstStyle/>
+          <a:p>
+            <a:endParaRPr lang="pt-BR" sz="3200" b="0" strike="noStrike" spc="-1">
               <a:latin typeface="Arial"/>
             </a:endParaRPr>
           </a:p>
@@ -490,11 +607,12 @@
           </a:prstGeom>
         </p:spPr>
         <p:txBody>
-          <a:bodyPr lIns="0" rIns="0" tIns="0" bIns="0">
+          <a:bodyPr lIns="0" tIns="0" rIns="0" bIns="0">
             <a:normAutofit/>
           </a:bodyPr>
-          <a:p>
-            <a:endParaRPr b="0" lang="pt-BR" sz="3200" spc="-1" strike="noStrike">
+          <a:lstStyle/>
+          <a:p>
+            <a:endParaRPr lang="pt-BR" sz="3200" b="0" strike="noStrike" spc="-1">
               <a:latin typeface="Arial"/>
             </a:endParaRPr>
           </a:p>
@@ -520,11 +638,12 @@
           </a:prstGeom>
         </p:spPr>
         <p:txBody>
-          <a:bodyPr lIns="0" rIns="0" tIns="0" bIns="0">
+          <a:bodyPr lIns="0" tIns="0" rIns="0" bIns="0">
             <a:normAutofit/>
           </a:bodyPr>
-          <a:p>
-            <a:endParaRPr b="0" lang="pt-BR" sz="3200" spc="-1" strike="noStrike">
+          <a:lstStyle/>
+          <a:p>
+            <a:endParaRPr lang="pt-BR" sz="3200" b="0" strike="noStrike" spc="-1">
               <a:latin typeface="Arial"/>
             </a:endParaRPr>
           </a:p>
@@ -550,11 +669,12 @@
           </a:prstGeom>
         </p:spPr>
         <p:txBody>
-          <a:bodyPr lIns="0" rIns="0" tIns="0" bIns="0">
+          <a:bodyPr lIns="0" tIns="0" rIns="0" bIns="0">
             <a:normAutofit/>
           </a:bodyPr>
-          <a:p>
-            <a:endParaRPr b="0" lang="pt-BR" sz="3200" spc="-1" strike="noStrike">
+          <a:lstStyle/>
+          <a:p>
+            <a:endParaRPr lang="pt-BR" sz="3200" b="0" strike="noStrike" spc="-1">
               <a:latin typeface="Arial"/>
             </a:endParaRPr>
           </a:p>
@@ -562,11 +682,14 @@
       </p:sp>
     </p:spTree>
   </p:cSld>
+  <p:clrMapOvr>
+    <a:masterClrMapping/>
+  </p:clrMapOvr>
 </p:sldLayout>
 </file>
 
 <file path=ppt/slideLayouts/slideLayout2.xml><?xml version="1.0" encoding="utf-8"?>
-<p:sldLayout xmlns:a="http://schemas.openxmlformats.org/drawingml/2006/main" xmlns:p="http://schemas.openxmlformats.org/presentationml/2006/main" xmlns:r="http://schemas.openxmlformats.org/officeDocument/2006/relationships" xmlns:p14="http://schemas.microsoft.com/office/powerpoint/2010/main" xmlns:p15="http://schemas.microsoft.com/office/powerpoint/2012/main" xmlns:mc="http://schemas.openxmlformats.org/markup-compatibility/2006" type="tx" preserve="1">
+<p:sldLayout xmlns:a="http://schemas.openxmlformats.org/drawingml/2006/main" xmlns:r="http://schemas.openxmlformats.org/officeDocument/2006/relationships" xmlns:p="http://schemas.openxmlformats.org/presentationml/2006/main" type="tx" preserve="1">
   <p:cSld name="Title Slide">
     <p:spTree>
       <p:nvGrpSpPr>
@@ -602,12 +725,13 @@
           </a:prstGeom>
         </p:spPr>
         <p:txBody>
-          <a:bodyPr lIns="0" rIns="0" tIns="0" bIns="0" anchor="ctr">
+          <a:bodyPr lIns="0" tIns="0" rIns="0" bIns="0" anchor="ctr">
             <a:noAutofit/>
           </a:bodyPr>
+          <a:lstStyle/>
           <a:p>
             <a:pPr algn="ctr"/>
-            <a:endParaRPr b="0" lang="pt-BR" sz="4400" spc="-1" strike="noStrike">
+            <a:endParaRPr lang="pt-BR" sz="4400" b="0" strike="noStrike" spc="-1">
               <a:latin typeface="Arial"/>
             </a:endParaRPr>
           </a:p>
@@ -633,12 +757,13 @@
           </a:prstGeom>
         </p:spPr>
         <p:txBody>
-          <a:bodyPr lIns="0" rIns="0" tIns="0" bIns="0" anchor="ctr">
+          <a:bodyPr lIns="0" tIns="0" rIns="0" bIns="0" anchor="ctr">
             <a:noAutofit/>
           </a:bodyPr>
+          <a:lstStyle/>
           <a:p>
             <a:pPr algn="ctr"/>
-            <a:endParaRPr b="0" lang="pt-BR" sz="3200" spc="-1" strike="noStrike">
+            <a:endParaRPr lang="pt-BR" sz="3200" b="0" strike="noStrike" spc="-1">
               <a:latin typeface="Arial"/>
             </a:endParaRPr>
           </a:p>
@@ -646,11 +771,14 @@
       </p:sp>
     </p:spTree>
   </p:cSld>
+  <p:clrMapOvr>
+    <a:masterClrMapping/>
+  </p:clrMapOvr>
 </p:sldLayout>
 </file>
 
 <file path=ppt/slideLayouts/slideLayout3.xml><?xml version="1.0" encoding="utf-8"?>
-<p:sldLayout xmlns:a="http://schemas.openxmlformats.org/drawingml/2006/main" xmlns:p="http://schemas.openxmlformats.org/presentationml/2006/main" xmlns:r="http://schemas.openxmlformats.org/officeDocument/2006/relationships" xmlns:p14="http://schemas.microsoft.com/office/powerpoint/2010/main" xmlns:p15="http://schemas.microsoft.com/office/powerpoint/2012/main" xmlns:mc="http://schemas.openxmlformats.org/markup-compatibility/2006" type="obj" preserve="1">
+<p:sldLayout xmlns:a="http://schemas.openxmlformats.org/drawingml/2006/main" xmlns:r="http://schemas.openxmlformats.org/officeDocument/2006/relationships" xmlns:p="http://schemas.openxmlformats.org/presentationml/2006/main" type="obj" preserve="1">
   <p:cSld name="Title, Content">
     <p:spTree>
       <p:nvGrpSpPr>
@@ -686,12 +814,13 @@
           </a:prstGeom>
         </p:spPr>
         <p:txBody>
-          <a:bodyPr lIns="0" rIns="0" tIns="0" bIns="0" anchor="ctr">
+          <a:bodyPr lIns="0" tIns="0" rIns="0" bIns="0" anchor="ctr">
             <a:noAutofit/>
           </a:bodyPr>
+          <a:lstStyle/>
           <a:p>
             <a:pPr algn="ctr"/>
-            <a:endParaRPr b="0" lang="pt-BR" sz="4400" spc="-1" strike="noStrike">
+            <a:endParaRPr lang="pt-BR" sz="4400" b="0" strike="noStrike" spc="-1">
               <a:latin typeface="Arial"/>
             </a:endParaRPr>
           </a:p>
@@ -717,11 +846,12 @@
           </a:prstGeom>
         </p:spPr>
         <p:txBody>
-          <a:bodyPr lIns="0" rIns="0" tIns="0" bIns="0">
+          <a:bodyPr lIns="0" tIns="0" rIns="0" bIns="0">
             <a:normAutofit/>
           </a:bodyPr>
-          <a:p>
-            <a:endParaRPr b="0" lang="pt-BR" sz="3200" spc="-1" strike="noStrike">
+          <a:lstStyle/>
+          <a:p>
+            <a:endParaRPr lang="pt-BR" sz="3200" b="0" strike="noStrike" spc="-1">
               <a:latin typeface="Arial"/>
             </a:endParaRPr>
           </a:p>
@@ -729,11 +859,14 @@
       </p:sp>
     </p:spTree>
   </p:cSld>
+  <p:clrMapOvr>
+    <a:masterClrMapping/>
+  </p:clrMapOvr>
 </p:sldLayout>
 </file>
 
 <file path=ppt/slideLayouts/slideLayout4.xml><?xml version="1.0" encoding="utf-8"?>
-<p:sldLayout xmlns:a="http://schemas.openxmlformats.org/drawingml/2006/main" xmlns:p="http://schemas.openxmlformats.org/presentationml/2006/main" xmlns:r="http://schemas.openxmlformats.org/officeDocument/2006/relationships" xmlns:p14="http://schemas.microsoft.com/office/powerpoint/2010/main" xmlns:p15="http://schemas.microsoft.com/office/powerpoint/2012/main" xmlns:mc="http://schemas.openxmlformats.org/markup-compatibility/2006" type="twoObj" preserve="1">
+<p:sldLayout xmlns:a="http://schemas.openxmlformats.org/drawingml/2006/main" xmlns:r="http://schemas.openxmlformats.org/officeDocument/2006/relationships" xmlns:p="http://schemas.openxmlformats.org/presentationml/2006/main" type="twoObj" preserve="1">
   <p:cSld name="Title, 2 Content">
     <p:spTree>
       <p:nvGrpSpPr>
@@ -769,12 +902,13 @@
           </a:prstGeom>
         </p:spPr>
         <p:txBody>
-          <a:bodyPr lIns="0" rIns="0" tIns="0" bIns="0" anchor="ctr">
+          <a:bodyPr lIns="0" tIns="0" rIns="0" bIns="0" anchor="ctr">
             <a:noAutofit/>
           </a:bodyPr>
+          <a:lstStyle/>
           <a:p>
             <a:pPr algn="ctr"/>
-            <a:endParaRPr b="0" lang="pt-BR" sz="4400" spc="-1" strike="noStrike">
+            <a:endParaRPr lang="pt-BR" sz="4400" b="0" strike="noStrike" spc="-1">
               <a:latin typeface="Arial"/>
             </a:endParaRPr>
           </a:p>
@@ -800,11 +934,12 @@
           </a:prstGeom>
         </p:spPr>
         <p:txBody>
-          <a:bodyPr lIns="0" rIns="0" tIns="0" bIns="0">
+          <a:bodyPr lIns="0" tIns="0" rIns="0" bIns="0">
             <a:normAutofit/>
           </a:bodyPr>
-          <a:p>
-            <a:endParaRPr b="0" lang="pt-BR" sz="3200" spc="-1" strike="noStrike">
+          <a:lstStyle/>
+          <a:p>
+            <a:endParaRPr lang="pt-BR" sz="3200" b="0" strike="noStrike" spc="-1">
               <a:latin typeface="Arial"/>
             </a:endParaRPr>
           </a:p>
@@ -830,11 +965,12 @@
           </a:prstGeom>
         </p:spPr>
         <p:txBody>
-          <a:bodyPr lIns="0" rIns="0" tIns="0" bIns="0">
+          <a:bodyPr lIns="0" tIns="0" rIns="0" bIns="0">
             <a:normAutofit/>
           </a:bodyPr>
-          <a:p>
-            <a:endParaRPr b="0" lang="pt-BR" sz="3200" spc="-1" strike="noStrike">
+          <a:lstStyle/>
+          <a:p>
+            <a:endParaRPr lang="pt-BR" sz="3200" b="0" strike="noStrike" spc="-1">
               <a:latin typeface="Arial"/>
             </a:endParaRPr>
           </a:p>
@@ -842,11 +978,14 @@
       </p:sp>
     </p:spTree>
   </p:cSld>
+  <p:clrMapOvr>
+    <a:masterClrMapping/>
+  </p:clrMapOvr>
 </p:sldLayout>
 </file>
 
 <file path=ppt/slideLayouts/slideLayout5.xml><?xml version="1.0" encoding="utf-8"?>
-<p:sldLayout xmlns:a="http://schemas.openxmlformats.org/drawingml/2006/main" xmlns:p="http://schemas.openxmlformats.org/presentationml/2006/main" xmlns:r="http://schemas.openxmlformats.org/officeDocument/2006/relationships" xmlns:p14="http://schemas.microsoft.com/office/powerpoint/2010/main" xmlns:p15="http://schemas.microsoft.com/office/powerpoint/2012/main" xmlns:mc="http://schemas.openxmlformats.org/markup-compatibility/2006" type="titleOnly" preserve="1">
+<p:sldLayout xmlns:a="http://schemas.openxmlformats.org/drawingml/2006/main" xmlns:r="http://schemas.openxmlformats.org/officeDocument/2006/relationships" xmlns:p="http://schemas.openxmlformats.org/presentationml/2006/main" type="titleOnly" preserve="1">
   <p:cSld name="Title Only">
     <p:spTree>
       <p:nvGrpSpPr>
@@ -882,12 +1021,13 @@
           </a:prstGeom>
         </p:spPr>
         <p:txBody>
-          <a:bodyPr lIns="0" rIns="0" tIns="0" bIns="0" anchor="ctr">
+          <a:bodyPr lIns="0" tIns="0" rIns="0" bIns="0" anchor="ctr">
             <a:noAutofit/>
           </a:bodyPr>
+          <a:lstStyle/>
           <a:p>
             <a:pPr algn="ctr"/>
-            <a:endParaRPr b="0" lang="pt-BR" sz="4400" spc="-1" strike="noStrike">
+            <a:endParaRPr lang="pt-BR" sz="4400" b="0" strike="noStrike" spc="-1">
               <a:latin typeface="Arial"/>
             </a:endParaRPr>
           </a:p>
@@ -895,11 +1035,14 @@
       </p:sp>
     </p:spTree>
   </p:cSld>
+  <p:clrMapOvr>
+    <a:masterClrMapping/>
+  </p:clrMapOvr>
 </p:sldLayout>
 </file>
 
 <file path=ppt/slideLayouts/slideLayout6.xml><?xml version="1.0" encoding="utf-8"?>
-<p:sldLayout xmlns:a="http://schemas.openxmlformats.org/drawingml/2006/main" xmlns:p="http://schemas.openxmlformats.org/presentationml/2006/main" xmlns:r="http://schemas.openxmlformats.org/officeDocument/2006/relationships" xmlns:p14="http://schemas.microsoft.com/office/powerpoint/2010/main" xmlns:p15="http://schemas.microsoft.com/office/powerpoint/2012/main" xmlns:mc="http://schemas.openxmlformats.org/markup-compatibility/2006" type="objOnly" preserve="1">
+<p:sldLayout xmlns:a="http://schemas.openxmlformats.org/drawingml/2006/main" xmlns:r="http://schemas.openxmlformats.org/officeDocument/2006/relationships" xmlns:p="http://schemas.openxmlformats.org/presentationml/2006/main" type="objOnly" preserve="1">
   <p:cSld name="Centered Text">
     <p:spTree>
       <p:nvGrpSpPr>
@@ -935,12 +1078,13 @@
           </a:prstGeom>
         </p:spPr>
         <p:txBody>
-          <a:bodyPr lIns="0" rIns="0" tIns="0" bIns="0" anchor="ctr">
+          <a:bodyPr lIns="0" tIns="0" rIns="0" bIns="0" anchor="ctr">
             <a:noAutofit/>
           </a:bodyPr>
+          <a:lstStyle/>
           <a:p>
             <a:pPr algn="ctr"/>
-            <a:endParaRPr b="0" lang="pt-BR" sz="3200" spc="-1" strike="noStrike">
+            <a:endParaRPr lang="pt-BR" sz="3200" b="0" strike="noStrike" spc="-1">
               <a:latin typeface="Arial"/>
             </a:endParaRPr>
           </a:p>
@@ -948,11 +1092,14 @@
       </p:sp>
     </p:spTree>
   </p:cSld>
+  <p:clrMapOvr>
+    <a:masterClrMapping/>
+  </p:clrMapOvr>
 </p:sldLayout>
 </file>
 
 <file path=ppt/slideLayouts/slideLayout7.xml><?xml version="1.0" encoding="utf-8"?>
-<p:sldLayout xmlns:a="http://schemas.openxmlformats.org/drawingml/2006/main" xmlns:p="http://schemas.openxmlformats.org/presentationml/2006/main" xmlns:r="http://schemas.openxmlformats.org/officeDocument/2006/relationships" xmlns:p14="http://schemas.microsoft.com/office/powerpoint/2010/main" xmlns:p15="http://schemas.microsoft.com/office/powerpoint/2012/main" xmlns:mc="http://schemas.openxmlformats.org/markup-compatibility/2006" type="twoObjAndObj" preserve="1">
+<p:sldLayout xmlns:a="http://schemas.openxmlformats.org/drawingml/2006/main" xmlns:r="http://schemas.openxmlformats.org/officeDocument/2006/relationships" xmlns:p="http://schemas.openxmlformats.org/presentationml/2006/main" type="twoObjAndObj" preserve="1">
   <p:cSld name="Title, 2 Content and Content">
     <p:spTree>
       <p:nvGrpSpPr>
@@ -988,12 +1135,13 @@
           </a:prstGeom>
         </p:spPr>
         <p:txBody>
-          <a:bodyPr lIns="0" rIns="0" tIns="0" bIns="0" anchor="ctr">
+          <a:bodyPr lIns="0" tIns="0" rIns="0" bIns="0" anchor="ctr">
             <a:noAutofit/>
           </a:bodyPr>
+          <a:lstStyle/>
           <a:p>
             <a:pPr algn="ctr"/>
-            <a:endParaRPr b="0" lang="pt-BR" sz="4400" spc="-1" strike="noStrike">
+            <a:endParaRPr lang="pt-BR" sz="4400" b="0" strike="noStrike" spc="-1">
               <a:latin typeface="Arial"/>
             </a:endParaRPr>
           </a:p>
@@ -1019,11 +1167,12 @@
           </a:prstGeom>
         </p:spPr>
         <p:txBody>
-          <a:bodyPr lIns="0" rIns="0" tIns="0" bIns="0">
+          <a:bodyPr lIns="0" tIns="0" rIns="0" bIns="0">
             <a:normAutofit/>
           </a:bodyPr>
-          <a:p>
-            <a:endParaRPr b="0" lang="pt-BR" sz="3200" spc="-1" strike="noStrike">
+          <a:lstStyle/>
+          <a:p>
+            <a:endParaRPr lang="pt-BR" sz="3200" b="0" strike="noStrike" spc="-1">
               <a:latin typeface="Arial"/>
             </a:endParaRPr>
           </a:p>
@@ -1049,11 +1198,12 @@
           </a:prstGeom>
         </p:spPr>
         <p:txBody>
-          <a:bodyPr lIns="0" rIns="0" tIns="0" bIns="0">
+          <a:bodyPr lIns="0" tIns="0" rIns="0" bIns="0">
             <a:normAutofit/>
           </a:bodyPr>
-          <a:p>
-            <a:endParaRPr b="0" lang="pt-BR" sz="3200" spc="-1" strike="noStrike">
+          <a:lstStyle/>
+          <a:p>
+            <a:endParaRPr lang="pt-BR" sz="3200" b="0" strike="noStrike" spc="-1">
               <a:latin typeface="Arial"/>
             </a:endParaRPr>
           </a:p>
@@ -1079,11 +1229,12 @@
           </a:prstGeom>
         </p:spPr>
         <p:txBody>
-          <a:bodyPr lIns="0" rIns="0" tIns="0" bIns="0">
+          <a:bodyPr lIns="0" tIns="0" rIns="0" bIns="0">
             <a:normAutofit/>
           </a:bodyPr>
-          <a:p>
-            <a:endParaRPr b="0" lang="pt-BR" sz="3200" spc="-1" strike="noStrike">
+          <a:lstStyle/>
+          <a:p>
+            <a:endParaRPr lang="pt-BR" sz="3200" b="0" strike="noStrike" spc="-1">
               <a:latin typeface="Arial"/>
             </a:endParaRPr>
           </a:p>
@@ -1091,11 +1242,14 @@
       </p:sp>
     </p:spTree>
   </p:cSld>
+  <p:clrMapOvr>
+    <a:masterClrMapping/>
+  </p:clrMapOvr>
 </p:sldLayout>
 </file>
 
 <file path=ppt/slideLayouts/slideLayout8.xml><?xml version="1.0" encoding="utf-8"?>
-<p:sldLayout xmlns:a="http://schemas.openxmlformats.org/drawingml/2006/main" xmlns:p="http://schemas.openxmlformats.org/presentationml/2006/main" xmlns:r="http://schemas.openxmlformats.org/officeDocument/2006/relationships" xmlns:p14="http://schemas.microsoft.com/office/powerpoint/2010/main" xmlns:p15="http://schemas.microsoft.com/office/powerpoint/2012/main" xmlns:mc="http://schemas.openxmlformats.org/markup-compatibility/2006" type="objAndTwoObj" preserve="1">
+<p:sldLayout xmlns:a="http://schemas.openxmlformats.org/drawingml/2006/main" xmlns:r="http://schemas.openxmlformats.org/officeDocument/2006/relationships" xmlns:p="http://schemas.openxmlformats.org/presentationml/2006/main" type="objAndTwoObj" preserve="1">
   <p:cSld name="Title Content and 2 Content">
     <p:spTree>
       <p:nvGrpSpPr>
@@ -1131,12 +1285,13 @@
           </a:prstGeom>
         </p:spPr>
         <p:txBody>
-          <a:bodyPr lIns="0" rIns="0" tIns="0" bIns="0" anchor="ctr">
+          <a:bodyPr lIns="0" tIns="0" rIns="0" bIns="0" anchor="ctr">
             <a:noAutofit/>
           </a:bodyPr>
+          <a:lstStyle/>
           <a:p>
             <a:pPr algn="ctr"/>
-            <a:endParaRPr b="0" lang="pt-BR" sz="4400" spc="-1" strike="noStrike">
+            <a:endParaRPr lang="pt-BR" sz="4400" b="0" strike="noStrike" spc="-1">
               <a:latin typeface="Arial"/>
             </a:endParaRPr>
           </a:p>
@@ -1162,11 +1317,12 @@
           </a:prstGeom>
         </p:spPr>
         <p:txBody>
-          <a:bodyPr lIns="0" rIns="0" tIns="0" bIns="0">
+          <a:bodyPr lIns="0" tIns="0" rIns="0" bIns="0">
             <a:normAutofit/>
           </a:bodyPr>
-          <a:p>
-            <a:endParaRPr b="0" lang="pt-BR" sz="3200" spc="-1" strike="noStrike">
+          <a:lstStyle/>
+          <a:p>
+            <a:endParaRPr lang="pt-BR" sz="3200" b="0" strike="noStrike" spc="-1">
               <a:latin typeface="Arial"/>
             </a:endParaRPr>
           </a:p>
@@ -1192,11 +1348,12 @@
           </a:prstGeom>
         </p:spPr>
         <p:txBody>
-          <a:bodyPr lIns="0" rIns="0" tIns="0" bIns="0">
+          <a:bodyPr lIns="0" tIns="0" rIns="0" bIns="0">
             <a:normAutofit/>
           </a:bodyPr>
-          <a:p>
-            <a:endParaRPr b="0" lang="pt-BR" sz="3200" spc="-1" strike="noStrike">
+          <a:lstStyle/>
+          <a:p>
+            <a:endParaRPr lang="pt-BR" sz="3200" b="0" strike="noStrike" spc="-1">
               <a:latin typeface="Arial"/>
             </a:endParaRPr>
           </a:p>
@@ -1222,11 +1379,12 @@
           </a:prstGeom>
         </p:spPr>
         <p:txBody>
-          <a:bodyPr lIns="0" rIns="0" tIns="0" bIns="0">
+          <a:bodyPr lIns="0" tIns="0" rIns="0" bIns="0">
             <a:normAutofit/>
           </a:bodyPr>
-          <a:p>
-            <a:endParaRPr b="0" lang="pt-BR" sz="3200" spc="-1" strike="noStrike">
+          <a:lstStyle/>
+          <a:p>
+            <a:endParaRPr lang="pt-BR" sz="3200" b="0" strike="noStrike" spc="-1">
               <a:latin typeface="Arial"/>
             </a:endParaRPr>
           </a:p>
@@ -1234,11 +1392,14 @@
       </p:sp>
     </p:spTree>
   </p:cSld>
+  <p:clrMapOvr>
+    <a:masterClrMapping/>
+  </p:clrMapOvr>
 </p:sldLayout>
 </file>
 
 <file path=ppt/slideLayouts/slideLayout9.xml><?xml version="1.0" encoding="utf-8"?>
-<p:sldLayout xmlns:a="http://schemas.openxmlformats.org/drawingml/2006/main" xmlns:p="http://schemas.openxmlformats.org/presentationml/2006/main" xmlns:r="http://schemas.openxmlformats.org/officeDocument/2006/relationships" xmlns:p14="http://schemas.microsoft.com/office/powerpoint/2010/main" xmlns:p15="http://schemas.microsoft.com/office/powerpoint/2012/main" xmlns:mc="http://schemas.openxmlformats.org/markup-compatibility/2006" type="twoObjOverTx" preserve="1">
+<p:sldLayout xmlns:a="http://schemas.openxmlformats.org/drawingml/2006/main" xmlns:r="http://schemas.openxmlformats.org/officeDocument/2006/relationships" xmlns:p="http://schemas.openxmlformats.org/presentationml/2006/main" type="twoObjOverTx" preserve="1">
   <p:cSld name="Title, 2 Content over Content">
     <p:spTree>
       <p:nvGrpSpPr>
@@ -1274,12 +1435,13 @@
           </a:prstGeom>
         </p:spPr>
         <p:txBody>
-          <a:bodyPr lIns="0" rIns="0" tIns="0" bIns="0" anchor="ctr">
+          <a:bodyPr lIns="0" tIns="0" rIns="0" bIns="0" anchor="ctr">
             <a:noAutofit/>
           </a:bodyPr>
+          <a:lstStyle/>
           <a:p>
             <a:pPr algn="ctr"/>
-            <a:endParaRPr b="0" lang="pt-BR" sz="4400" spc="-1" strike="noStrike">
+            <a:endParaRPr lang="pt-BR" sz="4400" b="0" strike="noStrike" spc="-1">
               <a:latin typeface="Arial"/>
             </a:endParaRPr>
           </a:p>
@@ -1305,11 +1467,12 @@
           </a:prstGeom>
         </p:spPr>
         <p:txBody>
-          <a:bodyPr lIns="0" rIns="0" tIns="0" bIns="0">
+          <a:bodyPr lIns="0" tIns="0" rIns="0" bIns="0">
             <a:normAutofit/>
           </a:bodyPr>
-          <a:p>
-            <a:endParaRPr b="0" lang="pt-BR" sz="3200" spc="-1" strike="noStrike">
+          <a:lstStyle/>
+          <a:p>
+            <a:endParaRPr lang="pt-BR" sz="3200" b="0" strike="noStrike" spc="-1">
               <a:latin typeface="Arial"/>
             </a:endParaRPr>
           </a:p>
@@ -1335,11 +1498,12 @@
           </a:prstGeom>
         </p:spPr>
         <p:txBody>
-          <a:bodyPr lIns="0" rIns="0" tIns="0" bIns="0">
+          <a:bodyPr lIns="0" tIns="0" rIns="0" bIns="0">
             <a:normAutofit/>
           </a:bodyPr>
-          <a:p>
-            <a:endParaRPr b="0" lang="pt-BR" sz="3200" spc="-1" strike="noStrike">
+          <a:lstStyle/>
+          <a:p>
+            <a:endParaRPr lang="pt-BR" sz="3200" b="0" strike="noStrike" spc="-1">
               <a:latin typeface="Arial"/>
             </a:endParaRPr>
           </a:p>
@@ -1365,11 +1529,12 @@
           </a:prstGeom>
         </p:spPr>
         <p:txBody>
-          <a:bodyPr lIns="0" rIns="0" tIns="0" bIns="0">
+          <a:bodyPr lIns="0" tIns="0" rIns="0" bIns="0">
             <a:normAutofit/>
           </a:bodyPr>
-          <a:p>
-            <a:endParaRPr b="0" lang="pt-BR" sz="3200" spc="-1" strike="noStrike">
+          <a:lstStyle/>
+          <a:p>
+            <a:endParaRPr lang="pt-BR" sz="3200" b="0" strike="noStrike" spc="-1">
               <a:latin typeface="Arial"/>
             </a:endParaRPr>
           </a:p>
@@ -1377,20 +1542,24 @@
       </p:sp>
     </p:spTree>
   </p:cSld>
+  <p:clrMapOvr>
+    <a:masterClrMapping/>
+  </p:clrMapOvr>
 </p:sldLayout>
 </file>
 
 <file path=ppt/slideMasters/slideMaster1.xml><?xml version="1.0" encoding="utf-8"?>
-<p:sldMaster xmlns:a="http://schemas.openxmlformats.org/drawingml/2006/main" xmlns:p="http://schemas.openxmlformats.org/presentationml/2006/main" xmlns:r="http://schemas.openxmlformats.org/officeDocument/2006/relationships" xmlns:p14="http://schemas.microsoft.com/office/powerpoint/2010/main" xmlns:p15="http://schemas.microsoft.com/office/powerpoint/2012/main" xmlns:mc="http://schemas.openxmlformats.org/markup-compatibility/2006">
+<p:sldMaster xmlns:a="http://schemas.openxmlformats.org/drawingml/2006/main" xmlns:r="http://schemas.openxmlformats.org/officeDocument/2006/relationships" xmlns:p="http://schemas.openxmlformats.org/presentationml/2006/main">
   <p:cSld>
     <p:bg>
       <p:bgPr>
         <a:blipFill rotWithShape="0">
-          <a:blip r:embed="rId2"/>
+          <a:blip r:embed="rId14"/>
           <a:stretch>
             <a:fillRect/>
           </a:stretch>
         </a:blipFill>
+        <a:effectLst/>
       </p:bgPr>
     </p:bg>
     <p:spTree>
@@ -1409,7 +1578,7 @@
       </p:grpSpPr>
       <p:sp>
         <p:nvSpPr>
-          <p:cNvPr id="0" name="PlaceHolder 1"/>
+          <p:cNvPr id="2" name="PlaceHolder 1"/>
           <p:cNvSpPr>
             <a:spLocks noGrp="1"/>
           </p:cNvSpPr>
@@ -1427,44 +1596,24 @@
           </a:prstGeom>
         </p:spPr>
         <p:txBody>
-          <a:bodyPr lIns="0" rIns="0" tIns="0" bIns="0" anchor="ctr">
+          <a:bodyPr lIns="0" tIns="0" rIns="0" bIns="0" anchor="ctr">
             <a:noAutofit/>
           </a:bodyPr>
+          <a:lstStyle/>
           <a:p>
             <a:pPr algn="ctr"/>
             <a:r>
-              <a:rPr b="0" lang="pt-BR" sz="4400" spc="-1" strike="noStrike">
+              <a:rPr lang="pt-BR" sz="4400" b="0" strike="noStrike" spc="-1">
                 <a:latin typeface="Arial"/>
               </a:rPr>
-              <a:t>Clique para </a:t>
+              <a:t>Clique para editar o formato do texto do título</a:t>
             </a:r>
-            <a:r>
-              <a:rPr b="0" lang="pt-BR" sz="4400" spc="-1" strike="noStrike">
-                <a:latin typeface="Arial"/>
-              </a:rPr>
-              <a:t>editar o formato </a:t>
-            </a:r>
-            <a:r>
-              <a:rPr b="0" lang="pt-BR" sz="4400" spc="-1" strike="noStrike">
-                <a:latin typeface="Arial"/>
-              </a:rPr>
-              <a:t>do texto do </a:t>
-            </a:r>
-            <a:r>
-              <a:rPr b="0" lang="pt-BR" sz="4400" spc="-1" strike="noStrike">
-                <a:latin typeface="Arial"/>
-              </a:rPr>
-              <a:t>título</a:t>
-            </a:r>
-            <a:endParaRPr b="0" lang="pt-BR" sz="4400" spc="-1" strike="noStrike">
-              <a:latin typeface="Arial"/>
-            </a:endParaRPr>
-          </a:p>
-        </p:txBody>
-      </p:sp>
-      <p:sp>
-        <p:nvSpPr>
-          <p:cNvPr id="1" name="PlaceHolder 2"/>
+          </a:p>
+        </p:txBody>
+      </p:sp>
+      <p:sp>
+        <p:nvSpPr>
+          <p:cNvPr id="3" name="PlaceHolder 2"/>
           <p:cNvSpPr>
             <a:spLocks noGrp="1"/>
           </p:cNvSpPr>
@@ -1482,9 +1631,10 @@
           </a:prstGeom>
         </p:spPr>
         <p:txBody>
-          <a:bodyPr lIns="0" rIns="0" tIns="0" bIns="0">
+          <a:bodyPr lIns="0" tIns="0" rIns="0" bIns="0">
             <a:normAutofit/>
           </a:bodyPr>
+          <a:lstStyle/>
           <a:p>
             <a:pPr marL="432000" indent="-324000">
               <a:spcBef>
@@ -1498,17 +1648,14 @@
               <a:buChar char=""/>
             </a:pPr>
             <a:r>
-              <a:rPr b="0" lang="pt-BR" sz="3200" spc="-1" strike="noStrike">
+              <a:rPr lang="pt-BR" sz="3200" b="0" strike="noStrike" spc="-1">
                 <a:latin typeface="Arial"/>
               </a:rPr>
               <a:t>Clique para editar o formato do texto da estrutura de tópicos</a:t>
             </a:r>
-            <a:endParaRPr b="0" lang="pt-BR" sz="3200" spc="-1" strike="noStrike">
-              <a:latin typeface="Arial"/>
-            </a:endParaRPr>
-          </a:p>
-          <a:p>
-            <a:pPr lvl="1" marL="864000" indent="-324000">
+          </a:p>
+          <a:p>
+            <a:pPr marL="864000" lvl="1" indent="-324000">
               <a:spcBef>
                 <a:spcPts val="1134"/>
               </a:spcBef>
@@ -1520,17 +1667,14 @@
               <a:buChar char=""/>
             </a:pPr>
             <a:r>
-              <a:rPr b="0" lang="pt-BR" sz="2800" spc="-1" strike="noStrike">
+              <a:rPr lang="pt-BR" sz="2800" b="0" strike="noStrike" spc="-1">
                 <a:latin typeface="Arial"/>
               </a:rPr>
               <a:t>2.º nível da estrutura de tópicos</a:t>
             </a:r>
-            <a:endParaRPr b="0" lang="pt-BR" sz="2800" spc="-1" strike="noStrike">
-              <a:latin typeface="Arial"/>
-            </a:endParaRPr>
-          </a:p>
-          <a:p>
-            <a:pPr lvl="2" marL="1296000" indent="-288000">
+          </a:p>
+          <a:p>
+            <a:pPr marL="1296000" lvl="2" indent="-288000">
               <a:spcBef>
                 <a:spcPts val="850"/>
               </a:spcBef>
@@ -1542,17 +1686,14 @@
               <a:buChar char=""/>
             </a:pPr>
             <a:r>
-              <a:rPr b="0" lang="pt-BR" sz="2400" spc="-1" strike="noStrike">
+              <a:rPr lang="pt-BR" sz="2400" b="0" strike="noStrike" spc="-1">
                 <a:latin typeface="Arial"/>
               </a:rPr>
               <a:t>3.º nível da estrutura de tópicos</a:t>
             </a:r>
-            <a:endParaRPr b="0" lang="pt-BR" sz="2400" spc="-1" strike="noStrike">
-              <a:latin typeface="Arial"/>
-            </a:endParaRPr>
-          </a:p>
-          <a:p>
-            <a:pPr lvl="3" marL="1728000" indent="-216000">
+          </a:p>
+          <a:p>
+            <a:pPr marL="1728000" lvl="3" indent="-216000">
               <a:spcBef>
                 <a:spcPts val="567"/>
               </a:spcBef>
@@ -1564,17 +1705,14 @@
               <a:buChar char=""/>
             </a:pPr>
             <a:r>
-              <a:rPr b="0" lang="pt-BR" sz="2000" spc="-1" strike="noStrike">
+              <a:rPr lang="pt-BR" sz="2000" b="0" strike="noStrike" spc="-1">
                 <a:latin typeface="Arial"/>
               </a:rPr>
               <a:t>4.º nível da estrutura de tópicos</a:t>
             </a:r>
-            <a:endParaRPr b="0" lang="pt-BR" sz="2000" spc="-1" strike="noStrike">
-              <a:latin typeface="Arial"/>
-            </a:endParaRPr>
-          </a:p>
-          <a:p>
-            <a:pPr lvl="4" marL="2160000" indent="-216000">
+          </a:p>
+          <a:p>
+            <a:pPr marL="2160000" lvl="4" indent="-216000">
               <a:spcBef>
                 <a:spcPts val="283"/>
               </a:spcBef>
@@ -1586,17 +1724,14 @@
               <a:buChar char=""/>
             </a:pPr>
             <a:r>
-              <a:rPr b="0" lang="pt-BR" sz="2000" spc="-1" strike="noStrike">
+              <a:rPr lang="pt-BR" sz="2000" b="0" strike="noStrike" spc="-1">
                 <a:latin typeface="Arial"/>
               </a:rPr>
               <a:t>5.º nível da estrutura de tópicos</a:t>
             </a:r>
-            <a:endParaRPr b="0" lang="pt-BR" sz="2000" spc="-1" strike="noStrike">
-              <a:latin typeface="Arial"/>
-            </a:endParaRPr>
-          </a:p>
-          <a:p>
-            <a:pPr lvl="5" marL="2592000" indent="-216000">
+          </a:p>
+          <a:p>
+            <a:pPr marL="2592000" lvl="5" indent="-216000">
               <a:spcBef>
                 <a:spcPts val="283"/>
               </a:spcBef>
@@ -1608,17 +1743,14 @@
               <a:buChar char=""/>
             </a:pPr>
             <a:r>
-              <a:rPr b="0" lang="pt-BR" sz="2000" spc="-1" strike="noStrike">
+              <a:rPr lang="pt-BR" sz="2000" b="0" strike="noStrike" spc="-1">
                 <a:latin typeface="Arial"/>
               </a:rPr>
               <a:t>6.º nível da estrutura de tópicos</a:t>
             </a:r>
-            <a:endParaRPr b="0" lang="pt-BR" sz="2000" spc="-1" strike="noStrike">
-              <a:latin typeface="Arial"/>
-            </a:endParaRPr>
-          </a:p>
-          <a:p>
-            <a:pPr lvl="6" marL="3024000" indent="-216000">
+          </a:p>
+          <a:p>
+            <a:pPr marL="3024000" lvl="6" indent="-216000">
               <a:spcBef>
                 <a:spcPts val="283"/>
               </a:spcBef>
@@ -1630,45 +1762,323 @@
               <a:buChar char=""/>
             </a:pPr>
             <a:r>
-              <a:rPr b="0" lang="pt-BR" sz="2000" spc="-1" strike="noStrike">
+              <a:rPr lang="pt-BR" sz="2000" b="0" strike="noStrike" spc="-1">
                 <a:latin typeface="Arial"/>
               </a:rPr>
               <a:t>7.º nível da estrutura de tópicos</a:t>
             </a:r>
-            <a:endParaRPr b="0" lang="pt-BR" sz="2000" spc="-1" strike="noStrike">
-              <a:latin typeface="Arial"/>
-            </a:endParaRPr>
           </a:p>
         </p:txBody>
       </p:sp>
     </p:spTree>
   </p:cSld>
-  <p:clrMap bg1="lt1" bg2="lt2" tx1="dk1" tx2="dk2" accent1="accent1" accent2="accent2" accent3="accent3" accent4="accent4" accent5="accent5" accent6="accent6" hlink="hlink" folHlink="folHlink"/>
+  <p:clrMap bg1="lt1" tx1="dk1" bg2="lt2" tx2="dk2" accent1="accent1" accent2="accent2" accent3="accent3" accent4="accent4" accent5="accent5" accent6="accent6" hlink="hlink" folHlink="folHlink"/>
   <p:sldLayoutIdLst>
-    <p:sldLayoutId id="2147483649" r:id="rId3"/>
-    <p:sldLayoutId id="2147483650" r:id="rId4"/>
-    <p:sldLayoutId id="2147483651" r:id="rId5"/>
-    <p:sldLayoutId id="2147483652" r:id="rId6"/>
-    <p:sldLayoutId id="2147483653" r:id="rId7"/>
-    <p:sldLayoutId id="2147483654" r:id="rId8"/>
-    <p:sldLayoutId id="2147483655" r:id="rId9"/>
-    <p:sldLayoutId id="2147483656" r:id="rId10"/>
-    <p:sldLayoutId id="2147483657" r:id="rId11"/>
-    <p:sldLayoutId id="2147483658" r:id="rId12"/>
-    <p:sldLayoutId id="2147483659" r:id="rId13"/>
-    <p:sldLayoutId id="2147483660" r:id="rId14"/>
+    <p:sldLayoutId id="2147483649" r:id="rId1"/>
+    <p:sldLayoutId id="2147483650" r:id="rId2"/>
+    <p:sldLayoutId id="2147483651" r:id="rId3"/>
+    <p:sldLayoutId id="2147483652" r:id="rId4"/>
+    <p:sldLayoutId id="2147483653" r:id="rId5"/>
+    <p:sldLayoutId id="2147483654" r:id="rId6"/>
+    <p:sldLayoutId id="2147483655" r:id="rId7"/>
+    <p:sldLayoutId id="2147483656" r:id="rId8"/>
+    <p:sldLayoutId id="2147483657" r:id="rId9"/>
+    <p:sldLayoutId id="2147483658" r:id="rId10"/>
+    <p:sldLayoutId id="2147483659" r:id="rId11"/>
+    <p:sldLayoutId id="2147483660" r:id="rId12"/>
   </p:sldLayoutIdLst>
+  <p:txStyles>
+    <p:titleStyle>
+      <a:lvl1pPr algn="l" defTabSz="914400" rtl="0" eaLnBrk="1" latinLnBrk="0" hangingPunct="1">
+        <a:lnSpc>
+          <a:spcPct val="90000"/>
+        </a:lnSpc>
+        <a:spcBef>
+          <a:spcPct val="0"/>
+        </a:spcBef>
+        <a:buNone/>
+        <a:defRPr sz="4400" kern="1200">
+          <a:solidFill>
+            <a:schemeClr val="tx1"/>
+          </a:solidFill>
+          <a:latin typeface="+mj-lt"/>
+          <a:ea typeface="+mj-ea"/>
+          <a:cs typeface="+mj-cs"/>
+        </a:defRPr>
+      </a:lvl1pPr>
+    </p:titleStyle>
+    <p:bodyStyle>
+      <a:lvl1pPr marL="228600" indent="-228600" algn="l" defTabSz="914400" rtl="0" eaLnBrk="1" latinLnBrk="0" hangingPunct="1">
+        <a:lnSpc>
+          <a:spcPct val="90000"/>
+        </a:lnSpc>
+        <a:spcBef>
+          <a:spcPts val="1000"/>
+        </a:spcBef>
+        <a:buFont typeface="Arial" panose="020B0604020202020204" pitchFamily="34" charset="0"/>
+        <a:buChar char="•"/>
+        <a:defRPr sz="2800" kern="1200">
+          <a:solidFill>
+            <a:schemeClr val="tx1"/>
+          </a:solidFill>
+          <a:latin typeface="+mn-lt"/>
+          <a:ea typeface="+mn-ea"/>
+          <a:cs typeface="+mn-cs"/>
+        </a:defRPr>
+      </a:lvl1pPr>
+      <a:lvl2pPr marL="685800" indent="-228600" algn="l" defTabSz="914400" rtl="0" eaLnBrk="1" latinLnBrk="0" hangingPunct="1">
+        <a:lnSpc>
+          <a:spcPct val="90000"/>
+        </a:lnSpc>
+        <a:spcBef>
+          <a:spcPts val="500"/>
+        </a:spcBef>
+        <a:buFont typeface="Arial" panose="020B0604020202020204" pitchFamily="34" charset="0"/>
+        <a:buChar char="•"/>
+        <a:defRPr sz="2400" kern="1200">
+          <a:solidFill>
+            <a:schemeClr val="tx1"/>
+          </a:solidFill>
+          <a:latin typeface="+mn-lt"/>
+          <a:ea typeface="+mn-ea"/>
+          <a:cs typeface="+mn-cs"/>
+        </a:defRPr>
+      </a:lvl2pPr>
+      <a:lvl3pPr marL="1143000" indent="-228600" algn="l" defTabSz="914400" rtl="0" eaLnBrk="1" latinLnBrk="0" hangingPunct="1">
+        <a:lnSpc>
+          <a:spcPct val="90000"/>
+        </a:lnSpc>
+        <a:spcBef>
+          <a:spcPts val="500"/>
+        </a:spcBef>
+        <a:buFont typeface="Arial" panose="020B0604020202020204" pitchFamily="34" charset="0"/>
+        <a:buChar char="•"/>
+        <a:defRPr sz="2000" kern="1200">
+          <a:solidFill>
+            <a:schemeClr val="tx1"/>
+          </a:solidFill>
+          <a:latin typeface="+mn-lt"/>
+          <a:ea typeface="+mn-ea"/>
+          <a:cs typeface="+mn-cs"/>
+        </a:defRPr>
+      </a:lvl3pPr>
+      <a:lvl4pPr marL="1600200" indent="-228600" algn="l" defTabSz="914400" rtl="0" eaLnBrk="1" latinLnBrk="0" hangingPunct="1">
+        <a:lnSpc>
+          <a:spcPct val="90000"/>
+        </a:lnSpc>
+        <a:spcBef>
+          <a:spcPts val="500"/>
+        </a:spcBef>
+        <a:buFont typeface="Arial" panose="020B0604020202020204" pitchFamily="34" charset="0"/>
+        <a:buChar char="•"/>
+        <a:defRPr sz="1800" kern="1200">
+          <a:solidFill>
+            <a:schemeClr val="tx1"/>
+          </a:solidFill>
+          <a:latin typeface="+mn-lt"/>
+          <a:ea typeface="+mn-ea"/>
+          <a:cs typeface="+mn-cs"/>
+        </a:defRPr>
+      </a:lvl4pPr>
+      <a:lvl5pPr marL="2057400" indent="-228600" algn="l" defTabSz="914400" rtl="0" eaLnBrk="1" latinLnBrk="0" hangingPunct="1">
+        <a:lnSpc>
+          <a:spcPct val="90000"/>
+        </a:lnSpc>
+        <a:spcBef>
+          <a:spcPts val="500"/>
+        </a:spcBef>
+        <a:buFont typeface="Arial" panose="020B0604020202020204" pitchFamily="34" charset="0"/>
+        <a:buChar char="•"/>
+        <a:defRPr sz="1800" kern="1200">
+          <a:solidFill>
+            <a:schemeClr val="tx1"/>
+          </a:solidFill>
+          <a:latin typeface="+mn-lt"/>
+          <a:ea typeface="+mn-ea"/>
+          <a:cs typeface="+mn-cs"/>
+        </a:defRPr>
+      </a:lvl5pPr>
+      <a:lvl6pPr marL="2514600" indent="-228600" algn="l" defTabSz="914400" rtl="0" eaLnBrk="1" latinLnBrk="0" hangingPunct="1">
+        <a:lnSpc>
+          <a:spcPct val="90000"/>
+        </a:lnSpc>
+        <a:spcBef>
+          <a:spcPts val="500"/>
+        </a:spcBef>
+        <a:buFont typeface="Arial" panose="020B0604020202020204" pitchFamily="34" charset="0"/>
+        <a:buChar char="•"/>
+        <a:defRPr sz="1800" kern="1200">
+          <a:solidFill>
+            <a:schemeClr val="tx1"/>
+          </a:solidFill>
+          <a:latin typeface="+mn-lt"/>
+          <a:ea typeface="+mn-ea"/>
+          <a:cs typeface="+mn-cs"/>
+        </a:defRPr>
+      </a:lvl6pPr>
+      <a:lvl7pPr marL="2971800" indent="-228600" algn="l" defTabSz="914400" rtl="0" eaLnBrk="1" latinLnBrk="0" hangingPunct="1">
+        <a:lnSpc>
+          <a:spcPct val="90000"/>
+        </a:lnSpc>
+        <a:spcBef>
+          <a:spcPts val="500"/>
+        </a:spcBef>
+        <a:buFont typeface="Arial" panose="020B0604020202020204" pitchFamily="34" charset="0"/>
+        <a:buChar char="•"/>
+        <a:defRPr sz="1800" kern="1200">
+          <a:solidFill>
+            <a:schemeClr val="tx1"/>
+          </a:solidFill>
+          <a:latin typeface="+mn-lt"/>
+          <a:ea typeface="+mn-ea"/>
+          <a:cs typeface="+mn-cs"/>
+        </a:defRPr>
+      </a:lvl7pPr>
+      <a:lvl8pPr marL="3429000" indent="-228600" algn="l" defTabSz="914400" rtl="0" eaLnBrk="1" latinLnBrk="0" hangingPunct="1">
+        <a:lnSpc>
+          <a:spcPct val="90000"/>
+        </a:lnSpc>
+        <a:spcBef>
+          <a:spcPts val="500"/>
+        </a:spcBef>
+        <a:buFont typeface="Arial" panose="020B0604020202020204" pitchFamily="34" charset="0"/>
+        <a:buChar char="•"/>
+        <a:defRPr sz="1800" kern="1200">
+          <a:solidFill>
+            <a:schemeClr val="tx1"/>
+          </a:solidFill>
+          <a:latin typeface="+mn-lt"/>
+          <a:ea typeface="+mn-ea"/>
+          <a:cs typeface="+mn-cs"/>
+        </a:defRPr>
+      </a:lvl8pPr>
+      <a:lvl9pPr marL="3886200" indent="-228600" algn="l" defTabSz="914400" rtl="0" eaLnBrk="1" latinLnBrk="0" hangingPunct="1">
+        <a:lnSpc>
+          <a:spcPct val="90000"/>
+        </a:lnSpc>
+        <a:spcBef>
+          <a:spcPts val="500"/>
+        </a:spcBef>
+        <a:buFont typeface="Arial" panose="020B0604020202020204" pitchFamily="34" charset="0"/>
+        <a:buChar char="•"/>
+        <a:defRPr sz="1800" kern="1200">
+          <a:solidFill>
+            <a:schemeClr val="tx1"/>
+          </a:solidFill>
+          <a:latin typeface="+mn-lt"/>
+          <a:ea typeface="+mn-ea"/>
+          <a:cs typeface="+mn-cs"/>
+        </a:defRPr>
+      </a:lvl9pPr>
+    </p:bodyStyle>
+    <p:otherStyle>
+      <a:defPPr>
+        <a:defRPr lang="pt-BR"/>
+      </a:defPPr>
+      <a:lvl1pPr marL="0" algn="l" defTabSz="914400" rtl="0" eaLnBrk="1" latinLnBrk="0" hangingPunct="1">
+        <a:defRPr sz="1800" kern="1200">
+          <a:solidFill>
+            <a:schemeClr val="tx1"/>
+          </a:solidFill>
+          <a:latin typeface="+mn-lt"/>
+          <a:ea typeface="+mn-ea"/>
+          <a:cs typeface="+mn-cs"/>
+        </a:defRPr>
+      </a:lvl1pPr>
+      <a:lvl2pPr marL="457200" algn="l" defTabSz="914400" rtl="0" eaLnBrk="1" latinLnBrk="0" hangingPunct="1">
+        <a:defRPr sz="1800" kern="1200">
+          <a:solidFill>
+            <a:schemeClr val="tx1"/>
+          </a:solidFill>
+          <a:latin typeface="+mn-lt"/>
+          <a:ea typeface="+mn-ea"/>
+          <a:cs typeface="+mn-cs"/>
+        </a:defRPr>
+      </a:lvl2pPr>
+      <a:lvl3pPr marL="914400" algn="l" defTabSz="914400" rtl="0" eaLnBrk="1" latinLnBrk="0" hangingPunct="1">
+        <a:defRPr sz="1800" kern="1200">
+          <a:solidFill>
+            <a:schemeClr val="tx1"/>
+          </a:solidFill>
+          <a:latin typeface="+mn-lt"/>
+          <a:ea typeface="+mn-ea"/>
+          <a:cs typeface="+mn-cs"/>
+        </a:defRPr>
+      </a:lvl3pPr>
+      <a:lvl4pPr marL="1371600" algn="l" defTabSz="914400" rtl="0" eaLnBrk="1" latinLnBrk="0" hangingPunct="1">
+        <a:defRPr sz="1800" kern="1200">
+          <a:solidFill>
+            <a:schemeClr val="tx1"/>
+          </a:solidFill>
+          <a:latin typeface="+mn-lt"/>
+          <a:ea typeface="+mn-ea"/>
+          <a:cs typeface="+mn-cs"/>
+        </a:defRPr>
+      </a:lvl4pPr>
+      <a:lvl5pPr marL="1828800" algn="l" defTabSz="914400" rtl="0" eaLnBrk="1" latinLnBrk="0" hangingPunct="1">
+        <a:defRPr sz="1800" kern="1200">
+          <a:solidFill>
+            <a:schemeClr val="tx1"/>
+          </a:solidFill>
+          <a:latin typeface="+mn-lt"/>
+          <a:ea typeface="+mn-ea"/>
+          <a:cs typeface="+mn-cs"/>
+        </a:defRPr>
+      </a:lvl5pPr>
+      <a:lvl6pPr marL="2286000" algn="l" defTabSz="914400" rtl="0" eaLnBrk="1" latinLnBrk="0" hangingPunct="1">
+        <a:defRPr sz="1800" kern="1200">
+          <a:solidFill>
+            <a:schemeClr val="tx1"/>
+          </a:solidFill>
+          <a:latin typeface="+mn-lt"/>
+          <a:ea typeface="+mn-ea"/>
+          <a:cs typeface="+mn-cs"/>
+        </a:defRPr>
+      </a:lvl6pPr>
+      <a:lvl7pPr marL="2743200" algn="l" defTabSz="914400" rtl="0" eaLnBrk="1" latinLnBrk="0" hangingPunct="1">
+        <a:defRPr sz="1800" kern="1200">
+          <a:solidFill>
+            <a:schemeClr val="tx1"/>
+          </a:solidFill>
+          <a:latin typeface="+mn-lt"/>
+          <a:ea typeface="+mn-ea"/>
+          <a:cs typeface="+mn-cs"/>
+        </a:defRPr>
+      </a:lvl7pPr>
+      <a:lvl8pPr marL="3200400" algn="l" defTabSz="914400" rtl="0" eaLnBrk="1" latinLnBrk="0" hangingPunct="1">
+        <a:defRPr sz="1800" kern="1200">
+          <a:solidFill>
+            <a:schemeClr val="tx1"/>
+          </a:solidFill>
+          <a:latin typeface="+mn-lt"/>
+          <a:ea typeface="+mn-ea"/>
+          <a:cs typeface="+mn-cs"/>
+        </a:defRPr>
+      </a:lvl8pPr>
+      <a:lvl9pPr marL="3657600" algn="l" defTabSz="914400" rtl="0" eaLnBrk="1" latinLnBrk="0" hangingPunct="1">
+        <a:defRPr sz="1800" kern="1200">
+          <a:solidFill>
+            <a:schemeClr val="tx1"/>
+          </a:solidFill>
+          <a:latin typeface="+mn-lt"/>
+          <a:ea typeface="+mn-ea"/>
+          <a:cs typeface="+mn-cs"/>
+        </a:defRPr>
+      </a:lvl9pPr>
+    </p:otherStyle>
+  </p:txStyles>
 </p:sldMaster>
 </file>
 
 <file path=ppt/slides/slide1.xml><?xml version="1.0" encoding="utf-8"?>
-<p:sld xmlns:a="http://schemas.openxmlformats.org/drawingml/2006/main" xmlns:p="http://schemas.openxmlformats.org/presentationml/2006/main" xmlns:r="http://schemas.openxmlformats.org/officeDocument/2006/relationships" xmlns:p14="http://schemas.microsoft.com/office/powerpoint/2010/main" xmlns:p15="http://schemas.microsoft.com/office/powerpoint/2012/main" xmlns:mc="http://schemas.openxmlformats.org/markup-compatibility/2006">
+<p:sld xmlns:a="http://schemas.openxmlformats.org/drawingml/2006/main" xmlns:r="http://schemas.openxmlformats.org/officeDocument/2006/relationships" xmlns:p="http://schemas.openxmlformats.org/presentationml/2006/main">
   <p:cSld>
     <p:bg>
       <p:bgPr>
         <a:solidFill>
-          <a:srgbClr val="ffffff"/>
+          <a:srgbClr val="FFFFFF"/>
         </a:solidFill>
+        <a:effectLst/>
       </p:bgPr>
     </p:bg>
     <p:spTree>
@@ -1692,7 +2102,7 @@
           <p:nvPr/>
         </p:nvPicPr>
         <p:blipFill>
-          <a:blip r:embed="rId1"/>
+          <a:blip r:embed="rId2"/>
           <a:stretch/>
         </p:blipFill>
         <p:spPr>
@@ -1728,15 +2138,22 @@
           </a:ln>
         </p:spPr>
         <p:style>
-          <a:lnRef idx="0"/>
-          <a:fillRef idx="0"/>
-          <a:effectRef idx="0"/>
+          <a:lnRef idx="0">
+            <a:scrgbClr r="0" g="0" b="0"/>
+          </a:lnRef>
+          <a:fillRef idx="0">
+            <a:scrgbClr r="0" g="0" b="0"/>
+          </a:fillRef>
+          <a:effectRef idx="0">
+            <a:scrgbClr r="0" g="0" b="0"/>
+          </a:effectRef>
           <a:fontRef idx="minor"/>
         </p:style>
         <p:txBody>
-          <a:bodyPr lIns="90000" rIns="90000" tIns="45000" bIns="45000">
+          <a:bodyPr lIns="90000" tIns="45000" rIns="90000" bIns="45000">
             <a:spAutoFit/>
           </a:bodyPr>
+          <a:lstStyle/>
           <a:p>
             <a:pPr>
               <a:lnSpc>
@@ -1744,16 +2161,16 @@
               </a:lnSpc>
             </a:pPr>
             <a:r>
-              <a:rPr b="0" lang="pt-BR" sz="6600" spc="-1" strike="noStrike" cap="all">
+              <a:rPr lang="pt-BR" sz="6600" b="0" strike="noStrike" cap="all" spc="-1">
                 <a:solidFill>
-                  <a:srgbClr val="ffffff"/>
+                  <a:srgbClr val="FFFFFF"/>
                 </a:solidFill>
                 <a:latin typeface="思源黑体 Bold"/>
                 <a:ea typeface="思源黑体 Bold"/>
               </a:rPr>
               <a:t>Hospital system operation</a:t>
             </a:r>
-            <a:endParaRPr b="0" lang="pt-BR" sz="6600" spc="-1" strike="noStrike">
+            <a:endParaRPr lang="pt-BR" sz="6600" b="0" strike="noStrike" spc="-1">
               <a:latin typeface="Arial"/>
             </a:endParaRPr>
           </a:p>
@@ -1779,15 +2196,22 @@
           </a:ln>
         </p:spPr>
         <p:style>
-          <a:lnRef idx="0"/>
-          <a:fillRef idx="0"/>
-          <a:effectRef idx="0"/>
+          <a:lnRef idx="0">
+            <a:scrgbClr r="0" g="0" b="0"/>
+          </a:lnRef>
+          <a:fillRef idx="0">
+            <a:scrgbClr r="0" g="0" b="0"/>
+          </a:fillRef>
+          <a:effectRef idx="0">
+            <a:scrgbClr r="0" g="0" b="0"/>
+          </a:effectRef>
           <a:fontRef idx="minor"/>
         </p:style>
         <p:txBody>
-          <a:bodyPr lIns="90000" rIns="90000" tIns="45000" bIns="45000">
+          <a:bodyPr lIns="90000" tIns="45000" rIns="90000" bIns="45000">
             <a:spAutoFit/>
           </a:bodyPr>
+          <a:lstStyle/>
           <a:p>
             <a:pPr>
               <a:lnSpc>
@@ -1795,16 +2219,16 @@
               </a:lnSpc>
             </a:pPr>
             <a:r>
-              <a:rPr b="0" lang="pt-BR" sz="3600" spc="-1" strike="noStrike" cap="all">
+              <a:rPr lang="pt-BR" sz="3600" b="0" strike="noStrike" cap="all" spc="-1">
                 <a:solidFill>
-                  <a:srgbClr val="0daaf7"/>
+                  <a:srgbClr val="0DAAF7"/>
                 </a:solidFill>
                 <a:latin typeface="思源黑体 Bold"/>
                 <a:ea typeface="思源黑体 Bold"/>
               </a:rPr>
               <a:t>Grupo 9</a:t>
             </a:r>
-            <a:endParaRPr b="0" lang="pt-BR" sz="3600" spc="-1" strike="noStrike">
+            <a:endParaRPr lang="pt-BR" sz="3600" b="0" strike="noStrike" spc="-1">
               <a:latin typeface="Arial"/>
             </a:endParaRPr>
           </a:p>
@@ -1812,19 +2236,410 @@
       </p:sp>
     </p:spTree>
   </p:cSld>
-  <mc:AlternateContent>
-    <mc:Choice Requires="p14">
-      <p:transition spd="slow" p14:dur="2000"/>
-    </mc:Choice>
-    <mc:Fallback>
-      <p:transition spd="slow"/>
-    </mc:Fallback>
-  </mc:AlternateContent>
+  <p:clrMapOvr>
+    <a:masterClrMapping/>
+  </p:clrMapOvr>
 </p:sld>
 </file>
 
 <file path=ppt/slides/slide10.xml><?xml version="1.0" encoding="utf-8"?>
-<p:sld xmlns:a="http://schemas.openxmlformats.org/drawingml/2006/main" xmlns:p="http://schemas.openxmlformats.org/presentationml/2006/main" xmlns:r="http://schemas.openxmlformats.org/officeDocument/2006/relationships" xmlns:p14="http://schemas.microsoft.com/office/powerpoint/2010/main" xmlns:p15="http://schemas.microsoft.com/office/powerpoint/2012/main" xmlns:mc="http://schemas.openxmlformats.org/markup-compatibility/2006">
+<p:sld xmlns:a="http://schemas.openxmlformats.org/drawingml/2006/main" xmlns:r="http://schemas.openxmlformats.org/officeDocument/2006/relationships" xmlns:p="http://schemas.openxmlformats.org/presentationml/2006/main">
+  <p:cSld>
+    <p:bg>
+      <p:bgPr>
+        <a:solidFill>
+          <a:schemeClr val="accent1"/>
+        </a:solidFill>
+        <a:effectLst/>
+      </p:bgPr>
+    </p:bg>
+    <p:spTree>
+      <p:nvGrpSpPr>
+        <p:cNvPr id="1" name=""/>
+        <p:cNvGrpSpPr/>
+        <p:nvPr/>
+      </p:nvGrpSpPr>
+      <p:grpSpPr>
+        <a:xfrm>
+          <a:off x="0" y="0"/>
+          <a:ext cx="0" cy="0"/>
+          <a:chOff x="0" y="0"/>
+          <a:chExt cx="0" cy="0"/>
+        </a:xfrm>
+      </p:grpSpPr>
+      <p:pic>
+        <p:nvPicPr>
+          <p:cNvPr id="3" name="Imagem 2">
+            <a:extLst>
+              <a:ext uri="{FF2B5EF4-FFF2-40B4-BE49-F238E27FC236}">
+                <a16:creationId xmlns:a16="http://schemas.microsoft.com/office/drawing/2014/main" id="{9A320181-E292-4A81-A246-392F2408E34D}"/>
+              </a:ext>
+            </a:extLst>
+          </p:cNvPr>
+          <p:cNvPicPr>
+            <a:picLocks noChangeAspect="1"/>
+          </p:cNvPicPr>
+          <p:nvPr/>
+        </p:nvPicPr>
+        <p:blipFill>
+          <a:blip r:embed="rId2">
+            <a:extLst>
+              <a:ext uri="{28A0092B-C50C-407E-A947-70E740481C1C}">
+                <a14:useLocalDpi xmlns:a14="http://schemas.microsoft.com/office/drawing/2010/main" val="0"/>
+              </a:ext>
+            </a:extLst>
+          </a:blip>
+          <a:stretch>
+            <a:fillRect/>
+          </a:stretch>
+        </p:blipFill>
+        <p:spPr>
+          <a:xfrm>
+            <a:off x="237974" y="483369"/>
+            <a:ext cx="6739602" cy="3560232"/>
+          </a:xfrm>
+          <a:prstGeom prst="rect">
+            <a:avLst/>
+          </a:prstGeom>
+        </p:spPr>
+      </p:pic>
+      <p:pic>
+        <p:nvPicPr>
+          <p:cNvPr id="5" name="Imagem 4">
+            <a:extLst>
+              <a:ext uri="{FF2B5EF4-FFF2-40B4-BE49-F238E27FC236}">
+                <a16:creationId xmlns:a16="http://schemas.microsoft.com/office/drawing/2014/main" id="{04D4BDE5-E4E9-4E86-B1AB-FB13F6D3A21C}"/>
+              </a:ext>
+            </a:extLst>
+          </p:cNvPr>
+          <p:cNvPicPr>
+            <a:picLocks noChangeAspect="1"/>
+          </p:cNvPicPr>
+          <p:nvPr/>
+        </p:nvPicPr>
+        <p:blipFill>
+          <a:blip r:embed="rId3">
+            <a:extLst>
+              <a:ext uri="{28A0092B-C50C-407E-A947-70E740481C1C}">
+                <a14:useLocalDpi xmlns:a14="http://schemas.microsoft.com/office/drawing/2010/main" val="0"/>
+              </a:ext>
+            </a:extLst>
+          </a:blip>
+          <a:stretch>
+            <a:fillRect/>
+          </a:stretch>
+        </p:blipFill>
+        <p:spPr>
+          <a:xfrm>
+            <a:off x="6330244" y="2989520"/>
+            <a:ext cx="5261461" cy="3385111"/>
+          </a:xfrm>
+          <a:prstGeom prst="rect">
+            <a:avLst/>
+          </a:prstGeom>
+        </p:spPr>
+      </p:pic>
+    </p:spTree>
+  </p:cSld>
+  <p:clrMapOvr>
+    <a:masterClrMapping/>
+  </p:clrMapOvr>
+</p:sld>
+</file>
+
+<file path=ppt/slides/slide11.xml><?xml version="1.0" encoding="utf-8"?>
+<p:sld xmlns:a="http://schemas.openxmlformats.org/drawingml/2006/main" xmlns:r="http://schemas.openxmlformats.org/officeDocument/2006/relationships" xmlns:p="http://schemas.openxmlformats.org/presentationml/2006/main">
+  <p:cSld>
+    <p:bg>
+      <p:bgPr>
+        <a:solidFill>
+          <a:srgbClr val="FFFFFF"/>
+        </a:solidFill>
+        <a:effectLst/>
+      </p:bgPr>
+    </p:bg>
+    <p:spTree>
+      <p:nvGrpSpPr>
+        <p:cNvPr id="1" name=""/>
+        <p:cNvGrpSpPr/>
+        <p:nvPr/>
+      </p:nvGrpSpPr>
+      <p:grpSpPr>
+        <a:xfrm>
+          <a:off x="0" y="0"/>
+          <a:ext cx="0" cy="0"/>
+          <a:chOff x="0" y="0"/>
+          <a:chExt cx="0" cy="0"/>
+        </a:xfrm>
+      </p:grpSpPr>
+      <p:sp>
+        <p:nvSpPr>
+          <p:cNvPr id="115" name="CustomShape 1"/>
+          <p:cNvSpPr/>
+          <p:nvPr/>
+        </p:nvSpPr>
+        <p:spPr>
+          <a:xfrm>
+            <a:off x="6847920" y="1636560"/>
+            <a:ext cx="3837240" cy="3837240"/>
+          </a:xfrm>
+          <a:prstGeom prst="ellipse">
+            <a:avLst/>
+          </a:prstGeom>
+          <a:solidFill>
+            <a:srgbClr val="2F50A1">
+              <a:alpha val="83000"/>
+            </a:srgbClr>
+          </a:solidFill>
+          <a:ln w="76320">
+            <a:noFill/>
+          </a:ln>
+          <a:effectLst>
+            <a:outerShdw blurRad="40000" dist="23040" dir="5400000" rotWithShape="0">
+              <a:srgbClr val="000000">
+                <a:alpha val="35000"/>
+              </a:srgbClr>
+            </a:outerShdw>
+          </a:effectLst>
+        </p:spPr>
+        <p:style>
+          <a:lnRef idx="1">
+            <a:schemeClr val="accent1"/>
+          </a:lnRef>
+          <a:fillRef idx="3">
+            <a:schemeClr val="accent1"/>
+          </a:fillRef>
+          <a:effectRef idx="2">
+            <a:schemeClr val="accent1"/>
+          </a:effectRef>
+          <a:fontRef idx="minor"/>
+        </p:style>
+      </p:sp>
+      <p:sp>
+        <p:nvSpPr>
+          <p:cNvPr id="116" name="CustomShape 2"/>
+          <p:cNvSpPr/>
+          <p:nvPr/>
+        </p:nvSpPr>
+        <p:spPr>
+          <a:xfrm>
+            <a:off x="1877760" y="1566000"/>
+            <a:ext cx="3060720" cy="3060720"/>
+          </a:xfrm>
+          <a:prstGeom prst="ellipse">
+            <a:avLst/>
+          </a:prstGeom>
+          <a:solidFill>
+            <a:srgbClr val="D9D9D9"/>
+          </a:solidFill>
+          <a:ln w="76320">
+            <a:noFill/>
+          </a:ln>
+          <a:effectLst>
+            <a:outerShdw blurRad="40000" dist="23040" dir="5400000" rotWithShape="0">
+              <a:srgbClr val="000000">
+                <a:alpha val="35000"/>
+              </a:srgbClr>
+            </a:outerShdw>
+          </a:effectLst>
+        </p:spPr>
+        <p:style>
+          <a:lnRef idx="1">
+            <a:schemeClr val="accent1"/>
+          </a:lnRef>
+          <a:fillRef idx="3">
+            <a:schemeClr val="accent1"/>
+          </a:fillRef>
+          <a:effectRef idx="2">
+            <a:schemeClr val="accent1"/>
+          </a:effectRef>
+          <a:fontRef idx="minor"/>
+        </p:style>
+      </p:sp>
+      <p:sp>
+        <p:nvSpPr>
+          <p:cNvPr id="117" name="CustomShape 3"/>
+          <p:cNvSpPr/>
+          <p:nvPr/>
+        </p:nvSpPr>
+        <p:spPr>
+          <a:xfrm>
+            <a:off x="4337640" y="3255480"/>
+            <a:ext cx="2483280" cy="2483280"/>
+          </a:xfrm>
+          <a:prstGeom prst="ellipse">
+            <a:avLst/>
+          </a:prstGeom>
+          <a:solidFill>
+            <a:srgbClr val="2F50A1"/>
+          </a:solidFill>
+          <a:ln w="76320">
+            <a:noFill/>
+          </a:ln>
+          <a:effectLst>
+            <a:outerShdw blurRad="40000" dist="23040" dir="5400000" rotWithShape="0">
+              <a:srgbClr val="000000">
+                <a:alpha val="35000"/>
+              </a:srgbClr>
+            </a:outerShdw>
+          </a:effectLst>
+        </p:spPr>
+        <p:style>
+          <a:lnRef idx="1">
+            <a:schemeClr val="accent1"/>
+          </a:lnRef>
+          <a:fillRef idx="3">
+            <a:schemeClr val="accent1"/>
+          </a:fillRef>
+          <a:effectRef idx="2">
+            <a:schemeClr val="accent1"/>
+          </a:effectRef>
+          <a:fontRef idx="minor"/>
+        </p:style>
+      </p:sp>
+      <p:sp>
+        <p:nvSpPr>
+          <p:cNvPr id="118" name="CustomShape 4"/>
+          <p:cNvSpPr/>
+          <p:nvPr/>
+        </p:nvSpPr>
+        <p:spPr>
+          <a:xfrm>
+            <a:off x="5350680" y="1434960"/>
+            <a:ext cx="2030760" cy="2030760"/>
+          </a:xfrm>
+          <a:prstGeom prst="ellipse">
+            <a:avLst/>
+          </a:prstGeom>
+          <a:solidFill>
+            <a:srgbClr val="2F50A1"/>
+          </a:solidFill>
+          <a:ln w="76320">
+            <a:noFill/>
+          </a:ln>
+          <a:effectLst>
+            <a:outerShdw blurRad="40000" dist="23040" dir="5400000" rotWithShape="0">
+              <a:srgbClr val="000000">
+                <a:alpha val="35000"/>
+              </a:srgbClr>
+            </a:outerShdw>
+          </a:effectLst>
+        </p:spPr>
+        <p:style>
+          <a:lnRef idx="1">
+            <a:schemeClr val="accent1"/>
+          </a:lnRef>
+          <a:fillRef idx="3">
+            <a:schemeClr val="accent1"/>
+          </a:fillRef>
+          <a:effectRef idx="2">
+            <a:schemeClr val="accent1"/>
+          </a:effectRef>
+          <a:fontRef idx="minor"/>
+        </p:style>
+      </p:sp>
+      <p:pic>
+        <p:nvPicPr>
+          <p:cNvPr id="119" name="Picture 2" descr="https://o.remove.bg/downloads/bff62d5f-6c43-41d4-af4e-2156a2b4c341/image-removebg-preview.png"/>
+          <p:cNvPicPr/>
+          <p:nvPr/>
+        </p:nvPicPr>
+        <p:blipFill>
+          <a:blip r:embed="rId2"/>
+          <a:stretch/>
+        </p:blipFill>
+        <p:spPr>
+          <a:xfrm>
+            <a:off x="5520600" y="1933920"/>
+            <a:ext cx="1886760" cy="817920"/>
+          </a:xfrm>
+          <a:prstGeom prst="rect">
+            <a:avLst/>
+          </a:prstGeom>
+          <a:ln>
+            <a:noFill/>
+          </a:ln>
+        </p:spPr>
+      </p:pic>
+      <p:pic>
+        <p:nvPicPr>
+          <p:cNvPr id="120" name="Picture 4" descr="Amazon Web Services – Wikipédia, a enciclopédia livre"/>
+          <p:cNvPicPr/>
+          <p:nvPr/>
+        </p:nvPicPr>
+        <p:blipFill>
+          <a:blip r:embed="rId3"/>
+          <a:stretch/>
+        </p:blipFill>
+        <p:spPr>
+          <a:xfrm>
+            <a:off x="7672680" y="2768040"/>
+            <a:ext cx="2208600" cy="1321200"/>
+          </a:xfrm>
+          <a:prstGeom prst="rect">
+            <a:avLst/>
+          </a:prstGeom>
+          <a:ln>
+            <a:noFill/>
+          </a:ln>
+        </p:spPr>
+      </p:pic>
+      <p:pic>
+        <p:nvPicPr>
+          <p:cNvPr id="121" name="Picture 6" descr="Microsoft Azure - Wikipedia"/>
+          <p:cNvPicPr/>
+          <p:nvPr/>
+        </p:nvPicPr>
+        <p:blipFill>
+          <a:blip r:embed="rId4"/>
+          <a:stretch/>
+        </p:blipFill>
+        <p:spPr>
+          <a:xfrm>
+            <a:off x="2306880" y="1887840"/>
+            <a:ext cx="2093040" cy="2093040"/>
+          </a:xfrm>
+          <a:prstGeom prst="rect">
+            <a:avLst/>
+          </a:prstGeom>
+          <a:ln>
+            <a:noFill/>
+          </a:ln>
+        </p:spPr>
+      </p:pic>
+      <p:pic>
+        <p:nvPicPr>
+          <p:cNvPr id="122" name="Picture 8" descr="Logotipo do github - ícones de mídia social grátis"/>
+          <p:cNvPicPr/>
+          <p:nvPr/>
+        </p:nvPicPr>
+        <p:blipFill>
+          <a:blip r:embed="rId5"/>
+          <a:stretch/>
+        </p:blipFill>
+        <p:spPr>
+          <a:xfrm>
+            <a:off x="4950000" y="3769560"/>
+            <a:ext cx="1258560" cy="1258560"/>
+          </a:xfrm>
+          <a:prstGeom prst="rect">
+            <a:avLst/>
+          </a:prstGeom>
+          <a:ln>
+            <a:noFill/>
+          </a:ln>
+        </p:spPr>
+      </p:pic>
+    </p:spTree>
+  </p:cSld>
+  <p:clrMapOvr>
+    <a:masterClrMapping/>
+  </p:clrMapOvr>
+</p:sld>
+</file>
+
+<file path=ppt/slides/slide12.xml><?xml version="1.0" encoding="utf-8"?>
+<p:sld xmlns:a="http://schemas.openxmlformats.org/drawingml/2006/main" xmlns:r="http://schemas.openxmlformats.org/officeDocument/2006/relationships" xmlns:p="http://schemas.openxmlformats.org/presentationml/2006/main">
   <p:cSld>
     <p:spTree>
       <p:nvGrpSpPr>
@@ -1842,48 +2657,56 @@
       </p:grpSpPr>
       <p:pic>
         <p:nvPicPr>
-          <p:cNvPr id="114" name="" descr=""/>
-          <p:cNvPicPr/>
+          <p:cNvPr id="4" name="Imagem 3">
+            <a:extLst>
+              <a:ext uri="{FF2B5EF4-FFF2-40B4-BE49-F238E27FC236}">
+                <a16:creationId xmlns:a16="http://schemas.microsoft.com/office/drawing/2014/main" id="{D525413F-AB37-4D54-8BEE-5E5ADD3A0B60}"/>
+              </a:ext>
+            </a:extLst>
+          </p:cNvPr>
+          <p:cNvPicPr>
+            <a:picLocks noChangeAspect="1"/>
+          </p:cNvPicPr>
           <p:nvPr/>
         </p:nvPicPr>
         <p:blipFill>
-          <a:blip r:embed="rId1"/>
-          <a:stretch/>
+          <a:blip r:embed="rId2"/>
+          <a:stretch>
+            <a:fillRect/>
+          </a:stretch>
         </p:blipFill>
         <p:spPr>
           <a:xfrm>
-            <a:off x="720000" y="270720"/>
-            <a:ext cx="10718640" cy="6028920"/>
-          </a:xfrm>
-          <a:prstGeom prst="rect">
-            <a:avLst/>
-          </a:prstGeom>
-          <a:ln>
-            <a:noFill/>
-          </a:ln>
+            <a:off x="581308" y="340991"/>
+            <a:ext cx="11029384" cy="6176018"/>
+          </a:xfrm>
+          <a:prstGeom prst="rect">
+            <a:avLst/>
+          </a:prstGeom>
         </p:spPr>
       </p:pic>
     </p:spTree>
+    <p:extLst>
+      <p:ext uri="{BB962C8B-B14F-4D97-AF65-F5344CB8AC3E}">
+        <p14:creationId xmlns:p14="http://schemas.microsoft.com/office/powerpoint/2010/main" val="2112615192"/>
+      </p:ext>
+    </p:extLst>
   </p:cSld>
-  <mc:AlternateContent>
-    <mc:Choice Requires="p14">
-      <p:transition spd="slow" p14:dur="2000"/>
-    </mc:Choice>
-    <mc:Fallback>
-      <p:transition spd="slow"/>
-    </mc:Fallback>
-  </mc:AlternateContent>
+  <p:clrMapOvr>
+    <a:masterClrMapping/>
+  </p:clrMapOvr>
 </p:sld>
 </file>
 
-<file path=ppt/slides/slide11.xml><?xml version="1.0" encoding="utf-8"?>
-<p:sld xmlns:a="http://schemas.openxmlformats.org/drawingml/2006/main" xmlns:p="http://schemas.openxmlformats.org/presentationml/2006/main" xmlns:r="http://schemas.openxmlformats.org/officeDocument/2006/relationships" xmlns:p14="http://schemas.microsoft.com/office/powerpoint/2010/main" xmlns:p15="http://schemas.microsoft.com/office/powerpoint/2012/main" xmlns:mc="http://schemas.openxmlformats.org/markup-compatibility/2006">
+<file path=ppt/slides/slide13.xml><?xml version="1.0" encoding="utf-8"?>
+<p:sld xmlns:a="http://schemas.openxmlformats.org/drawingml/2006/main" xmlns:r="http://schemas.openxmlformats.org/officeDocument/2006/relationships" xmlns:p="http://schemas.openxmlformats.org/presentationml/2006/main">
   <p:cSld>
     <p:bg>
       <p:bgPr>
         <a:solidFill>
-          <a:srgbClr val="ffffff"/>
+          <a:srgbClr val="FFFFFF"/>
         </a:solidFill>
+        <a:effectLst/>
       </p:bgPr>
     </p:bg>
     <p:spTree>
@@ -1902,301 +2725,6 @@
       </p:grpSpPr>
       <p:sp>
         <p:nvSpPr>
-          <p:cNvPr id="115" name="CustomShape 1"/>
-          <p:cNvSpPr/>
-          <p:nvPr/>
-        </p:nvSpPr>
-        <p:spPr>
-          <a:xfrm>
-            <a:off x="6847920" y="1636560"/>
-            <a:ext cx="3837240" cy="3837240"/>
-          </a:xfrm>
-          <a:prstGeom prst="ellipse">
-            <a:avLst/>
-          </a:prstGeom>
-          <a:solidFill>
-            <a:srgbClr val="2f50a1">
-              <a:alpha val="83000"/>
-            </a:srgbClr>
-          </a:solidFill>
-          <a:ln w="76320">
-            <a:noFill/>
-          </a:ln>
-          <a:effectLst>
-            <a:outerShdw blurRad="40000" dir="5400000" dist="23040" rotWithShape="0">
-              <a:srgbClr val="000000">
-                <a:alpha val="35000"/>
-              </a:srgbClr>
-            </a:outerShdw>
-          </a:effectLst>
-        </p:spPr>
-        <p:style>
-          <a:lnRef idx="1">
-            <a:schemeClr val="accent1"/>
-          </a:lnRef>
-          <a:fillRef idx="3">
-            <a:schemeClr val="accent1"/>
-          </a:fillRef>
-          <a:effectRef idx="2">
-            <a:schemeClr val="accent1"/>
-          </a:effectRef>
-          <a:fontRef idx="minor"/>
-        </p:style>
-      </p:sp>
-      <p:sp>
-        <p:nvSpPr>
-          <p:cNvPr id="116" name="CustomShape 2"/>
-          <p:cNvSpPr/>
-          <p:nvPr/>
-        </p:nvSpPr>
-        <p:spPr>
-          <a:xfrm>
-            <a:off x="1877760" y="1566000"/>
-            <a:ext cx="3060720" cy="3060720"/>
-          </a:xfrm>
-          <a:prstGeom prst="ellipse">
-            <a:avLst/>
-          </a:prstGeom>
-          <a:solidFill>
-            <a:srgbClr val="d9d9d9"/>
-          </a:solidFill>
-          <a:ln w="76320">
-            <a:noFill/>
-          </a:ln>
-          <a:effectLst>
-            <a:outerShdw blurRad="40000" dir="5400000" dist="23040" rotWithShape="0">
-              <a:srgbClr val="000000">
-                <a:alpha val="35000"/>
-              </a:srgbClr>
-            </a:outerShdw>
-          </a:effectLst>
-        </p:spPr>
-        <p:style>
-          <a:lnRef idx="1">
-            <a:schemeClr val="accent1"/>
-          </a:lnRef>
-          <a:fillRef idx="3">
-            <a:schemeClr val="accent1"/>
-          </a:fillRef>
-          <a:effectRef idx="2">
-            <a:schemeClr val="accent1"/>
-          </a:effectRef>
-          <a:fontRef idx="minor"/>
-        </p:style>
-      </p:sp>
-      <p:sp>
-        <p:nvSpPr>
-          <p:cNvPr id="117" name="CustomShape 3"/>
-          <p:cNvSpPr/>
-          <p:nvPr/>
-        </p:nvSpPr>
-        <p:spPr>
-          <a:xfrm>
-            <a:off x="4337640" y="3255480"/>
-            <a:ext cx="2483280" cy="2483280"/>
-          </a:xfrm>
-          <a:prstGeom prst="ellipse">
-            <a:avLst/>
-          </a:prstGeom>
-          <a:solidFill>
-            <a:srgbClr val="2f50a1"/>
-          </a:solidFill>
-          <a:ln w="76320">
-            <a:noFill/>
-          </a:ln>
-          <a:effectLst>
-            <a:outerShdw blurRad="40000" dir="5400000" dist="23040" rotWithShape="0">
-              <a:srgbClr val="000000">
-                <a:alpha val="35000"/>
-              </a:srgbClr>
-            </a:outerShdw>
-          </a:effectLst>
-        </p:spPr>
-        <p:style>
-          <a:lnRef idx="1">
-            <a:schemeClr val="accent1"/>
-          </a:lnRef>
-          <a:fillRef idx="3">
-            <a:schemeClr val="accent1"/>
-          </a:fillRef>
-          <a:effectRef idx="2">
-            <a:schemeClr val="accent1"/>
-          </a:effectRef>
-          <a:fontRef idx="minor"/>
-        </p:style>
-      </p:sp>
-      <p:sp>
-        <p:nvSpPr>
-          <p:cNvPr id="118" name="CustomShape 4"/>
-          <p:cNvSpPr/>
-          <p:nvPr/>
-        </p:nvSpPr>
-        <p:spPr>
-          <a:xfrm>
-            <a:off x="5350680" y="1434960"/>
-            <a:ext cx="2030760" cy="2030760"/>
-          </a:xfrm>
-          <a:prstGeom prst="ellipse">
-            <a:avLst/>
-          </a:prstGeom>
-          <a:solidFill>
-            <a:srgbClr val="2f50a1"/>
-          </a:solidFill>
-          <a:ln w="76320">
-            <a:noFill/>
-          </a:ln>
-          <a:effectLst>
-            <a:outerShdw blurRad="40000" dir="5400000" dist="23040" rotWithShape="0">
-              <a:srgbClr val="000000">
-                <a:alpha val="35000"/>
-              </a:srgbClr>
-            </a:outerShdw>
-          </a:effectLst>
-        </p:spPr>
-        <p:style>
-          <a:lnRef idx="1">
-            <a:schemeClr val="accent1"/>
-          </a:lnRef>
-          <a:fillRef idx="3">
-            <a:schemeClr val="accent1"/>
-          </a:fillRef>
-          <a:effectRef idx="2">
-            <a:schemeClr val="accent1"/>
-          </a:effectRef>
-          <a:fontRef idx="minor"/>
-        </p:style>
-      </p:sp>
-      <p:pic>
-        <p:nvPicPr>
-          <p:cNvPr id="119" name="Picture 2" descr="https://o.remove.bg/downloads/bff62d5f-6c43-41d4-af4e-2156a2b4c341/image-removebg-preview.png"/>
-          <p:cNvPicPr/>
-          <p:nvPr/>
-        </p:nvPicPr>
-        <p:blipFill>
-          <a:blip r:embed="rId1"/>
-          <a:stretch/>
-        </p:blipFill>
-        <p:spPr>
-          <a:xfrm>
-            <a:off x="5520600" y="1933920"/>
-            <a:ext cx="1886760" cy="817920"/>
-          </a:xfrm>
-          <a:prstGeom prst="rect">
-            <a:avLst/>
-          </a:prstGeom>
-          <a:ln>
-            <a:noFill/>
-          </a:ln>
-        </p:spPr>
-      </p:pic>
-      <p:pic>
-        <p:nvPicPr>
-          <p:cNvPr id="120" name="Picture 4" descr="Amazon Web Services – Wikipédia, a enciclopédia livre"/>
-          <p:cNvPicPr/>
-          <p:nvPr/>
-        </p:nvPicPr>
-        <p:blipFill>
-          <a:blip r:embed="rId2"/>
-          <a:stretch/>
-        </p:blipFill>
-        <p:spPr>
-          <a:xfrm>
-            <a:off x="7672680" y="2768040"/>
-            <a:ext cx="2208600" cy="1321200"/>
-          </a:xfrm>
-          <a:prstGeom prst="rect">
-            <a:avLst/>
-          </a:prstGeom>
-          <a:ln>
-            <a:noFill/>
-          </a:ln>
-        </p:spPr>
-      </p:pic>
-      <p:pic>
-        <p:nvPicPr>
-          <p:cNvPr id="121" name="Picture 6" descr="Microsoft Azure - Wikipedia"/>
-          <p:cNvPicPr/>
-          <p:nvPr/>
-        </p:nvPicPr>
-        <p:blipFill>
-          <a:blip r:embed="rId3"/>
-          <a:stretch/>
-        </p:blipFill>
-        <p:spPr>
-          <a:xfrm>
-            <a:off x="2306880" y="1887840"/>
-            <a:ext cx="2093040" cy="2093040"/>
-          </a:xfrm>
-          <a:prstGeom prst="rect">
-            <a:avLst/>
-          </a:prstGeom>
-          <a:ln>
-            <a:noFill/>
-          </a:ln>
-        </p:spPr>
-      </p:pic>
-      <p:pic>
-        <p:nvPicPr>
-          <p:cNvPr id="122" name="Picture 8" descr="Logotipo do github - ícones de mídia social grátis"/>
-          <p:cNvPicPr/>
-          <p:nvPr/>
-        </p:nvPicPr>
-        <p:blipFill>
-          <a:blip r:embed="rId4"/>
-          <a:stretch/>
-        </p:blipFill>
-        <p:spPr>
-          <a:xfrm>
-            <a:off x="4950000" y="3769560"/>
-            <a:ext cx="1258560" cy="1258560"/>
-          </a:xfrm>
-          <a:prstGeom prst="rect">
-            <a:avLst/>
-          </a:prstGeom>
-          <a:ln>
-            <a:noFill/>
-          </a:ln>
-        </p:spPr>
-      </p:pic>
-    </p:spTree>
-  </p:cSld>
-  <mc:AlternateContent>
-    <mc:Choice Requires="p14">
-      <p:transition spd="slow" p14:dur="2000"/>
-    </mc:Choice>
-    <mc:Fallback>
-      <p:transition spd="slow"/>
-    </mc:Fallback>
-  </mc:AlternateContent>
-</p:sld>
-</file>
-
-<file path=ppt/slides/slide12.xml><?xml version="1.0" encoding="utf-8"?>
-<p:sld xmlns:a="http://schemas.openxmlformats.org/drawingml/2006/main" xmlns:p="http://schemas.openxmlformats.org/presentationml/2006/main" xmlns:r="http://schemas.openxmlformats.org/officeDocument/2006/relationships" xmlns:p14="http://schemas.microsoft.com/office/powerpoint/2010/main" xmlns:p15="http://schemas.microsoft.com/office/powerpoint/2012/main" xmlns:mc="http://schemas.openxmlformats.org/markup-compatibility/2006">
-  <p:cSld>
-    <p:bg>
-      <p:bgPr>
-        <a:solidFill>
-          <a:srgbClr val="ffffff"/>
-        </a:solidFill>
-      </p:bgPr>
-    </p:bg>
-    <p:spTree>
-      <p:nvGrpSpPr>
-        <p:cNvPr id="1" name=""/>
-        <p:cNvGrpSpPr/>
-        <p:nvPr/>
-      </p:nvGrpSpPr>
-      <p:grpSpPr>
-        <a:xfrm>
-          <a:off x="0" y="0"/>
-          <a:ext cx="0" cy="0"/>
-          <a:chOff x="0" y="0"/>
-          <a:chExt cx="0" cy="0"/>
-        </a:xfrm>
-      </p:grpSpPr>
-      <p:sp>
-        <p:nvSpPr>
           <p:cNvPr id="123" name="Line 1"/>
           <p:cNvSpPr/>
           <p:nvPr/>
@@ -2211,7 +2739,7 @@
           </a:prstGeom>
           <a:ln>
             <a:solidFill>
-              <a:srgbClr val="a6a6a6"/>
+              <a:srgbClr val="A6A6A6"/>
             </a:solidFill>
             <a:prstDash val="sysDot"/>
           </a:ln>
@@ -2282,7 +2810,7 @@
             <a:avLst/>
           </a:prstGeom>
           <a:solidFill>
-            <a:srgbClr val="2f50a1"/>
+            <a:srgbClr val="2F50A1"/>
           </a:solidFill>
           <a:ln>
             <a:noFill/>
@@ -2323,15 +2851,22 @@
           </a:ln>
         </p:spPr>
         <p:style>
-          <a:lnRef idx="0"/>
-          <a:fillRef idx="0"/>
-          <a:effectRef idx="0"/>
+          <a:lnRef idx="0">
+            <a:scrgbClr r="0" g="0" b="0"/>
+          </a:lnRef>
+          <a:fillRef idx="0">
+            <a:scrgbClr r="0" g="0" b="0"/>
+          </a:fillRef>
+          <a:effectRef idx="0">
+            <a:scrgbClr r="0" g="0" b="0"/>
+          </a:effectRef>
           <a:fontRef idx="minor"/>
         </p:style>
         <p:txBody>
-          <a:bodyPr lIns="90000" rIns="90000" tIns="45000" bIns="45000">
+          <a:bodyPr lIns="90000" tIns="45000" rIns="90000" bIns="45000">
             <a:spAutoFit/>
           </a:bodyPr>
+          <a:lstStyle/>
           <a:p>
             <a:pPr>
               <a:lnSpc>
@@ -2339,16 +2874,16 @@
               </a:lnSpc>
             </a:pPr>
             <a:r>
-              <a:rPr b="1" lang="pt-BR" sz="1800" spc="-1" strike="noStrike">
+              <a:rPr lang="pt-BR" sz="1800" b="1" strike="noStrike" spc="-1">
                 <a:solidFill>
-                  <a:srgbClr val="ffffff"/>
+                  <a:srgbClr val="FFFFFF"/>
                 </a:solidFill>
                 <a:latin typeface="Bahnschrift SemiLight SemiConde"/>
                 <a:ea typeface="DejaVu Sans"/>
               </a:rPr>
               <a:t>Nosso principal objetivo é otimizar atendimentos em consultórios, monitorando máquinas e assim, evitando possíveis falhas nos processos, atrapalhando o fluxo dos atendimentos. </a:t>
             </a:r>
-            <a:endParaRPr b="0" lang="pt-BR" sz="1800" spc="-1" strike="noStrike">
+            <a:endParaRPr lang="pt-BR" sz="1800" b="0" strike="noStrike" spc="-1">
               <a:latin typeface="Arial"/>
             </a:endParaRPr>
           </a:p>
@@ -2359,16 +2894,16 @@
               </a:lnSpc>
             </a:pPr>
             <a:r>
-              <a:rPr b="1" lang="pt-BR" sz="1800" spc="-1" strike="noStrike">
+              <a:rPr lang="pt-BR" sz="1800" b="1" strike="noStrike" spc="-1">
                 <a:solidFill>
-                  <a:srgbClr val="ffffff"/>
+                  <a:srgbClr val="FFFFFF"/>
                 </a:solidFill>
                 <a:latin typeface="Bahnschrift SemiLight SemiConde"/>
                 <a:ea typeface="DejaVu Sans"/>
               </a:rPr>
               <a:t>Nosso monitoramento para uma ótima experiência no seu consultório. </a:t>
             </a:r>
-            <a:endParaRPr b="0" lang="pt-BR" sz="1800" spc="-1" strike="noStrike">
+            <a:endParaRPr lang="pt-BR" sz="1800" b="0" strike="noStrike" spc="-1">
               <a:latin typeface="Arial"/>
             </a:endParaRPr>
           </a:p>
@@ -2394,15 +2929,22 @@
           </a:ln>
         </p:spPr>
         <p:style>
-          <a:lnRef idx="0"/>
-          <a:fillRef idx="0"/>
-          <a:effectRef idx="0"/>
+          <a:lnRef idx="0">
+            <a:scrgbClr r="0" g="0" b="0"/>
+          </a:lnRef>
+          <a:fillRef idx="0">
+            <a:scrgbClr r="0" g="0" b="0"/>
+          </a:fillRef>
+          <a:effectRef idx="0">
+            <a:scrgbClr r="0" g="0" b="0"/>
+          </a:effectRef>
           <a:fontRef idx="minor"/>
         </p:style>
         <p:txBody>
-          <a:bodyPr lIns="90000" rIns="90000" tIns="45000" bIns="45000">
+          <a:bodyPr lIns="90000" tIns="45000" rIns="90000" bIns="45000">
             <a:spAutoFit/>
           </a:bodyPr>
+          <a:lstStyle/>
           <a:p>
             <a:pPr algn="ctr">
               <a:lnSpc>
@@ -2410,16 +2952,16 @@
               </a:lnSpc>
             </a:pPr>
             <a:r>
-              <a:rPr b="0" lang="en-US" sz="6000" spc="-1" strike="noStrike">
+              <a:rPr lang="en-US" sz="6000" b="0" strike="noStrike" spc="-1" dirty="0" err="1">
                 <a:solidFill>
-                  <a:srgbClr val="ffffff"/>
+                  <a:srgbClr val="FFFFFF"/>
                 </a:solidFill>
                 <a:latin typeface="思源黑体 CN Bold"/>
                 <a:ea typeface="思源黑体 CN Bold"/>
               </a:rPr>
               <a:t>Conclusão</a:t>
             </a:r>
-            <a:endParaRPr b="0" lang="pt-BR" sz="6000" spc="-1" strike="noStrike">
+            <a:endParaRPr lang="pt-BR" sz="6000" b="0" strike="noStrike" spc="-1" dirty="0">
               <a:latin typeface="Arial"/>
             </a:endParaRPr>
           </a:p>
@@ -2427,25 +2969,21 @@
       </p:sp>
     </p:spTree>
   </p:cSld>
-  <mc:AlternateContent>
-    <mc:Choice Requires="p14">
-      <p:transition spd="slow" p14:dur="2000"/>
-    </mc:Choice>
-    <mc:Fallback>
-      <p:transition spd="slow"/>
-    </mc:Fallback>
-  </mc:AlternateContent>
+  <p:clrMapOvr>
+    <a:masterClrMapping/>
+  </p:clrMapOvr>
 </p:sld>
 </file>
 
-<file path=ppt/slides/slide13.xml><?xml version="1.0" encoding="utf-8"?>
-<p:sld xmlns:a="http://schemas.openxmlformats.org/drawingml/2006/main" xmlns:p="http://schemas.openxmlformats.org/presentationml/2006/main" xmlns:r="http://schemas.openxmlformats.org/officeDocument/2006/relationships" xmlns:p14="http://schemas.microsoft.com/office/powerpoint/2010/main" xmlns:p15="http://schemas.microsoft.com/office/powerpoint/2012/main" xmlns:mc="http://schemas.openxmlformats.org/markup-compatibility/2006">
+<file path=ppt/slides/slide14.xml><?xml version="1.0" encoding="utf-8"?>
+<p:sld xmlns:a="http://schemas.openxmlformats.org/drawingml/2006/main" xmlns:r="http://schemas.openxmlformats.org/officeDocument/2006/relationships" xmlns:p="http://schemas.openxmlformats.org/presentationml/2006/main">
   <p:cSld>
     <p:bg>
       <p:bgPr>
         <a:solidFill>
-          <a:srgbClr val="ffffff"/>
+          <a:srgbClr val="FFFFFF"/>
         </a:solidFill>
+        <a:effectLst/>
       </p:bgPr>
     </p:bg>
     <p:spTree>
@@ -2469,7 +3007,7 @@
           <p:nvPr/>
         </p:nvPicPr>
         <p:blipFill>
-          <a:blip r:embed="rId1"/>
+          <a:blip r:embed="rId2"/>
           <a:stretch/>
         </p:blipFill>
         <p:spPr>
@@ -2505,22 +3043,29 @@
           </a:ln>
         </p:spPr>
         <p:style>
-          <a:lnRef idx="0"/>
-          <a:fillRef idx="0"/>
-          <a:effectRef idx="0"/>
+          <a:lnRef idx="0">
+            <a:scrgbClr r="0" g="0" b="0"/>
+          </a:lnRef>
+          <a:fillRef idx="0">
+            <a:scrgbClr r="0" g="0" b="0"/>
+          </a:fillRef>
+          <a:effectRef idx="0">
+            <a:scrgbClr r="0" g="0" b="0"/>
+          </a:effectRef>
           <a:fontRef idx="minor"/>
         </p:style>
         <p:txBody>
-          <a:bodyPr lIns="90000" rIns="90000" tIns="45000" bIns="45000">
+          <a:bodyPr lIns="90000" tIns="45000" rIns="90000" bIns="45000">
             <a:spAutoFit/>
           </a:bodyPr>
+          <a:lstStyle/>
           <a:p>
             <a:pPr>
               <a:lnSpc>
                 <a:spcPct val="100000"/>
               </a:lnSpc>
             </a:pPr>
-            <a:endParaRPr b="0" lang="pt-BR" sz="1800" spc="-1" strike="noStrike">
+            <a:endParaRPr lang="pt-BR" sz="1800" b="0" strike="noStrike" spc="-1">
               <a:latin typeface="Arial"/>
             </a:endParaRPr>
           </a:p>
@@ -2530,7 +3075,7 @@
                 <a:spcPct val="100000"/>
               </a:lnSpc>
             </a:pPr>
-            <a:endParaRPr b="0" lang="pt-BR" sz="1800" spc="-1" strike="noStrike">
+            <a:endParaRPr lang="pt-BR" sz="1800" b="0" strike="noStrike" spc="-1">
               <a:latin typeface="Arial"/>
             </a:endParaRPr>
           </a:p>
@@ -2556,15 +3101,22 @@
           </a:ln>
         </p:spPr>
         <p:style>
-          <a:lnRef idx="0"/>
-          <a:fillRef idx="0"/>
-          <a:effectRef idx="0"/>
+          <a:lnRef idx="0">
+            <a:scrgbClr r="0" g="0" b="0"/>
+          </a:lnRef>
+          <a:fillRef idx="0">
+            <a:scrgbClr r="0" g="0" b="0"/>
+          </a:fillRef>
+          <a:effectRef idx="0">
+            <a:scrgbClr r="0" g="0" b="0"/>
+          </a:effectRef>
           <a:fontRef idx="minor"/>
         </p:style>
         <p:txBody>
-          <a:bodyPr lIns="90000" rIns="90000" tIns="91440" bIns="91440">
+          <a:bodyPr lIns="90000" tIns="91440" rIns="90000" bIns="91440">
             <a:noAutofit/>
           </a:bodyPr>
+          <a:lstStyle/>
           <a:p>
             <a:pPr algn="ctr">
               <a:lnSpc>
@@ -2572,16 +3124,16 @@
               </a:lnSpc>
             </a:pPr>
             <a:r>
-              <a:rPr b="1" lang="pt-BR" sz="4400" spc="-1" strike="noStrike">
+              <a:rPr lang="pt-BR" sz="4400" b="1" strike="noStrike" spc="-1">
                 <a:solidFill>
-                  <a:srgbClr val="ffffff"/>
+                  <a:srgbClr val="FFFFFF"/>
                 </a:solidFill>
                 <a:latin typeface="等线 Light"/>
                 <a:ea typeface="DejaVu Sans"/>
               </a:rPr>
               <a:t>Agradecimentos</a:t>
             </a:r>
-            <a:endParaRPr b="0" lang="pt-BR" sz="4400" spc="-1" strike="noStrike">
+            <a:endParaRPr lang="pt-BR" sz="4400" b="0" strike="noStrike" spc="-1">
               <a:latin typeface="Arial"/>
             </a:endParaRPr>
           </a:p>
@@ -2607,35 +3159,42 @@
           </a:ln>
         </p:spPr>
         <p:style>
-          <a:lnRef idx="0"/>
-          <a:fillRef idx="0"/>
-          <a:effectRef idx="0"/>
+          <a:lnRef idx="0">
+            <a:scrgbClr r="0" g="0" b="0"/>
+          </a:lnRef>
+          <a:fillRef idx="0">
+            <a:scrgbClr r="0" g="0" b="0"/>
+          </a:fillRef>
+          <a:effectRef idx="0">
+            <a:scrgbClr r="0" g="0" b="0"/>
+          </a:effectRef>
           <a:fontRef idx="minor"/>
         </p:style>
         <p:txBody>
-          <a:bodyPr lIns="90000" rIns="90000" tIns="91440" bIns="91440">
+          <a:bodyPr lIns="90000" tIns="91440" rIns="90000" bIns="91440">
             <a:noAutofit/>
           </a:bodyPr>
+          <a:lstStyle/>
           <a:p>
             <a:pPr algn="ctr">
               <a:lnSpc>
                 <a:spcPct val="90000"/>
               </a:lnSpc>
               <a:tabLst>
-                <a:tab algn="l" pos="0"/>
+                <a:tab pos="0" algn="l"/>
               </a:tabLst>
             </a:pPr>
             <a:r>
-              <a:rPr b="0" lang="pt-BR" sz="2800" spc="-1" strike="noStrike">
+              <a:rPr lang="pt-BR" sz="2800" b="0" strike="noStrike" spc="-1">
                 <a:solidFill>
-                  <a:srgbClr val="ffffff"/>
+                  <a:srgbClr val="FFFFFF"/>
                 </a:solidFill>
                 <a:latin typeface="Barlow Semi Condensed"/>
                 <a:ea typeface="Barlow Semi Condensed"/>
               </a:rPr>
               <a:t>Gostaríamos de agradecer à nossa equipe pelo empenho no desenvolvimento do nosso projeto. </a:t>
             </a:r>
-            <a:endParaRPr b="0" lang="pt-BR" sz="2800" spc="-1" strike="noStrike">
+            <a:endParaRPr lang="pt-BR" sz="2800" b="0" strike="noStrike" spc="-1">
               <a:latin typeface="Arial"/>
             </a:endParaRPr>
           </a:p>
@@ -2645,20 +3204,20 @@
                 <a:spcPct val="90000"/>
               </a:lnSpc>
               <a:tabLst>
-                <a:tab algn="l" pos="0"/>
+                <a:tab pos="0" algn="l"/>
               </a:tabLst>
             </a:pPr>
             <a:r>
-              <a:rPr b="0" lang="pt-BR" sz="2800" spc="-1" strike="noStrike">
+              <a:rPr lang="pt-BR" sz="2800" b="0" strike="noStrike" spc="-1">
                 <a:solidFill>
-                  <a:srgbClr val="ffffff"/>
+                  <a:srgbClr val="FFFFFF"/>
                 </a:solidFill>
                 <a:latin typeface="思源黑体 CN Light"/>
                 <a:ea typeface="Barlow Semi Condensed"/>
               </a:rPr>
               <a:t>Ao nosso cliente, pela confiança em nosso trabalho.</a:t>
             </a:r>
-            <a:endParaRPr b="0" lang="pt-BR" sz="2800" spc="-1" strike="noStrike">
+            <a:endParaRPr lang="pt-BR" sz="2800" b="0" strike="noStrike" spc="-1">
               <a:latin typeface="Arial"/>
             </a:endParaRPr>
           </a:p>
@@ -2668,13 +3227,13 @@
                 <a:spcPct val="90000"/>
               </a:lnSpc>
               <a:tabLst>
-                <a:tab algn="l" pos="0"/>
+                <a:tab pos="0" algn="l"/>
               </a:tabLst>
             </a:pPr>
             <a:r>
-              <a:rPr b="0" lang="pt-BR" sz="2800" spc="-1" strike="noStrike">
+              <a:rPr lang="pt-BR" sz="2800" b="0" strike="noStrike" spc="-1">
                 <a:solidFill>
-                  <a:srgbClr val="ffffff"/>
+                  <a:srgbClr val="FFFFFF"/>
                 </a:solidFill>
                 <a:latin typeface="Barlow Semi Condensed"/>
                 <a:ea typeface="Barlow Semi Condensed"/>
@@ -2682,16 +3241,16 @@
               <a:t>Aos p</a:t>
             </a:r>
             <a:r>
-              <a:rPr b="0" lang="pt-BR" sz="2800" spc="-1" strike="noStrike">
+              <a:rPr lang="pt-BR" sz="2800" b="0" strike="noStrike" spc="-1">
                 <a:solidFill>
-                  <a:srgbClr val="ffffff"/>
+                  <a:srgbClr val="FFFFFF"/>
                 </a:solidFill>
                 <a:latin typeface="思源黑体 CN Light"/>
                 <a:ea typeface="Barlow Semi Condensed"/>
               </a:rPr>
               <a:t>rofessores por todo apoio e conhecimento.</a:t>
             </a:r>
-            <a:endParaRPr b="0" lang="pt-BR" sz="2800" spc="-1" strike="noStrike">
+            <a:endParaRPr lang="pt-BR" sz="2800" b="0" strike="noStrike" spc="-1">
               <a:latin typeface="Arial"/>
             </a:endParaRPr>
           </a:p>
@@ -2704,7 +3263,7 @@
           <p:nvPr/>
         </p:nvPicPr>
         <p:blipFill>
-          <a:blip r:embed="rId2"/>
+          <a:blip r:embed="rId3"/>
           <a:stretch/>
         </p:blipFill>
         <p:spPr>
@@ -2727,7 +3286,7 @@
           <p:nvPr/>
         </p:nvPicPr>
         <p:blipFill>
-          <a:blip r:embed="rId3"/>
+          <a:blip r:embed="rId4"/>
           <a:stretch/>
         </p:blipFill>
         <p:spPr>
@@ -2750,7 +3309,7 @@
           <p:nvPr/>
         </p:nvPicPr>
         <p:blipFill>
-          <a:blip r:embed="rId4"/>
+          <a:blip r:embed="rId5"/>
           <a:stretch/>
         </p:blipFill>
         <p:spPr>
@@ -2773,7 +3332,7 @@
           <p:nvPr/>
         </p:nvPicPr>
         <p:blipFill>
-          <a:blip r:embed="rId5"/>
+          <a:blip r:embed="rId6"/>
           <a:stretch/>
         </p:blipFill>
         <p:spPr>
@@ -2791,28 +3350,24 @@
       </p:pic>
     </p:spTree>
   </p:cSld>
-  <mc:AlternateContent>
-    <mc:Choice Requires="p14">
-      <p:transition spd="slow" p14:dur="2000"/>
-    </mc:Choice>
-    <mc:Fallback>
-      <p:transition spd="slow"/>
-    </mc:Fallback>
-  </mc:AlternateContent>
+  <p:clrMapOvr>
+    <a:masterClrMapping/>
+  </p:clrMapOvr>
 </p:sld>
 </file>
 
 <file path=ppt/slides/slide2.xml><?xml version="1.0" encoding="utf-8"?>
-<p:sld xmlns:a="http://schemas.openxmlformats.org/drawingml/2006/main" xmlns:p="http://schemas.openxmlformats.org/presentationml/2006/main" xmlns:r="http://schemas.openxmlformats.org/officeDocument/2006/relationships" xmlns:p14="http://schemas.microsoft.com/office/powerpoint/2010/main" xmlns:p15="http://schemas.microsoft.com/office/powerpoint/2012/main" xmlns:mc="http://schemas.openxmlformats.org/markup-compatibility/2006">
+<p:sld xmlns:a="http://schemas.openxmlformats.org/drawingml/2006/main" xmlns:r="http://schemas.openxmlformats.org/officeDocument/2006/relationships" xmlns:p="http://schemas.openxmlformats.org/presentationml/2006/main">
   <p:cSld>
     <p:bg>
       <p:bgPr>
         <a:blipFill rotWithShape="0">
-          <a:blip r:embed="rId1"/>
+          <a:blip r:embed="rId2"/>
           <a:stretch>
             <a:fillRect/>
           </a:stretch>
         </a:blipFill>
+        <a:effectLst/>
       </p:bgPr>
     </p:bg>
     <p:spTree>
@@ -2849,15 +3404,22 @@
           </a:ln>
         </p:spPr>
         <p:style>
-          <a:lnRef idx="0"/>
-          <a:fillRef idx="0"/>
-          <a:effectRef idx="0"/>
+          <a:lnRef idx="0">
+            <a:scrgbClr r="0" g="0" b="0"/>
+          </a:lnRef>
+          <a:fillRef idx="0">
+            <a:scrgbClr r="0" g="0" b="0"/>
+          </a:fillRef>
+          <a:effectRef idx="0">
+            <a:scrgbClr r="0" g="0" b="0"/>
+          </a:effectRef>
           <a:fontRef idx="minor"/>
         </p:style>
         <p:txBody>
-          <a:bodyPr lIns="90000" rIns="90000" tIns="45000" bIns="45000">
+          <a:bodyPr lIns="90000" tIns="45000" rIns="90000" bIns="45000">
             <a:spAutoFit/>
           </a:bodyPr>
+          <a:lstStyle/>
           <a:p>
             <a:pPr>
               <a:lnSpc>
@@ -2865,16 +3427,16 @@
               </a:lnSpc>
             </a:pPr>
             <a:r>
-              <a:rPr b="1" lang="pt-BR" sz="1800" spc="-1" strike="noStrike">
+              <a:rPr lang="pt-BR" sz="1800" b="1" strike="noStrike" spc="-1">
                 <a:solidFill>
-                  <a:srgbClr val="ffffff"/>
+                  <a:srgbClr val="FFFFFF"/>
                 </a:solidFill>
                 <a:latin typeface="思源黑体 CN Bold"/>
                 <a:ea typeface="思源黑体 CN Bold"/>
               </a:rPr>
               <a:t>Jaciana Resende</a:t>
             </a:r>
-            <a:endParaRPr b="0" lang="pt-BR" sz="1800" spc="-1" strike="noStrike">
+            <a:endParaRPr lang="pt-BR" sz="1800" b="0" strike="noStrike" spc="-1">
               <a:latin typeface="Arial"/>
             </a:endParaRPr>
           </a:p>
@@ -2900,15 +3462,22 @@
           </a:ln>
         </p:spPr>
         <p:style>
-          <a:lnRef idx="0"/>
-          <a:fillRef idx="0"/>
-          <a:effectRef idx="0"/>
+          <a:lnRef idx="0">
+            <a:scrgbClr r="0" g="0" b="0"/>
+          </a:lnRef>
+          <a:fillRef idx="0">
+            <a:scrgbClr r="0" g="0" b="0"/>
+          </a:fillRef>
+          <a:effectRef idx="0">
+            <a:scrgbClr r="0" g="0" b="0"/>
+          </a:effectRef>
           <a:fontRef idx="minor"/>
         </p:style>
         <p:txBody>
-          <a:bodyPr lIns="90000" rIns="90000" tIns="45000" bIns="45000">
+          <a:bodyPr lIns="90000" tIns="45000" rIns="90000" bIns="45000">
             <a:spAutoFit/>
           </a:bodyPr>
+          <a:lstStyle/>
           <a:p>
             <a:pPr>
               <a:lnSpc>
@@ -2916,16 +3485,16 @@
               </a:lnSpc>
             </a:pPr>
             <a:r>
-              <a:rPr b="1" lang="pt-BR" sz="1800" spc="-1" strike="noStrike">
+              <a:rPr lang="pt-BR" sz="1800" b="1" strike="noStrike" spc="-1">
                 <a:solidFill>
-                  <a:srgbClr val="ffffff"/>
+                  <a:srgbClr val="FFFFFF"/>
                 </a:solidFill>
                 <a:latin typeface="思源黑体 CN Bold"/>
                 <a:ea typeface="思源黑体 CN Bold"/>
               </a:rPr>
               <a:t>Luiz Felipe</a:t>
             </a:r>
-            <a:endParaRPr b="0" lang="pt-BR" sz="1800" spc="-1" strike="noStrike">
+            <a:endParaRPr lang="pt-BR" sz="1800" b="0" strike="noStrike" spc="-1">
               <a:latin typeface="Arial"/>
             </a:endParaRPr>
           </a:p>
@@ -2951,15 +3520,22 @@
           </a:ln>
         </p:spPr>
         <p:style>
-          <a:lnRef idx="0"/>
-          <a:fillRef idx="0"/>
-          <a:effectRef idx="0"/>
+          <a:lnRef idx="0">
+            <a:scrgbClr r="0" g="0" b="0"/>
+          </a:lnRef>
+          <a:fillRef idx="0">
+            <a:scrgbClr r="0" g="0" b="0"/>
+          </a:fillRef>
+          <a:effectRef idx="0">
+            <a:scrgbClr r="0" g="0" b="0"/>
+          </a:effectRef>
           <a:fontRef idx="minor"/>
         </p:style>
         <p:txBody>
-          <a:bodyPr lIns="90000" rIns="90000" tIns="45000" bIns="45000">
+          <a:bodyPr lIns="90000" tIns="45000" rIns="90000" bIns="45000">
             <a:spAutoFit/>
           </a:bodyPr>
+          <a:lstStyle/>
           <a:p>
             <a:pPr>
               <a:lnSpc>
@@ -2967,16 +3543,16 @@
               </a:lnSpc>
             </a:pPr>
             <a:r>
-              <a:rPr b="1" lang="pt-BR" sz="1800" spc="-1" strike="noStrike">
+              <a:rPr lang="pt-BR" sz="1800" b="1" strike="noStrike" spc="-1">
                 <a:solidFill>
-                  <a:srgbClr val="ffffff"/>
+                  <a:srgbClr val="FFFFFF"/>
                 </a:solidFill>
                 <a:latin typeface="思源黑体 CN Bold"/>
                 <a:ea typeface="思源黑体 CN Bold"/>
               </a:rPr>
               <a:t>Lucas Soares</a:t>
             </a:r>
-            <a:endParaRPr b="0" lang="pt-BR" sz="1800" spc="-1" strike="noStrike">
+            <a:endParaRPr lang="pt-BR" sz="1800" b="0" strike="noStrike" spc="-1">
               <a:latin typeface="Arial"/>
             </a:endParaRPr>
           </a:p>
@@ -3002,15 +3578,22 @@
           </a:ln>
         </p:spPr>
         <p:style>
-          <a:lnRef idx="0"/>
-          <a:fillRef idx="0"/>
-          <a:effectRef idx="0"/>
+          <a:lnRef idx="0">
+            <a:scrgbClr r="0" g="0" b="0"/>
+          </a:lnRef>
+          <a:fillRef idx="0">
+            <a:scrgbClr r="0" g="0" b="0"/>
+          </a:fillRef>
+          <a:effectRef idx="0">
+            <a:scrgbClr r="0" g="0" b="0"/>
+          </a:effectRef>
           <a:fontRef idx="minor"/>
         </p:style>
         <p:txBody>
-          <a:bodyPr lIns="90000" rIns="90000" tIns="45000" bIns="45000">
+          <a:bodyPr lIns="90000" tIns="45000" rIns="90000" bIns="45000">
             <a:spAutoFit/>
           </a:bodyPr>
+          <a:lstStyle/>
           <a:p>
             <a:pPr>
               <a:lnSpc>
@@ -3018,16 +3601,16 @@
               </a:lnSpc>
             </a:pPr>
             <a:r>
-              <a:rPr b="1" lang="pt-BR" sz="1800" spc="-1" strike="noStrike">
+              <a:rPr lang="pt-BR" sz="1800" b="1" strike="noStrike" spc="-1">
                 <a:solidFill>
-                  <a:srgbClr val="ffffff"/>
+                  <a:srgbClr val="FFFFFF"/>
                 </a:solidFill>
                 <a:latin typeface="思源黑体 CN Bold"/>
                 <a:ea typeface="思源黑体 CN Bold"/>
               </a:rPr>
               <a:t>Maryanna </a:t>
             </a:r>
-            <a:endParaRPr b="0" lang="pt-BR" sz="1800" spc="-1" strike="noStrike">
+            <a:endParaRPr lang="pt-BR" sz="1800" b="0" strike="noStrike" spc="-1">
               <a:latin typeface="Arial"/>
             </a:endParaRPr>
           </a:p>
@@ -3053,15 +3636,22 @@
           </a:ln>
         </p:spPr>
         <p:style>
-          <a:lnRef idx="0"/>
-          <a:fillRef idx="0"/>
-          <a:effectRef idx="0"/>
+          <a:lnRef idx="0">
+            <a:scrgbClr r="0" g="0" b="0"/>
+          </a:lnRef>
+          <a:fillRef idx="0">
+            <a:scrgbClr r="0" g="0" b="0"/>
+          </a:fillRef>
+          <a:effectRef idx="0">
+            <a:scrgbClr r="0" g="0" b="0"/>
+          </a:effectRef>
           <a:fontRef idx="minor"/>
         </p:style>
         <p:txBody>
-          <a:bodyPr lIns="90000" rIns="90000" tIns="45000" bIns="45000">
+          <a:bodyPr lIns="90000" tIns="45000" rIns="90000" bIns="45000">
             <a:spAutoFit/>
           </a:bodyPr>
+          <a:lstStyle/>
           <a:p>
             <a:pPr>
               <a:lnSpc>
@@ -3069,16 +3659,16 @@
               </a:lnSpc>
             </a:pPr>
             <a:r>
-              <a:rPr b="1" lang="pt-BR" sz="1800" spc="-1" strike="noStrike">
+              <a:rPr lang="pt-BR" sz="1800" b="1" strike="noStrike" spc="-1">
                 <a:solidFill>
-                  <a:srgbClr val="ffffff"/>
+                  <a:srgbClr val="FFFFFF"/>
                 </a:solidFill>
                 <a:latin typeface="思源黑体 CN Bold"/>
                 <a:ea typeface="思源黑体 CN Bold"/>
               </a:rPr>
               <a:t>Rafael Sampaio</a:t>
             </a:r>
-            <a:endParaRPr b="0" lang="pt-BR" sz="1800" spc="-1" strike="noStrike">
+            <a:endParaRPr lang="pt-BR" sz="1800" b="0" strike="noStrike" spc="-1">
               <a:latin typeface="Arial"/>
             </a:endParaRPr>
           </a:p>
@@ -3104,15 +3694,22 @@
           </a:ln>
         </p:spPr>
         <p:style>
-          <a:lnRef idx="0"/>
-          <a:fillRef idx="0"/>
-          <a:effectRef idx="0"/>
+          <a:lnRef idx="0">
+            <a:scrgbClr r="0" g="0" b="0"/>
+          </a:lnRef>
+          <a:fillRef idx="0">
+            <a:scrgbClr r="0" g="0" b="0"/>
+          </a:fillRef>
+          <a:effectRef idx="0">
+            <a:scrgbClr r="0" g="0" b="0"/>
+          </a:effectRef>
           <a:fontRef idx="minor"/>
         </p:style>
         <p:txBody>
-          <a:bodyPr lIns="90000" rIns="90000" tIns="45000" bIns="45000">
+          <a:bodyPr lIns="90000" tIns="45000" rIns="90000" bIns="45000">
             <a:spAutoFit/>
           </a:bodyPr>
+          <a:lstStyle/>
           <a:p>
             <a:pPr>
               <a:lnSpc>
@@ -3120,9 +3717,9 @@
               </a:lnSpc>
             </a:pPr>
             <a:r>
-              <a:rPr b="1" lang="pt-BR" sz="1800" spc="-1" strike="noStrike">
+              <a:rPr lang="pt-BR" sz="1800" b="1" strike="noStrike" spc="-1">
                 <a:solidFill>
-                  <a:srgbClr val="ffffff"/>
+                  <a:srgbClr val="FFFFFF"/>
                 </a:solidFill>
                 <a:latin typeface="思源黑体 CN Bold"/>
                 <a:ea typeface="思源黑体 CN Bold"/>
@@ -3130,16 +3727,16 @@
               <a:t>Samuel</a:t>
             </a:r>
             <a:r>
-              <a:rPr b="0" lang="pt-BR" sz="1800" spc="-1" strike="noStrike">
+              <a:rPr lang="pt-BR" sz="1800" b="0" strike="noStrike" spc="-1">
                 <a:solidFill>
-                  <a:srgbClr val="ffffff"/>
+                  <a:srgbClr val="FFFFFF"/>
                 </a:solidFill>
                 <a:latin typeface="思源黑体 CN Bold"/>
                 <a:ea typeface="思源黑体 CN Bold"/>
               </a:rPr>
               <a:t> </a:t>
             </a:r>
-            <a:endParaRPr b="0" lang="pt-BR" sz="1800" spc="-1" strike="noStrike">
+            <a:endParaRPr lang="pt-BR" sz="1800" b="0" strike="noStrike" spc="-1">
               <a:latin typeface="Arial"/>
             </a:endParaRPr>
           </a:p>
@@ -3165,15 +3762,22 @@
           </a:ln>
         </p:spPr>
         <p:style>
-          <a:lnRef idx="0"/>
-          <a:fillRef idx="0"/>
-          <a:effectRef idx="0"/>
+          <a:lnRef idx="0">
+            <a:scrgbClr r="0" g="0" b="0"/>
+          </a:lnRef>
+          <a:fillRef idx="0">
+            <a:scrgbClr r="0" g="0" b="0"/>
+          </a:fillRef>
+          <a:effectRef idx="0">
+            <a:scrgbClr r="0" g="0" b="0"/>
+          </a:effectRef>
           <a:fontRef idx="minor"/>
         </p:style>
         <p:txBody>
-          <a:bodyPr lIns="90000" rIns="90000" tIns="45000" bIns="45000">
+          <a:bodyPr lIns="90000" tIns="45000" rIns="90000" bIns="45000">
             <a:spAutoFit/>
           </a:bodyPr>
+          <a:lstStyle/>
           <a:p>
             <a:pPr>
               <a:lnSpc>
@@ -3181,16 +3785,16 @@
               </a:lnSpc>
             </a:pPr>
             <a:r>
-              <a:rPr b="1" lang="pt-BR" sz="3600" spc="-1" strike="noStrike">
+              <a:rPr lang="pt-BR" sz="3600" b="1" strike="noStrike" spc="-1">
                 <a:solidFill>
-                  <a:srgbClr val="ffffff"/>
+                  <a:srgbClr val="FFFFFF"/>
                 </a:solidFill>
                 <a:latin typeface="思源黑体 CN Light"/>
                 <a:ea typeface="DejaVu Sans"/>
               </a:rPr>
               <a:t>Grupo 9</a:t>
             </a:r>
-            <a:endParaRPr b="0" lang="pt-BR" sz="3600" spc="-1" strike="noStrike">
+            <a:endParaRPr lang="pt-BR" sz="3600" b="0" strike="noStrike" spc="-1">
               <a:latin typeface="Arial"/>
             </a:endParaRPr>
           </a:p>
@@ -3198,25 +3802,21 @@
       </p:sp>
     </p:spTree>
   </p:cSld>
-  <mc:AlternateContent>
-    <mc:Choice Requires="p14">
-      <p:transition spd="slow" p14:dur="2000"/>
-    </mc:Choice>
-    <mc:Fallback>
-      <p:transition spd="slow"/>
-    </mc:Fallback>
-  </mc:AlternateContent>
+  <p:clrMapOvr>
+    <a:masterClrMapping/>
+  </p:clrMapOvr>
 </p:sld>
 </file>
 
 <file path=ppt/slides/slide3.xml><?xml version="1.0" encoding="utf-8"?>
-<p:sld xmlns:a="http://schemas.openxmlformats.org/drawingml/2006/main" xmlns:p="http://schemas.openxmlformats.org/presentationml/2006/main" xmlns:r="http://schemas.openxmlformats.org/officeDocument/2006/relationships" xmlns:p14="http://schemas.microsoft.com/office/powerpoint/2010/main" xmlns:p15="http://schemas.microsoft.com/office/powerpoint/2012/main" xmlns:mc="http://schemas.openxmlformats.org/markup-compatibility/2006">
+<p:sld xmlns:a="http://schemas.openxmlformats.org/drawingml/2006/main" xmlns:r="http://schemas.openxmlformats.org/officeDocument/2006/relationships" xmlns:p="http://schemas.openxmlformats.org/presentationml/2006/main">
   <p:cSld>
     <p:bg>
       <p:bgPr>
         <a:solidFill>
-          <a:srgbClr val="ffffff"/>
+          <a:srgbClr val="FFFFFF"/>
         </a:solidFill>
+        <a:effectLst/>
       </p:bgPr>
     </p:bg>
     <p:spTree>
@@ -3235,20 +3835,261 @@
       </p:grpSpPr>
       <p:sp>
         <p:nvSpPr>
-          <p:cNvPr id="48" name="CustomShape 1"/>
+          <p:cNvPr id="49" name="CustomShape 2"/>
           <p:cNvSpPr/>
           <p:nvPr/>
         </p:nvSpPr>
         <p:spPr>
           <a:xfrm>
-            <a:off x="1329840" y="1940040"/>
-            <a:ext cx="542160" cy="567720"/>
+            <a:off x="1944000" y="2093026"/>
+            <a:ext cx="1641960" cy="274320"/>
+          </a:xfrm>
+          <a:prstGeom prst="rect">
+            <a:avLst/>
+          </a:prstGeom>
+          <a:noFill/>
+          <a:ln>
+            <a:noFill/>
+          </a:ln>
+        </p:spPr>
+        <p:style>
+          <a:lnRef idx="0">
+            <a:scrgbClr r="0" g="0" b="0"/>
+          </a:lnRef>
+          <a:fillRef idx="0">
+            <a:scrgbClr r="0" g="0" b="0"/>
+          </a:fillRef>
+          <a:effectRef idx="0">
+            <a:scrgbClr r="0" g="0" b="0"/>
+          </a:effectRef>
+          <a:fontRef idx="minor"/>
+        </p:style>
+        <p:txBody>
+          <a:bodyPr lIns="0" tIns="0" rIns="0" bIns="0">
+            <a:spAutoFit/>
+          </a:bodyPr>
+          <a:lstStyle/>
+          <a:p>
+            <a:pPr>
+              <a:lnSpc>
+                <a:spcPct val="100000"/>
+              </a:lnSpc>
+            </a:pPr>
+            <a:r>
+              <a:rPr lang="pt-BR" sz="1800" b="0" strike="noStrike" spc="-1" dirty="0">
+                <a:solidFill>
+                  <a:srgbClr val="595959"/>
+                </a:solidFill>
+                <a:latin typeface="思源黑体 CN Bold"/>
+                <a:ea typeface="思源黑体 CN Bold"/>
+              </a:rPr>
+              <a:t>Apresentação</a:t>
+            </a:r>
+            <a:endParaRPr lang="pt-BR" sz="1800" b="0" strike="noStrike" spc="-1" dirty="0">
+              <a:latin typeface="Arial"/>
+            </a:endParaRPr>
+          </a:p>
+        </p:txBody>
+      </p:sp>
+      <p:sp>
+        <p:nvSpPr>
+          <p:cNvPr id="50" name="CustomShape 3"/>
+          <p:cNvSpPr/>
+          <p:nvPr/>
+        </p:nvSpPr>
+        <p:spPr>
+          <a:xfrm>
+            <a:off x="1944000" y="2859840"/>
+            <a:ext cx="1310400" cy="274320"/>
+          </a:xfrm>
+          <a:prstGeom prst="rect">
+            <a:avLst/>
+          </a:prstGeom>
+          <a:noFill/>
+          <a:ln>
+            <a:noFill/>
+          </a:ln>
+        </p:spPr>
+        <p:style>
+          <a:lnRef idx="0">
+            <a:scrgbClr r="0" g="0" b="0"/>
+          </a:lnRef>
+          <a:fillRef idx="0">
+            <a:scrgbClr r="0" g="0" b="0"/>
+          </a:fillRef>
+          <a:effectRef idx="0">
+            <a:scrgbClr r="0" g="0" b="0"/>
+          </a:effectRef>
+          <a:fontRef idx="minor"/>
+        </p:style>
+        <p:txBody>
+          <a:bodyPr lIns="0" tIns="0" rIns="0" bIns="0">
+            <a:spAutoFit/>
+          </a:bodyPr>
+          <a:lstStyle/>
+          <a:p>
+            <a:pPr>
+              <a:lnSpc>
+                <a:spcPct val="100000"/>
+              </a:lnSpc>
+            </a:pPr>
+            <a:r>
+              <a:rPr lang="pt-BR" sz="1800" b="0" strike="noStrike" spc="-1" dirty="0">
+                <a:solidFill>
+                  <a:srgbClr val="595959"/>
+                </a:solidFill>
+                <a:latin typeface="思源黑体 CN Bold"/>
+                <a:ea typeface="思源黑体 CN Bold"/>
+              </a:rPr>
+              <a:t>Contexto</a:t>
+            </a:r>
+            <a:endParaRPr lang="pt-BR" sz="1800" b="0" strike="noStrike" spc="-1" dirty="0">
+              <a:latin typeface="Arial"/>
+            </a:endParaRPr>
+          </a:p>
+        </p:txBody>
+      </p:sp>
+      <p:sp>
+        <p:nvSpPr>
+          <p:cNvPr id="51" name="CustomShape 4"/>
+          <p:cNvSpPr/>
+          <p:nvPr/>
+        </p:nvSpPr>
+        <p:spPr>
+          <a:xfrm>
+            <a:off x="1944000" y="3620146"/>
+            <a:ext cx="2108880" cy="274320"/>
+          </a:xfrm>
+          <a:prstGeom prst="rect">
+            <a:avLst/>
+          </a:prstGeom>
+          <a:noFill/>
+          <a:ln>
+            <a:noFill/>
+          </a:ln>
+        </p:spPr>
+        <p:style>
+          <a:lnRef idx="0">
+            <a:scrgbClr r="0" g="0" b="0"/>
+          </a:lnRef>
+          <a:fillRef idx="0">
+            <a:scrgbClr r="0" g="0" b="0"/>
+          </a:fillRef>
+          <a:effectRef idx="0">
+            <a:scrgbClr r="0" g="0" b="0"/>
+          </a:effectRef>
+          <a:fontRef idx="minor"/>
+        </p:style>
+        <p:txBody>
+          <a:bodyPr lIns="0" tIns="0" rIns="0" bIns="0">
+            <a:spAutoFit/>
+          </a:bodyPr>
+          <a:lstStyle/>
+          <a:p>
+            <a:pPr>
+              <a:lnSpc>
+                <a:spcPct val="100000"/>
+              </a:lnSpc>
+            </a:pPr>
+            <a:r>
+              <a:rPr lang="pt-BR" sz="1800" b="0" strike="noStrike" spc="-1" dirty="0" err="1">
+                <a:solidFill>
+                  <a:srgbClr val="595959"/>
+                </a:solidFill>
+                <a:latin typeface="思源黑体 CN Bold"/>
+                <a:ea typeface="思源黑体 CN Bold"/>
+              </a:rPr>
+              <a:t>Product</a:t>
+            </a:r>
+            <a:r>
+              <a:rPr lang="pt-BR" sz="1800" b="0" strike="noStrike" spc="-1" dirty="0">
+                <a:solidFill>
+                  <a:srgbClr val="595959"/>
+                </a:solidFill>
+                <a:latin typeface="思源黑体 CN Bold"/>
+                <a:ea typeface="思源黑体 CN Bold"/>
+              </a:rPr>
+              <a:t> Backlog</a:t>
+            </a:r>
+            <a:endParaRPr lang="pt-BR" sz="1800" b="0" strike="noStrike" spc="-1" dirty="0">
+              <a:latin typeface="Arial"/>
+            </a:endParaRPr>
+          </a:p>
+        </p:txBody>
+      </p:sp>
+      <p:sp>
+        <p:nvSpPr>
+          <p:cNvPr id="52" name="CustomShape 5"/>
+          <p:cNvSpPr/>
+          <p:nvPr/>
+        </p:nvSpPr>
+        <p:spPr>
+          <a:xfrm>
+            <a:off x="5126400" y="657416"/>
+            <a:ext cx="1606320" cy="552544"/>
+          </a:xfrm>
+          <a:prstGeom prst="rect">
+            <a:avLst/>
+          </a:prstGeom>
+          <a:noFill/>
+          <a:ln>
+            <a:noFill/>
+          </a:ln>
+        </p:spPr>
+        <p:style>
+          <a:lnRef idx="0">
+            <a:scrgbClr r="0" g="0" b="0"/>
+          </a:lnRef>
+          <a:fillRef idx="0">
+            <a:scrgbClr r="0" g="0" b="0"/>
+          </a:fillRef>
+          <a:effectRef idx="0">
+            <a:scrgbClr r="0" g="0" b="0"/>
+          </a:effectRef>
+          <a:fontRef idx="minor"/>
+        </p:style>
+        <p:txBody>
+          <a:bodyPr wrap="square" lIns="90000" tIns="45000" rIns="90000" bIns="45000">
+            <a:spAutoFit/>
+          </a:bodyPr>
+          <a:lstStyle/>
+          <a:p>
+            <a:pPr>
+              <a:lnSpc>
+                <a:spcPct val="100000"/>
+              </a:lnSpc>
+            </a:pPr>
+            <a:r>
+              <a:rPr lang="pt-BR" sz="3000" cap="all" spc="-1" dirty="0">
+                <a:solidFill>
+                  <a:srgbClr val="000000"/>
+                </a:solidFill>
+                <a:latin typeface="思源黑体 CN Medium"/>
+              </a:rPr>
+              <a:t>agenda</a:t>
+            </a:r>
+            <a:endParaRPr lang="pt-BR" sz="3000" b="0" strike="noStrike" spc="-1" dirty="0">
+              <a:latin typeface="Arial"/>
+            </a:endParaRPr>
+          </a:p>
+        </p:txBody>
+      </p:sp>
+      <p:sp>
+        <p:nvSpPr>
+          <p:cNvPr id="54" name="CustomShape 7"/>
+          <p:cNvSpPr/>
+          <p:nvPr/>
+        </p:nvSpPr>
+        <p:spPr>
+          <a:xfrm>
+            <a:off x="1215858" y="1946326"/>
+            <a:ext cx="555120" cy="567720"/>
           </a:xfrm>
           <a:prstGeom prst="rect">
             <a:avLst/>
           </a:prstGeom>
           <a:solidFill>
-            <a:srgbClr val="2f50a1"/>
+            <a:srgbClr val="2F50A1"/>
           </a:solidFill>
           <a:ln>
             <a:noFill/>
@@ -3271,14 +4112,14 @@
       </p:sp>
       <p:sp>
         <p:nvSpPr>
-          <p:cNvPr id="49" name="CustomShape 2"/>
+          <p:cNvPr id="60" name="CustomShape 13"/>
           <p:cNvSpPr/>
           <p:nvPr/>
         </p:nvSpPr>
         <p:spPr>
           <a:xfrm>
-            <a:off x="1972080" y="2096280"/>
-            <a:ext cx="1641960" cy="274320"/>
+            <a:off x="1215858" y="2028552"/>
+            <a:ext cx="555120" cy="460211"/>
           </a:xfrm>
           <a:prstGeom prst="rect">
             <a:avLst/>
@@ -3289,15 +4130,22 @@
           </a:ln>
         </p:spPr>
         <p:style>
-          <a:lnRef idx="0"/>
-          <a:fillRef idx="0"/>
-          <a:effectRef idx="0"/>
+          <a:lnRef idx="0">
+            <a:scrgbClr r="0" g="0" b="0"/>
+          </a:lnRef>
+          <a:fillRef idx="0">
+            <a:scrgbClr r="0" g="0" b="0"/>
+          </a:fillRef>
+          <a:effectRef idx="0">
+            <a:scrgbClr r="0" g="0" b="0"/>
+          </a:effectRef>
           <a:fontRef idx="minor"/>
         </p:style>
         <p:txBody>
-          <a:bodyPr lIns="0" rIns="0" tIns="0" bIns="0">
+          <a:bodyPr lIns="90000" tIns="45000" rIns="90000" bIns="45000">
             <a:spAutoFit/>
           </a:bodyPr>
+          <a:lstStyle/>
           <a:p>
             <a:pPr>
               <a:lnSpc>
@@ -3305,31 +4153,89 @@
               </a:lnSpc>
             </a:pPr>
             <a:r>
-              <a:rPr b="0" lang="pt-BR" sz="1800" spc="-1" strike="noStrike">
+              <a:rPr lang="en-US" sz="2400" b="0" strike="noStrike" cap="all" spc="-1" dirty="0">
+                <a:solidFill>
+                  <a:srgbClr val="FFFFFF"/>
+                </a:solidFill>
+                <a:latin typeface="思源黑体 CN Medium"/>
+                <a:ea typeface="思源黑体 CN Medium"/>
+              </a:rPr>
+              <a:t>01</a:t>
+            </a:r>
+            <a:endParaRPr lang="pt-BR" sz="2400" b="0" strike="noStrike" spc="-1" dirty="0">
+              <a:latin typeface="Arial"/>
+            </a:endParaRPr>
+          </a:p>
+        </p:txBody>
+      </p:sp>
+      <p:sp>
+        <p:nvSpPr>
+          <p:cNvPr id="61" name="CustomShape 14"/>
+          <p:cNvSpPr/>
+          <p:nvPr/>
+        </p:nvSpPr>
+        <p:spPr>
+          <a:xfrm>
+            <a:off x="5288622" y="2854886"/>
+            <a:ext cx="2725920" cy="276999"/>
+          </a:xfrm>
+          <a:prstGeom prst="rect">
+            <a:avLst/>
+          </a:prstGeom>
+          <a:noFill/>
+          <a:ln>
+            <a:noFill/>
+          </a:ln>
+        </p:spPr>
+        <p:style>
+          <a:lnRef idx="0">
+            <a:scrgbClr r="0" g="0" b="0"/>
+          </a:lnRef>
+          <a:fillRef idx="0">
+            <a:scrgbClr r="0" g="0" b="0"/>
+          </a:fillRef>
+          <a:effectRef idx="0">
+            <a:scrgbClr r="0" g="0" b="0"/>
+          </a:effectRef>
+          <a:fontRef idx="minor"/>
+        </p:style>
+        <p:txBody>
+          <a:bodyPr lIns="0" tIns="0" rIns="0" bIns="0">
+            <a:spAutoFit/>
+          </a:bodyPr>
+          <a:lstStyle/>
+          <a:p>
+            <a:pPr>
+              <a:lnSpc>
+                <a:spcPct val="100000"/>
+              </a:lnSpc>
+            </a:pPr>
+            <a:r>
+              <a:rPr lang="pt-BR" sz="1800" b="0" strike="noStrike" spc="-1" dirty="0">
                 <a:solidFill>
                   <a:srgbClr val="595959"/>
                 </a:solidFill>
                 <a:latin typeface="思源黑体 CN Bold"/>
                 <a:ea typeface="思源黑体 CN Bold"/>
               </a:rPr>
-              <a:t>Apresentação</a:t>
+              <a:t>Site/AWS/Azure/GitHub</a:t>
             </a:r>
-            <a:endParaRPr b="0" lang="pt-BR" sz="1800" spc="-1" strike="noStrike">
-              <a:latin typeface="Arial"/>
-            </a:endParaRPr>
-          </a:p>
-        </p:txBody>
-      </p:sp>
-      <p:sp>
-        <p:nvSpPr>
-          <p:cNvPr id="50" name="CustomShape 3"/>
+            <a:endParaRPr lang="pt-BR" sz="1800" b="0" strike="noStrike" spc="-1" dirty="0">
+              <a:latin typeface="Arial"/>
+            </a:endParaRPr>
+          </a:p>
+        </p:txBody>
+      </p:sp>
+      <p:sp>
+        <p:nvSpPr>
+          <p:cNvPr id="62" name="CustomShape 15"/>
           <p:cNvSpPr/>
           <p:nvPr/>
         </p:nvSpPr>
         <p:spPr>
           <a:xfrm>
-            <a:off x="1972080" y="2859840"/>
-            <a:ext cx="1310400" cy="274320"/>
+            <a:off x="5288622" y="4377766"/>
+            <a:ext cx="2108880" cy="274320"/>
           </a:xfrm>
           <a:prstGeom prst="rect">
             <a:avLst/>
@@ -3340,15 +4246,22 @@
           </a:ln>
         </p:spPr>
         <p:style>
-          <a:lnRef idx="0"/>
-          <a:fillRef idx="0"/>
-          <a:effectRef idx="0"/>
+          <a:lnRef idx="0">
+            <a:scrgbClr r="0" g="0" b="0"/>
+          </a:lnRef>
+          <a:fillRef idx="0">
+            <a:scrgbClr r="0" g="0" b="0"/>
+          </a:fillRef>
+          <a:effectRef idx="0">
+            <a:scrgbClr r="0" g="0" b="0"/>
+          </a:effectRef>
           <a:fontRef idx="minor"/>
         </p:style>
         <p:txBody>
-          <a:bodyPr lIns="0" rIns="0" tIns="0" bIns="0">
+          <a:bodyPr lIns="0" tIns="0" rIns="0" bIns="0">
             <a:spAutoFit/>
           </a:bodyPr>
+          <a:lstStyle/>
           <a:p>
             <a:pPr>
               <a:lnSpc>
@@ -3356,30 +4269,30 @@
               </a:lnSpc>
             </a:pPr>
             <a:r>
-              <a:rPr b="0" lang="pt-BR" sz="1800" spc="-1" strike="noStrike">
+              <a:rPr lang="pt-BR" sz="1800" b="0" strike="noStrike" spc="-1" dirty="0">
                 <a:solidFill>
                   <a:srgbClr val="595959"/>
                 </a:solidFill>
                 <a:latin typeface="思源黑体 CN Bold"/>
                 <a:ea typeface="思源黑体 CN Bold"/>
               </a:rPr>
-              <a:t>Contexto</a:t>
+              <a:t>Conclusão</a:t>
             </a:r>
-            <a:endParaRPr b="0" lang="pt-BR" sz="1800" spc="-1" strike="noStrike">
-              <a:latin typeface="Arial"/>
-            </a:endParaRPr>
-          </a:p>
-        </p:txBody>
-      </p:sp>
-      <p:sp>
-        <p:nvSpPr>
-          <p:cNvPr id="51" name="CustomShape 4"/>
+            <a:endParaRPr lang="pt-BR" sz="1800" b="0" strike="noStrike" spc="-1" dirty="0">
+              <a:latin typeface="Arial"/>
+            </a:endParaRPr>
+          </a:p>
+        </p:txBody>
+      </p:sp>
+      <p:sp>
+        <p:nvSpPr>
+          <p:cNvPr id="64" name="CustomShape 17"/>
           <p:cNvSpPr/>
           <p:nvPr/>
         </p:nvSpPr>
         <p:spPr>
           <a:xfrm>
-            <a:off x="1972080" y="3633840"/>
+            <a:off x="5288622" y="5155570"/>
             <a:ext cx="2108880" cy="274320"/>
           </a:xfrm>
           <a:prstGeom prst="rect">
@@ -3391,15 +4304,22 @@
           </a:ln>
         </p:spPr>
         <p:style>
-          <a:lnRef idx="0"/>
-          <a:fillRef idx="0"/>
-          <a:effectRef idx="0"/>
+          <a:lnRef idx="0">
+            <a:scrgbClr r="0" g="0" b="0"/>
+          </a:lnRef>
+          <a:fillRef idx="0">
+            <a:scrgbClr r="0" g="0" b="0"/>
+          </a:fillRef>
+          <a:effectRef idx="0">
+            <a:scrgbClr r="0" g="0" b="0"/>
+          </a:effectRef>
           <a:fontRef idx="minor"/>
         </p:style>
         <p:txBody>
-          <a:bodyPr lIns="0" rIns="0" tIns="0" bIns="0">
+          <a:bodyPr lIns="0" tIns="0" rIns="0" bIns="0">
             <a:spAutoFit/>
           </a:bodyPr>
+          <a:lstStyle/>
           <a:p>
             <a:pPr>
               <a:lnSpc>
@@ -3407,31 +4327,31 @@
               </a:lnSpc>
             </a:pPr>
             <a:r>
-              <a:rPr b="0" lang="pt-BR" sz="1800" spc="-1" strike="noStrike">
+              <a:rPr lang="pt-BR" sz="1800" b="0" strike="noStrike" spc="-1" dirty="0">
                 <a:solidFill>
                   <a:srgbClr val="595959"/>
                 </a:solidFill>
                 <a:latin typeface="思源黑体 CN Bold"/>
                 <a:ea typeface="思源黑体 CN Bold"/>
               </a:rPr>
-              <a:t>Product Backlog</a:t>
+              <a:t>Agradecimentos</a:t>
             </a:r>
-            <a:endParaRPr b="0" lang="pt-BR" sz="1800" spc="-1" strike="noStrike">
-              <a:latin typeface="Arial"/>
-            </a:endParaRPr>
-          </a:p>
-        </p:txBody>
-      </p:sp>
-      <p:sp>
-        <p:nvSpPr>
-          <p:cNvPr id="52" name="CustomShape 5"/>
+            <a:endParaRPr lang="pt-BR" sz="1800" b="0" strike="noStrike" spc="-1" dirty="0">
+              <a:latin typeface="Arial"/>
+            </a:endParaRPr>
+          </a:p>
+        </p:txBody>
+      </p:sp>
+      <p:sp>
+        <p:nvSpPr>
+          <p:cNvPr id="67" name="CustomShape 20"/>
           <p:cNvSpPr/>
           <p:nvPr/>
         </p:nvSpPr>
         <p:spPr>
           <a:xfrm>
-            <a:off x="4290840" y="812880"/>
-            <a:ext cx="3609720" cy="546840"/>
+            <a:off x="1944000" y="4386960"/>
+            <a:ext cx="2108880" cy="274320"/>
           </a:xfrm>
           <a:prstGeom prst="rect">
             <a:avLst/>
@@ -3442,15 +4362,22 @@
           </a:ln>
         </p:spPr>
         <p:style>
-          <a:lnRef idx="0"/>
-          <a:fillRef idx="0"/>
-          <a:effectRef idx="0"/>
+          <a:lnRef idx="0">
+            <a:scrgbClr r="0" g="0" b="0"/>
+          </a:lnRef>
+          <a:fillRef idx="0">
+            <a:scrgbClr r="0" g="0" b="0"/>
+          </a:fillRef>
+          <a:effectRef idx="0">
+            <a:scrgbClr r="0" g="0" b="0"/>
+          </a:effectRef>
           <a:fontRef idx="minor"/>
         </p:style>
         <p:txBody>
-          <a:bodyPr lIns="90000" rIns="90000" tIns="45000" bIns="45000">
+          <a:bodyPr lIns="0" tIns="0" rIns="0" bIns="0">
             <a:spAutoFit/>
           </a:bodyPr>
+          <a:lstStyle/>
           <a:p>
             <a:pPr>
               <a:lnSpc>
@@ -3458,31 +4385,31 @@
               </a:lnSpc>
             </a:pPr>
             <a:r>
-              <a:rPr b="0" lang="pt-BR" sz="3000" spc="-1" strike="noStrike" cap="all">
+              <a:rPr lang="pt-BR" sz="1800" b="0" strike="noStrike" spc="-1" dirty="0">
                 <a:solidFill>
-                  <a:srgbClr val="000000"/>
+                  <a:srgbClr val="595959"/>
                 </a:solidFill>
-                <a:latin typeface="思源黑体 CN Medium"/>
-                <a:ea typeface="思源黑体 CN Medium"/>
+                <a:latin typeface="思源黑体 CN Bold"/>
+                <a:ea typeface="思源黑体 CN Bold"/>
               </a:rPr>
-              <a:t>Cronograma</a:t>
+              <a:t>BPMN</a:t>
             </a:r>
-            <a:endParaRPr b="0" lang="pt-BR" sz="3000" spc="-1" strike="noStrike">
-              <a:latin typeface="Arial"/>
-            </a:endParaRPr>
-          </a:p>
-        </p:txBody>
-      </p:sp>
-      <p:sp>
-        <p:nvSpPr>
-          <p:cNvPr id="53" name="CustomShape 6"/>
+            <a:endParaRPr lang="pt-BR" sz="1800" b="0" strike="noStrike" spc="-1" dirty="0">
+              <a:latin typeface="Arial"/>
+            </a:endParaRPr>
+          </a:p>
+        </p:txBody>
+      </p:sp>
+      <p:sp>
+        <p:nvSpPr>
+          <p:cNvPr id="69" name="CustomShape 22"/>
           <p:cNvSpPr/>
           <p:nvPr/>
         </p:nvSpPr>
         <p:spPr>
           <a:xfrm>
-            <a:off x="1357200" y="1987920"/>
-            <a:ext cx="874800" cy="456120"/>
+            <a:off x="1944000" y="5147266"/>
+            <a:ext cx="2108880" cy="274320"/>
           </a:xfrm>
           <a:prstGeom prst="rect">
             <a:avLst/>
@@ -3493,15 +4420,22 @@
           </a:ln>
         </p:spPr>
         <p:style>
-          <a:lnRef idx="0"/>
-          <a:fillRef idx="0"/>
-          <a:effectRef idx="0"/>
+          <a:lnRef idx="0">
+            <a:scrgbClr r="0" g="0" b="0"/>
+          </a:lnRef>
+          <a:fillRef idx="0">
+            <a:scrgbClr r="0" g="0" b="0"/>
+          </a:fillRef>
+          <a:effectRef idx="0">
+            <a:scrgbClr r="0" g="0" b="0"/>
+          </a:effectRef>
           <a:fontRef idx="minor"/>
         </p:style>
         <p:txBody>
-          <a:bodyPr lIns="90000" rIns="90000" tIns="45000" bIns="45000">
+          <a:bodyPr lIns="0" tIns="0" rIns="0" bIns="0">
             <a:spAutoFit/>
           </a:bodyPr>
+          <a:lstStyle/>
           <a:p>
             <a:pPr>
               <a:lnSpc>
@@ -3509,37 +4443,169 @@
               </a:lnSpc>
             </a:pPr>
             <a:r>
-              <a:rPr b="0" lang="en-US" sz="2400" spc="-1" strike="noStrike" cap="all">
+              <a:rPr lang="pt-BR" sz="1800" b="0" strike="noStrike" spc="-1" dirty="0">
                 <a:solidFill>
-                  <a:srgbClr val="ffffff"/>
+                  <a:srgbClr val="595959"/>
                 </a:solidFill>
-                <a:latin typeface="思源黑体 CN Medium"/>
-                <a:ea typeface="思源黑体 CN Medium"/>
+                <a:latin typeface="思源黑体 CN Bold"/>
+                <a:ea typeface="思源黑体 CN Bold"/>
               </a:rPr>
-              <a:t>01</a:t>
+              <a:t>Diagrama</a:t>
             </a:r>
-            <a:endParaRPr b="0" lang="pt-BR" sz="2400" spc="-1" strike="noStrike">
-              <a:latin typeface="Arial"/>
-            </a:endParaRPr>
-          </a:p>
-        </p:txBody>
-      </p:sp>
-      <p:sp>
-        <p:nvSpPr>
-          <p:cNvPr id="54" name="CustomShape 7"/>
+            <a:endParaRPr lang="pt-BR" sz="1800" b="0" strike="noStrike" spc="-1" dirty="0">
+              <a:latin typeface="Arial"/>
+            </a:endParaRPr>
+          </a:p>
+        </p:txBody>
+      </p:sp>
+      <p:sp>
+        <p:nvSpPr>
+          <p:cNvPr id="70" name="CustomShape 23"/>
           <p:cNvSpPr/>
           <p:nvPr/>
         </p:nvSpPr>
         <p:spPr>
           <a:xfrm>
-            <a:off x="1328400" y="2714040"/>
+            <a:off x="5288622" y="2070792"/>
+            <a:ext cx="2108880" cy="274320"/>
+          </a:xfrm>
+          <a:prstGeom prst="rect">
+            <a:avLst/>
+          </a:prstGeom>
+          <a:noFill/>
+          <a:ln>
+            <a:noFill/>
+          </a:ln>
+        </p:spPr>
+        <p:style>
+          <a:lnRef idx="0">
+            <a:scrgbClr r="0" g="0" b="0"/>
+          </a:lnRef>
+          <a:fillRef idx="0">
+            <a:scrgbClr r="0" g="0" b="0"/>
+          </a:fillRef>
+          <a:effectRef idx="0">
+            <a:scrgbClr r="0" g="0" b="0"/>
+          </a:effectRef>
+          <a:fontRef idx="minor"/>
+        </p:style>
+        <p:txBody>
+          <a:bodyPr lIns="0" tIns="0" rIns="0" bIns="0">
+            <a:spAutoFit/>
+          </a:bodyPr>
+          <a:lstStyle/>
+          <a:p>
+            <a:pPr>
+              <a:lnSpc>
+                <a:spcPct val="100000"/>
+              </a:lnSpc>
+            </a:pPr>
+            <a:r>
+              <a:rPr lang="pt-BR" sz="1800" b="0" strike="noStrike" spc="-1" dirty="0" err="1">
+                <a:solidFill>
+                  <a:srgbClr val="595959"/>
+                </a:solidFill>
+                <a:latin typeface="思源黑体 CN Bold"/>
+                <a:ea typeface="思源黑体 CN Bold"/>
+              </a:rPr>
+              <a:t>Mockups</a:t>
+            </a:r>
+            <a:r>
+              <a:rPr lang="pt-BR" sz="1800" b="0" strike="noStrike" spc="-1" dirty="0">
+                <a:solidFill>
+                  <a:srgbClr val="595959"/>
+                </a:solidFill>
+                <a:latin typeface="思源黑体 CN Bold"/>
+                <a:ea typeface="思源黑体 CN Bold"/>
+              </a:rPr>
+              <a:t> </a:t>
+            </a:r>
+            <a:endParaRPr lang="pt-BR" sz="1800" b="0" strike="noStrike" spc="-1" dirty="0">
+              <a:latin typeface="Arial"/>
+            </a:endParaRPr>
+          </a:p>
+        </p:txBody>
+      </p:sp>
+      <p:sp>
+        <p:nvSpPr>
+          <p:cNvPr id="71" name="CustomShape 24"/>
+          <p:cNvSpPr/>
+          <p:nvPr/>
+        </p:nvSpPr>
+        <p:spPr>
+          <a:xfrm>
+            <a:off x="5288622" y="3599962"/>
+            <a:ext cx="2108880" cy="274320"/>
+          </a:xfrm>
+          <a:prstGeom prst="rect">
+            <a:avLst/>
+          </a:prstGeom>
+          <a:noFill/>
+          <a:ln>
+            <a:noFill/>
+          </a:ln>
+        </p:spPr>
+        <p:style>
+          <a:lnRef idx="0">
+            <a:scrgbClr r="0" g="0" b="0"/>
+          </a:lnRef>
+          <a:fillRef idx="0">
+            <a:scrgbClr r="0" g="0" b="0"/>
+          </a:fillRef>
+          <a:effectRef idx="0">
+            <a:scrgbClr r="0" g="0" b="0"/>
+          </a:effectRef>
+          <a:fontRef idx="minor"/>
+        </p:style>
+        <p:txBody>
+          <a:bodyPr lIns="0" tIns="0" rIns="0" bIns="0">
+            <a:spAutoFit/>
+          </a:bodyPr>
+          <a:lstStyle/>
+          <a:p>
+            <a:pPr>
+              <a:lnSpc>
+                <a:spcPct val="100000"/>
+              </a:lnSpc>
+            </a:pPr>
+            <a:r>
+              <a:rPr lang="pt-BR" sz="1800" b="0" strike="noStrike" spc="-1">
+                <a:solidFill>
+                  <a:srgbClr val="595959"/>
+                </a:solidFill>
+                <a:latin typeface="思源黑体 CN Bold"/>
+                <a:ea typeface="思源黑体 CN Bold"/>
+              </a:rPr>
+              <a:t>Lições Aprendidas </a:t>
+            </a:r>
+            <a:endParaRPr lang="pt-BR" sz="1800" b="0" strike="noStrike" spc="-1">
+              <a:latin typeface="Arial"/>
+            </a:endParaRPr>
+          </a:p>
+        </p:txBody>
+      </p:sp>
+      <p:sp>
+        <p:nvSpPr>
+          <p:cNvPr id="30" name="CustomShape 7">
+            <a:extLst>
+              <a:ext uri="{FF2B5EF4-FFF2-40B4-BE49-F238E27FC236}">
+                <a16:creationId xmlns:a16="http://schemas.microsoft.com/office/drawing/2014/main" id="{BE410283-1ADD-4CC8-9EF4-C66C72FA4626}"/>
+              </a:ext>
+            </a:extLst>
+          </p:cNvPr>
+          <p:cNvSpPr/>
+          <p:nvPr/>
+        </p:nvSpPr>
+        <p:spPr>
+          <a:xfrm>
+            <a:off x="1215858" y="2713140"/>
             <a:ext cx="555120" cy="567720"/>
           </a:xfrm>
           <a:prstGeom prst="rect">
             <a:avLst/>
           </a:prstGeom>
           <a:solidFill>
-            <a:srgbClr val="2f50a1"/>
+            <a:srgbClr val="2F50A1"/>
           </a:solidFill>
           <a:ln>
             <a:noFill/>
@@ -3562,20 +4628,26 @@
       </p:sp>
       <p:sp>
         <p:nvSpPr>
-          <p:cNvPr id="55" name="CustomShape 8"/>
+          <p:cNvPr id="31" name="CustomShape 7">
+            <a:extLst>
+              <a:ext uri="{FF2B5EF4-FFF2-40B4-BE49-F238E27FC236}">
+                <a16:creationId xmlns:a16="http://schemas.microsoft.com/office/drawing/2014/main" id="{CFC7413C-0CA9-4641-8D66-D2C13F8BC2F0}"/>
+              </a:ext>
+            </a:extLst>
+          </p:cNvPr>
           <p:cNvSpPr/>
           <p:nvPr/>
         </p:nvSpPr>
         <p:spPr>
           <a:xfrm>
-            <a:off x="1328400" y="3488400"/>
-            <a:ext cx="543600" cy="567720"/>
+            <a:off x="1215858" y="3476700"/>
+            <a:ext cx="555120" cy="567720"/>
           </a:xfrm>
           <a:prstGeom prst="rect">
             <a:avLst/>
           </a:prstGeom>
           <a:solidFill>
-            <a:srgbClr val="2f50a1"/>
+            <a:srgbClr val="2F50A1"/>
           </a:solidFill>
           <a:ln>
             <a:noFill/>
@@ -3598,20 +4670,26 @@
       </p:sp>
       <p:sp>
         <p:nvSpPr>
-          <p:cNvPr id="56" name="CustomShape 9"/>
+          <p:cNvPr id="32" name="CustomShape 7">
+            <a:extLst>
+              <a:ext uri="{FF2B5EF4-FFF2-40B4-BE49-F238E27FC236}">
+                <a16:creationId xmlns:a16="http://schemas.microsoft.com/office/drawing/2014/main" id="{3774604C-72E0-481F-A995-FF536F7CD158}"/>
+              </a:ext>
+            </a:extLst>
+          </p:cNvPr>
           <p:cNvSpPr/>
           <p:nvPr/>
         </p:nvSpPr>
         <p:spPr>
           <a:xfrm>
-            <a:off x="5544000" y="2744280"/>
-            <a:ext cx="582840" cy="567720"/>
+            <a:off x="1215858" y="4240260"/>
+            <a:ext cx="555120" cy="567720"/>
           </a:xfrm>
           <a:prstGeom prst="rect">
             <a:avLst/>
           </a:prstGeom>
           <a:solidFill>
-            <a:srgbClr val="2f50a1"/>
+            <a:srgbClr val="2F50A1"/>
           </a:solidFill>
           <a:ln>
             <a:noFill/>
@@ -3634,20 +4712,26 @@
       </p:sp>
       <p:sp>
         <p:nvSpPr>
-          <p:cNvPr id="57" name="CustomShape 10"/>
+          <p:cNvPr id="33" name="CustomShape 7">
+            <a:extLst>
+              <a:ext uri="{FF2B5EF4-FFF2-40B4-BE49-F238E27FC236}">
+                <a16:creationId xmlns:a16="http://schemas.microsoft.com/office/drawing/2014/main" id="{E0AE10A4-AB15-4B10-BABE-E94BEA70A996}"/>
+              </a:ext>
+            </a:extLst>
+          </p:cNvPr>
           <p:cNvSpPr/>
           <p:nvPr/>
         </p:nvSpPr>
         <p:spPr>
           <a:xfrm>
-            <a:off x="1289160" y="5336280"/>
-            <a:ext cx="582840" cy="567720"/>
+            <a:off x="1215858" y="5003820"/>
+            <a:ext cx="555120" cy="567720"/>
           </a:xfrm>
           <a:prstGeom prst="rect">
             <a:avLst/>
           </a:prstGeom>
           <a:solidFill>
-            <a:srgbClr val="2f50a1"/>
+            <a:srgbClr val="2F50A1"/>
           </a:solidFill>
           <a:ln>
             <a:noFill/>
@@ -3670,275 +4754,26 @@
       </p:sp>
       <p:sp>
         <p:nvSpPr>
-          <p:cNvPr id="58" name="CustomShape 11"/>
+          <p:cNvPr id="34" name="CustomShape 7">
+            <a:extLst>
+              <a:ext uri="{FF2B5EF4-FFF2-40B4-BE49-F238E27FC236}">
+                <a16:creationId xmlns:a16="http://schemas.microsoft.com/office/drawing/2014/main" id="{B407939A-4279-4D0E-9901-6C5BEF9ED2DD}"/>
+              </a:ext>
+            </a:extLst>
+          </p:cNvPr>
           <p:cNvSpPr/>
           <p:nvPr/>
         </p:nvSpPr>
         <p:spPr>
           <a:xfrm>
-            <a:off x="1328400" y="2781000"/>
-            <a:ext cx="1335600" cy="456120"/>
-          </a:xfrm>
-          <a:prstGeom prst="rect">
-            <a:avLst/>
-          </a:prstGeom>
-          <a:noFill/>
-          <a:ln>
-            <a:noFill/>
-          </a:ln>
-        </p:spPr>
-        <p:style>
-          <a:lnRef idx="0"/>
-          <a:fillRef idx="0"/>
-          <a:effectRef idx="0"/>
-          <a:fontRef idx="minor"/>
-        </p:style>
-        <p:txBody>
-          <a:bodyPr lIns="90000" rIns="90000" tIns="45000" bIns="45000">
-            <a:spAutoFit/>
-          </a:bodyPr>
-          <a:p>
-            <a:pPr>
-              <a:lnSpc>
-                <a:spcPct val="100000"/>
-              </a:lnSpc>
-            </a:pPr>
-            <a:r>
-              <a:rPr b="0" lang="en-US" sz="2400" spc="-1" strike="noStrike" cap="all">
-                <a:solidFill>
-                  <a:srgbClr val="ffffff"/>
-                </a:solidFill>
-                <a:latin typeface="思源黑体 CN Medium"/>
-                <a:ea typeface="思源黑体 CN Medium"/>
-              </a:rPr>
-              <a:t>02</a:t>
-            </a:r>
-            <a:endParaRPr b="0" lang="pt-BR" sz="2400" spc="-1" strike="noStrike">
-              <a:latin typeface="Arial"/>
-            </a:endParaRPr>
-          </a:p>
-        </p:txBody>
-      </p:sp>
-      <p:sp>
-        <p:nvSpPr>
-          <p:cNvPr id="59" name="CustomShape 12"/>
-          <p:cNvSpPr/>
-          <p:nvPr/>
-        </p:nvSpPr>
-        <p:spPr>
-          <a:xfrm>
-            <a:off x="1327320" y="3541680"/>
-            <a:ext cx="1192680" cy="456120"/>
-          </a:xfrm>
-          <a:prstGeom prst="rect">
-            <a:avLst/>
-          </a:prstGeom>
-          <a:noFill/>
-          <a:ln>
-            <a:noFill/>
-          </a:ln>
-        </p:spPr>
-        <p:style>
-          <a:lnRef idx="0"/>
-          <a:fillRef idx="0"/>
-          <a:effectRef idx="0"/>
-          <a:fontRef idx="minor"/>
-        </p:style>
-        <p:txBody>
-          <a:bodyPr lIns="90000" rIns="90000" tIns="45000" bIns="45000">
-            <a:spAutoFit/>
-          </a:bodyPr>
-          <a:p>
-            <a:pPr>
-              <a:lnSpc>
-                <a:spcPct val="100000"/>
-              </a:lnSpc>
-            </a:pPr>
-            <a:r>
-              <a:rPr b="0" lang="en-US" sz="2400" spc="-1" strike="noStrike" cap="all">
-                <a:solidFill>
-                  <a:srgbClr val="ffffff"/>
-                </a:solidFill>
-                <a:latin typeface="思源黑体 CN Medium"/>
-                <a:ea typeface="思源黑体 CN Medium"/>
-              </a:rPr>
-              <a:t>03</a:t>
-            </a:r>
-            <a:endParaRPr b="0" lang="pt-BR" sz="2400" spc="-1" strike="noStrike">
-              <a:latin typeface="Arial"/>
-            </a:endParaRPr>
-          </a:p>
-        </p:txBody>
-      </p:sp>
-      <p:sp>
-        <p:nvSpPr>
-          <p:cNvPr id="60" name="CustomShape 13"/>
-          <p:cNvSpPr/>
-          <p:nvPr/>
-        </p:nvSpPr>
-        <p:spPr>
-          <a:xfrm>
-            <a:off x="5616000" y="2778840"/>
-            <a:ext cx="555120" cy="821160"/>
-          </a:xfrm>
-          <a:prstGeom prst="rect">
-            <a:avLst/>
-          </a:prstGeom>
-          <a:noFill/>
-          <a:ln>
-            <a:noFill/>
-          </a:ln>
-        </p:spPr>
-        <p:style>
-          <a:lnRef idx="0"/>
-          <a:fillRef idx="0"/>
-          <a:effectRef idx="0"/>
-          <a:fontRef idx="minor"/>
-        </p:style>
-        <p:txBody>
-          <a:bodyPr lIns="90000" rIns="90000" tIns="45000" bIns="45000">
-            <a:spAutoFit/>
-          </a:bodyPr>
-          <a:p>
-            <a:pPr>
-              <a:lnSpc>
-                <a:spcPct val="100000"/>
-              </a:lnSpc>
-            </a:pPr>
-            <a:r>
-              <a:rPr b="0" lang="en-US" sz="2400" spc="-1" strike="noStrike" cap="all">
-                <a:solidFill>
-                  <a:srgbClr val="ffffff"/>
-                </a:solidFill>
-                <a:latin typeface="思源黑体 CN Medium"/>
-                <a:ea typeface="思源黑体 CN Medium"/>
-              </a:rPr>
-              <a:t>05</a:t>
-            </a:r>
-            <a:endParaRPr b="0" lang="pt-BR" sz="2400" spc="-1" strike="noStrike">
-              <a:latin typeface="Arial"/>
-            </a:endParaRPr>
-          </a:p>
-        </p:txBody>
-      </p:sp>
-      <p:sp>
-        <p:nvSpPr>
-          <p:cNvPr id="61" name="CustomShape 14"/>
-          <p:cNvSpPr/>
-          <p:nvPr/>
-        </p:nvSpPr>
-        <p:spPr>
-          <a:xfrm>
-            <a:off x="6274080" y="3672000"/>
-            <a:ext cx="2725920" cy="548280"/>
-          </a:xfrm>
-          <a:prstGeom prst="rect">
-            <a:avLst/>
-          </a:prstGeom>
-          <a:noFill/>
-          <a:ln>
-            <a:noFill/>
-          </a:ln>
-        </p:spPr>
-        <p:style>
-          <a:lnRef idx="0"/>
-          <a:fillRef idx="0"/>
-          <a:effectRef idx="0"/>
-          <a:fontRef idx="minor"/>
-        </p:style>
-        <p:txBody>
-          <a:bodyPr lIns="0" rIns="0" tIns="0" bIns="0">
-            <a:spAutoFit/>
-          </a:bodyPr>
-          <a:p>
-            <a:pPr>
-              <a:lnSpc>
-                <a:spcPct val="100000"/>
-              </a:lnSpc>
-            </a:pPr>
-            <a:r>
-              <a:rPr b="0" lang="pt-BR" sz="1800" spc="-1" strike="noStrike">
-                <a:solidFill>
-                  <a:srgbClr val="595959"/>
-                </a:solidFill>
-                <a:latin typeface="思源黑体 CN Bold"/>
-                <a:ea typeface="思源黑体 CN Bold"/>
-              </a:rPr>
-              <a:t>Site/AWS/Azure/GitHubccc</a:t>
-            </a:r>
-            <a:endParaRPr b="0" lang="pt-BR" sz="1800" spc="-1" strike="noStrike">
-              <a:latin typeface="Arial"/>
-            </a:endParaRPr>
-          </a:p>
-        </p:txBody>
-      </p:sp>
-      <p:sp>
-        <p:nvSpPr>
-          <p:cNvPr id="62" name="CustomShape 15"/>
-          <p:cNvSpPr/>
-          <p:nvPr/>
-        </p:nvSpPr>
-        <p:spPr>
-          <a:xfrm>
-            <a:off x="6243120" y="2893680"/>
-            <a:ext cx="2108880" cy="274320"/>
-          </a:xfrm>
-          <a:prstGeom prst="rect">
-            <a:avLst/>
-          </a:prstGeom>
-          <a:noFill/>
-          <a:ln>
-            <a:noFill/>
-          </a:ln>
-        </p:spPr>
-        <p:style>
-          <a:lnRef idx="0"/>
-          <a:fillRef idx="0"/>
-          <a:effectRef idx="0"/>
-          <a:fontRef idx="minor"/>
-        </p:style>
-        <p:txBody>
-          <a:bodyPr lIns="0" rIns="0" tIns="0" bIns="0">
-            <a:spAutoFit/>
-          </a:bodyPr>
-          <a:p>
-            <a:pPr>
-              <a:lnSpc>
-                <a:spcPct val="100000"/>
-              </a:lnSpc>
-            </a:pPr>
-            <a:r>
-              <a:rPr b="0" lang="pt-BR" sz="1800" spc="-1" strike="noStrike">
-                <a:solidFill>
-                  <a:srgbClr val="595959"/>
-                </a:solidFill>
-                <a:latin typeface="思源黑体 CN Bold"/>
-                <a:ea typeface="思源黑体 CN Bold"/>
-              </a:rPr>
-              <a:t>Conclusão</a:t>
-            </a:r>
-            <a:endParaRPr b="0" lang="pt-BR" sz="1800" spc="-1" strike="noStrike">
-              <a:latin typeface="Arial"/>
-            </a:endParaRPr>
-          </a:p>
-        </p:txBody>
-      </p:sp>
-      <p:sp>
-        <p:nvSpPr>
-          <p:cNvPr id="63" name="CustomShape 16"/>
-          <p:cNvSpPr/>
-          <p:nvPr/>
-        </p:nvSpPr>
-        <p:spPr>
-          <a:xfrm>
-            <a:off x="5552640" y="1939320"/>
-            <a:ext cx="582840" cy="567720"/>
+            <a:off x="4623203" y="1942283"/>
+            <a:ext cx="555120" cy="567720"/>
           </a:xfrm>
           <a:prstGeom prst="rect">
             <a:avLst/>
           </a:prstGeom>
           <a:solidFill>
-            <a:srgbClr val="2f50a1"/>
+            <a:srgbClr val="2F50A1"/>
           </a:solidFill>
           <a:ln>
             <a:noFill/>
@@ -3961,122 +4796,26 @@
       </p:sp>
       <p:sp>
         <p:nvSpPr>
-          <p:cNvPr id="64" name="CustomShape 17"/>
+          <p:cNvPr id="35" name="CustomShape 7">
+            <a:extLst>
+              <a:ext uri="{FF2B5EF4-FFF2-40B4-BE49-F238E27FC236}">
+                <a16:creationId xmlns:a16="http://schemas.microsoft.com/office/drawing/2014/main" id="{8D4BF342-B892-4CCD-84AB-D5C287DCF0F1}"/>
+              </a:ext>
+            </a:extLst>
+          </p:cNvPr>
           <p:cNvSpPr/>
           <p:nvPr/>
         </p:nvSpPr>
         <p:spPr>
           <a:xfrm>
-            <a:off x="6199560" y="2037960"/>
-            <a:ext cx="2108880" cy="274320"/>
-          </a:xfrm>
-          <a:prstGeom prst="rect">
-            <a:avLst/>
-          </a:prstGeom>
-          <a:noFill/>
-          <a:ln>
-            <a:noFill/>
-          </a:ln>
-        </p:spPr>
-        <p:style>
-          <a:lnRef idx="0"/>
-          <a:fillRef idx="0"/>
-          <a:effectRef idx="0"/>
-          <a:fontRef idx="minor"/>
-        </p:style>
-        <p:txBody>
-          <a:bodyPr lIns="0" rIns="0" tIns="0" bIns="0">
-            <a:spAutoFit/>
-          </a:bodyPr>
-          <a:p>
-            <a:pPr>
-              <a:lnSpc>
-                <a:spcPct val="100000"/>
-              </a:lnSpc>
-            </a:pPr>
-            <a:r>
-              <a:rPr b="0" lang="pt-BR" sz="1800" spc="-1" strike="noStrike">
-                <a:solidFill>
-                  <a:srgbClr val="595959"/>
-                </a:solidFill>
-                <a:latin typeface="思源黑体 CN Bold"/>
-                <a:ea typeface="思源黑体 CN Bold"/>
-              </a:rPr>
-              <a:t>Agradecimentos</a:t>
-            </a:r>
-            <a:endParaRPr b="0" lang="pt-BR" sz="1800" spc="-1" strike="noStrike">
-              <a:latin typeface="Arial"/>
-            </a:endParaRPr>
-          </a:p>
-        </p:txBody>
-      </p:sp>
-      <p:sp>
-        <p:nvSpPr>
-          <p:cNvPr id="65" name="CustomShape 18"/>
-          <p:cNvSpPr/>
-          <p:nvPr/>
-        </p:nvSpPr>
-        <p:spPr>
-          <a:xfrm>
-            <a:off x="5554800" y="1987920"/>
-            <a:ext cx="555120" cy="821160"/>
-          </a:xfrm>
-          <a:prstGeom prst="rect">
-            <a:avLst/>
-          </a:prstGeom>
-          <a:noFill/>
-          <a:ln>
-            <a:noFill/>
-          </a:ln>
-        </p:spPr>
-        <p:style>
-          <a:lnRef idx="0"/>
-          <a:fillRef idx="0"/>
-          <a:effectRef idx="0"/>
-          <a:fontRef idx="minor"/>
-        </p:style>
-        <p:txBody>
-          <a:bodyPr lIns="90000" rIns="90000" tIns="45000" bIns="45000">
-            <a:spAutoFit/>
-          </a:bodyPr>
-          <a:p>
-            <a:pPr>
-              <a:lnSpc>
-                <a:spcPct val="100000"/>
-              </a:lnSpc>
-            </a:pPr>
-            <a:r>
-              <a:rPr b="0" lang="en-US" sz="2400" spc="-1" strike="noStrike" cap="all">
-                <a:solidFill>
-                  <a:srgbClr val="ffffff"/>
-                </a:solidFill>
-                <a:latin typeface="思源黑体 CN Medium"/>
-                <a:ea typeface="思源黑体 CN Medium"/>
-              </a:rPr>
-              <a:t>06</a:t>
-            </a:r>
-            <a:endParaRPr b="0" lang="pt-BR" sz="2400" spc="-1" strike="noStrike">
-              <a:latin typeface="Arial"/>
-            </a:endParaRPr>
-          </a:p>
-        </p:txBody>
-      </p:sp>
-      <p:sp>
-        <p:nvSpPr>
-          <p:cNvPr id="66" name="CustomShape 19"/>
-          <p:cNvSpPr/>
-          <p:nvPr/>
-        </p:nvSpPr>
-        <p:spPr>
-          <a:xfrm>
-            <a:off x="1368000" y="4256280"/>
-            <a:ext cx="576000" cy="567720"/>
+            <a:off x="4615200" y="2709526"/>
+            <a:ext cx="555120" cy="567720"/>
           </a:xfrm>
           <a:prstGeom prst="rect">
             <a:avLst/>
           </a:prstGeom>
           <a:solidFill>
-            <a:srgbClr val="2f50a1"/>
+            <a:srgbClr val="2F50A1"/>
           </a:solidFill>
           <a:ln>
             <a:noFill/>
@@ -4099,71 +4838,26 @@
       </p:sp>
       <p:sp>
         <p:nvSpPr>
-          <p:cNvPr id="67" name="CustomShape 20"/>
+          <p:cNvPr id="36" name="CustomShape 7">
+            <a:extLst>
+              <a:ext uri="{FF2B5EF4-FFF2-40B4-BE49-F238E27FC236}">
+                <a16:creationId xmlns:a16="http://schemas.microsoft.com/office/drawing/2014/main" id="{9571CAE7-67B7-4840-A4C4-DD39F7D47AFA}"/>
+              </a:ext>
+            </a:extLst>
+          </p:cNvPr>
           <p:cNvSpPr/>
           <p:nvPr/>
         </p:nvSpPr>
         <p:spPr>
           <a:xfrm>
-            <a:off x="2016000" y="4464000"/>
-            <a:ext cx="2108880" cy="274320"/>
-          </a:xfrm>
-          <a:prstGeom prst="rect">
-            <a:avLst/>
-          </a:prstGeom>
-          <a:noFill/>
-          <a:ln>
-            <a:noFill/>
-          </a:ln>
-        </p:spPr>
-        <p:style>
-          <a:lnRef idx="0"/>
-          <a:fillRef idx="0"/>
-          <a:effectRef idx="0"/>
-          <a:fontRef idx="minor"/>
-        </p:style>
-        <p:txBody>
-          <a:bodyPr lIns="0" rIns="0" tIns="0" bIns="0">
-            <a:spAutoFit/>
-          </a:bodyPr>
-          <a:p>
-            <a:pPr>
-              <a:lnSpc>
-                <a:spcPct val="100000"/>
-              </a:lnSpc>
-            </a:pPr>
-            <a:r>
-              <a:rPr b="0" lang="pt-BR" sz="1800" spc="-1" strike="noStrike">
-                <a:solidFill>
-                  <a:srgbClr val="595959"/>
-                </a:solidFill>
-                <a:latin typeface="思源黑体 CN Bold"/>
-                <a:ea typeface="思源黑体 CN Bold"/>
-              </a:rPr>
-              <a:t>BPMN</a:t>
-            </a:r>
-            <a:endParaRPr b="0" lang="pt-BR" sz="1800" spc="-1" strike="noStrike">
-              <a:latin typeface="Arial"/>
-            </a:endParaRPr>
-          </a:p>
-        </p:txBody>
-      </p:sp>
-      <p:sp>
-        <p:nvSpPr>
-          <p:cNvPr id="68" name="CustomShape 21"/>
-          <p:cNvSpPr/>
-          <p:nvPr/>
-        </p:nvSpPr>
-        <p:spPr>
-          <a:xfrm>
-            <a:off x="4968000" y="4104000"/>
-            <a:ext cx="582840" cy="567720"/>
+            <a:off x="4615200" y="3473446"/>
+            <a:ext cx="555120" cy="567720"/>
           </a:xfrm>
           <a:prstGeom prst="rect">
             <a:avLst/>
           </a:prstGeom>
           <a:solidFill>
-            <a:srgbClr val="2f50a1"/>
+            <a:srgbClr val="2F50A1"/>
           </a:solidFill>
           <a:ln>
             <a:noFill/>
@@ -4186,244 +4880,26 @@
       </p:sp>
       <p:sp>
         <p:nvSpPr>
-          <p:cNvPr id="69" name="CustomShape 22"/>
+          <p:cNvPr id="37" name="CustomShape 7">
+            <a:extLst>
+              <a:ext uri="{FF2B5EF4-FFF2-40B4-BE49-F238E27FC236}">
+                <a16:creationId xmlns:a16="http://schemas.microsoft.com/office/drawing/2014/main" id="{F8EAB868-7A7F-41AD-BB1D-C467EFB8D4A0}"/>
+              </a:ext>
+            </a:extLst>
+          </p:cNvPr>
           <p:cNvSpPr/>
           <p:nvPr/>
         </p:nvSpPr>
         <p:spPr>
           <a:xfrm>
-            <a:off x="1944000" y="5485680"/>
-            <a:ext cx="2108880" cy="274320"/>
-          </a:xfrm>
-          <a:prstGeom prst="rect">
-            <a:avLst/>
-          </a:prstGeom>
-          <a:noFill/>
-          <a:ln>
-            <a:noFill/>
-          </a:ln>
-        </p:spPr>
-        <p:style>
-          <a:lnRef idx="0"/>
-          <a:fillRef idx="0"/>
-          <a:effectRef idx="0"/>
-          <a:fontRef idx="minor"/>
-        </p:style>
-        <p:txBody>
-          <a:bodyPr lIns="0" rIns="0" tIns="0" bIns="0">
-            <a:spAutoFit/>
-          </a:bodyPr>
-          <a:p>
-            <a:pPr>
-              <a:lnSpc>
-                <a:spcPct val="100000"/>
-              </a:lnSpc>
-            </a:pPr>
-            <a:r>
-              <a:rPr b="0" lang="pt-BR" sz="1800" spc="-1" strike="noStrike">
-                <a:solidFill>
-                  <a:srgbClr val="595959"/>
-                </a:solidFill>
-                <a:latin typeface="思源黑体 CN Bold"/>
-                <a:ea typeface="思源黑体 CN Bold"/>
-              </a:rPr>
-              <a:t>Diagrama</a:t>
-            </a:r>
-            <a:endParaRPr b="0" lang="pt-BR" sz="1800" spc="-1" strike="noStrike">
-              <a:latin typeface="Arial"/>
-            </a:endParaRPr>
-          </a:p>
-        </p:txBody>
-      </p:sp>
-      <p:sp>
-        <p:nvSpPr>
-          <p:cNvPr id="70" name="CustomShape 23"/>
-          <p:cNvSpPr/>
-          <p:nvPr/>
-        </p:nvSpPr>
-        <p:spPr>
-          <a:xfrm>
-            <a:off x="4875120" y="5485680"/>
-            <a:ext cx="2108880" cy="274320"/>
-          </a:xfrm>
-          <a:prstGeom prst="rect">
-            <a:avLst/>
-          </a:prstGeom>
-          <a:noFill/>
-          <a:ln>
-            <a:noFill/>
-          </a:ln>
-        </p:spPr>
-        <p:style>
-          <a:lnRef idx="0"/>
-          <a:fillRef idx="0"/>
-          <a:effectRef idx="0"/>
-          <a:fontRef idx="minor"/>
-        </p:style>
-        <p:txBody>
-          <a:bodyPr lIns="0" rIns="0" tIns="0" bIns="0">
-            <a:spAutoFit/>
-          </a:bodyPr>
-          <a:p>
-            <a:pPr>
-              <a:lnSpc>
-                <a:spcPct val="100000"/>
-              </a:lnSpc>
-            </a:pPr>
-            <a:r>
-              <a:rPr b="0" lang="pt-BR" sz="1800" spc="-1" strike="noStrike">
-                <a:solidFill>
-                  <a:srgbClr val="595959"/>
-                </a:solidFill>
-                <a:latin typeface="思源黑体 CN Bold"/>
-                <a:ea typeface="思源黑体 CN Bold"/>
-              </a:rPr>
-              <a:t>Mockups </a:t>
-            </a:r>
-            <a:endParaRPr b="0" lang="pt-BR" sz="1800" spc="-1" strike="noStrike">
-              <a:latin typeface="Arial"/>
-            </a:endParaRPr>
-          </a:p>
-        </p:txBody>
-      </p:sp>
-      <p:sp>
-        <p:nvSpPr>
-          <p:cNvPr id="71" name="CustomShape 24"/>
-          <p:cNvSpPr/>
-          <p:nvPr/>
-        </p:nvSpPr>
-        <p:spPr>
-          <a:xfrm>
-            <a:off x="6891120" y="5112000"/>
-            <a:ext cx="2108880" cy="274320"/>
-          </a:xfrm>
-          <a:prstGeom prst="rect">
-            <a:avLst/>
-          </a:prstGeom>
-          <a:noFill/>
-          <a:ln>
-            <a:noFill/>
-          </a:ln>
-        </p:spPr>
-        <p:style>
-          <a:lnRef idx="0"/>
-          <a:fillRef idx="0"/>
-          <a:effectRef idx="0"/>
-          <a:fontRef idx="minor"/>
-        </p:style>
-        <p:txBody>
-          <a:bodyPr lIns="0" rIns="0" tIns="0" bIns="0">
-            <a:spAutoFit/>
-          </a:bodyPr>
-          <a:p>
-            <a:pPr>
-              <a:lnSpc>
-                <a:spcPct val="100000"/>
-              </a:lnSpc>
-            </a:pPr>
-            <a:r>
-              <a:rPr b="0" lang="pt-BR" sz="1800" spc="-1" strike="noStrike">
-                <a:solidFill>
-                  <a:srgbClr val="595959"/>
-                </a:solidFill>
-                <a:latin typeface="思源黑体 CN Bold"/>
-                <a:ea typeface="思源黑体 CN Bold"/>
-              </a:rPr>
-              <a:t>Lições </a:t>
-            </a:r>
-            <a:r>
-              <a:rPr b="0" lang="pt-BR" sz="1800" spc="-1" strike="noStrike">
-                <a:solidFill>
-                  <a:srgbClr val="595959"/>
-                </a:solidFill>
-                <a:latin typeface="思源黑体 CN Bold"/>
-                <a:ea typeface="思源黑体 CN Bold"/>
-              </a:rPr>
-              <a:t>Aprend</a:t>
-            </a:r>
-            <a:r>
-              <a:rPr b="0" lang="pt-BR" sz="1800" spc="-1" strike="noStrike">
-                <a:solidFill>
-                  <a:srgbClr val="595959"/>
-                </a:solidFill>
-                <a:latin typeface="思源黑体 CN Bold"/>
-                <a:ea typeface="思源黑体 CN Bold"/>
-              </a:rPr>
-              <a:t>idas </a:t>
-            </a:r>
-            <a:endParaRPr b="0" lang="pt-BR" sz="1800" spc="-1" strike="noStrike">
-              <a:latin typeface="Arial"/>
-            </a:endParaRPr>
-          </a:p>
-        </p:txBody>
-      </p:sp>
-      <p:sp>
-        <p:nvSpPr>
-          <p:cNvPr id="72" name="CustomShape 25"/>
-          <p:cNvSpPr/>
-          <p:nvPr/>
-        </p:nvSpPr>
-        <p:spPr>
-          <a:xfrm>
-            <a:off x="6696000" y="5760000"/>
-            <a:ext cx="2108880" cy="274680"/>
-          </a:xfrm>
-          <a:prstGeom prst="rect">
-            <a:avLst/>
-          </a:prstGeom>
-          <a:noFill/>
-          <a:ln>
-            <a:noFill/>
-          </a:ln>
-        </p:spPr>
-        <p:style>
-          <a:lnRef idx="0"/>
-          <a:fillRef idx="0"/>
-          <a:effectRef idx="0"/>
-          <a:fontRef idx="minor"/>
-        </p:style>
-        <p:txBody>
-          <a:bodyPr lIns="0" rIns="0" tIns="0" bIns="0">
-            <a:spAutoFit/>
-          </a:bodyPr>
-          <a:p>
-            <a:pPr>
-              <a:lnSpc>
-                <a:spcPct val="100000"/>
-              </a:lnSpc>
-            </a:pPr>
-            <a:r>
-              <a:rPr b="0" lang="pt-BR" sz="1800" spc="-1" strike="noStrike">
-                <a:solidFill>
-                  <a:srgbClr val="595959"/>
-                </a:solidFill>
-                <a:latin typeface="思源黑体 CN Bold"/>
-                <a:ea typeface="思源黑体 CN Bold"/>
-              </a:rPr>
-              <a:t>Próximos Passos</a:t>
-            </a:r>
-            <a:endParaRPr b="0" lang="pt-BR" sz="1800" spc="-1" strike="noStrike">
-              <a:latin typeface="Arial"/>
-            </a:endParaRPr>
-          </a:p>
-        </p:txBody>
-      </p:sp>
-      <p:sp>
-        <p:nvSpPr>
-          <p:cNvPr id="73" name="CustomShape 26"/>
-          <p:cNvSpPr/>
-          <p:nvPr/>
-        </p:nvSpPr>
-        <p:spPr>
-          <a:xfrm>
-            <a:off x="4025160" y="4760280"/>
-            <a:ext cx="582840" cy="567720"/>
+            <a:off x="4615200" y="4234583"/>
+            <a:ext cx="555120" cy="567720"/>
           </a:xfrm>
           <a:prstGeom prst="rect">
             <a:avLst/>
           </a:prstGeom>
           <a:solidFill>
-            <a:srgbClr val="2f50a1"/>
+            <a:srgbClr val="2F50A1"/>
           </a:solidFill>
           <a:ln>
             <a:noFill/>
@@ -4443,23 +4919,36 @@
           </a:effectRef>
           <a:fontRef idx="minor"/>
         </p:style>
-      </p:sp>
-      <p:sp>
-        <p:nvSpPr>
-          <p:cNvPr id="74" name="CustomShape 27"/>
+        <p:txBody>
+          <a:bodyPr/>
+          <a:lstStyle/>
+          <a:p>
+            <a:endParaRPr lang="pt-BR" dirty="0"/>
+          </a:p>
+        </p:txBody>
+      </p:sp>
+      <p:sp>
+        <p:nvSpPr>
+          <p:cNvPr id="38" name="CustomShape 7">
+            <a:extLst>
+              <a:ext uri="{FF2B5EF4-FFF2-40B4-BE49-F238E27FC236}">
+                <a16:creationId xmlns:a16="http://schemas.microsoft.com/office/drawing/2014/main" id="{B8712FF0-BE46-425B-BA34-1F600A58B223}"/>
+              </a:ext>
+            </a:extLst>
+          </p:cNvPr>
           <p:cNvSpPr/>
           <p:nvPr/>
         </p:nvSpPr>
         <p:spPr>
           <a:xfrm>
-            <a:off x="5897160" y="4824000"/>
-            <a:ext cx="582840" cy="567720"/>
+            <a:off x="4615200" y="4998143"/>
+            <a:ext cx="555120" cy="567720"/>
           </a:xfrm>
           <a:prstGeom prst="rect">
             <a:avLst/>
           </a:prstGeom>
           <a:solidFill>
-            <a:srgbClr val="2f50a1"/>
+            <a:srgbClr val="2F50A1"/>
           </a:solidFill>
           <a:ln>
             <a:noFill/>
@@ -4482,61 +4971,596 @@
       </p:sp>
       <p:sp>
         <p:nvSpPr>
-          <p:cNvPr id="75" name="CustomShape 28"/>
+          <p:cNvPr id="41" name="CustomShape 13">
+            <a:extLst>
+              <a:ext uri="{FF2B5EF4-FFF2-40B4-BE49-F238E27FC236}">
+                <a16:creationId xmlns:a16="http://schemas.microsoft.com/office/drawing/2014/main" id="{1909F294-1CBA-4550-83A7-C86F5ACEBF2B}"/>
+              </a:ext>
+            </a:extLst>
+          </p:cNvPr>
           <p:cNvSpPr/>
           <p:nvPr/>
         </p:nvSpPr>
         <p:spPr>
           <a:xfrm>
-            <a:off x="3665160" y="5760000"/>
-            <a:ext cx="582840" cy="567720"/>
-          </a:xfrm>
-          <a:prstGeom prst="rect">
-            <a:avLst/>
-          </a:prstGeom>
-          <a:solidFill>
-            <a:srgbClr val="2f50a1"/>
-          </a:solidFill>
+            <a:off x="1215858" y="2783359"/>
+            <a:ext cx="555120" cy="460211"/>
+          </a:xfrm>
+          <a:prstGeom prst="rect">
+            <a:avLst/>
+          </a:prstGeom>
+          <a:noFill/>
           <a:ln>
             <a:noFill/>
           </a:ln>
         </p:spPr>
         <p:style>
-          <a:lnRef idx="2">
-            <a:schemeClr val="accent1">
-              <a:shade val="50000"/>
-            </a:schemeClr>
+          <a:lnRef idx="0">
+            <a:scrgbClr r="0" g="0" b="0"/>
           </a:lnRef>
-          <a:fillRef idx="1">
-            <a:schemeClr val="accent1"/>
+          <a:fillRef idx="0">
+            <a:scrgbClr r="0" g="0" b="0"/>
           </a:fillRef>
           <a:effectRef idx="0">
-            <a:schemeClr val="accent1"/>
+            <a:scrgbClr r="0" g="0" b="0"/>
           </a:effectRef>
           <a:fontRef idx="minor"/>
         </p:style>
+        <p:txBody>
+          <a:bodyPr lIns="90000" tIns="45000" rIns="90000" bIns="45000">
+            <a:spAutoFit/>
+          </a:bodyPr>
+          <a:lstStyle/>
+          <a:p>
+            <a:pPr>
+              <a:lnSpc>
+                <a:spcPct val="100000"/>
+              </a:lnSpc>
+            </a:pPr>
+            <a:r>
+              <a:rPr lang="en-US" sz="2400" b="0" strike="noStrike" cap="all" spc="-1" dirty="0">
+                <a:solidFill>
+                  <a:srgbClr val="FFFFFF"/>
+                </a:solidFill>
+                <a:latin typeface="思源黑体 CN Medium"/>
+                <a:ea typeface="思源黑体 CN Medium"/>
+              </a:rPr>
+              <a:t>02</a:t>
+            </a:r>
+            <a:endParaRPr lang="pt-BR" sz="2400" b="0" strike="noStrike" spc="-1" dirty="0">
+              <a:latin typeface="Arial"/>
+            </a:endParaRPr>
+          </a:p>
+        </p:txBody>
+      </p:sp>
+      <p:sp>
+        <p:nvSpPr>
+          <p:cNvPr id="42" name="CustomShape 13">
+            <a:extLst>
+              <a:ext uri="{FF2B5EF4-FFF2-40B4-BE49-F238E27FC236}">
+                <a16:creationId xmlns:a16="http://schemas.microsoft.com/office/drawing/2014/main" id="{F960763E-CA02-4E42-B42C-E45C4FA1233A}"/>
+              </a:ext>
+            </a:extLst>
+          </p:cNvPr>
+          <p:cNvSpPr/>
+          <p:nvPr/>
+        </p:nvSpPr>
+        <p:spPr>
+          <a:xfrm>
+            <a:off x="1215858" y="3507996"/>
+            <a:ext cx="555120" cy="460211"/>
+          </a:xfrm>
+          <a:prstGeom prst="rect">
+            <a:avLst/>
+          </a:prstGeom>
+          <a:noFill/>
+          <a:ln>
+            <a:noFill/>
+          </a:ln>
+        </p:spPr>
+        <p:style>
+          <a:lnRef idx="0">
+            <a:scrgbClr r="0" g="0" b="0"/>
+          </a:lnRef>
+          <a:fillRef idx="0">
+            <a:scrgbClr r="0" g="0" b="0"/>
+          </a:fillRef>
+          <a:effectRef idx="0">
+            <a:scrgbClr r="0" g="0" b="0"/>
+          </a:effectRef>
+          <a:fontRef idx="minor"/>
+        </p:style>
+        <p:txBody>
+          <a:bodyPr lIns="90000" tIns="45000" rIns="90000" bIns="45000">
+            <a:spAutoFit/>
+          </a:bodyPr>
+          <a:lstStyle/>
+          <a:p>
+            <a:pPr>
+              <a:lnSpc>
+                <a:spcPct val="100000"/>
+              </a:lnSpc>
+            </a:pPr>
+            <a:r>
+              <a:rPr lang="en-US" sz="2400" b="0" strike="noStrike" cap="all" spc="-1" dirty="0">
+                <a:solidFill>
+                  <a:srgbClr val="FFFFFF"/>
+                </a:solidFill>
+                <a:latin typeface="思源黑体 CN Medium"/>
+                <a:ea typeface="思源黑体 CN Medium"/>
+              </a:rPr>
+              <a:t>03</a:t>
+            </a:r>
+            <a:endParaRPr lang="pt-BR" sz="2400" b="0" strike="noStrike" spc="-1" dirty="0">
+              <a:latin typeface="Arial"/>
+            </a:endParaRPr>
+          </a:p>
+        </p:txBody>
+      </p:sp>
+      <p:sp>
+        <p:nvSpPr>
+          <p:cNvPr id="43" name="CustomShape 13">
+            <a:extLst>
+              <a:ext uri="{FF2B5EF4-FFF2-40B4-BE49-F238E27FC236}">
+                <a16:creationId xmlns:a16="http://schemas.microsoft.com/office/drawing/2014/main" id="{E60BFAFF-A90D-4F5D-BA58-3AD10AFB9CA6}"/>
+              </a:ext>
+            </a:extLst>
+          </p:cNvPr>
+          <p:cNvSpPr/>
+          <p:nvPr/>
+        </p:nvSpPr>
+        <p:spPr>
+          <a:xfrm>
+            <a:off x="1215858" y="4326106"/>
+            <a:ext cx="555120" cy="460211"/>
+          </a:xfrm>
+          <a:prstGeom prst="rect">
+            <a:avLst/>
+          </a:prstGeom>
+          <a:noFill/>
+          <a:ln>
+            <a:noFill/>
+          </a:ln>
+        </p:spPr>
+        <p:style>
+          <a:lnRef idx="0">
+            <a:scrgbClr r="0" g="0" b="0"/>
+          </a:lnRef>
+          <a:fillRef idx="0">
+            <a:scrgbClr r="0" g="0" b="0"/>
+          </a:fillRef>
+          <a:effectRef idx="0">
+            <a:scrgbClr r="0" g="0" b="0"/>
+          </a:effectRef>
+          <a:fontRef idx="minor"/>
+        </p:style>
+        <p:txBody>
+          <a:bodyPr lIns="90000" tIns="45000" rIns="90000" bIns="45000">
+            <a:spAutoFit/>
+          </a:bodyPr>
+          <a:lstStyle/>
+          <a:p>
+            <a:pPr>
+              <a:lnSpc>
+                <a:spcPct val="100000"/>
+              </a:lnSpc>
+            </a:pPr>
+            <a:r>
+              <a:rPr lang="en-US" sz="2400" b="0" strike="noStrike" cap="all" spc="-1" dirty="0">
+                <a:solidFill>
+                  <a:srgbClr val="FFFFFF"/>
+                </a:solidFill>
+                <a:latin typeface="思源黑体 CN Medium"/>
+                <a:ea typeface="思源黑体 CN Medium"/>
+              </a:rPr>
+              <a:t>04</a:t>
+            </a:r>
+            <a:endParaRPr lang="pt-BR" sz="2400" b="0" strike="noStrike" spc="-1" dirty="0">
+              <a:latin typeface="Arial"/>
+            </a:endParaRPr>
+          </a:p>
+        </p:txBody>
+      </p:sp>
+      <p:sp>
+        <p:nvSpPr>
+          <p:cNvPr id="44" name="CustomShape 13">
+            <a:extLst>
+              <a:ext uri="{FF2B5EF4-FFF2-40B4-BE49-F238E27FC236}">
+                <a16:creationId xmlns:a16="http://schemas.microsoft.com/office/drawing/2014/main" id="{9CB05D2A-CC5E-42F2-8C1D-6A3269FC7AF7}"/>
+              </a:ext>
+            </a:extLst>
+          </p:cNvPr>
+          <p:cNvSpPr/>
+          <p:nvPr/>
+        </p:nvSpPr>
+        <p:spPr>
+          <a:xfrm>
+            <a:off x="1215858" y="5092920"/>
+            <a:ext cx="555120" cy="821160"/>
+          </a:xfrm>
+          <a:prstGeom prst="rect">
+            <a:avLst/>
+          </a:prstGeom>
+          <a:noFill/>
+          <a:ln>
+            <a:noFill/>
+          </a:ln>
+        </p:spPr>
+        <p:style>
+          <a:lnRef idx="0">
+            <a:scrgbClr r="0" g="0" b="0"/>
+          </a:lnRef>
+          <a:fillRef idx="0">
+            <a:scrgbClr r="0" g="0" b="0"/>
+          </a:fillRef>
+          <a:effectRef idx="0">
+            <a:scrgbClr r="0" g="0" b="0"/>
+          </a:effectRef>
+          <a:fontRef idx="minor"/>
+        </p:style>
+        <p:txBody>
+          <a:bodyPr lIns="90000" tIns="45000" rIns="90000" bIns="45000">
+            <a:spAutoFit/>
+          </a:bodyPr>
+          <a:lstStyle/>
+          <a:p>
+            <a:pPr>
+              <a:lnSpc>
+                <a:spcPct val="100000"/>
+              </a:lnSpc>
+            </a:pPr>
+            <a:r>
+              <a:rPr lang="en-US" sz="2400" b="0" strike="noStrike" cap="all" spc="-1" dirty="0">
+                <a:solidFill>
+                  <a:srgbClr val="FFFFFF"/>
+                </a:solidFill>
+                <a:latin typeface="思源黑体 CN Medium"/>
+                <a:ea typeface="思源黑体 CN Medium"/>
+              </a:rPr>
+              <a:t>05</a:t>
+            </a:r>
+            <a:endParaRPr lang="pt-BR" sz="2400" b="0" strike="noStrike" spc="-1" dirty="0">
+              <a:latin typeface="Arial"/>
+            </a:endParaRPr>
+          </a:p>
+        </p:txBody>
+      </p:sp>
+      <p:sp>
+        <p:nvSpPr>
+          <p:cNvPr id="45" name="CustomShape 13">
+            <a:extLst>
+              <a:ext uri="{FF2B5EF4-FFF2-40B4-BE49-F238E27FC236}">
+                <a16:creationId xmlns:a16="http://schemas.microsoft.com/office/drawing/2014/main" id="{A9352788-CF87-4318-93A9-E8E30DDA3994}"/>
+              </a:ext>
+            </a:extLst>
+          </p:cNvPr>
+          <p:cNvSpPr/>
+          <p:nvPr/>
+        </p:nvSpPr>
+        <p:spPr>
+          <a:xfrm>
+            <a:off x="4635028" y="1977847"/>
+            <a:ext cx="555120" cy="460211"/>
+          </a:xfrm>
+          <a:prstGeom prst="rect">
+            <a:avLst/>
+          </a:prstGeom>
+          <a:noFill/>
+          <a:ln>
+            <a:noFill/>
+          </a:ln>
+        </p:spPr>
+        <p:style>
+          <a:lnRef idx="0">
+            <a:scrgbClr r="0" g="0" b="0"/>
+          </a:lnRef>
+          <a:fillRef idx="0">
+            <a:scrgbClr r="0" g="0" b="0"/>
+          </a:fillRef>
+          <a:effectRef idx="0">
+            <a:scrgbClr r="0" g="0" b="0"/>
+          </a:effectRef>
+          <a:fontRef idx="minor"/>
+        </p:style>
+        <p:txBody>
+          <a:bodyPr lIns="90000" tIns="45000" rIns="90000" bIns="45000">
+            <a:spAutoFit/>
+          </a:bodyPr>
+          <a:lstStyle/>
+          <a:p>
+            <a:pPr>
+              <a:lnSpc>
+                <a:spcPct val="100000"/>
+              </a:lnSpc>
+            </a:pPr>
+            <a:r>
+              <a:rPr lang="en-US" sz="2400" b="0" strike="noStrike" cap="all" spc="-1" dirty="0">
+                <a:solidFill>
+                  <a:srgbClr val="FFFFFF"/>
+                </a:solidFill>
+                <a:latin typeface="思源黑体 CN Medium"/>
+                <a:ea typeface="思源黑体 CN Medium"/>
+              </a:rPr>
+              <a:t>06</a:t>
+            </a:r>
+            <a:endParaRPr lang="pt-BR" sz="2400" b="0" strike="noStrike" spc="-1" dirty="0">
+              <a:latin typeface="Arial"/>
+            </a:endParaRPr>
+          </a:p>
+        </p:txBody>
+      </p:sp>
+      <p:sp>
+        <p:nvSpPr>
+          <p:cNvPr id="46" name="CustomShape 13">
+            <a:extLst>
+              <a:ext uri="{FF2B5EF4-FFF2-40B4-BE49-F238E27FC236}">
+                <a16:creationId xmlns:a16="http://schemas.microsoft.com/office/drawing/2014/main" id="{AE7ED0FF-01F6-4D73-B679-3B94E4ADB93F}"/>
+              </a:ext>
+            </a:extLst>
+          </p:cNvPr>
+          <p:cNvSpPr/>
+          <p:nvPr/>
+        </p:nvSpPr>
+        <p:spPr>
+          <a:xfrm>
+            <a:off x="4625114" y="2750889"/>
+            <a:ext cx="555120" cy="460211"/>
+          </a:xfrm>
+          <a:prstGeom prst="rect">
+            <a:avLst/>
+          </a:prstGeom>
+          <a:noFill/>
+          <a:ln>
+            <a:noFill/>
+          </a:ln>
+        </p:spPr>
+        <p:style>
+          <a:lnRef idx="0">
+            <a:scrgbClr r="0" g="0" b="0"/>
+          </a:lnRef>
+          <a:fillRef idx="0">
+            <a:scrgbClr r="0" g="0" b="0"/>
+          </a:fillRef>
+          <a:effectRef idx="0">
+            <a:scrgbClr r="0" g="0" b="0"/>
+          </a:effectRef>
+          <a:fontRef idx="minor"/>
+        </p:style>
+        <p:txBody>
+          <a:bodyPr lIns="90000" tIns="45000" rIns="90000" bIns="45000">
+            <a:spAutoFit/>
+          </a:bodyPr>
+          <a:lstStyle/>
+          <a:p>
+            <a:pPr>
+              <a:lnSpc>
+                <a:spcPct val="100000"/>
+              </a:lnSpc>
+            </a:pPr>
+            <a:r>
+              <a:rPr lang="en-US" sz="2400" b="0" strike="noStrike" cap="all" spc="-1" dirty="0">
+                <a:solidFill>
+                  <a:srgbClr val="FFFFFF"/>
+                </a:solidFill>
+                <a:latin typeface="思源黑体 CN Medium"/>
+                <a:ea typeface="思源黑体 CN Medium"/>
+              </a:rPr>
+              <a:t>07</a:t>
+            </a:r>
+            <a:endParaRPr lang="pt-BR" sz="2400" b="0" strike="noStrike" spc="-1" dirty="0">
+              <a:latin typeface="Arial"/>
+            </a:endParaRPr>
+          </a:p>
+        </p:txBody>
+      </p:sp>
+      <p:sp>
+        <p:nvSpPr>
+          <p:cNvPr id="47" name="CustomShape 13">
+            <a:extLst>
+              <a:ext uri="{FF2B5EF4-FFF2-40B4-BE49-F238E27FC236}">
+                <a16:creationId xmlns:a16="http://schemas.microsoft.com/office/drawing/2014/main" id="{88516ABA-F06C-4AA1-B69D-7189861D9C72}"/>
+              </a:ext>
+            </a:extLst>
+          </p:cNvPr>
+          <p:cNvSpPr/>
+          <p:nvPr/>
+        </p:nvSpPr>
+        <p:spPr>
+          <a:xfrm>
+            <a:off x="4635028" y="3507996"/>
+            <a:ext cx="555120" cy="460211"/>
+          </a:xfrm>
+          <a:prstGeom prst="rect">
+            <a:avLst/>
+          </a:prstGeom>
+          <a:noFill/>
+          <a:ln>
+            <a:noFill/>
+          </a:ln>
+        </p:spPr>
+        <p:style>
+          <a:lnRef idx="0">
+            <a:scrgbClr r="0" g="0" b="0"/>
+          </a:lnRef>
+          <a:fillRef idx="0">
+            <a:scrgbClr r="0" g="0" b="0"/>
+          </a:fillRef>
+          <a:effectRef idx="0">
+            <a:scrgbClr r="0" g="0" b="0"/>
+          </a:effectRef>
+          <a:fontRef idx="minor"/>
+        </p:style>
+        <p:txBody>
+          <a:bodyPr lIns="90000" tIns="45000" rIns="90000" bIns="45000">
+            <a:spAutoFit/>
+          </a:bodyPr>
+          <a:lstStyle/>
+          <a:p>
+            <a:pPr>
+              <a:lnSpc>
+                <a:spcPct val="100000"/>
+              </a:lnSpc>
+            </a:pPr>
+            <a:r>
+              <a:rPr lang="en-US" sz="2400" b="0" strike="noStrike" cap="all" spc="-1" dirty="0">
+                <a:solidFill>
+                  <a:srgbClr val="FFFFFF"/>
+                </a:solidFill>
+                <a:latin typeface="思源黑体 CN Medium"/>
+                <a:ea typeface="思源黑体 CN Medium"/>
+              </a:rPr>
+              <a:t>08</a:t>
+            </a:r>
+            <a:endParaRPr lang="pt-BR" sz="2400" b="0" strike="noStrike" spc="-1" dirty="0">
+              <a:latin typeface="Arial"/>
+            </a:endParaRPr>
+          </a:p>
+        </p:txBody>
+      </p:sp>
+      <p:sp>
+        <p:nvSpPr>
+          <p:cNvPr id="76" name="CustomShape 13">
+            <a:extLst>
+              <a:ext uri="{FF2B5EF4-FFF2-40B4-BE49-F238E27FC236}">
+                <a16:creationId xmlns:a16="http://schemas.microsoft.com/office/drawing/2014/main" id="{D5016635-6225-4594-9260-8AFA2259D03F}"/>
+              </a:ext>
+            </a:extLst>
+          </p:cNvPr>
+          <p:cNvSpPr/>
+          <p:nvPr/>
+        </p:nvSpPr>
+        <p:spPr>
+          <a:xfrm>
+            <a:off x="4625114" y="4288337"/>
+            <a:ext cx="555120" cy="460211"/>
+          </a:xfrm>
+          <a:prstGeom prst="rect">
+            <a:avLst/>
+          </a:prstGeom>
+          <a:noFill/>
+          <a:ln>
+            <a:noFill/>
+          </a:ln>
+        </p:spPr>
+        <p:style>
+          <a:lnRef idx="0">
+            <a:scrgbClr r="0" g="0" b="0"/>
+          </a:lnRef>
+          <a:fillRef idx="0">
+            <a:scrgbClr r="0" g="0" b="0"/>
+          </a:fillRef>
+          <a:effectRef idx="0">
+            <a:scrgbClr r="0" g="0" b="0"/>
+          </a:effectRef>
+          <a:fontRef idx="minor"/>
+        </p:style>
+        <p:txBody>
+          <a:bodyPr lIns="90000" tIns="45000" rIns="90000" bIns="45000">
+            <a:spAutoFit/>
+          </a:bodyPr>
+          <a:lstStyle/>
+          <a:p>
+            <a:pPr>
+              <a:lnSpc>
+                <a:spcPct val="100000"/>
+              </a:lnSpc>
+            </a:pPr>
+            <a:r>
+              <a:rPr lang="en-US" sz="2400" b="0" strike="noStrike" cap="all" spc="-1" dirty="0">
+                <a:solidFill>
+                  <a:srgbClr val="FFFFFF"/>
+                </a:solidFill>
+                <a:latin typeface="思源黑体 CN Medium"/>
+                <a:ea typeface="思源黑体 CN Medium"/>
+              </a:rPr>
+              <a:t>09</a:t>
+            </a:r>
+            <a:endParaRPr lang="pt-BR" sz="2400" b="0" strike="noStrike" spc="-1" dirty="0">
+              <a:latin typeface="Arial"/>
+            </a:endParaRPr>
+          </a:p>
+        </p:txBody>
+      </p:sp>
+      <p:sp>
+        <p:nvSpPr>
+          <p:cNvPr id="77" name="CustomShape 13">
+            <a:extLst>
+              <a:ext uri="{FF2B5EF4-FFF2-40B4-BE49-F238E27FC236}">
+                <a16:creationId xmlns:a16="http://schemas.microsoft.com/office/drawing/2014/main" id="{003060D5-E7AE-4434-9B8A-AF01BFE6BD2C}"/>
+              </a:ext>
+            </a:extLst>
+          </p:cNvPr>
+          <p:cNvSpPr/>
+          <p:nvPr/>
+        </p:nvSpPr>
+        <p:spPr>
+          <a:xfrm>
+            <a:off x="4635028" y="5062625"/>
+            <a:ext cx="535292" cy="460211"/>
+          </a:xfrm>
+          <a:prstGeom prst="rect">
+            <a:avLst/>
+          </a:prstGeom>
+          <a:noFill/>
+          <a:ln>
+            <a:noFill/>
+          </a:ln>
+        </p:spPr>
+        <p:style>
+          <a:lnRef idx="0">
+            <a:scrgbClr r="0" g="0" b="0"/>
+          </a:lnRef>
+          <a:fillRef idx="0">
+            <a:scrgbClr r="0" g="0" b="0"/>
+          </a:fillRef>
+          <a:effectRef idx="0">
+            <a:scrgbClr r="0" g="0" b="0"/>
+          </a:effectRef>
+          <a:fontRef idx="minor"/>
+        </p:style>
+        <p:txBody>
+          <a:bodyPr wrap="square" lIns="90000" tIns="45000" rIns="90000" bIns="45000">
+            <a:spAutoFit/>
+          </a:bodyPr>
+          <a:lstStyle/>
+          <a:p>
+            <a:pPr>
+              <a:lnSpc>
+                <a:spcPct val="100000"/>
+              </a:lnSpc>
+            </a:pPr>
+            <a:r>
+              <a:rPr lang="en-US" sz="2400" cap="all" spc="-1" dirty="0">
+                <a:solidFill>
+                  <a:srgbClr val="FFFFFF"/>
+                </a:solidFill>
+                <a:latin typeface="思源黑体 CN Medium"/>
+              </a:rPr>
+              <a:t>10</a:t>
+            </a:r>
+            <a:endParaRPr lang="pt-BR" sz="2400" b="0" strike="noStrike" spc="-1" dirty="0">
+              <a:latin typeface="Arial"/>
+            </a:endParaRPr>
+          </a:p>
+        </p:txBody>
       </p:sp>
     </p:spTree>
   </p:cSld>
-  <mc:AlternateContent>
-    <mc:Choice Requires="p14">
-      <p:transition spd="slow" p14:dur="2000"/>
-    </mc:Choice>
-    <mc:Fallback>
-      <p:transition spd="slow"/>
-    </mc:Fallback>
-  </mc:AlternateContent>
+  <p:clrMapOvr>
+    <a:masterClrMapping/>
+  </p:clrMapOvr>
 </p:sld>
 </file>
 
 <file path=ppt/slides/slide4.xml><?xml version="1.0" encoding="utf-8"?>
-<p:sld xmlns:a="http://schemas.openxmlformats.org/drawingml/2006/main" xmlns:p="http://schemas.openxmlformats.org/presentationml/2006/main" xmlns:r="http://schemas.openxmlformats.org/officeDocument/2006/relationships" xmlns:p14="http://schemas.microsoft.com/office/powerpoint/2010/main" xmlns:p15="http://schemas.microsoft.com/office/powerpoint/2012/main" xmlns:mc="http://schemas.openxmlformats.org/markup-compatibility/2006">
+<p:sld xmlns:a="http://schemas.openxmlformats.org/drawingml/2006/main" xmlns:r="http://schemas.openxmlformats.org/officeDocument/2006/relationships" xmlns:p="http://schemas.openxmlformats.org/presentationml/2006/main">
   <p:cSld>
     <p:bg>
       <p:bgPr>
         <a:solidFill>
-          <a:srgbClr val="ffffff"/>
+          <a:srgbClr val="FFFFFF"/>
         </a:solidFill>
+        <a:effectLst/>
       </p:bgPr>
     </p:bg>
     <p:spTree>
@@ -4568,6 +5592,7 @@
             <a:avLst/>
             <a:gdLst/>
             <a:ahLst/>
+            <a:cxnLst/>
             <a:rect l="l" t="t" r="r" b="b"/>
             <a:pathLst>
               <a:path w="5447" h="9525">
@@ -4599,10 +5624,10 @@
           <a:gradFill rotWithShape="0">
             <a:gsLst>
               <a:gs pos="47000">
-                <a:srgbClr val="ffffff"/>
+                <a:srgbClr val="FFFFFF"/>
               </a:gs>
               <a:gs pos="100000">
-                <a:srgbClr val="0765f4"/>
+                <a:srgbClr val="0765F4"/>
               </a:gs>
             </a:gsLst>
             <a:lin ang="16200000"/>
@@ -4646,15 +5671,22 @@
           </a:ln>
         </p:spPr>
         <p:style>
-          <a:lnRef idx="0"/>
-          <a:fillRef idx="0"/>
-          <a:effectRef idx="0"/>
+          <a:lnRef idx="0">
+            <a:scrgbClr r="0" g="0" b="0"/>
+          </a:lnRef>
+          <a:fillRef idx="0">
+            <a:scrgbClr r="0" g="0" b="0"/>
+          </a:fillRef>
+          <a:effectRef idx="0">
+            <a:scrgbClr r="0" g="0" b="0"/>
+          </a:effectRef>
           <a:fontRef idx="minor"/>
         </p:style>
         <p:txBody>
-          <a:bodyPr lIns="90000" rIns="90000" tIns="45000" bIns="45000">
+          <a:bodyPr lIns="90000" tIns="45000" rIns="90000" bIns="45000">
             <a:spAutoFit/>
           </a:bodyPr>
+          <a:lstStyle/>
           <a:p>
             <a:pPr algn="ctr">
               <a:lnSpc>
@@ -4662,7 +5694,7 @@
               </a:lnSpc>
             </a:pPr>
             <a:r>
-              <a:rPr b="0" lang="pt-BR" sz="5400" spc="-1" strike="noStrike">
+              <a:rPr lang="pt-BR" sz="5400" b="0" strike="noStrike" spc="-1">
                 <a:solidFill>
                   <a:srgbClr val="125490"/>
                 </a:solidFill>
@@ -4671,7 +5703,7 @@
               </a:rPr>
               <a:t>Contexto</a:t>
             </a:r>
-            <a:endParaRPr b="0" lang="pt-BR" sz="5400" spc="-1" strike="noStrike">
+            <a:endParaRPr lang="pt-BR" sz="5400" b="0" strike="noStrike" spc="-1">
               <a:latin typeface="Arial"/>
             </a:endParaRPr>
           </a:p>
@@ -4692,7 +5724,7 @@
             <a:avLst/>
           </a:prstGeom>
           <a:solidFill>
-            <a:srgbClr val="0d31b7"/>
+            <a:srgbClr val="0D31B7"/>
           </a:solidFill>
           <a:ln>
             <a:noFill/>
@@ -4728,7 +5760,7 @@
             <a:avLst/>
           </a:prstGeom>
           <a:solidFill>
-            <a:srgbClr val="0d31b7"/>
+            <a:srgbClr val="0D31B7"/>
           </a:solidFill>
           <a:ln>
             <a:noFill/>
@@ -4764,7 +5796,7 @@
             <a:avLst/>
           </a:prstGeom>
           <a:solidFill>
-            <a:srgbClr val="0d31b7"/>
+            <a:srgbClr val="0D31B7"/>
           </a:solidFill>
           <a:ln>
             <a:noFill/>
@@ -4800,7 +5832,7 @@
             <a:avLst/>
           </a:prstGeom>
           <a:solidFill>
-            <a:srgbClr val="0d31b7"/>
+            <a:srgbClr val="0D31B7"/>
           </a:solidFill>
           <a:ln>
             <a:noFill/>
@@ -4823,25 +5855,21 @@
       </p:sp>
     </p:spTree>
   </p:cSld>
-  <mc:AlternateContent>
-    <mc:Choice Requires="p14">
-      <p:transition spd="slow" p14:dur="2000"/>
-    </mc:Choice>
-    <mc:Fallback>
-      <p:transition spd="slow"/>
-    </mc:Fallback>
-  </mc:AlternateContent>
+  <p:clrMapOvr>
+    <a:masterClrMapping/>
+  </p:clrMapOvr>
 </p:sld>
 </file>
 
 <file path=ppt/slides/slide5.xml><?xml version="1.0" encoding="utf-8"?>
-<p:sld xmlns:a="http://schemas.openxmlformats.org/drawingml/2006/main" xmlns:p="http://schemas.openxmlformats.org/presentationml/2006/main" xmlns:r="http://schemas.openxmlformats.org/officeDocument/2006/relationships" xmlns:p14="http://schemas.microsoft.com/office/powerpoint/2010/main" xmlns:p15="http://schemas.microsoft.com/office/powerpoint/2012/main" xmlns:mc="http://schemas.openxmlformats.org/markup-compatibility/2006">
+<p:sld xmlns:a="http://schemas.openxmlformats.org/drawingml/2006/main" xmlns:r="http://schemas.openxmlformats.org/officeDocument/2006/relationships" xmlns:p="http://schemas.openxmlformats.org/presentationml/2006/main">
   <p:cSld>
     <p:bg>
       <p:bgPr>
         <a:solidFill>
-          <a:srgbClr val="ffffff"/>
+          <a:srgbClr val="FFFFFF"/>
         </a:solidFill>
+        <a:effectLst/>
       </p:bgPr>
     </p:bg>
     <p:spTree>
@@ -4906,15 +5934,22 @@
               </a:ln>
             </p:spPr>
             <p:style>
-              <a:lnRef idx="0"/>
-              <a:fillRef idx="0"/>
-              <a:effectRef idx="0"/>
+              <a:lnRef idx="0">
+                <a:scrgbClr r="0" g="0" b="0"/>
+              </a:lnRef>
+              <a:fillRef idx="0">
+                <a:scrgbClr r="0" g="0" b="0"/>
+              </a:fillRef>
+              <a:effectRef idx="0">
+                <a:scrgbClr r="0" g="0" b="0"/>
+              </a:effectRef>
               <a:fontRef idx="minor"/>
             </p:style>
             <p:txBody>
-              <a:bodyPr lIns="90000" rIns="90000" tIns="45000" bIns="45000">
+              <a:bodyPr lIns="90000" tIns="45000" rIns="90000" bIns="45000">
                 <a:spAutoFit/>
               </a:bodyPr>
+              <a:lstStyle/>
               <a:p>
                 <a:pPr algn="ctr">
                   <a:lnSpc>
@@ -4922,7 +5957,7 @@
                   </a:lnSpc>
                 </a:pPr>
                 <a:r>
-                  <a:rPr b="0" lang="en-US" sz="2000" spc="-1" strike="noStrike">
+                  <a:rPr lang="en-US" sz="2000" b="0" strike="noStrike" spc="-1">
                     <a:solidFill>
                       <a:srgbClr val="000000"/>
                     </a:solidFill>
@@ -4931,7 +5966,7 @@
                   </a:rPr>
                   <a:t>Demora em atendimentos devido a panes nos Sistemas Operacionais.</a:t>
                 </a:r>
-                <a:endParaRPr b="0" lang="pt-BR" sz="2000" spc="-1" strike="noStrike">
+                <a:endParaRPr lang="pt-BR" sz="2000" b="0" strike="noStrike" spc="-1">
                   <a:latin typeface="Arial"/>
                 </a:endParaRPr>
               </a:p>
@@ -4941,7 +5976,7 @@
                     <a:spcPct val="100000"/>
                   </a:lnSpc>
                 </a:pPr>
-                <a:endParaRPr b="0" lang="pt-BR" sz="2000" spc="-1" strike="noStrike">
+                <a:endParaRPr lang="pt-BR" sz="2000" b="0" strike="noStrike" spc="-1">
                   <a:latin typeface="Arial"/>
                 </a:endParaRPr>
               </a:p>
@@ -4952,7 +5987,7 @@
                   </a:lnSpc>
                 </a:pPr>
                 <a:r>
-                  <a:rPr b="0" lang="en-US" sz="2000" spc="-1" strike="noStrike">
+                  <a:rPr lang="en-US" sz="2000" b="0" strike="noStrike" spc="-1">
                     <a:solidFill>
                       <a:srgbClr val="000000"/>
                     </a:solidFill>
@@ -4961,7 +5996,7 @@
                   </a:rPr>
                   <a:t>Por muitos relatos e por experiência própria concluímos que há necessidade de um monitoramento das máquinas para diminuir a ocorrência dessas panes. </a:t>
                 </a:r>
-                <a:endParaRPr b="0" lang="pt-BR" sz="2000" spc="-1" strike="noStrike">
+                <a:endParaRPr lang="pt-BR" sz="2000" b="0" strike="noStrike" spc="-1">
                   <a:latin typeface="Arial"/>
                 </a:endParaRPr>
               </a:p>
@@ -4971,7 +6006,7 @@
                     <a:spcPct val="100000"/>
                   </a:lnSpc>
                 </a:pPr>
-                <a:endParaRPr b="0" lang="pt-BR" sz="2000" spc="-1" strike="noStrike">
+                <a:endParaRPr lang="pt-BR" sz="2000" b="0" strike="noStrike" spc="-1">
                   <a:latin typeface="Arial"/>
                 </a:endParaRPr>
               </a:p>
@@ -5011,20 +6046,21 @@
               <a:fontRef idx="minor"/>
             </p:style>
             <p:txBody>
-              <a:bodyPr lIns="90000" rIns="90000" tIns="45000" bIns="45000" anchor="ctr">
+              <a:bodyPr lIns="90000" tIns="45000" rIns="90000" bIns="45000" anchor="ctr">
                 <a:noAutofit/>
               </a:bodyPr>
+              <a:lstStyle/>
               <a:p>
                 <a:pPr>
                   <a:lnSpc>
                     <a:spcPct val="100000"/>
                   </a:lnSpc>
                   <a:tabLst>
-                    <a:tab algn="l" pos="0"/>
+                    <a:tab pos="0" algn="l"/>
                   </a:tabLst>
                 </a:pPr>
                 <a:r>
-                  <a:rPr b="1" lang="pt-BR" sz="2300" spc="-1" strike="noStrike">
+                  <a:rPr lang="pt-BR" sz="2300" b="1" strike="noStrike" spc="-1">
                     <a:solidFill>
                       <a:srgbClr val="000000"/>
                     </a:solidFill>
@@ -5033,7 +6069,7 @@
                   </a:rPr>
                   <a:t>Problema</a:t>
                 </a:r>
-                <a:endParaRPr b="0" lang="pt-BR" sz="2300" spc="-1" strike="noStrike">
+                <a:endParaRPr lang="pt-BR" sz="2300" b="0" strike="noStrike" spc="-1">
                   <a:latin typeface="Arial"/>
                 </a:endParaRPr>
               </a:p>
@@ -5083,6 +6119,7 @@
                   <a:avLst/>
                   <a:gdLst/>
                   <a:ahLst/>
+                  <a:cxnLst/>
                   <a:rect l="l" t="t" r="r" b="b"/>
                   <a:pathLst>
                     <a:path w="2906456" h="1162582">
@@ -5129,7 +6166,9 @@
                     <a:alphaOff val="0"/>
                   </a:schemeClr>
                 </a:lnRef>
-                <a:fillRef idx="0"/>
+                <a:fillRef idx="0">
+                  <a:scrgbClr r="0" g="0" b="0"/>
+                </a:fillRef>
                 <a:effectRef idx="0">
                   <a:schemeClr val="accent1">
                     <a:hueOff val="0"/>
@@ -5141,9 +6180,10 @@
                 <a:fontRef idx="minor"/>
               </p:style>
               <p:txBody>
-                <a:bodyPr lIns="629280" rIns="597240" tIns="15840" bIns="15840" anchor="ctr">
+                <a:bodyPr lIns="629280" tIns="15840" rIns="597240" bIns="15840" anchor="ctr">
                   <a:noAutofit/>
                 </a:bodyPr>
+                <a:lstStyle/>
                 <a:p>
                   <a:pPr algn="ctr">
                     <a:lnSpc>
@@ -5154,7 +6194,7 @@
                     </a:spcAft>
                   </a:pPr>
                   <a:r>
-                    <a:rPr b="0" lang="en-US" sz="1200" spc="-1" strike="noStrike">
+                    <a:rPr lang="en-US" sz="1200" b="0" strike="noStrike" spc="-1">
                       <a:solidFill>
                         <a:srgbClr val="595959"/>
                       </a:solidFill>
@@ -5163,7 +6203,7 @@
                     </a:rPr>
                     <a:t> </a:t>
                   </a:r>
-                  <a:endParaRPr b="0" lang="pt-BR" sz="1200" spc="-1" strike="noStrike">
+                  <a:endParaRPr lang="pt-BR" sz="1200" b="0" strike="noStrike" spc="-1">
                     <a:latin typeface="Arial"/>
                   </a:endParaRPr>
                 </a:p>
@@ -5189,9 +6229,15 @@
                 </a:ln>
               </p:spPr>
               <p:style>
-                <a:lnRef idx="0"/>
-                <a:fillRef idx="0"/>
-                <a:effectRef idx="0"/>
+                <a:lnRef idx="0">
+                  <a:scrgbClr r="0" g="0" b="0"/>
+                </a:lnRef>
+                <a:fillRef idx="0">
+                  <a:scrgbClr r="0" g="0" b="0"/>
+                </a:fillRef>
+                <a:effectRef idx="0">
+                  <a:scrgbClr r="0" g="0" b="0"/>
+                </a:effectRef>
                 <a:fontRef idx="minor"/>
               </p:style>
             </p:sp>
@@ -5211,6 +6257,7 @@
                 <a:avLst/>
                 <a:gdLst/>
                 <a:ahLst/>
+                <a:cxnLst/>
                 <a:rect l="l" t="t" r="r" b="b"/>
                 <a:pathLst>
                   <a:path w="2906456" h="1162582">
@@ -5240,7 +6287,7 @@
                 </a:pathLst>
               </a:custGeom>
               <a:solidFill>
-                <a:srgbClr val="0d31b7"/>
+                <a:srgbClr val="0D31B7"/>
               </a:solidFill>
               <a:ln>
                 <a:noFill/>
@@ -5255,7 +6302,9 @@
                   <a:alphaOff val="0"/>
                 </a:schemeClr>
               </a:lnRef>
-              <a:fillRef idx="0"/>
+              <a:fillRef idx="0">
+                <a:scrgbClr r="0" g="0" b="0"/>
+              </a:fillRef>
               <a:effectRef idx="0">
                 <a:schemeClr val="accent1">
                   <a:hueOff val="0"/>
@@ -5267,9 +6316,10 @@
               <a:fontRef idx="minor"/>
             </p:style>
             <p:txBody>
-              <a:bodyPr lIns="629280" rIns="597240" tIns="15840" bIns="15840" anchor="ctr">
+              <a:bodyPr lIns="629280" tIns="15840" rIns="597240" bIns="15840" anchor="ctr">
                 <a:noAutofit/>
               </a:bodyPr>
+              <a:lstStyle/>
               <a:p>
                 <a:pPr algn="ctr">
                   <a:lnSpc>
@@ -5280,7 +6330,7 @@
                   </a:spcAft>
                 </a:pPr>
                 <a:r>
-                  <a:rPr b="0" lang="en-US" sz="1200" spc="-1" strike="noStrike">
+                  <a:rPr lang="en-US" sz="1200" b="0" strike="noStrike" spc="-1">
                     <a:solidFill>
                       <a:srgbClr val="595959"/>
                     </a:solidFill>
@@ -5289,7 +6339,7 @@
                   </a:rPr>
                   <a:t> </a:t>
                 </a:r>
-                <a:endParaRPr b="0" lang="pt-BR" sz="1200" spc="-1" strike="noStrike">
+                <a:endParaRPr lang="pt-BR" sz="1200" b="0" strike="noStrike" spc="-1">
                   <a:latin typeface="Arial"/>
                 </a:endParaRPr>
               </a:p>
@@ -5324,6 +6374,7 @@
                   <a:avLst/>
                   <a:gdLst/>
                   <a:ahLst/>
+                  <a:cxnLst/>
                   <a:rect l="l" t="t" r="r" b="b"/>
                   <a:pathLst>
                     <a:path w="2906456" h="1162582">
@@ -5370,7 +6421,9 @@
                     <a:alphaOff val="0"/>
                   </a:schemeClr>
                 </a:lnRef>
-                <a:fillRef idx="0"/>
+                <a:fillRef idx="0">
+                  <a:scrgbClr r="0" g="0" b="0"/>
+                </a:fillRef>
                 <a:effectRef idx="0">
                   <a:schemeClr val="accent1">
                     <a:hueOff val="0"/>
@@ -5382,9 +6435,10 @@
                 <a:fontRef idx="minor"/>
               </p:style>
               <p:txBody>
-                <a:bodyPr lIns="629280" rIns="597240" tIns="15840" bIns="15840" anchor="ctr">
+                <a:bodyPr lIns="629280" tIns="15840" rIns="597240" bIns="15840" anchor="ctr">
                   <a:noAutofit/>
                 </a:bodyPr>
+                <a:lstStyle/>
                 <a:p>
                   <a:pPr algn="ctr">
                     <a:lnSpc>
@@ -5395,7 +6449,7 @@
                     </a:spcAft>
                   </a:pPr>
                   <a:r>
-                    <a:rPr b="0" lang="en-US" sz="1200" spc="-1" strike="noStrike">
+                    <a:rPr lang="en-US" sz="1200" b="0" strike="noStrike" spc="-1">
                       <a:solidFill>
                         <a:srgbClr val="595959"/>
                       </a:solidFill>
@@ -5404,7 +6458,7 @@
                     </a:rPr>
                     <a:t> </a:t>
                   </a:r>
-                  <a:endParaRPr b="0" lang="pt-BR" sz="1200" spc="-1" strike="noStrike">
+                  <a:endParaRPr lang="pt-BR" sz="1200" b="0" strike="noStrike" spc="-1">
                     <a:latin typeface="Arial"/>
                   </a:endParaRPr>
                 </a:p>
@@ -5430,9 +6484,15 @@
                 </a:ln>
               </p:spPr>
               <p:style>
-                <a:lnRef idx="0"/>
-                <a:fillRef idx="0"/>
-                <a:effectRef idx="0"/>
+                <a:lnRef idx="0">
+                  <a:scrgbClr r="0" g="0" b="0"/>
+                </a:lnRef>
+                <a:fillRef idx="0">
+                  <a:scrgbClr r="0" g="0" b="0"/>
+                </a:fillRef>
+                <a:effectRef idx="0">
+                  <a:scrgbClr r="0" g="0" b="0"/>
+                </a:effectRef>
                 <a:fontRef idx="minor"/>
               </p:style>
             </p:sp>
@@ -5452,6 +6512,7 @@
                 <a:avLst/>
                 <a:gdLst/>
                 <a:ahLst/>
+                <a:cxnLst/>
                 <a:rect l="l" t="t" r="r" b="b"/>
                 <a:pathLst>
                   <a:path w="2906456" h="1162582">
@@ -5481,7 +6542,7 @@
                 </a:pathLst>
               </a:custGeom>
               <a:solidFill>
-                <a:srgbClr val="0d31b7"/>
+                <a:srgbClr val="0D31B7"/>
               </a:solidFill>
               <a:ln>
                 <a:noFill/>
@@ -5496,7 +6557,9 @@
                   <a:alphaOff val="0"/>
                 </a:schemeClr>
               </a:lnRef>
-              <a:fillRef idx="0"/>
+              <a:fillRef idx="0">
+                <a:scrgbClr r="0" g="0" b="0"/>
+              </a:fillRef>
               <a:effectRef idx="0">
                 <a:schemeClr val="accent1">
                   <a:hueOff val="0"/>
@@ -5530,15 +6593,22 @@
           </a:ln>
         </p:spPr>
         <p:style>
-          <a:lnRef idx="0"/>
-          <a:fillRef idx="0"/>
-          <a:effectRef idx="0"/>
+          <a:lnRef idx="0">
+            <a:scrgbClr r="0" g="0" b="0"/>
+          </a:lnRef>
+          <a:fillRef idx="0">
+            <a:scrgbClr r="0" g="0" b="0"/>
+          </a:fillRef>
+          <a:effectRef idx="0">
+            <a:scrgbClr r="0" g="0" b="0"/>
+          </a:effectRef>
           <a:fontRef idx="minor"/>
         </p:style>
         <p:txBody>
-          <a:bodyPr lIns="90000" rIns="90000" tIns="91440" bIns="91440">
+          <a:bodyPr lIns="90000" tIns="91440" rIns="90000" bIns="91440">
             <a:noAutofit/>
           </a:bodyPr>
+          <a:lstStyle/>
           <a:p>
             <a:pPr algn="ctr">
               <a:lnSpc>
@@ -5546,16 +6616,16 @@
               </a:lnSpc>
             </a:pPr>
             <a:r>
-              <a:rPr b="1" lang="pt-BR" sz="2000" spc="-1" strike="noStrike">
+              <a:rPr lang="pt-BR" sz="2000" b="1" strike="noStrike" spc="-1">
                 <a:solidFill>
-                  <a:srgbClr val="ffffff"/>
+                  <a:srgbClr val="FFFFFF"/>
                 </a:solidFill>
                 <a:latin typeface="Fjalla One"/>
                 <a:ea typeface="Fjalla One"/>
               </a:rPr>
               <a:t>Sobre nós</a:t>
             </a:r>
-            <a:endParaRPr b="0" lang="pt-BR" sz="2000" spc="-1" strike="noStrike">
+            <a:endParaRPr lang="pt-BR" sz="2000" b="0" strike="noStrike" spc="-1">
               <a:latin typeface="Arial"/>
             </a:endParaRPr>
           </a:p>
@@ -5581,15 +6651,22 @@
           </a:ln>
         </p:spPr>
         <p:style>
-          <a:lnRef idx="0"/>
-          <a:fillRef idx="0"/>
-          <a:effectRef idx="0"/>
+          <a:lnRef idx="0">
+            <a:scrgbClr r="0" g="0" b="0"/>
+          </a:lnRef>
+          <a:fillRef idx="0">
+            <a:scrgbClr r="0" g="0" b="0"/>
+          </a:fillRef>
+          <a:effectRef idx="0">
+            <a:scrgbClr r="0" g="0" b="0"/>
+          </a:effectRef>
           <a:fontRef idx="minor"/>
         </p:style>
         <p:txBody>
-          <a:bodyPr lIns="90000" rIns="90000" tIns="91440" bIns="91440">
+          <a:bodyPr lIns="90000" tIns="91440" rIns="90000" bIns="91440">
             <a:noAutofit/>
           </a:bodyPr>
+          <a:lstStyle/>
           <a:p>
             <a:pPr algn="ctr">
               <a:lnSpc>
@@ -5597,16 +6674,16 @@
               </a:lnSpc>
             </a:pPr>
             <a:r>
-              <a:rPr b="0" lang="pt-BR" sz="1800" spc="-1" strike="noStrike">
+              <a:rPr lang="pt-BR" sz="1800" b="0" strike="noStrike" spc="-1">
                 <a:solidFill>
-                  <a:srgbClr val="ffffff"/>
+                  <a:srgbClr val="FFFFFF"/>
                 </a:solidFill>
                 <a:latin typeface="Barlow Semi Condensed"/>
                 <a:ea typeface="Barlow Semi Condensed"/>
               </a:rPr>
               <a:t>Somos uma empresa de tecnologia com ênfase em monitoramento de máquinas. </a:t>
             </a:r>
-            <a:endParaRPr b="0" lang="pt-BR" sz="1800" spc="-1" strike="noStrike">
+            <a:endParaRPr lang="pt-BR" sz="1800" b="0" strike="noStrike" spc="-1">
               <a:latin typeface="Arial"/>
             </a:endParaRPr>
           </a:p>
@@ -5632,15 +6709,22 @@
           </a:ln>
         </p:spPr>
         <p:style>
-          <a:lnRef idx="0"/>
-          <a:fillRef idx="0"/>
-          <a:effectRef idx="0"/>
+          <a:lnRef idx="0">
+            <a:scrgbClr r="0" g="0" b="0"/>
+          </a:lnRef>
+          <a:fillRef idx="0">
+            <a:scrgbClr r="0" g="0" b="0"/>
+          </a:fillRef>
+          <a:effectRef idx="0">
+            <a:scrgbClr r="0" g="0" b="0"/>
+          </a:effectRef>
           <a:fontRef idx="minor"/>
         </p:style>
         <p:txBody>
-          <a:bodyPr lIns="90000" rIns="90000" tIns="45000" bIns="45000">
+          <a:bodyPr lIns="90000" tIns="45000" rIns="90000" bIns="45000">
             <a:noAutofit/>
           </a:bodyPr>
+          <a:lstStyle/>
           <a:p>
             <a:pPr>
               <a:lnSpc>
@@ -5648,16 +6732,16 @@
               </a:lnSpc>
             </a:pPr>
             <a:r>
-              <a:rPr b="1" lang="pt-BR" sz="1800" spc="-1" strike="noStrike">
+              <a:rPr lang="pt-BR" sz="1800" b="1" strike="noStrike" spc="-1">
                 <a:solidFill>
-                  <a:srgbClr val="ffffff"/>
+                  <a:srgbClr val="FFFFFF"/>
                 </a:solidFill>
                 <a:latin typeface="Fjalla One"/>
                 <a:ea typeface="DejaVu Sans"/>
               </a:rPr>
               <a:t>Missão</a:t>
             </a:r>
-            <a:endParaRPr b="0" lang="pt-BR" sz="1800" spc="-1" strike="noStrike">
+            <a:endParaRPr lang="pt-BR" sz="1800" b="0" strike="noStrike" spc="-1">
               <a:latin typeface="Arial"/>
             </a:endParaRPr>
           </a:p>
@@ -5683,15 +6767,22 @@
           </a:ln>
         </p:spPr>
         <p:style>
-          <a:lnRef idx="0"/>
-          <a:fillRef idx="0"/>
-          <a:effectRef idx="0"/>
+          <a:lnRef idx="0">
+            <a:scrgbClr r="0" g="0" b="0"/>
+          </a:lnRef>
+          <a:fillRef idx="0">
+            <a:scrgbClr r="0" g="0" b="0"/>
+          </a:fillRef>
+          <a:effectRef idx="0">
+            <a:scrgbClr r="0" g="0" b="0"/>
+          </a:effectRef>
           <a:fontRef idx="minor"/>
         </p:style>
         <p:txBody>
-          <a:bodyPr lIns="90000" rIns="90000" tIns="91440" bIns="91440">
+          <a:bodyPr lIns="90000" tIns="91440" rIns="90000" bIns="91440">
             <a:noAutofit/>
           </a:bodyPr>
+          <a:lstStyle/>
           <a:p>
             <a:pPr algn="ctr">
               <a:lnSpc>
@@ -5699,16 +6790,16 @@
               </a:lnSpc>
             </a:pPr>
             <a:r>
-              <a:rPr b="0" lang="pt-BR" sz="1800" spc="-1" strike="noStrike">
+              <a:rPr lang="pt-BR" sz="1800" b="0" strike="noStrike" spc="-1">
                 <a:solidFill>
-                  <a:srgbClr val="ffffff"/>
+                  <a:srgbClr val="FFFFFF"/>
                 </a:solidFill>
                 <a:latin typeface="Barlow Semi Condensed"/>
                 <a:ea typeface="Barlow Semi Condensed"/>
               </a:rPr>
               <a:t>Otimização dos atendimentos, menos paralizações dos softwares no meio do expediente </a:t>
             </a:r>
-            <a:endParaRPr b="0" lang="pt-BR" sz="1800" spc="-1" strike="noStrike">
+            <a:endParaRPr lang="pt-BR" sz="1800" b="0" strike="noStrike" spc="-1">
               <a:latin typeface="Arial"/>
             </a:endParaRPr>
           </a:p>
@@ -5718,7 +6809,7 @@
                 <a:spcPct val="100000"/>
               </a:lnSpc>
             </a:pPr>
-            <a:endParaRPr b="0" lang="pt-BR" sz="1800" spc="-1" strike="noStrike">
+            <a:endParaRPr lang="pt-BR" sz="1800" b="0" strike="noStrike" spc="-1">
               <a:latin typeface="Arial"/>
             </a:endParaRPr>
           </a:p>
@@ -5744,15 +6835,22 @@
           </a:ln>
         </p:spPr>
         <p:style>
-          <a:lnRef idx="0"/>
-          <a:fillRef idx="0"/>
-          <a:effectRef idx="0"/>
+          <a:lnRef idx="0">
+            <a:scrgbClr r="0" g="0" b="0"/>
+          </a:lnRef>
+          <a:fillRef idx="0">
+            <a:scrgbClr r="0" g="0" b="0"/>
+          </a:fillRef>
+          <a:effectRef idx="0">
+            <a:scrgbClr r="0" g="0" b="0"/>
+          </a:effectRef>
           <a:fontRef idx="minor"/>
         </p:style>
         <p:txBody>
-          <a:bodyPr lIns="90000" rIns="90000" tIns="45000" bIns="45000">
+          <a:bodyPr lIns="90000" tIns="45000" rIns="90000" bIns="45000">
             <a:noAutofit/>
           </a:bodyPr>
+          <a:lstStyle/>
           <a:p>
             <a:pPr>
               <a:lnSpc>
@@ -5760,16 +6858,16 @@
               </a:lnSpc>
             </a:pPr>
             <a:r>
-              <a:rPr b="1" lang="pt-BR" sz="1800" spc="-1" strike="noStrike">
+              <a:rPr lang="pt-BR" sz="1800" b="1" strike="noStrike" spc="-1">
                 <a:solidFill>
-                  <a:srgbClr val="ffffff"/>
+                  <a:srgbClr val="FFFFFF"/>
                 </a:solidFill>
                 <a:latin typeface="Fjalla One"/>
                 <a:ea typeface="DejaVu Sans"/>
               </a:rPr>
               <a:t>Valores</a:t>
             </a:r>
-            <a:endParaRPr b="0" lang="pt-BR" sz="1800" spc="-1" strike="noStrike">
+            <a:endParaRPr lang="pt-BR" sz="1800" b="0" strike="noStrike" spc="-1">
               <a:latin typeface="Arial"/>
             </a:endParaRPr>
           </a:p>
@@ -5795,15 +6893,22 @@
           </a:ln>
         </p:spPr>
         <p:style>
-          <a:lnRef idx="0"/>
-          <a:fillRef idx="0"/>
-          <a:effectRef idx="0"/>
+          <a:lnRef idx="0">
+            <a:scrgbClr r="0" g="0" b="0"/>
+          </a:lnRef>
+          <a:fillRef idx="0">
+            <a:scrgbClr r="0" g="0" b="0"/>
+          </a:fillRef>
+          <a:effectRef idx="0">
+            <a:scrgbClr r="0" g="0" b="0"/>
+          </a:effectRef>
           <a:fontRef idx="minor"/>
         </p:style>
         <p:txBody>
-          <a:bodyPr lIns="90000" rIns="90000" tIns="91440" bIns="91440">
+          <a:bodyPr lIns="90000" tIns="91440" rIns="90000" bIns="91440">
             <a:noAutofit/>
           </a:bodyPr>
+          <a:lstStyle/>
           <a:p>
             <a:pPr algn="ctr">
               <a:lnSpc>
@@ -5811,16 +6916,16 @@
               </a:lnSpc>
             </a:pPr>
             <a:r>
-              <a:rPr b="0" lang="pt-BR" sz="1800" spc="-1" strike="noStrike">
+              <a:rPr lang="pt-BR" sz="1800" b="0" strike="noStrike" spc="-1">
                 <a:solidFill>
-                  <a:srgbClr val="ffffff"/>
+                  <a:srgbClr val="FFFFFF"/>
                 </a:solidFill>
                 <a:latin typeface="Barlow Semi Condensed"/>
                 <a:ea typeface="Barlow Semi Condensed"/>
               </a:rPr>
               <a:t>Excelência</a:t>
             </a:r>
-            <a:endParaRPr b="0" lang="pt-BR" sz="1800" spc="-1" strike="noStrike">
+            <a:endParaRPr lang="pt-BR" sz="1800" b="0" strike="noStrike" spc="-1">
               <a:latin typeface="Arial"/>
             </a:endParaRPr>
           </a:p>
@@ -5831,16 +6936,16 @@
               </a:lnSpc>
             </a:pPr>
             <a:r>
-              <a:rPr b="0" lang="pt-BR" sz="1800" spc="-1" strike="noStrike">
+              <a:rPr lang="pt-BR" sz="1800" b="0" strike="noStrike" spc="-1">
                 <a:solidFill>
-                  <a:srgbClr val="ffffff"/>
+                  <a:srgbClr val="FFFFFF"/>
                 </a:solidFill>
                 <a:latin typeface="Barlow Semi Condensed"/>
                 <a:ea typeface="Barlow Semi Condensed"/>
               </a:rPr>
               <a:t>Agilidade </a:t>
             </a:r>
-            <a:endParaRPr b="0" lang="pt-BR" sz="1800" spc="-1" strike="noStrike">
+            <a:endParaRPr lang="pt-BR" sz="1800" b="0" strike="noStrike" spc="-1">
               <a:latin typeface="Arial"/>
             </a:endParaRPr>
           </a:p>
@@ -5851,16 +6956,16 @@
               </a:lnSpc>
             </a:pPr>
             <a:r>
-              <a:rPr b="0" lang="pt-BR" sz="1800" spc="-1" strike="noStrike">
+              <a:rPr lang="pt-BR" sz="1800" b="0" strike="noStrike" spc="-1">
                 <a:solidFill>
-                  <a:srgbClr val="ffffff"/>
+                  <a:srgbClr val="FFFFFF"/>
                 </a:solidFill>
                 <a:latin typeface="Barlow Semi Condensed"/>
                 <a:ea typeface="Barlow Semi Condensed"/>
               </a:rPr>
               <a:t>Compromisso </a:t>
             </a:r>
-            <a:endParaRPr b="0" lang="pt-BR" sz="1800" spc="-1" strike="noStrike">
+            <a:endParaRPr lang="pt-BR" sz="1800" b="0" strike="noStrike" spc="-1">
               <a:latin typeface="Arial"/>
             </a:endParaRPr>
           </a:p>
@@ -5871,16 +6976,16 @@
               </a:lnSpc>
             </a:pPr>
             <a:r>
-              <a:rPr b="0" lang="pt-BR" sz="1800" spc="-1" strike="noStrike">
+              <a:rPr lang="pt-BR" sz="1800" b="0" strike="noStrike" spc="-1">
                 <a:solidFill>
-                  <a:srgbClr val="ffffff"/>
+                  <a:srgbClr val="FFFFFF"/>
                 </a:solidFill>
                 <a:latin typeface="Barlow Semi Condensed"/>
                 <a:ea typeface="Barlow Semi Condensed"/>
               </a:rPr>
               <a:t> </a:t>
             </a:r>
-            <a:endParaRPr b="0" lang="pt-BR" sz="1800" spc="-1" strike="noStrike">
+            <a:endParaRPr lang="pt-BR" sz="1800" b="0" strike="noStrike" spc="-1">
               <a:latin typeface="Arial"/>
             </a:endParaRPr>
           </a:p>
@@ -5890,7 +6995,7 @@
                 <a:spcPct val="100000"/>
               </a:lnSpc>
             </a:pPr>
-            <a:endParaRPr b="0" lang="pt-BR" sz="1800" spc="-1" strike="noStrike">
+            <a:endParaRPr lang="pt-BR" sz="1800" b="0" strike="noStrike" spc="-1">
               <a:latin typeface="Arial"/>
             </a:endParaRPr>
           </a:p>
@@ -5916,15 +7021,22 @@
           </a:ln>
         </p:spPr>
         <p:style>
-          <a:lnRef idx="0"/>
-          <a:fillRef idx="0"/>
-          <a:effectRef idx="0"/>
+          <a:lnRef idx="0">
+            <a:scrgbClr r="0" g="0" b="0"/>
+          </a:lnRef>
+          <a:fillRef idx="0">
+            <a:scrgbClr r="0" g="0" b="0"/>
+          </a:fillRef>
+          <a:effectRef idx="0">
+            <a:scrgbClr r="0" g="0" b="0"/>
+          </a:effectRef>
           <a:fontRef idx="minor"/>
         </p:style>
         <p:txBody>
-          <a:bodyPr lIns="90000" rIns="90000" tIns="45000" bIns="45000">
+          <a:bodyPr lIns="90000" tIns="45000" rIns="90000" bIns="45000">
             <a:noAutofit/>
           </a:bodyPr>
+          <a:lstStyle/>
           <a:p>
             <a:pPr>
               <a:lnSpc>
@@ -5932,16 +7044,16 @@
               </a:lnSpc>
             </a:pPr>
             <a:r>
-              <a:rPr b="1" lang="pt-BR" sz="1800" spc="-1" strike="noStrike">
+              <a:rPr lang="pt-BR" sz="1800" b="1" strike="noStrike" spc="-1">
                 <a:solidFill>
-                  <a:srgbClr val="ffffff"/>
+                  <a:srgbClr val="FFFFFF"/>
                 </a:solidFill>
                 <a:latin typeface="Fjalla One"/>
                 <a:ea typeface="DejaVu Sans"/>
               </a:rPr>
               <a:t>Visão</a:t>
             </a:r>
-            <a:endParaRPr b="0" lang="pt-BR" sz="1800" spc="-1" strike="noStrike">
+            <a:endParaRPr lang="pt-BR" sz="1800" b="0" strike="noStrike" spc="-1">
               <a:latin typeface="Arial"/>
             </a:endParaRPr>
           </a:p>
@@ -5967,15 +7079,22 @@
           </a:ln>
         </p:spPr>
         <p:style>
-          <a:lnRef idx="0"/>
-          <a:fillRef idx="0"/>
-          <a:effectRef idx="0"/>
+          <a:lnRef idx="0">
+            <a:scrgbClr r="0" g="0" b="0"/>
+          </a:lnRef>
+          <a:fillRef idx="0">
+            <a:scrgbClr r="0" g="0" b="0"/>
+          </a:fillRef>
+          <a:effectRef idx="0">
+            <a:scrgbClr r="0" g="0" b="0"/>
+          </a:effectRef>
           <a:fontRef idx="minor"/>
         </p:style>
         <p:txBody>
-          <a:bodyPr lIns="90000" rIns="90000" tIns="91440" bIns="91440">
+          <a:bodyPr lIns="90000" tIns="91440" rIns="90000" bIns="91440">
             <a:noAutofit/>
           </a:bodyPr>
+          <a:lstStyle/>
           <a:p>
             <a:pPr algn="ctr">
               <a:lnSpc>
@@ -5983,16 +7102,16 @@
               </a:lnSpc>
             </a:pPr>
             <a:r>
-              <a:rPr b="0" lang="pt-BR" sz="1800" spc="-1" strike="noStrike">
+              <a:rPr lang="pt-BR" sz="1800" b="0" strike="noStrike" spc="-1">
                 <a:solidFill>
-                  <a:srgbClr val="ffffff"/>
+                  <a:srgbClr val="FFFFFF"/>
                 </a:solidFill>
                 <a:latin typeface="Barlow Semi Condensed"/>
                 <a:ea typeface="Barlow Semi Condensed"/>
               </a:rPr>
               <a:t>Melhorar a experiência dos pacientes em consultórios. </a:t>
             </a:r>
-            <a:endParaRPr b="0" lang="pt-BR" sz="1800" spc="-1" strike="noStrike">
+            <a:endParaRPr lang="pt-BR" sz="1800" b="0" strike="noStrike" spc="-1">
               <a:latin typeface="Arial"/>
             </a:endParaRPr>
           </a:p>
@@ -6003,16 +7122,16 @@
               </a:lnSpc>
             </a:pPr>
             <a:r>
-              <a:rPr b="0" lang="pt-BR" sz="1800" spc="-1" strike="noStrike">
+              <a:rPr lang="pt-BR" sz="1800" b="0" strike="noStrike" spc="-1">
                 <a:solidFill>
-                  <a:srgbClr val="ffffff"/>
+                  <a:srgbClr val="FFFFFF"/>
                 </a:solidFill>
                 <a:latin typeface="Barlow Semi Condensed"/>
                 <a:ea typeface="Barlow Semi Condensed"/>
               </a:rPr>
               <a:t> </a:t>
             </a:r>
-            <a:endParaRPr b="0" lang="pt-BR" sz="1800" spc="-1" strike="noStrike">
+            <a:endParaRPr lang="pt-BR" sz="1800" b="0" strike="noStrike" spc="-1">
               <a:latin typeface="Arial"/>
             </a:endParaRPr>
           </a:p>
@@ -6022,7 +7141,7 @@
                 <a:spcPct val="100000"/>
               </a:lnSpc>
             </a:pPr>
-            <a:endParaRPr b="0" lang="pt-BR" sz="1800" spc="-1" strike="noStrike">
+            <a:endParaRPr lang="pt-BR" sz="1800" b="0" strike="noStrike" spc="-1">
               <a:latin typeface="Arial"/>
             </a:endParaRPr>
           </a:p>
@@ -6035,7 +7154,7 @@
           <p:nvPr/>
         </p:nvPicPr>
         <p:blipFill>
-          <a:blip r:embed="rId1"/>
+          <a:blip r:embed="rId2"/>
           <a:stretch/>
         </p:blipFill>
         <p:spPr>
@@ -6058,7 +7177,7 @@
           <p:nvPr/>
         </p:nvPicPr>
         <p:blipFill>
-          <a:blip r:embed="rId2"/>
+          <a:blip r:embed="rId3"/>
           <a:stretch/>
         </p:blipFill>
         <p:spPr>
@@ -6081,7 +7200,7 @@
           <p:nvPr/>
         </p:nvPicPr>
         <p:blipFill>
-          <a:blip r:embed="rId3"/>
+          <a:blip r:embed="rId4"/>
           <a:stretch/>
         </p:blipFill>
         <p:spPr>
@@ -6099,25 +7218,21 @@
       </p:pic>
     </p:spTree>
   </p:cSld>
-  <mc:AlternateContent>
-    <mc:Choice Requires="p14">
-      <p:transition spd="slow" p14:dur="2000"/>
-    </mc:Choice>
-    <mc:Fallback>
-      <p:transition spd="slow"/>
-    </mc:Fallback>
-  </mc:AlternateContent>
+  <p:clrMapOvr>
+    <a:masterClrMapping/>
+  </p:clrMapOvr>
 </p:sld>
 </file>
 
 <file path=ppt/slides/slide6.xml><?xml version="1.0" encoding="utf-8"?>
-<p:sld xmlns:a="http://schemas.openxmlformats.org/drawingml/2006/main" xmlns:p="http://schemas.openxmlformats.org/presentationml/2006/main" xmlns:r="http://schemas.openxmlformats.org/officeDocument/2006/relationships" xmlns:p14="http://schemas.microsoft.com/office/powerpoint/2010/main" xmlns:p15="http://schemas.microsoft.com/office/powerpoint/2012/main" xmlns:mc="http://schemas.openxmlformats.org/markup-compatibility/2006">
+<p:sld xmlns:a="http://schemas.openxmlformats.org/drawingml/2006/main" xmlns:r="http://schemas.openxmlformats.org/officeDocument/2006/relationships" xmlns:p="http://schemas.openxmlformats.org/presentationml/2006/main">
   <p:cSld>
     <p:bg>
       <p:bgPr>
         <a:solidFill>
-          <a:srgbClr val="ffffff"/>
+          <a:srgbClr val="FFFFFF"/>
         </a:solidFill>
+        <a:effectLst/>
       </p:bgPr>
     </p:bg>
     <p:spTree>
@@ -6149,6 +7264,7 @@
             <a:avLst/>
             <a:gdLst/>
             <a:ahLst/>
+            <a:cxnLst/>
             <a:rect l="l" t="t" r="r" b="b"/>
             <a:pathLst>
               <a:path w="5447" h="9525">
@@ -6180,10 +7296,10 @@
           <a:gradFill rotWithShape="0">
             <a:gsLst>
               <a:gs pos="47000">
-                <a:srgbClr val="ffffff"/>
+                <a:srgbClr val="FFFFFF"/>
               </a:gs>
               <a:gs pos="100000">
-                <a:srgbClr val="0765f4"/>
+                <a:srgbClr val="0765F4"/>
               </a:gs>
             </a:gsLst>
             <a:lin ang="16200000"/>
@@ -6227,15 +7343,22 @@
           </a:ln>
         </p:spPr>
         <p:style>
-          <a:lnRef idx="0"/>
-          <a:fillRef idx="0"/>
-          <a:effectRef idx="0"/>
+          <a:lnRef idx="0">
+            <a:scrgbClr r="0" g="0" b="0"/>
+          </a:lnRef>
+          <a:fillRef idx="0">
+            <a:scrgbClr r="0" g="0" b="0"/>
+          </a:fillRef>
+          <a:effectRef idx="0">
+            <a:scrgbClr r="0" g="0" b="0"/>
+          </a:effectRef>
           <a:fontRef idx="minor"/>
         </p:style>
         <p:txBody>
-          <a:bodyPr lIns="90000" rIns="90000" tIns="45000" bIns="45000">
+          <a:bodyPr lIns="90000" tIns="45000" rIns="90000" bIns="45000">
             <a:spAutoFit/>
           </a:bodyPr>
+          <a:lstStyle/>
           <a:p>
             <a:pPr algn="ctr">
               <a:lnSpc>
@@ -6243,7 +7366,7 @@
               </a:lnSpc>
             </a:pPr>
             <a:r>
-              <a:rPr b="0" lang="pt-BR" sz="5400" spc="-1" strike="noStrike">
+              <a:rPr lang="pt-BR" sz="5400" b="0" strike="noStrike" spc="-1">
                 <a:solidFill>
                   <a:srgbClr val="125490"/>
                 </a:solidFill>
@@ -6252,7 +7375,7 @@
               </a:rPr>
               <a:t>Product Backlog</a:t>
             </a:r>
-            <a:endParaRPr b="0" lang="pt-BR" sz="5400" spc="-1" strike="noStrike">
+            <a:endParaRPr lang="pt-BR" sz="5400" b="0" strike="noStrike" spc="-1">
               <a:latin typeface="Arial"/>
             </a:endParaRPr>
           </a:p>
@@ -6273,7 +7396,7 @@
             <a:avLst/>
           </a:prstGeom>
           <a:solidFill>
-            <a:srgbClr val="0d31b7"/>
+            <a:srgbClr val="0D31B7"/>
           </a:solidFill>
           <a:ln>
             <a:noFill/>
@@ -6309,7 +7432,7 @@
             <a:avLst/>
           </a:prstGeom>
           <a:solidFill>
-            <a:srgbClr val="0d31b7"/>
+            <a:srgbClr val="0D31B7"/>
           </a:solidFill>
           <a:ln>
             <a:noFill/>
@@ -6345,7 +7468,7 @@
             <a:avLst/>
           </a:prstGeom>
           <a:solidFill>
-            <a:srgbClr val="0d31b7"/>
+            <a:srgbClr val="0D31B7"/>
           </a:solidFill>
           <a:ln>
             <a:noFill/>
@@ -6381,7 +7504,7 @@
             <a:avLst/>
           </a:prstGeom>
           <a:solidFill>
-            <a:srgbClr val="0d31b7"/>
+            <a:srgbClr val="0D31B7"/>
           </a:solidFill>
           <a:ln>
             <a:noFill/>
@@ -6409,7 +7532,7 @@
           <p:nvPr/>
         </p:nvPicPr>
         <p:blipFill>
-          <a:blip r:embed="rId1"/>
+          <a:blip r:embed="rId2"/>
           <a:stretch/>
         </p:blipFill>
         <p:spPr>
@@ -6427,79 +7550,14 @@
       </p:pic>
     </p:spTree>
   </p:cSld>
-  <mc:AlternateContent>
-    <mc:Choice Requires="p14">
-      <p:transition spd="slow" p14:dur="2000"/>
-    </mc:Choice>
-    <mc:Fallback>
-      <p:transition spd="slow"/>
-    </mc:Fallback>
-  </mc:AlternateContent>
+  <p:clrMapOvr>
+    <a:masterClrMapping/>
+  </p:clrMapOvr>
 </p:sld>
 </file>
 
 <file path=ppt/slides/slide7.xml><?xml version="1.0" encoding="utf-8"?>
-<p:sld xmlns:a="http://schemas.openxmlformats.org/drawingml/2006/main" xmlns:p="http://schemas.openxmlformats.org/presentationml/2006/main" xmlns:r="http://schemas.openxmlformats.org/officeDocument/2006/relationships" xmlns:p14="http://schemas.microsoft.com/office/powerpoint/2010/main" xmlns:p15="http://schemas.microsoft.com/office/powerpoint/2012/main" xmlns:mc="http://schemas.openxmlformats.org/markup-compatibility/2006">
-  <p:cSld>
-    <p:spTree>
-      <p:nvGrpSpPr>
-        <p:cNvPr id="1" name=""/>
-        <p:cNvGrpSpPr/>
-        <p:nvPr/>
-      </p:nvGrpSpPr>
-      <p:grpSpPr>
-        <a:xfrm>
-          <a:off x="0" y="0"/>
-          <a:ext cx="0" cy="0"/>
-          <a:chOff x="0" y="0"/>
-          <a:chExt cx="0" cy="0"/>
-        </a:xfrm>
-      </p:grpSpPr>
-    </p:spTree>
-  </p:cSld>
-  <mc:AlternateContent>
-    <mc:Choice Requires="p14">
-      <p:transition spd="slow" p14:dur="2000"/>
-    </mc:Choice>
-    <mc:Fallback>
-      <p:transition spd="slow"/>
-    </mc:Fallback>
-  </mc:AlternateContent>
-</p:sld>
-</file>
-
-<file path=ppt/slides/slide8.xml><?xml version="1.0" encoding="utf-8"?>
-<p:sld xmlns:a="http://schemas.openxmlformats.org/drawingml/2006/main" xmlns:p="http://schemas.openxmlformats.org/presentationml/2006/main" xmlns:r="http://schemas.openxmlformats.org/officeDocument/2006/relationships" xmlns:p14="http://schemas.microsoft.com/office/powerpoint/2010/main" xmlns:p15="http://schemas.microsoft.com/office/powerpoint/2012/main" xmlns:mc="http://schemas.openxmlformats.org/markup-compatibility/2006">
-  <p:cSld>
-    <p:spTree>
-      <p:nvGrpSpPr>
-        <p:cNvPr id="1" name=""/>
-        <p:cNvGrpSpPr/>
-        <p:nvPr/>
-      </p:nvGrpSpPr>
-      <p:grpSpPr>
-        <a:xfrm>
-          <a:off x="0" y="0"/>
-          <a:ext cx="0" cy="0"/>
-          <a:chOff x="0" y="0"/>
-          <a:chExt cx="0" cy="0"/>
-        </a:xfrm>
-      </p:grpSpPr>
-    </p:spTree>
-  </p:cSld>
-  <mc:AlternateContent>
-    <mc:Choice Requires="p14">
-      <p:transition spd="slow" p14:dur="2000"/>
-    </mc:Choice>
-    <mc:Fallback>
-      <p:transition spd="slow"/>
-    </mc:Fallback>
-  </mc:AlternateContent>
-</p:sld>
-</file>
-
-<file path=ppt/slides/slide9.xml><?xml version="1.0" encoding="utf-8"?>
-<p:sld xmlns:a="http://schemas.openxmlformats.org/drawingml/2006/main" xmlns:p="http://schemas.openxmlformats.org/presentationml/2006/main" xmlns:r="http://schemas.openxmlformats.org/officeDocument/2006/relationships" xmlns:p14="http://schemas.microsoft.com/office/powerpoint/2010/main" xmlns:p15="http://schemas.microsoft.com/office/powerpoint/2012/main" xmlns:mc="http://schemas.openxmlformats.org/markup-compatibility/2006">
+<p:sld xmlns:a="http://schemas.openxmlformats.org/drawingml/2006/main" xmlns:r="http://schemas.openxmlformats.org/officeDocument/2006/relationships" xmlns:p="http://schemas.openxmlformats.org/presentationml/2006/main">
   <p:cSld>
     <p:spTree>
       <p:nvGrpSpPr>
@@ -6517,12 +7575,12 @@
       </p:grpSpPr>
       <p:pic>
         <p:nvPicPr>
-          <p:cNvPr id="113" name="" descr=""/>
+          <p:cNvPr id="113" name="Imagem 112"/>
           <p:cNvPicPr/>
           <p:nvPr/>
         </p:nvPicPr>
         <p:blipFill>
-          <a:blip r:embed="rId1"/>
+          <a:blip r:embed="rId2"/>
           <a:stretch/>
         </p:blipFill>
         <p:spPr>
@@ -6540,14 +7598,244 @@
       </p:pic>
     </p:spTree>
   </p:cSld>
-  <mc:AlternateContent>
-    <mc:Choice Requires="p14">
-      <p:transition spd="slow" p14:dur="2000"/>
-    </mc:Choice>
-    <mc:Fallback>
-      <p:transition spd="slow"/>
-    </mc:Fallback>
-  </mc:AlternateContent>
+  <p:clrMapOvr>
+    <a:masterClrMapping/>
+  </p:clrMapOvr>
+</p:sld>
+</file>
+
+<file path=ppt/slides/slide8.xml><?xml version="1.0" encoding="utf-8"?>
+<p:sld xmlns:a="http://schemas.openxmlformats.org/drawingml/2006/main" xmlns:r="http://schemas.openxmlformats.org/officeDocument/2006/relationships" xmlns:p="http://schemas.openxmlformats.org/presentationml/2006/main">
+  <p:cSld>
+    <p:spTree>
+      <p:nvGrpSpPr>
+        <p:cNvPr id="1" name=""/>
+        <p:cNvGrpSpPr/>
+        <p:nvPr/>
+      </p:nvGrpSpPr>
+      <p:grpSpPr>
+        <a:xfrm>
+          <a:off x="0" y="0"/>
+          <a:ext cx="0" cy="0"/>
+          <a:chOff x="0" y="0"/>
+          <a:chExt cx="0" cy="0"/>
+        </a:xfrm>
+      </p:grpSpPr>
+      <p:pic>
+        <p:nvPicPr>
+          <p:cNvPr id="114" name="Imagem 113"/>
+          <p:cNvPicPr/>
+          <p:nvPr/>
+        </p:nvPicPr>
+        <p:blipFill>
+          <a:blip r:embed="rId2"/>
+          <a:stretch/>
+        </p:blipFill>
+        <p:spPr>
+          <a:xfrm>
+            <a:off x="720000" y="270720"/>
+            <a:ext cx="10718640" cy="6028920"/>
+          </a:xfrm>
+          <a:prstGeom prst="rect">
+            <a:avLst/>
+          </a:prstGeom>
+          <a:ln>
+            <a:noFill/>
+          </a:ln>
+        </p:spPr>
+      </p:pic>
+    </p:spTree>
+  </p:cSld>
+  <p:clrMapOvr>
+    <a:masterClrMapping/>
+  </p:clrMapOvr>
+</p:sld>
+</file>
+
+<file path=ppt/slides/slide9.xml><?xml version="1.0" encoding="utf-8"?>
+<p:sld xmlns:a="http://schemas.openxmlformats.org/drawingml/2006/main" xmlns:r="http://schemas.openxmlformats.org/officeDocument/2006/relationships" xmlns:p="http://schemas.openxmlformats.org/presentationml/2006/main">
+  <p:cSld>
+    <p:bg>
+      <p:bgPr>
+        <a:solidFill>
+          <a:schemeClr val="accent1"/>
+        </a:solidFill>
+        <a:effectLst/>
+      </p:bgPr>
+    </p:bg>
+    <p:spTree>
+      <p:nvGrpSpPr>
+        <p:cNvPr id="1" name=""/>
+        <p:cNvGrpSpPr/>
+        <p:nvPr/>
+      </p:nvGrpSpPr>
+      <p:grpSpPr>
+        <a:xfrm>
+          <a:off x="0" y="0"/>
+          <a:ext cx="0" cy="0"/>
+          <a:chOff x="0" y="0"/>
+          <a:chExt cx="0" cy="0"/>
+        </a:xfrm>
+      </p:grpSpPr>
+      <p:pic>
+        <p:nvPicPr>
+          <p:cNvPr id="3" name="Imagem 2">
+            <a:extLst>
+              <a:ext uri="{FF2B5EF4-FFF2-40B4-BE49-F238E27FC236}">
+                <a16:creationId xmlns:a16="http://schemas.microsoft.com/office/drawing/2014/main" id="{3CCC12E2-289A-41A6-868E-DB3C0C16CEE0}"/>
+              </a:ext>
+            </a:extLst>
+          </p:cNvPr>
+          <p:cNvPicPr>
+            <a:picLocks noChangeAspect="1"/>
+          </p:cNvPicPr>
+          <p:nvPr/>
+        </p:nvPicPr>
+        <p:blipFill>
+          <a:blip r:embed="rId2">
+            <a:extLst>
+              <a:ext uri="{28A0092B-C50C-407E-A947-70E740481C1C}">
+                <a14:useLocalDpi xmlns:a14="http://schemas.microsoft.com/office/drawing/2010/main" val="0"/>
+              </a:ext>
+            </a:extLst>
+          </a:blip>
+          <a:stretch>
+            <a:fillRect/>
+          </a:stretch>
+        </p:blipFill>
+        <p:spPr>
+          <a:xfrm>
+            <a:off x="364432" y="1585216"/>
+            <a:ext cx="5731568" cy="3687568"/>
+          </a:xfrm>
+          <a:prstGeom prst="rect">
+            <a:avLst/>
+          </a:prstGeom>
+        </p:spPr>
+      </p:pic>
+      <p:pic>
+        <p:nvPicPr>
+          <p:cNvPr id="5" name="Imagem 4">
+            <a:extLst>
+              <a:ext uri="{FF2B5EF4-FFF2-40B4-BE49-F238E27FC236}">
+                <a16:creationId xmlns:a16="http://schemas.microsoft.com/office/drawing/2014/main" id="{8081CCFD-19CD-4CFF-80DD-D298B6618332}"/>
+              </a:ext>
+            </a:extLst>
+          </p:cNvPr>
+          <p:cNvPicPr>
+            <a:picLocks noChangeAspect="1"/>
+          </p:cNvPicPr>
+          <p:nvPr/>
+        </p:nvPicPr>
+        <p:blipFill>
+          <a:blip r:embed="rId3">
+            <a:extLst>
+              <a:ext uri="{28A0092B-C50C-407E-A947-70E740481C1C}">
+                <a14:useLocalDpi xmlns:a14="http://schemas.microsoft.com/office/drawing/2010/main" val="0"/>
+              </a:ext>
+            </a:extLst>
+          </a:blip>
+          <a:stretch>
+            <a:fillRect/>
+          </a:stretch>
+        </p:blipFill>
+        <p:spPr>
+          <a:xfrm>
+            <a:off x="6212954" y="247871"/>
+            <a:ext cx="5665661" cy="3181129"/>
+          </a:xfrm>
+          <a:prstGeom prst="rect">
+            <a:avLst/>
+          </a:prstGeom>
+        </p:spPr>
+      </p:pic>
+      <p:pic>
+        <p:nvPicPr>
+          <p:cNvPr id="7" name="Imagem 6">
+            <a:extLst>
+              <a:ext uri="{FF2B5EF4-FFF2-40B4-BE49-F238E27FC236}">
+                <a16:creationId xmlns:a16="http://schemas.microsoft.com/office/drawing/2014/main" id="{CC554959-7EB8-4745-8FA9-2D7A92BE6EEF}"/>
+              </a:ext>
+            </a:extLst>
+          </p:cNvPr>
+          <p:cNvPicPr>
+            <a:picLocks noChangeAspect="1"/>
+          </p:cNvPicPr>
+          <p:nvPr/>
+        </p:nvPicPr>
+        <p:blipFill>
+          <a:blip r:embed="rId4">
+            <a:extLst>
+              <a:ext uri="{28A0092B-C50C-407E-A947-70E740481C1C}">
+                <a14:useLocalDpi xmlns:a14="http://schemas.microsoft.com/office/drawing/2010/main" val="0"/>
+              </a:ext>
+            </a:extLst>
+          </a:blip>
+          <a:stretch>
+            <a:fillRect/>
+          </a:stretch>
+        </p:blipFill>
+        <p:spPr>
+          <a:xfrm>
+            <a:off x="6502295" y="3620119"/>
+            <a:ext cx="5325273" cy="2990010"/>
+          </a:xfrm>
+          <a:prstGeom prst="rect">
+            <a:avLst/>
+          </a:prstGeom>
+        </p:spPr>
+      </p:pic>
+      <p:sp>
+        <p:nvSpPr>
+          <p:cNvPr id="8" name="CaixaDeTexto 7">
+            <a:extLst>
+              <a:ext uri="{FF2B5EF4-FFF2-40B4-BE49-F238E27FC236}">
+                <a16:creationId xmlns:a16="http://schemas.microsoft.com/office/drawing/2014/main" id="{3683A149-A0FD-4417-B361-00813AD3FA11}"/>
+              </a:ext>
+            </a:extLst>
+          </p:cNvPr>
+          <p:cNvSpPr txBox="1"/>
+          <p:nvPr/>
+        </p:nvSpPr>
+        <p:spPr>
+          <a:xfrm>
+            <a:off x="364432" y="464234"/>
+            <a:ext cx="3926214" cy="830997"/>
+          </a:xfrm>
+          <a:prstGeom prst="rect">
+            <a:avLst/>
+          </a:prstGeom>
+          <a:noFill/>
+        </p:spPr>
+        <p:txBody>
+          <a:bodyPr wrap="square" rtlCol="0">
+            <a:spAutoFit/>
+          </a:bodyPr>
+          <a:lstStyle/>
+          <a:p>
+            <a:r>
+              <a:rPr lang="pt-BR" sz="4800" dirty="0" err="1">
+                <a:solidFill>
+                  <a:schemeClr val="bg2"/>
+                </a:solidFill>
+                <a:latin typeface="思源黑体 CN Bold"/>
+              </a:rPr>
+              <a:t>Mockup’s</a:t>
+            </a:r>
+            <a:endParaRPr lang="pt-BR" sz="4800" dirty="0">
+              <a:solidFill>
+                <a:schemeClr val="bg2"/>
+              </a:solidFill>
+              <a:latin typeface="思源黑体 CN Bold"/>
+            </a:endParaRPr>
+          </a:p>
+        </p:txBody>
+      </p:sp>
+    </p:spTree>
+  </p:cSld>
+  <p:clrMapOvr>
+    <a:masterClrMapping/>
+  </p:clrMapOvr>
 </p:sld>
 </file>
 
@@ -6562,34 +7850,34 @@
         <a:sysClr val="window" lastClr="FFFFFF"/>
       </a:lt1>
       <a:dk2>
-        <a:srgbClr val="44546a"/>
+        <a:srgbClr val="44546A"/>
       </a:dk2>
       <a:lt2>
-        <a:srgbClr val="e7e6e6"/>
+        <a:srgbClr val="E7E6E6"/>
       </a:lt2>
       <a:accent1>
-        <a:srgbClr val="5b9bd5"/>
+        <a:srgbClr val="5B9BD5"/>
       </a:accent1>
       <a:accent2>
-        <a:srgbClr val="ed7d31"/>
+        <a:srgbClr val="ED7D31"/>
       </a:accent2>
       <a:accent3>
-        <a:srgbClr val="a5a5a5"/>
+        <a:srgbClr val="A5A5A5"/>
       </a:accent3>
       <a:accent4>
-        <a:srgbClr val="ffc000"/>
+        <a:srgbClr val="FFC000"/>
       </a:accent4>
       <a:accent5>
-        <a:srgbClr val="4472c4"/>
+        <a:srgbClr val="4472C4"/>
       </a:accent5>
       <a:accent6>
-        <a:srgbClr val="70ad47"/>
+        <a:srgbClr val="70AD47"/>
       </a:accent6>
       <a:hlink>
-        <a:srgbClr val="0563c1"/>
+        <a:srgbClr val="0563C1"/>
       </a:hlink>
       <a:folHlink>
-        <a:srgbClr val="954f72"/>
+        <a:srgbClr val="954F72"/>
       </a:folHlink>
     </a:clrScheme>
     <a:fontScheme name="Office">
@@ -6774,5 +8062,7 @@
       </a:bgFillStyleLst>
     </a:fmtScheme>
   </a:themeElements>
+  <a:objectDefaults/>
+  <a:extraClrSchemeLst/>
 </a:theme>
 </file>
--- a/HSOsprint2.pptx
+++ b/HSOsprint2.pptx
@@ -10,15 +10,16 @@
     <p:sldId id="258" r:id="rId4"/>
     <p:sldId id="259" r:id="rId5"/>
     <p:sldId id="260" r:id="rId6"/>
-    <p:sldId id="261" r:id="rId7"/>
-    <p:sldId id="264" r:id="rId8"/>
-    <p:sldId id="265" r:id="rId9"/>
-    <p:sldId id="262" r:id="rId10"/>
-    <p:sldId id="263" r:id="rId11"/>
-    <p:sldId id="266" r:id="rId12"/>
-    <p:sldId id="269" r:id="rId13"/>
-    <p:sldId id="267" r:id="rId14"/>
-    <p:sldId id="268" r:id="rId15"/>
+    <p:sldId id="264" r:id="rId7"/>
+    <p:sldId id="265" r:id="rId8"/>
+    <p:sldId id="262" r:id="rId9"/>
+    <p:sldId id="263" r:id="rId10"/>
+    <p:sldId id="266" r:id="rId11"/>
+    <p:sldId id="261" r:id="rId12"/>
+    <p:sldId id="270" r:id="rId13"/>
+    <p:sldId id="269" r:id="rId14"/>
+    <p:sldId id="267" r:id="rId15"/>
+    <p:sldId id="268" r:id="rId16"/>
   </p:sldIdLst>
   <p:sldSz cx="12192000" cy="6858000"/>
   <p:notesSz cx="7559675" cy="10691813"/>
@@ -117,6 +118,11 @@
       </a:defRPr>
     </a:lvl9pPr>
   </p:defaultTextStyle>
+  <p:extLst>
+    <p:ext uri="{EFAFB233-063F-42B5-8137-9DF3F51BA10A}">
+      <p15:sldGuideLst xmlns:p15="http://schemas.microsoft.com/office/powerpoint/2012/main"/>
+    </p:ext>
+  </p:extLst>
 </p:presentation>
 </file>
 
@@ -2248,7 +2254,7 @@
     <p:bg>
       <p:bgPr>
         <a:solidFill>
-          <a:schemeClr val="accent1"/>
+          <a:srgbClr val="FFFFFF"/>
         </a:solidFill>
         <a:effectLst/>
       </p:bgPr>
@@ -2267,76 +2273,262 @@
           <a:chExt cx="0" cy="0"/>
         </a:xfrm>
       </p:grpSpPr>
+      <p:sp>
+        <p:nvSpPr>
+          <p:cNvPr id="115" name="CustomShape 1"/>
+          <p:cNvSpPr/>
+          <p:nvPr/>
+        </p:nvSpPr>
+        <p:spPr>
+          <a:xfrm>
+            <a:off x="6847920" y="1636560"/>
+            <a:ext cx="3837240" cy="3837240"/>
+          </a:xfrm>
+          <a:prstGeom prst="ellipse">
+            <a:avLst/>
+          </a:prstGeom>
+          <a:solidFill>
+            <a:srgbClr val="2F50A1">
+              <a:alpha val="83000"/>
+            </a:srgbClr>
+          </a:solidFill>
+          <a:ln w="76320">
+            <a:noFill/>
+          </a:ln>
+          <a:effectLst>
+            <a:outerShdw blurRad="40000" dist="23040" dir="5400000" rotWithShape="0">
+              <a:srgbClr val="000000">
+                <a:alpha val="35000"/>
+              </a:srgbClr>
+            </a:outerShdw>
+          </a:effectLst>
+        </p:spPr>
+        <p:style>
+          <a:lnRef idx="1">
+            <a:schemeClr val="accent1"/>
+          </a:lnRef>
+          <a:fillRef idx="3">
+            <a:schemeClr val="accent1"/>
+          </a:fillRef>
+          <a:effectRef idx="2">
+            <a:schemeClr val="accent1"/>
+          </a:effectRef>
+          <a:fontRef idx="minor"/>
+        </p:style>
+      </p:sp>
+      <p:sp>
+        <p:nvSpPr>
+          <p:cNvPr id="116" name="CustomShape 2"/>
+          <p:cNvSpPr/>
+          <p:nvPr/>
+        </p:nvSpPr>
+        <p:spPr>
+          <a:xfrm>
+            <a:off x="1877760" y="1566000"/>
+            <a:ext cx="3060720" cy="3060720"/>
+          </a:xfrm>
+          <a:prstGeom prst="ellipse">
+            <a:avLst/>
+          </a:prstGeom>
+          <a:solidFill>
+            <a:srgbClr val="D9D9D9"/>
+          </a:solidFill>
+          <a:ln w="76320">
+            <a:noFill/>
+          </a:ln>
+          <a:effectLst>
+            <a:outerShdw blurRad="40000" dist="23040" dir="5400000" rotWithShape="0">
+              <a:srgbClr val="000000">
+                <a:alpha val="35000"/>
+              </a:srgbClr>
+            </a:outerShdw>
+          </a:effectLst>
+        </p:spPr>
+        <p:style>
+          <a:lnRef idx="1">
+            <a:schemeClr val="accent1"/>
+          </a:lnRef>
+          <a:fillRef idx="3">
+            <a:schemeClr val="accent1"/>
+          </a:fillRef>
+          <a:effectRef idx="2">
+            <a:schemeClr val="accent1"/>
+          </a:effectRef>
+          <a:fontRef idx="minor"/>
+        </p:style>
+      </p:sp>
+      <p:sp>
+        <p:nvSpPr>
+          <p:cNvPr id="117" name="CustomShape 3"/>
+          <p:cNvSpPr/>
+          <p:nvPr/>
+        </p:nvSpPr>
+        <p:spPr>
+          <a:xfrm>
+            <a:off x="4337640" y="3255480"/>
+            <a:ext cx="2483280" cy="2483280"/>
+          </a:xfrm>
+          <a:prstGeom prst="ellipse">
+            <a:avLst/>
+          </a:prstGeom>
+          <a:solidFill>
+            <a:srgbClr val="2F50A1"/>
+          </a:solidFill>
+          <a:ln w="76320">
+            <a:noFill/>
+          </a:ln>
+          <a:effectLst>
+            <a:outerShdw blurRad="40000" dist="23040" dir="5400000" rotWithShape="0">
+              <a:srgbClr val="000000">
+                <a:alpha val="35000"/>
+              </a:srgbClr>
+            </a:outerShdw>
+          </a:effectLst>
+        </p:spPr>
+        <p:style>
+          <a:lnRef idx="1">
+            <a:schemeClr val="accent1"/>
+          </a:lnRef>
+          <a:fillRef idx="3">
+            <a:schemeClr val="accent1"/>
+          </a:fillRef>
+          <a:effectRef idx="2">
+            <a:schemeClr val="accent1"/>
+          </a:effectRef>
+          <a:fontRef idx="minor"/>
+        </p:style>
+      </p:sp>
+      <p:sp>
+        <p:nvSpPr>
+          <p:cNvPr id="118" name="CustomShape 4"/>
+          <p:cNvSpPr/>
+          <p:nvPr/>
+        </p:nvSpPr>
+        <p:spPr>
+          <a:xfrm>
+            <a:off x="5350680" y="1434960"/>
+            <a:ext cx="2030760" cy="2030760"/>
+          </a:xfrm>
+          <a:prstGeom prst="ellipse">
+            <a:avLst/>
+          </a:prstGeom>
+          <a:solidFill>
+            <a:srgbClr val="2F50A1"/>
+          </a:solidFill>
+          <a:ln w="76320">
+            <a:noFill/>
+          </a:ln>
+          <a:effectLst>
+            <a:outerShdw blurRad="40000" dist="23040" dir="5400000" rotWithShape="0">
+              <a:srgbClr val="000000">
+                <a:alpha val="35000"/>
+              </a:srgbClr>
+            </a:outerShdw>
+          </a:effectLst>
+        </p:spPr>
+        <p:style>
+          <a:lnRef idx="1">
+            <a:schemeClr val="accent1"/>
+          </a:lnRef>
+          <a:fillRef idx="3">
+            <a:schemeClr val="accent1"/>
+          </a:fillRef>
+          <a:effectRef idx="2">
+            <a:schemeClr val="accent1"/>
+          </a:effectRef>
+          <a:fontRef idx="minor"/>
+        </p:style>
+      </p:sp>
       <p:pic>
         <p:nvPicPr>
-          <p:cNvPr id="3" name="Imagem 2">
-            <a:extLst>
-              <a:ext uri="{FF2B5EF4-FFF2-40B4-BE49-F238E27FC236}">
-                <a16:creationId xmlns:a16="http://schemas.microsoft.com/office/drawing/2014/main" id="{9A320181-E292-4A81-A246-392F2408E34D}"/>
-              </a:ext>
-            </a:extLst>
-          </p:cNvPr>
-          <p:cNvPicPr>
-            <a:picLocks noChangeAspect="1"/>
-          </p:cNvPicPr>
+          <p:cNvPr id="119" name="Picture 2" descr="https://o.remove.bg/downloads/bff62d5f-6c43-41d4-af4e-2156a2b4c341/image-removebg-preview.png"/>
+          <p:cNvPicPr/>
           <p:nvPr/>
         </p:nvPicPr>
         <p:blipFill>
-          <a:blip r:embed="rId2">
-            <a:extLst>
-              <a:ext uri="{28A0092B-C50C-407E-A947-70E740481C1C}">
-                <a14:useLocalDpi xmlns:a14="http://schemas.microsoft.com/office/drawing/2010/main" val="0"/>
-              </a:ext>
-            </a:extLst>
-          </a:blip>
-          <a:stretch>
-            <a:fillRect/>
-          </a:stretch>
+          <a:blip r:embed="rId2"/>
+          <a:stretch/>
         </p:blipFill>
         <p:spPr>
           <a:xfrm>
-            <a:off x="237974" y="483369"/>
-            <a:ext cx="6739602" cy="3560232"/>
-          </a:xfrm>
-          <a:prstGeom prst="rect">
-            <a:avLst/>
-          </a:prstGeom>
+            <a:off x="5520600" y="1933920"/>
+            <a:ext cx="1886760" cy="817920"/>
+          </a:xfrm>
+          <a:prstGeom prst="rect">
+            <a:avLst/>
+          </a:prstGeom>
+          <a:ln>
+            <a:noFill/>
+          </a:ln>
         </p:spPr>
       </p:pic>
       <p:pic>
         <p:nvPicPr>
-          <p:cNvPr id="5" name="Imagem 4">
-            <a:extLst>
-              <a:ext uri="{FF2B5EF4-FFF2-40B4-BE49-F238E27FC236}">
-                <a16:creationId xmlns:a16="http://schemas.microsoft.com/office/drawing/2014/main" id="{04D4BDE5-E4E9-4E86-B1AB-FB13F6D3A21C}"/>
-              </a:ext>
-            </a:extLst>
-          </p:cNvPr>
-          <p:cNvPicPr>
-            <a:picLocks noChangeAspect="1"/>
-          </p:cNvPicPr>
+          <p:cNvPr id="120" name="Picture 4" descr="Amazon Web Services – Wikipédia, a enciclopédia livre"/>
+          <p:cNvPicPr/>
           <p:nvPr/>
         </p:nvPicPr>
         <p:blipFill>
-          <a:blip r:embed="rId3">
-            <a:extLst>
-              <a:ext uri="{28A0092B-C50C-407E-A947-70E740481C1C}">
-                <a14:useLocalDpi xmlns:a14="http://schemas.microsoft.com/office/drawing/2010/main" val="0"/>
-              </a:ext>
-            </a:extLst>
-          </a:blip>
-          <a:stretch>
-            <a:fillRect/>
-          </a:stretch>
+          <a:blip r:embed="rId3"/>
+          <a:stretch/>
         </p:blipFill>
         <p:spPr>
           <a:xfrm>
-            <a:off x="6330244" y="2989520"/>
-            <a:ext cx="5261461" cy="3385111"/>
-          </a:xfrm>
-          <a:prstGeom prst="rect">
-            <a:avLst/>
-          </a:prstGeom>
+            <a:off x="7672680" y="2768040"/>
+            <a:ext cx="2208600" cy="1321200"/>
+          </a:xfrm>
+          <a:prstGeom prst="rect">
+            <a:avLst/>
+          </a:prstGeom>
+          <a:ln>
+            <a:noFill/>
+          </a:ln>
+        </p:spPr>
+      </p:pic>
+      <p:pic>
+        <p:nvPicPr>
+          <p:cNvPr id="121" name="Picture 6" descr="Microsoft Azure - Wikipedia"/>
+          <p:cNvPicPr/>
+          <p:nvPr/>
+        </p:nvPicPr>
+        <p:blipFill>
+          <a:blip r:embed="rId4"/>
+          <a:stretch/>
+        </p:blipFill>
+        <p:spPr>
+          <a:xfrm>
+            <a:off x="2306880" y="1887840"/>
+            <a:ext cx="2093040" cy="2093040"/>
+          </a:xfrm>
+          <a:prstGeom prst="rect">
+            <a:avLst/>
+          </a:prstGeom>
+          <a:ln>
+            <a:noFill/>
+          </a:ln>
+        </p:spPr>
+      </p:pic>
+      <p:pic>
+        <p:nvPicPr>
+          <p:cNvPr id="122" name="Picture 8" descr="Logotipo do github - ícones de mídia social grátis"/>
+          <p:cNvPicPr/>
+          <p:nvPr/>
+        </p:nvPicPr>
+        <p:blipFill>
+          <a:blip r:embed="rId5"/>
+          <a:stretch/>
+        </p:blipFill>
+        <p:spPr>
+          <a:xfrm>
+            <a:off x="4950000" y="3769560"/>
+            <a:ext cx="1258560" cy="1258560"/>
+          </a:xfrm>
+          <a:prstGeom prst="rect">
+            <a:avLst/>
+          </a:prstGeom>
+          <a:ln>
+            <a:noFill/>
+          </a:ln>
         </p:spPr>
       </p:pic>
     </p:spTree>
@@ -2374,42 +2566,73 @@
       </p:grpSpPr>
       <p:sp>
         <p:nvSpPr>
-          <p:cNvPr id="115" name="CustomShape 1"/>
+          <p:cNvPr id="106" name="CustomShape 1"/>
           <p:cNvSpPr/>
           <p:nvPr/>
         </p:nvSpPr>
         <p:spPr>
           <a:xfrm>
-            <a:off x="6847920" y="1636560"/>
-            <a:ext cx="3837240" cy="3837240"/>
-          </a:xfrm>
-          <a:prstGeom prst="ellipse">
-            <a:avLst/>
-          </a:prstGeom>
-          <a:solidFill>
-            <a:srgbClr val="2F50A1">
-              <a:alpha val="83000"/>
-            </a:srgbClr>
-          </a:solidFill>
-          <a:ln w="76320">
-            <a:noFill/>
-          </a:ln>
-          <a:effectLst>
-            <a:outerShdw blurRad="40000" dist="23040" dir="5400000" rotWithShape="0">
-              <a:srgbClr val="000000">
-                <a:alpha val="35000"/>
-              </a:srgbClr>
-            </a:outerShdw>
-          </a:effectLst>
+            <a:off x="4263480" y="1133640"/>
+            <a:ext cx="3458160" cy="6047640"/>
+          </a:xfrm>
+          <a:custGeom>
+            <a:avLst/>
+            <a:gdLst/>
+            <a:ahLst/>
+            <a:cxnLst/>
+            <a:rect l="l" t="t" r="r" b="b"/>
+            <a:pathLst>
+              <a:path w="5447" h="9525">
+                <a:moveTo>
+                  <a:pt x="0" y="0"/>
+                </a:moveTo>
+                <a:lnTo>
+                  <a:pt x="5447" y="0"/>
+                </a:lnTo>
+                <a:lnTo>
+                  <a:pt x="5447" y="9499"/>
+                </a:lnTo>
+                <a:lnTo>
+                  <a:pt x="3017" y="9499"/>
+                </a:lnTo>
+                <a:lnTo>
+                  <a:pt x="63" y="9525"/>
+                </a:lnTo>
+                <a:lnTo>
+                  <a:pt x="0" y="4622"/>
+                </a:lnTo>
+                <a:lnTo>
+                  <a:pt x="0" y="0"/>
+                </a:lnTo>
+                <a:close/>
+              </a:path>
+            </a:pathLst>
+          </a:custGeom>
+          <a:gradFill rotWithShape="0">
+            <a:gsLst>
+              <a:gs pos="47000">
+                <a:srgbClr val="FFFFFF"/>
+              </a:gs>
+              <a:gs pos="100000">
+                <a:srgbClr val="0765F4"/>
+              </a:gs>
+            </a:gsLst>
+            <a:lin ang="16200000"/>
+          </a:gradFill>
+          <a:ln>
+            <a:noFill/>
+          </a:ln>
         </p:spPr>
         <p:style>
-          <a:lnRef idx="1">
-            <a:schemeClr val="accent1"/>
+          <a:lnRef idx="2">
+            <a:schemeClr val="accent1">
+              <a:shade val="50000"/>
+            </a:schemeClr>
           </a:lnRef>
-          <a:fillRef idx="3">
+          <a:fillRef idx="1">
             <a:schemeClr val="accent1"/>
           </a:fillRef>
-          <a:effectRef idx="2">
+          <a:effectRef idx="0">
             <a:schemeClr val="accent1"/>
           </a:effectRef>
           <a:fontRef idx="minor"/>
@@ -2417,40 +2640,93 @@
       </p:sp>
       <p:sp>
         <p:nvSpPr>
-          <p:cNvPr id="116" name="CustomShape 2"/>
+          <p:cNvPr id="107" name="CustomShape 2"/>
           <p:cNvSpPr/>
           <p:nvPr/>
         </p:nvSpPr>
         <p:spPr>
           <a:xfrm>
-            <a:off x="1877760" y="1566000"/>
-            <a:ext cx="3060720" cy="3060720"/>
-          </a:xfrm>
-          <a:prstGeom prst="ellipse">
+            <a:off x="3930120" y="2060280"/>
+            <a:ext cx="4124520" cy="1735920"/>
+          </a:xfrm>
+          <a:prstGeom prst="rect">
+            <a:avLst/>
+          </a:prstGeom>
+          <a:noFill/>
+          <a:ln>
+            <a:noFill/>
+          </a:ln>
+        </p:spPr>
+        <p:style>
+          <a:lnRef idx="0">
+            <a:scrgbClr r="0" g="0" b="0"/>
+          </a:lnRef>
+          <a:fillRef idx="0">
+            <a:scrgbClr r="0" g="0" b="0"/>
+          </a:fillRef>
+          <a:effectRef idx="0">
+            <a:scrgbClr r="0" g="0" b="0"/>
+          </a:effectRef>
+          <a:fontRef idx="minor"/>
+        </p:style>
+        <p:txBody>
+          <a:bodyPr lIns="90000" tIns="45000" rIns="90000" bIns="45000">
+            <a:spAutoFit/>
+          </a:bodyPr>
+          <a:lstStyle/>
+          <a:p>
+            <a:pPr algn="ctr">
+              <a:lnSpc>
+                <a:spcPct val="100000"/>
+              </a:lnSpc>
+            </a:pPr>
+            <a:r>
+              <a:rPr lang="pt-BR" sz="5400" b="0" strike="noStrike" spc="-1">
+                <a:solidFill>
+                  <a:srgbClr val="125490"/>
+                </a:solidFill>
+                <a:latin typeface="思源黑体 CN Medium"/>
+                <a:ea typeface="思源黑体 CN Medium"/>
+              </a:rPr>
+              <a:t>Product Backlog</a:t>
+            </a:r>
+            <a:endParaRPr lang="pt-BR" sz="5400" b="0" strike="noStrike" spc="-1">
+              <a:latin typeface="Arial"/>
+            </a:endParaRPr>
+          </a:p>
+        </p:txBody>
+      </p:sp>
+      <p:sp>
+        <p:nvSpPr>
+          <p:cNvPr id="108" name="CustomShape 3"/>
+          <p:cNvSpPr/>
+          <p:nvPr/>
+        </p:nvSpPr>
+        <p:spPr>
+          <a:xfrm>
+            <a:off x="0" y="0"/>
+            <a:ext cx="12191400" cy="361800"/>
+          </a:xfrm>
+          <a:prstGeom prst="rect">
             <a:avLst/>
           </a:prstGeom>
           <a:solidFill>
-            <a:srgbClr val="D9D9D9"/>
+            <a:srgbClr val="0D31B7"/>
           </a:solidFill>
-          <a:ln w="76320">
-            <a:noFill/>
-          </a:ln>
-          <a:effectLst>
-            <a:outerShdw blurRad="40000" dist="23040" dir="5400000" rotWithShape="0">
-              <a:srgbClr val="000000">
-                <a:alpha val="35000"/>
-              </a:srgbClr>
-            </a:outerShdw>
-          </a:effectLst>
+          <a:ln>
+            <a:noFill/>
+          </a:ln>
         </p:spPr>
         <p:style>
-          <a:lnRef idx="1">
-            <a:schemeClr val="accent1"/>
+          <a:lnRef idx="2">
+            <a:schemeClr val="accent1">
+              <a:shade val="50000"/>
+            </a:schemeClr>
           </a:lnRef>
-          <a:fillRef idx="3">
+          <a:fillRef idx="1">
             <a:schemeClr val="accent1"/>
           </a:fillRef>
-          <a:effectRef idx="2">
+          <a:effectRef idx="0">
             <a:schemeClr val="accent1"/>
           </a:effectRef>
           <a:fontRef idx="minor"/>
@@ -2458,40 +2734,35 @@
       </p:sp>
       <p:sp>
         <p:nvSpPr>
-          <p:cNvPr id="117" name="CustomShape 3"/>
+          <p:cNvPr id="109" name="CustomShape 4"/>
           <p:cNvSpPr/>
           <p:nvPr/>
         </p:nvSpPr>
         <p:spPr>
           <a:xfrm>
-            <a:off x="4337640" y="3255480"/>
-            <a:ext cx="2483280" cy="2483280"/>
-          </a:xfrm>
-          <a:prstGeom prst="ellipse">
+            <a:off x="0" y="6495480"/>
+            <a:ext cx="12191400" cy="361800"/>
+          </a:xfrm>
+          <a:prstGeom prst="rect">
             <a:avLst/>
           </a:prstGeom>
           <a:solidFill>
-            <a:srgbClr val="2F50A1"/>
+            <a:srgbClr val="0D31B7"/>
           </a:solidFill>
-          <a:ln w="76320">
-            <a:noFill/>
-          </a:ln>
-          <a:effectLst>
-            <a:outerShdw blurRad="40000" dist="23040" dir="5400000" rotWithShape="0">
-              <a:srgbClr val="000000">
-                <a:alpha val="35000"/>
-              </a:srgbClr>
-            </a:outerShdw>
-          </a:effectLst>
+          <a:ln>
+            <a:noFill/>
+          </a:ln>
         </p:spPr>
         <p:style>
-          <a:lnRef idx="1">
-            <a:schemeClr val="accent1"/>
+          <a:lnRef idx="2">
+            <a:schemeClr val="accent1">
+              <a:shade val="50000"/>
+            </a:schemeClr>
           </a:lnRef>
-          <a:fillRef idx="3">
+          <a:fillRef idx="1">
             <a:schemeClr val="accent1"/>
           </a:fillRef>
-          <a:effectRef idx="2">
+          <a:effectRef idx="0">
             <a:schemeClr val="accent1"/>
           </a:effectRef>
           <a:fontRef idx="minor"/>
@@ -2499,48 +2770,79 @@
       </p:sp>
       <p:sp>
         <p:nvSpPr>
-          <p:cNvPr id="118" name="CustomShape 4"/>
+          <p:cNvPr id="110" name="CustomShape 5"/>
           <p:cNvSpPr/>
           <p:nvPr/>
         </p:nvSpPr>
         <p:spPr>
-          <a:xfrm>
-            <a:off x="5350680" y="1434960"/>
-            <a:ext cx="2030760" cy="2030760"/>
-          </a:xfrm>
-          <a:prstGeom prst="ellipse">
+          <a:xfrm rot="5400000">
+            <a:off x="8585280" y="3246840"/>
+            <a:ext cx="6857280" cy="361800"/>
+          </a:xfrm>
+          <a:prstGeom prst="rect">
             <a:avLst/>
           </a:prstGeom>
           <a:solidFill>
-            <a:srgbClr val="2F50A1"/>
+            <a:srgbClr val="0D31B7"/>
           </a:solidFill>
-          <a:ln w="76320">
-            <a:noFill/>
-          </a:ln>
-          <a:effectLst>
-            <a:outerShdw blurRad="40000" dist="23040" dir="5400000" rotWithShape="0">
-              <a:srgbClr val="000000">
-                <a:alpha val="35000"/>
-              </a:srgbClr>
-            </a:outerShdw>
-          </a:effectLst>
+          <a:ln>
+            <a:noFill/>
+          </a:ln>
         </p:spPr>
         <p:style>
-          <a:lnRef idx="1">
-            <a:schemeClr val="accent1"/>
+          <a:lnRef idx="2">
+            <a:schemeClr val="accent1">
+              <a:shade val="50000"/>
+            </a:schemeClr>
           </a:lnRef>
-          <a:fillRef idx="3">
+          <a:fillRef idx="1">
             <a:schemeClr val="accent1"/>
           </a:fillRef>
-          <a:effectRef idx="2">
+          <a:effectRef idx="0">
             <a:schemeClr val="accent1"/>
           </a:effectRef>
           <a:fontRef idx="minor"/>
         </p:style>
       </p:sp>
+      <p:sp>
+        <p:nvSpPr>
+          <p:cNvPr id="111" name="CustomShape 6"/>
+          <p:cNvSpPr/>
+          <p:nvPr/>
+        </p:nvSpPr>
+        <p:spPr>
+          <a:xfrm rot="5400000">
+            <a:off x="-3246120" y="3246840"/>
+            <a:ext cx="6857280" cy="361800"/>
+          </a:xfrm>
+          <a:prstGeom prst="rect">
+            <a:avLst/>
+          </a:prstGeom>
+          <a:solidFill>
+            <a:srgbClr val="0D31B7"/>
+          </a:solidFill>
+          <a:ln>
+            <a:noFill/>
+          </a:ln>
+        </p:spPr>
+        <p:style>
+          <a:lnRef idx="2">
+            <a:schemeClr val="accent1">
+              <a:shade val="50000"/>
+            </a:schemeClr>
+          </a:lnRef>
+          <a:fillRef idx="1">
+            <a:schemeClr val="accent1"/>
+          </a:fillRef>
+          <a:effectRef idx="0">
+            <a:schemeClr val="accent1"/>
+          </a:effectRef>
+          <a:fontRef idx="minor"/>
+        </p:style>
+      </p:sp>
       <p:pic>
         <p:nvPicPr>
-          <p:cNvPr id="119" name="Picture 2" descr="https://o.remove.bg/downloads/bff62d5f-6c43-41d4-af4e-2156a2b4c341/image-removebg-preview.png"/>
+          <p:cNvPr id="112" name="Picture 2" descr="Microsoft 365 Education – oit.ua.edu | The University of Alabama"/>
           <p:cNvPicPr/>
           <p:nvPr/>
         </p:nvPicPr>
@@ -2550,77 +2852,8 @@
         </p:blipFill>
         <p:spPr>
           <a:xfrm>
-            <a:off x="5520600" y="1933920"/>
-            <a:ext cx="1886760" cy="817920"/>
-          </a:xfrm>
-          <a:prstGeom prst="rect">
-            <a:avLst/>
-          </a:prstGeom>
-          <a:ln>
-            <a:noFill/>
-          </a:ln>
-        </p:spPr>
-      </p:pic>
-      <p:pic>
-        <p:nvPicPr>
-          <p:cNvPr id="120" name="Picture 4" descr="Amazon Web Services – Wikipédia, a enciclopédia livre"/>
-          <p:cNvPicPr/>
-          <p:nvPr/>
-        </p:nvPicPr>
-        <p:blipFill>
-          <a:blip r:embed="rId3"/>
-          <a:stretch/>
-        </p:blipFill>
-        <p:spPr>
-          <a:xfrm>
-            <a:off x="7672680" y="2768040"/>
-            <a:ext cx="2208600" cy="1321200"/>
-          </a:xfrm>
-          <a:prstGeom prst="rect">
-            <a:avLst/>
-          </a:prstGeom>
-          <a:ln>
-            <a:noFill/>
-          </a:ln>
-        </p:spPr>
-      </p:pic>
-      <p:pic>
-        <p:nvPicPr>
-          <p:cNvPr id="121" name="Picture 6" descr="Microsoft Azure - Wikipedia"/>
-          <p:cNvPicPr/>
-          <p:nvPr/>
-        </p:nvPicPr>
-        <p:blipFill>
-          <a:blip r:embed="rId4"/>
-          <a:stretch/>
-        </p:blipFill>
-        <p:spPr>
-          <a:xfrm>
-            <a:off x="2306880" y="1887840"/>
-            <a:ext cx="2093040" cy="2093040"/>
-          </a:xfrm>
-          <a:prstGeom prst="rect">
-            <a:avLst/>
-          </a:prstGeom>
-          <a:ln>
-            <a:noFill/>
-          </a:ln>
-        </p:spPr>
-      </p:pic>
-      <p:pic>
-        <p:nvPicPr>
-          <p:cNvPr id="122" name="Picture 8" descr="Logotipo do github - ícones de mídia social grátis"/>
-          <p:cNvPicPr/>
-          <p:nvPr/>
-        </p:nvPicPr>
-        <p:blipFill>
-          <a:blip r:embed="rId5"/>
-          <a:stretch/>
-        </p:blipFill>
-        <p:spPr>
-          <a:xfrm>
-            <a:off x="4950000" y="3769560"/>
-            <a:ext cx="1258560" cy="1258560"/>
+            <a:off x="5486400" y="4585320"/>
+            <a:ext cx="1218600" cy="1218600"/>
           </a:xfrm>
           <a:prstGeom prst="rect">
             <a:avLst/>
@@ -2639,6 +2872,94 @@
 </file>
 
 <file path=ppt/slides/slide12.xml><?xml version="1.0" encoding="utf-8"?>
+<p:sld xmlns:a="http://schemas.openxmlformats.org/drawingml/2006/main" xmlns:r="http://schemas.openxmlformats.org/officeDocument/2006/relationships" xmlns:p="http://schemas.openxmlformats.org/presentationml/2006/main">
+  <p:cSld>
+    <p:spTree>
+      <p:nvGrpSpPr>
+        <p:cNvPr id="1" name=""/>
+        <p:cNvGrpSpPr/>
+        <p:nvPr/>
+      </p:nvGrpSpPr>
+      <p:grpSpPr>
+        <a:xfrm>
+          <a:off x="0" y="0"/>
+          <a:ext cx="0" cy="0"/>
+          <a:chOff x="0" y="0"/>
+          <a:chExt cx="0" cy="0"/>
+        </a:xfrm>
+      </p:grpSpPr>
+      <p:sp>
+        <p:nvSpPr>
+          <p:cNvPr id="2" name="Título 1">
+            <a:extLst>
+              <a:ext uri="{FF2B5EF4-FFF2-40B4-BE49-F238E27FC236}">
+                <a16:creationId xmlns:a16="http://schemas.microsoft.com/office/drawing/2014/main" id="{3019AB62-53F9-425E-AA6C-2E1ED84EA1FE}"/>
+              </a:ext>
+            </a:extLst>
+          </p:cNvPr>
+          <p:cNvSpPr>
+            <a:spLocks noGrp="1"/>
+          </p:cNvSpPr>
+          <p:nvPr>
+            <p:ph type="title"/>
+          </p:nvPr>
+        </p:nvSpPr>
+        <p:spPr/>
+        <p:txBody>
+          <a:bodyPr/>
+          <a:lstStyle/>
+          <a:p>
+            <a:r>
+              <a:rPr lang="pt-BR" dirty="0"/>
+              <a:t>Metodologia</a:t>
+            </a:r>
+          </a:p>
+        </p:txBody>
+      </p:sp>
+      <p:pic>
+        <p:nvPicPr>
+          <p:cNvPr id="4" name="Imagem 3">
+            <a:extLst>
+              <a:ext uri="{FF2B5EF4-FFF2-40B4-BE49-F238E27FC236}">
+                <a16:creationId xmlns:a16="http://schemas.microsoft.com/office/drawing/2014/main" id="{80AF56C2-3D03-422A-9B91-CABEEFF22B0E}"/>
+              </a:ext>
+            </a:extLst>
+          </p:cNvPr>
+          <p:cNvPicPr>
+            <a:picLocks noChangeAspect="1"/>
+          </p:cNvPicPr>
+          <p:nvPr/>
+        </p:nvPicPr>
+        <p:blipFill>
+          <a:blip r:embed="rId2"/>
+          <a:stretch>
+            <a:fillRect/>
+          </a:stretch>
+        </p:blipFill>
+        <p:spPr>
+          <a:xfrm>
+            <a:off x="669243" y="1418400"/>
+            <a:ext cx="10676074" cy="3955458"/>
+          </a:xfrm>
+          <a:prstGeom prst="rect">
+            <a:avLst/>
+          </a:prstGeom>
+        </p:spPr>
+      </p:pic>
+    </p:spTree>
+    <p:extLst>
+      <p:ext uri="{BB962C8B-B14F-4D97-AF65-F5344CB8AC3E}">
+        <p14:creationId xmlns:p14="http://schemas.microsoft.com/office/powerpoint/2010/main" val="790331023"/>
+      </p:ext>
+    </p:extLst>
+  </p:cSld>
+  <p:clrMapOvr>
+    <a:masterClrMapping/>
+  </p:clrMapOvr>
+</p:sld>
+</file>
+
+<file path=ppt/slides/slide13.xml><?xml version="1.0" encoding="utf-8"?>
 <p:sld xmlns:a="http://schemas.openxmlformats.org/drawingml/2006/main" xmlns:r="http://schemas.openxmlformats.org/officeDocument/2006/relationships" xmlns:p="http://schemas.openxmlformats.org/presentationml/2006/main">
   <p:cSld>
     <p:spTree>
@@ -2698,7 +3019,7 @@
 </p:sld>
 </file>
 
-<file path=ppt/slides/slide13.xml><?xml version="1.0" encoding="utf-8"?>
+<file path=ppt/slides/slide14.xml><?xml version="1.0" encoding="utf-8"?>
 <p:sld xmlns:a="http://schemas.openxmlformats.org/drawingml/2006/main" xmlns:r="http://schemas.openxmlformats.org/officeDocument/2006/relationships" xmlns:p="http://schemas.openxmlformats.org/presentationml/2006/main">
   <p:cSld>
     <p:bg>
@@ -2975,7 +3296,7 @@
 </p:sld>
 </file>
 
-<file path=ppt/slides/slide14.xml><?xml version="1.0" encoding="utf-8"?>
+<file path=ppt/slides/slide15.xml><?xml version="1.0" encoding="utf-8"?>
 <p:sld xmlns:a="http://schemas.openxmlformats.org/drawingml/2006/main" xmlns:r="http://schemas.openxmlformats.org/officeDocument/2006/relationships" xmlns:p="http://schemas.openxmlformats.org/presentationml/2006/main">
   <p:cSld>
     <p:bg>
@@ -3957,7 +4278,7 @@
         </p:nvSpPr>
         <p:spPr>
           <a:xfrm>
-            <a:off x="1944000" y="3620146"/>
+            <a:off x="5288622" y="2877072"/>
             <a:ext cx="2108880" cy="274320"/>
           </a:xfrm>
           <a:prstGeom prst="rect">
@@ -4176,7 +4497,7 @@
         </p:nvSpPr>
         <p:spPr>
           <a:xfrm>
-            <a:off x="5288622" y="2854886"/>
+            <a:off x="5288622" y="2081978"/>
             <a:ext cx="2725920" cy="276999"/>
           </a:xfrm>
           <a:prstGeom prst="rect">
@@ -4234,7 +4555,7 @@
         </p:nvSpPr>
         <p:spPr>
           <a:xfrm>
-            <a:off x="5288622" y="4377766"/>
+            <a:off x="5288622" y="5161943"/>
             <a:ext cx="2108880" cy="274320"/>
           </a:xfrm>
           <a:prstGeom prst="rect">
@@ -4292,7 +4613,7 @@
         </p:nvSpPr>
         <p:spPr>
           <a:xfrm>
-            <a:off x="5288622" y="5155570"/>
+            <a:off x="8991536" y="2070792"/>
             <a:ext cx="2108880" cy="274320"/>
           </a:xfrm>
           <a:prstGeom prst="rect">
@@ -4350,7 +4671,7 @@
         </p:nvSpPr>
         <p:spPr>
           <a:xfrm>
-            <a:off x="1944000" y="4386960"/>
+            <a:off x="1944000" y="3626654"/>
             <a:ext cx="2108880" cy="274320"/>
           </a:xfrm>
           <a:prstGeom prst="rect">
@@ -4408,7 +4729,7 @@
         </p:nvSpPr>
         <p:spPr>
           <a:xfrm>
-            <a:off x="1944000" y="5147266"/>
+            <a:off x="1944000" y="4419051"/>
             <a:ext cx="2108880" cy="274320"/>
           </a:xfrm>
           <a:prstGeom prst="rect">
@@ -4466,7 +4787,7 @@
         </p:nvSpPr>
         <p:spPr>
           <a:xfrm>
-            <a:off x="5288622" y="2070792"/>
+            <a:off x="1944000" y="5144843"/>
             <a:ext cx="2108880" cy="274320"/>
           </a:xfrm>
           <a:prstGeom prst="rect">
@@ -4534,7 +4855,7 @@
         </p:nvSpPr>
         <p:spPr>
           <a:xfrm>
-            <a:off x="5288622" y="3599962"/>
+            <a:off x="5288622" y="4419051"/>
             <a:ext cx="2108880" cy="274320"/>
           </a:xfrm>
           <a:prstGeom prst="rect">
@@ -5539,6 +5860,185 @@
               <a:t>10</a:t>
             </a:r>
             <a:endParaRPr lang="pt-BR" sz="2400" b="0" strike="noStrike" spc="-1" dirty="0">
+              <a:latin typeface="Arial"/>
+            </a:endParaRPr>
+          </a:p>
+        </p:txBody>
+      </p:sp>
+      <p:sp>
+        <p:nvSpPr>
+          <p:cNvPr id="39" name="CustomShape 7">
+            <a:extLst>
+              <a:ext uri="{FF2B5EF4-FFF2-40B4-BE49-F238E27FC236}">
+                <a16:creationId xmlns:a16="http://schemas.microsoft.com/office/drawing/2014/main" id="{CAE1204B-DE38-45A6-9B35-893198CBEEBF}"/>
+              </a:ext>
+            </a:extLst>
+          </p:cNvPr>
+          <p:cNvSpPr/>
+          <p:nvPr/>
+        </p:nvSpPr>
+        <p:spPr>
+          <a:xfrm>
+            <a:off x="8292526" y="1941211"/>
+            <a:ext cx="555120" cy="567720"/>
+          </a:xfrm>
+          <a:prstGeom prst="rect">
+            <a:avLst/>
+          </a:prstGeom>
+          <a:solidFill>
+            <a:srgbClr val="2F50A1"/>
+          </a:solidFill>
+          <a:ln>
+            <a:noFill/>
+          </a:ln>
+        </p:spPr>
+        <p:style>
+          <a:lnRef idx="2">
+            <a:schemeClr val="accent1">
+              <a:shade val="50000"/>
+            </a:schemeClr>
+          </a:lnRef>
+          <a:fillRef idx="1">
+            <a:schemeClr val="accent1"/>
+          </a:fillRef>
+          <a:effectRef idx="0">
+            <a:schemeClr val="accent1"/>
+          </a:effectRef>
+          <a:fontRef idx="minor"/>
+        </p:style>
+      </p:sp>
+      <p:sp>
+        <p:nvSpPr>
+          <p:cNvPr id="40" name="CustomShape 13">
+            <a:extLst>
+              <a:ext uri="{FF2B5EF4-FFF2-40B4-BE49-F238E27FC236}">
+                <a16:creationId xmlns:a16="http://schemas.microsoft.com/office/drawing/2014/main" id="{2CCA72DD-A929-4A36-84DF-CDD6696FA696}"/>
+              </a:ext>
+            </a:extLst>
+          </p:cNvPr>
+          <p:cNvSpPr/>
+          <p:nvPr/>
+        </p:nvSpPr>
+        <p:spPr>
+          <a:xfrm>
+            <a:off x="8304351" y="2000080"/>
+            <a:ext cx="555120" cy="460211"/>
+          </a:xfrm>
+          <a:prstGeom prst="rect">
+            <a:avLst/>
+          </a:prstGeom>
+          <a:noFill/>
+          <a:ln>
+            <a:noFill/>
+          </a:ln>
+        </p:spPr>
+        <p:style>
+          <a:lnRef idx="0">
+            <a:scrgbClr r="0" g="0" b="0"/>
+          </a:lnRef>
+          <a:fillRef idx="0">
+            <a:scrgbClr r="0" g="0" b="0"/>
+          </a:fillRef>
+          <a:effectRef idx="0">
+            <a:scrgbClr r="0" g="0" b="0"/>
+          </a:effectRef>
+          <a:fontRef idx="minor"/>
+        </p:style>
+        <p:txBody>
+          <a:bodyPr lIns="90000" tIns="45000" rIns="90000" bIns="45000">
+            <a:spAutoFit/>
+          </a:bodyPr>
+          <a:lstStyle/>
+          <a:p>
+            <a:pPr>
+              <a:lnSpc>
+                <a:spcPct val="100000"/>
+              </a:lnSpc>
+            </a:pPr>
+            <a:r>
+              <a:rPr lang="en-US" sz="2400" cap="all" spc="-1" dirty="0">
+                <a:solidFill>
+                  <a:srgbClr val="FFFFFF"/>
+                </a:solidFill>
+                <a:latin typeface="思源黑体 CN Medium"/>
+              </a:rPr>
+              <a:t>11</a:t>
+            </a:r>
+            <a:endParaRPr lang="pt-BR" sz="2400" b="0" strike="noStrike" spc="-1" dirty="0">
+              <a:latin typeface="Arial"/>
+            </a:endParaRPr>
+          </a:p>
+        </p:txBody>
+      </p:sp>
+      <p:sp>
+        <p:nvSpPr>
+          <p:cNvPr id="48" name="CustomShape 24">
+            <a:extLst>
+              <a:ext uri="{FF2B5EF4-FFF2-40B4-BE49-F238E27FC236}">
+                <a16:creationId xmlns:a16="http://schemas.microsoft.com/office/drawing/2014/main" id="{3B2B4532-5070-4163-AA7D-5FD399FD3A05}"/>
+              </a:ext>
+            </a:extLst>
+          </p:cNvPr>
+          <p:cNvSpPr/>
+          <p:nvPr/>
+        </p:nvSpPr>
+        <p:spPr>
+          <a:xfrm>
+            <a:off x="5288622" y="3626654"/>
+            <a:ext cx="2108880" cy="274320"/>
+          </a:xfrm>
+          <a:prstGeom prst="rect">
+            <a:avLst/>
+          </a:prstGeom>
+          <a:noFill/>
+          <a:ln>
+            <a:noFill/>
+          </a:ln>
+        </p:spPr>
+        <p:style>
+          <a:lnRef idx="0">
+            <a:scrgbClr r="0" g="0" b="0"/>
+          </a:lnRef>
+          <a:fillRef idx="0">
+            <a:scrgbClr r="0" g="0" b="0"/>
+          </a:fillRef>
+          <a:effectRef idx="0">
+            <a:scrgbClr r="0" g="0" b="0"/>
+          </a:effectRef>
+          <a:fontRef idx="minor"/>
+        </p:style>
+        <p:txBody>
+          <a:bodyPr lIns="0" tIns="0" rIns="0" bIns="0">
+            <a:spAutoFit/>
+          </a:bodyPr>
+          <a:lstStyle/>
+          <a:p>
+            <a:pPr>
+              <a:lnSpc>
+                <a:spcPct val="100000"/>
+              </a:lnSpc>
+            </a:pPr>
+            <a:r>
+              <a:rPr lang="pt-BR" spc="-1" dirty="0">
+                <a:solidFill>
+                  <a:srgbClr val="595959"/>
+                </a:solidFill>
+                <a:latin typeface="思源黑体 CN Bold"/>
+                <a:ea typeface="思源黑体 CN Bold"/>
+              </a:rPr>
+              <a:t>Metodologia</a:t>
+            </a:r>
+            <a:r>
+              <a:rPr lang="pt-BR" sz="1800" b="0" strike="noStrike" spc="-1" dirty="0">
+                <a:solidFill>
+                  <a:srgbClr val="595959"/>
+                </a:solidFill>
+                <a:latin typeface="思源黑体 CN Bold"/>
+                <a:ea typeface="思源黑体 CN Bold"/>
+              </a:rPr>
+              <a:t> </a:t>
+            </a:r>
+            <a:endParaRPr lang="pt-BR" sz="1800" b="0" strike="noStrike" spc="-1" dirty="0">
               <a:latin typeface="Arial"/>
             </a:endParaRPr>
           </a:p>
@@ -7227,14 +7727,6 @@
 <file path=ppt/slides/slide6.xml><?xml version="1.0" encoding="utf-8"?>
 <p:sld xmlns:a="http://schemas.openxmlformats.org/drawingml/2006/main" xmlns:r="http://schemas.openxmlformats.org/officeDocument/2006/relationships" xmlns:p="http://schemas.openxmlformats.org/presentationml/2006/main">
   <p:cSld>
-    <p:bg>
-      <p:bgPr>
-        <a:solidFill>
-          <a:srgbClr val="FFFFFF"/>
-        </a:solidFill>
-        <a:effectLst/>
-      </p:bgPr>
-    </p:bg>
     <p:spTree>
       <p:nvGrpSpPr>
         <p:cNvPr id="1" name=""/>
@@ -7249,285 +7741,9 @@
           <a:chExt cx="0" cy="0"/>
         </a:xfrm>
       </p:grpSpPr>
-      <p:sp>
-        <p:nvSpPr>
-          <p:cNvPr id="106" name="CustomShape 1"/>
-          <p:cNvSpPr/>
-          <p:nvPr/>
-        </p:nvSpPr>
-        <p:spPr>
-          <a:xfrm>
-            <a:off x="4263480" y="1133640"/>
-            <a:ext cx="3458160" cy="6047640"/>
-          </a:xfrm>
-          <a:custGeom>
-            <a:avLst/>
-            <a:gdLst/>
-            <a:ahLst/>
-            <a:cxnLst/>
-            <a:rect l="l" t="t" r="r" b="b"/>
-            <a:pathLst>
-              <a:path w="5447" h="9525">
-                <a:moveTo>
-                  <a:pt x="0" y="0"/>
-                </a:moveTo>
-                <a:lnTo>
-                  <a:pt x="5447" y="0"/>
-                </a:lnTo>
-                <a:lnTo>
-                  <a:pt x="5447" y="9499"/>
-                </a:lnTo>
-                <a:lnTo>
-                  <a:pt x="3017" y="9499"/>
-                </a:lnTo>
-                <a:lnTo>
-                  <a:pt x="63" y="9525"/>
-                </a:lnTo>
-                <a:lnTo>
-                  <a:pt x="0" y="4622"/>
-                </a:lnTo>
-                <a:lnTo>
-                  <a:pt x="0" y="0"/>
-                </a:lnTo>
-                <a:close/>
-              </a:path>
-            </a:pathLst>
-          </a:custGeom>
-          <a:gradFill rotWithShape="0">
-            <a:gsLst>
-              <a:gs pos="47000">
-                <a:srgbClr val="FFFFFF"/>
-              </a:gs>
-              <a:gs pos="100000">
-                <a:srgbClr val="0765F4"/>
-              </a:gs>
-            </a:gsLst>
-            <a:lin ang="16200000"/>
-          </a:gradFill>
-          <a:ln>
-            <a:noFill/>
-          </a:ln>
-        </p:spPr>
-        <p:style>
-          <a:lnRef idx="2">
-            <a:schemeClr val="accent1">
-              <a:shade val="50000"/>
-            </a:schemeClr>
-          </a:lnRef>
-          <a:fillRef idx="1">
-            <a:schemeClr val="accent1"/>
-          </a:fillRef>
-          <a:effectRef idx="0">
-            <a:schemeClr val="accent1"/>
-          </a:effectRef>
-          <a:fontRef idx="minor"/>
-        </p:style>
-      </p:sp>
-      <p:sp>
-        <p:nvSpPr>
-          <p:cNvPr id="107" name="CustomShape 2"/>
-          <p:cNvSpPr/>
-          <p:nvPr/>
-        </p:nvSpPr>
-        <p:spPr>
-          <a:xfrm>
-            <a:off x="3930120" y="2060280"/>
-            <a:ext cx="4124520" cy="1735920"/>
-          </a:xfrm>
-          <a:prstGeom prst="rect">
-            <a:avLst/>
-          </a:prstGeom>
-          <a:noFill/>
-          <a:ln>
-            <a:noFill/>
-          </a:ln>
-        </p:spPr>
-        <p:style>
-          <a:lnRef idx="0">
-            <a:scrgbClr r="0" g="0" b="0"/>
-          </a:lnRef>
-          <a:fillRef idx="0">
-            <a:scrgbClr r="0" g="0" b="0"/>
-          </a:fillRef>
-          <a:effectRef idx="0">
-            <a:scrgbClr r="0" g="0" b="0"/>
-          </a:effectRef>
-          <a:fontRef idx="minor"/>
-        </p:style>
-        <p:txBody>
-          <a:bodyPr lIns="90000" tIns="45000" rIns="90000" bIns="45000">
-            <a:spAutoFit/>
-          </a:bodyPr>
-          <a:lstStyle/>
-          <a:p>
-            <a:pPr algn="ctr">
-              <a:lnSpc>
-                <a:spcPct val="100000"/>
-              </a:lnSpc>
-            </a:pPr>
-            <a:r>
-              <a:rPr lang="pt-BR" sz="5400" b="0" strike="noStrike" spc="-1">
-                <a:solidFill>
-                  <a:srgbClr val="125490"/>
-                </a:solidFill>
-                <a:latin typeface="思源黑体 CN Medium"/>
-                <a:ea typeface="思源黑体 CN Medium"/>
-              </a:rPr>
-              <a:t>Product Backlog</a:t>
-            </a:r>
-            <a:endParaRPr lang="pt-BR" sz="5400" b="0" strike="noStrike" spc="-1">
-              <a:latin typeface="Arial"/>
-            </a:endParaRPr>
-          </a:p>
-        </p:txBody>
-      </p:sp>
-      <p:sp>
-        <p:nvSpPr>
-          <p:cNvPr id="108" name="CustomShape 3"/>
-          <p:cNvSpPr/>
-          <p:nvPr/>
-        </p:nvSpPr>
-        <p:spPr>
-          <a:xfrm>
-            <a:off x="0" y="0"/>
-            <a:ext cx="12191400" cy="361800"/>
-          </a:xfrm>
-          <a:prstGeom prst="rect">
-            <a:avLst/>
-          </a:prstGeom>
-          <a:solidFill>
-            <a:srgbClr val="0D31B7"/>
-          </a:solidFill>
-          <a:ln>
-            <a:noFill/>
-          </a:ln>
-        </p:spPr>
-        <p:style>
-          <a:lnRef idx="2">
-            <a:schemeClr val="accent1">
-              <a:shade val="50000"/>
-            </a:schemeClr>
-          </a:lnRef>
-          <a:fillRef idx="1">
-            <a:schemeClr val="accent1"/>
-          </a:fillRef>
-          <a:effectRef idx="0">
-            <a:schemeClr val="accent1"/>
-          </a:effectRef>
-          <a:fontRef idx="minor"/>
-        </p:style>
-      </p:sp>
-      <p:sp>
-        <p:nvSpPr>
-          <p:cNvPr id="109" name="CustomShape 4"/>
-          <p:cNvSpPr/>
-          <p:nvPr/>
-        </p:nvSpPr>
-        <p:spPr>
-          <a:xfrm>
-            <a:off x="0" y="6495480"/>
-            <a:ext cx="12191400" cy="361800"/>
-          </a:xfrm>
-          <a:prstGeom prst="rect">
-            <a:avLst/>
-          </a:prstGeom>
-          <a:solidFill>
-            <a:srgbClr val="0D31B7"/>
-          </a:solidFill>
-          <a:ln>
-            <a:noFill/>
-          </a:ln>
-        </p:spPr>
-        <p:style>
-          <a:lnRef idx="2">
-            <a:schemeClr val="accent1">
-              <a:shade val="50000"/>
-            </a:schemeClr>
-          </a:lnRef>
-          <a:fillRef idx="1">
-            <a:schemeClr val="accent1"/>
-          </a:fillRef>
-          <a:effectRef idx="0">
-            <a:schemeClr val="accent1"/>
-          </a:effectRef>
-          <a:fontRef idx="minor"/>
-        </p:style>
-      </p:sp>
-      <p:sp>
-        <p:nvSpPr>
-          <p:cNvPr id="110" name="CustomShape 5"/>
-          <p:cNvSpPr/>
-          <p:nvPr/>
-        </p:nvSpPr>
-        <p:spPr>
-          <a:xfrm rot="5400000">
-            <a:off x="8585280" y="3246840"/>
-            <a:ext cx="6857280" cy="361800"/>
-          </a:xfrm>
-          <a:prstGeom prst="rect">
-            <a:avLst/>
-          </a:prstGeom>
-          <a:solidFill>
-            <a:srgbClr val="0D31B7"/>
-          </a:solidFill>
-          <a:ln>
-            <a:noFill/>
-          </a:ln>
-        </p:spPr>
-        <p:style>
-          <a:lnRef idx="2">
-            <a:schemeClr val="accent1">
-              <a:shade val="50000"/>
-            </a:schemeClr>
-          </a:lnRef>
-          <a:fillRef idx="1">
-            <a:schemeClr val="accent1"/>
-          </a:fillRef>
-          <a:effectRef idx="0">
-            <a:schemeClr val="accent1"/>
-          </a:effectRef>
-          <a:fontRef idx="minor"/>
-        </p:style>
-      </p:sp>
-      <p:sp>
-        <p:nvSpPr>
-          <p:cNvPr id="111" name="CustomShape 6"/>
-          <p:cNvSpPr/>
-          <p:nvPr/>
-        </p:nvSpPr>
-        <p:spPr>
-          <a:xfrm rot="5400000">
-            <a:off x="-3246120" y="3246840"/>
-            <a:ext cx="6857280" cy="361800"/>
-          </a:xfrm>
-          <a:prstGeom prst="rect">
-            <a:avLst/>
-          </a:prstGeom>
-          <a:solidFill>
-            <a:srgbClr val="0D31B7"/>
-          </a:solidFill>
-          <a:ln>
-            <a:noFill/>
-          </a:ln>
-        </p:spPr>
-        <p:style>
-          <a:lnRef idx="2">
-            <a:schemeClr val="accent1">
-              <a:shade val="50000"/>
-            </a:schemeClr>
-          </a:lnRef>
-          <a:fillRef idx="1">
-            <a:schemeClr val="accent1"/>
-          </a:fillRef>
-          <a:effectRef idx="0">
-            <a:schemeClr val="accent1"/>
-          </a:effectRef>
-          <a:fontRef idx="minor"/>
-        </p:style>
-      </p:sp>
       <p:pic>
         <p:nvPicPr>
-          <p:cNvPr id="112" name="Picture 2" descr="Microsoft 365 Education – oit.ua.edu | The University of Alabama"/>
+          <p:cNvPr id="113" name="Imagem 112"/>
           <p:cNvPicPr/>
           <p:nvPr/>
         </p:nvPicPr>
@@ -7537,8 +7753,8 @@
         </p:blipFill>
         <p:spPr>
           <a:xfrm>
-            <a:off x="5486400" y="4585320"/>
-            <a:ext cx="1218600" cy="1218600"/>
+            <a:off x="402120" y="540000"/>
+            <a:ext cx="11376720" cy="5759640"/>
           </a:xfrm>
           <a:prstGeom prst="rect">
             <a:avLst/>
@@ -7575,7 +7791,7 @@
       </p:grpSpPr>
       <p:pic>
         <p:nvPicPr>
-          <p:cNvPr id="113" name="Imagem 112"/>
+          <p:cNvPr id="114" name="Imagem 113"/>
           <p:cNvPicPr/>
           <p:nvPr/>
         </p:nvPicPr>
@@ -7585,8 +7801,8 @@
         </p:blipFill>
         <p:spPr>
           <a:xfrm>
-            <a:off x="402120" y="540000"/>
-            <a:ext cx="11376720" cy="5759640"/>
+            <a:off x="720000" y="270720"/>
+            <a:ext cx="10718640" cy="6028920"/>
           </a:xfrm>
           <a:prstGeom prst="rect">
             <a:avLst/>
@@ -7607,6 +7823,14 @@
 <file path=ppt/slides/slide8.xml><?xml version="1.0" encoding="utf-8"?>
 <p:sld xmlns:a="http://schemas.openxmlformats.org/drawingml/2006/main" xmlns:r="http://schemas.openxmlformats.org/officeDocument/2006/relationships" xmlns:p="http://schemas.openxmlformats.org/presentationml/2006/main">
   <p:cSld>
+    <p:bg>
+      <p:bgPr>
+        <a:solidFill>
+          <a:schemeClr val="accent1"/>
+        </a:solidFill>
+        <a:effectLst/>
+      </p:bgPr>
+    </p:bg>
     <p:spTree>
       <p:nvGrpSpPr>
         <p:cNvPr id="1" name=""/>
@@ -7623,27 +7847,158 @@
       </p:grpSpPr>
       <p:pic>
         <p:nvPicPr>
-          <p:cNvPr id="114" name="Imagem 113"/>
-          <p:cNvPicPr/>
+          <p:cNvPr id="3" name="Imagem 2">
+            <a:extLst>
+              <a:ext uri="{FF2B5EF4-FFF2-40B4-BE49-F238E27FC236}">
+                <a16:creationId xmlns:a16="http://schemas.microsoft.com/office/drawing/2014/main" id="{3CCC12E2-289A-41A6-868E-DB3C0C16CEE0}"/>
+              </a:ext>
+            </a:extLst>
+          </p:cNvPr>
+          <p:cNvPicPr>
+            <a:picLocks noChangeAspect="1"/>
+          </p:cNvPicPr>
           <p:nvPr/>
         </p:nvPicPr>
         <p:blipFill>
-          <a:blip r:embed="rId2"/>
-          <a:stretch/>
+          <a:blip r:embed="rId2">
+            <a:extLst>
+              <a:ext uri="{28A0092B-C50C-407E-A947-70E740481C1C}">
+                <a14:useLocalDpi xmlns:a14="http://schemas.microsoft.com/office/drawing/2010/main" val="0"/>
+              </a:ext>
+            </a:extLst>
+          </a:blip>
+          <a:stretch>
+            <a:fillRect/>
+          </a:stretch>
         </p:blipFill>
         <p:spPr>
           <a:xfrm>
-            <a:off x="720000" y="270720"/>
-            <a:ext cx="10718640" cy="6028920"/>
-          </a:xfrm>
-          <a:prstGeom prst="rect">
-            <a:avLst/>
-          </a:prstGeom>
-          <a:ln>
-            <a:noFill/>
-          </a:ln>
+            <a:off x="364432" y="1585216"/>
+            <a:ext cx="5731568" cy="3687568"/>
+          </a:xfrm>
+          <a:prstGeom prst="rect">
+            <a:avLst/>
+          </a:prstGeom>
         </p:spPr>
       </p:pic>
+      <p:pic>
+        <p:nvPicPr>
+          <p:cNvPr id="5" name="Imagem 4">
+            <a:extLst>
+              <a:ext uri="{FF2B5EF4-FFF2-40B4-BE49-F238E27FC236}">
+                <a16:creationId xmlns:a16="http://schemas.microsoft.com/office/drawing/2014/main" id="{8081CCFD-19CD-4CFF-80DD-D298B6618332}"/>
+              </a:ext>
+            </a:extLst>
+          </p:cNvPr>
+          <p:cNvPicPr>
+            <a:picLocks noChangeAspect="1"/>
+          </p:cNvPicPr>
+          <p:nvPr/>
+        </p:nvPicPr>
+        <p:blipFill>
+          <a:blip r:embed="rId3">
+            <a:extLst>
+              <a:ext uri="{28A0092B-C50C-407E-A947-70E740481C1C}">
+                <a14:useLocalDpi xmlns:a14="http://schemas.microsoft.com/office/drawing/2010/main" val="0"/>
+              </a:ext>
+            </a:extLst>
+          </a:blip>
+          <a:stretch>
+            <a:fillRect/>
+          </a:stretch>
+        </p:blipFill>
+        <p:spPr>
+          <a:xfrm>
+            <a:off x="6212954" y="247871"/>
+            <a:ext cx="5665661" cy="3181129"/>
+          </a:xfrm>
+          <a:prstGeom prst="rect">
+            <a:avLst/>
+          </a:prstGeom>
+        </p:spPr>
+      </p:pic>
+      <p:pic>
+        <p:nvPicPr>
+          <p:cNvPr id="7" name="Imagem 6">
+            <a:extLst>
+              <a:ext uri="{FF2B5EF4-FFF2-40B4-BE49-F238E27FC236}">
+                <a16:creationId xmlns:a16="http://schemas.microsoft.com/office/drawing/2014/main" id="{CC554959-7EB8-4745-8FA9-2D7A92BE6EEF}"/>
+              </a:ext>
+            </a:extLst>
+          </p:cNvPr>
+          <p:cNvPicPr>
+            <a:picLocks noChangeAspect="1"/>
+          </p:cNvPicPr>
+          <p:nvPr/>
+        </p:nvPicPr>
+        <p:blipFill>
+          <a:blip r:embed="rId4">
+            <a:extLst>
+              <a:ext uri="{28A0092B-C50C-407E-A947-70E740481C1C}">
+                <a14:useLocalDpi xmlns:a14="http://schemas.microsoft.com/office/drawing/2010/main" val="0"/>
+              </a:ext>
+            </a:extLst>
+          </a:blip>
+          <a:stretch>
+            <a:fillRect/>
+          </a:stretch>
+        </p:blipFill>
+        <p:spPr>
+          <a:xfrm>
+            <a:off x="6502295" y="3620119"/>
+            <a:ext cx="5325273" cy="2990010"/>
+          </a:xfrm>
+          <a:prstGeom prst="rect">
+            <a:avLst/>
+          </a:prstGeom>
+        </p:spPr>
+      </p:pic>
+      <p:sp>
+        <p:nvSpPr>
+          <p:cNvPr id="8" name="CaixaDeTexto 7">
+            <a:extLst>
+              <a:ext uri="{FF2B5EF4-FFF2-40B4-BE49-F238E27FC236}">
+                <a16:creationId xmlns:a16="http://schemas.microsoft.com/office/drawing/2014/main" id="{3683A149-A0FD-4417-B361-00813AD3FA11}"/>
+              </a:ext>
+            </a:extLst>
+          </p:cNvPr>
+          <p:cNvSpPr txBox="1"/>
+          <p:nvPr/>
+        </p:nvSpPr>
+        <p:spPr>
+          <a:xfrm>
+            <a:off x="364432" y="464234"/>
+            <a:ext cx="3926214" cy="830997"/>
+          </a:xfrm>
+          <a:prstGeom prst="rect">
+            <a:avLst/>
+          </a:prstGeom>
+          <a:noFill/>
+        </p:spPr>
+        <p:txBody>
+          <a:bodyPr wrap="square" rtlCol="0">
+            <a:spAutoFit/>
+          </a:bodyPr>
+          <a:lstStyle/>
+          <a:p>
+            <a:r>
+              <a:rPr lang="pt-BR" sz="4800" dirty="0" err="1">
+                <a:solidFill>
+                  <a:schemeClr val="bg2"/>
+                </a:solidFill>
+                <a:latin typeface="思源黑体 CN Bold"/>
+              </a:rPr>
+              <a:t>Mockup’s</a:t>
+            </a:r>
+            <a:endParaRPr lang="pt-BR" sz="4800" dirty="0">
+              <a:solidFill>
+                <a:schemeClr val="bg2"/>
+              </a:solidFill>
+              <a:latin typeface="思源黑体 CN Bold"/>
+            </a:endParaRPr>
+          </a:p>
+        </p:txBody>
+      </p:sp>
     </p:spTree>
   </p:cSld>
   <p:clrMapOvr>
@@ -7682,7 +8037,7 @@
           <p:cNvPr id="3" name="Imagem 2">
             <a:extLst>
               <a:ext uri="{FF2B5EF4-FFF2-40B4-BE49-F238E27FC236}">
-                <a16:creationId xmlns:a16="http://schemas.microsoft.com/office/drawing/2014/main" id="{3CCC12E2-289A-41A6-868E-DB3C0C16CEE0}"/>
+                <a16:creationId xmlns:a16="http://schemas.microsoft.com/office/drawing/2014/main" id="{9A320181-E292-4A81-A246-392F2408E34D}"/>
               </a:ext>
             </a:extLst>
           </p:cNvPr>
@@ -7705,8 +8060,8 @@
         </p:blipFill>
         <p:spPr>
           <a:xfrm>
-            <a:off x="364432" y="1585216"/>
-            <a:ext cx="5731568" cy="3687568"/>
+            <a:off x="237974" y="483369"/>
+            <a:ext cx="6739602" cy="3560232"/>
           </a:xfrm>
           <a:prstGeom prst="rect">
             <a:avLst/>
@@ -7718,7 +8073,7 @@
           <p:cNvPr id="5" name="Imagem 4">
             <a:extLst>
               <a:ext uri="{FF2B5EF4-FFF2-40B4-BE49-F238E27FC236}">
-                <a16:creationId xmlns:a16="http://schemas.microsoft.com/office/drawing/2014/main" id="{8081CCFD-19CD-4CFF-80DD-D298B6618332}"/>
+                <a16:creationId xmlns:a16="http://schemas.microsoft.com/office/drawing/2014/main" id="{04D4BDE5-E4E9-4E86-B1AB-FB13F6D3A21C}"/>
               </a:ext>
             </a:extLst>
           </p:cNvPr>
@@ -7741,96 +8096,14 @@
         </p:blipFill>
         <p:spPr>
           <a:xfrm>
-            <a:off x="6212954" y="247871"/>
-            <a:ext cx="5665661" cy="3181129"/>
+            <a:off x="6330244" y="2989520"/>
+            <a:ext cx="5261461" cy="3385111"/>
           </a:xfrm>
           <a:prstGeom prst="rect">
             <a:avLst/>
           </a:prstGeom>
         </p:spPr>
       </p:pic>
-      <p:pic>
-        <p:nvPicPr>
-          <p:cNvPr id="7" name="Imagem 6">
-            <a:extLst>
-              <a:ext uri="{FF2B5EF4-FFF2-40B4-BE49-F238E27FC236}">
-                <a16:creationId xmlns:a16="http://schemas.microsoft.com/office/drawing/2014/main" id="{CC554959-7EB8-4745-8FA9-2D7A92BE6EEF}"/>
-              </a:ext>
-            </a:extLst>
-          </p:cNvPr>
-          <p:cNvPicPr>
-            <a:picLocks noChangeAspect="1"/>
-          </p:cNvPicPr>
-          <p:nvPr/>
-        </p:nvPicPr>
-        <p:blipFill>
-          <a:blip r:embed="rId4">
-            <a:extLst>
-              <a:ext uri="{28A0092B-C50C-407E-A947-70E740481C1C}">
-                <a14:useLocalDpi xmlns:a14="http://schemas.microsoft.com/office/drawing/2010/main" val="0"/>
-              </a:ext>
-            </a:extLst>
-          </a:blip>
-          <a:stretch>
-            <a:fillRect/>
-          </a:stretch>
-        </p:blipFill>
-        <p:spPr>
-          <a:xfrm>
-            <a:off x="6502295" y="3620119"/>
-            <a:ext cx="5325273" cy="2990010"/>
-          </a:xfrm>
-          <a:prstGeom prst="rect">
-            <a:avLst/>
-          </a:prstGeom>
-        </p:spPr>
-      </p:pic>
-      <p:sp>
-        <p:nvSpPr>
-          <p:cNvPr id="8" name="CaixaDeTexto 7">
-            <a:extLst>
-              <a:ext uri="{FF2B5EF4-FFF2-40B4-BE49-F238E27FC236}">
-                <a16:creationId xmlns:a16="http://schemas.microsoft.com/office/drawing/2014/main" id="{3683A149-A0FD-4417-B361-00813AD3FA11}"/>
-              </a:ext>
-            </a:extLst>
-          </p:cNvPr>
-          <p:cNvSpPr txBox="1"/>
-          <p:nvPr/>
-        </p:nvSpPr>
-        <p:spPr>
-          <a:xfrm>
-            <a:off x="364432" y="464234"/>
-            <a:ext cx="3926214" cy="830997"/>
-          </a:xfrm>
-          <a:prstGeom prst="rect">
-            <a:avLst/>
-          </a:prstGeom>
-          <a:noFill/>
-        </p:spPr>
-        <p:txBody>
-          <a:bodyPr wrap="square" rtlCol="0">
-            <a:spAutoFit/>
-          </a:bodyPr>
-          <a:lstStyle/>
-          <a:p>
-            <a:r>
-              <a:rPr lang="pt-BR" sz="4800" dirty="0" err="1">
-                <a:solidFill>
-                  <a:schemeClr val="bg2"/>
-                </a:solidFill>
-                <a:latin typeface="思源黑体 CN Bold"/>
-              </a:rPr>
-              <a:t>Mockup’s</a:t>
-            </a:r>
-            <a:endParaRPr lang="pt-BR" sz="4800" dirty="0">
-              <a:solidFill>
-                <a:schemeClr val="bg2"/>
-              </a:solidFill>
-              <a:latin typeface="思源黑体 CN Bold"/>
-            </a:endParaRPr>
-          </a:p>
-        </p:txBody>
-      </p:sp>
     </p:spTree>
   </p:cSld>
   <p:clrMapOvr>

--- a/HSOsprint2.pptx
+++ b/HSOsprint2.pptx
@@ -10,13 +10,13 @@
     <p:sldId id="258" r:id="rId4"/>
     <p:sldId id="259" r:id="rId5"/>
     <p:sldId id="260" r:id="rId6"/>
-    <p:sldId id="264" r:id="rId7"/>
-    <p:sldId id="265" r:id="rId8"/>
-    <p:sldId id="262" r:id="rId9"/>
-    <p:sldId id="263" r:id="rId10"/>
-    <p:sldId id="266" r:id="rId11"/>
-    <p:sldId id="261" r:id="rId12"/>
-    <p:sldId id="270" r:id="rId13"/>
+    <p:sldId id="270" r:id="rId7"/>
+    <p:sldId id="261" r:id="rId8"/>
+    <p:sldId id="264" r:id="rId9"/>
+    <p:sldId id="265" r:id="rId10"/>
+    <p:sldId id="262" r:id="rId11"/>
+    <p:sldId id="263" r:id="rId12"/>
+    <p:sldId id="266" r:id="rId13"/>
     <p:sldId id="269" r:id="rId14"/>
     <p:sldId id="267" r:id="rId15"/>
     <p:sldId id="268" r:id="rId16"/>
@@ -2254,7 +2254,7 @@
     <p:bg>
       <p:bgPr>
         <a:solidFill>
-          <a:srgbClr val="FFFFFF"/>
+          <a:schemeClr val="accent1"/>
         </a:solidFill>
         <a:effectLst/>
       </p:bgPr>
@@ -2273,262 +2273,263 @@
           <a:chExt cx="0" cy="0"/>
         </a:xfrm>
       </p:grpSpPr>
-      <p:sp>
-        <p:nvSpPr>
-          <p:cNvPr id="115" name="CustomShape 1"/>
-          <p:cNvSpPr/>
-          <p:nvPr/>
-        </p:nvSpPr>
-        <p:spPr>
-          <a:xfrm>
-            <a:off x="6847920" y="1636560"/>
-            <a:ext cx="3837240" cy="3837240"/>
-          </a:xfrm>
-          <a:prstGeom prst="ellipse">
-            <a:avLst/>
-          </a:prstGeom>
-          <a:solidFill>
-            <a:srgbClr val="2F50A1">
-              <a:alpha val="83000"/>
-            </a:srgbClr>
-          </a:solidFill>
-          <a:ln w="76320">
-            <a:noFill/>
-          </a:ln>
-          <a:effectLst>
-            <a:outerShdw blurRad="40000" dist="23040" dir="5400000" rotWithShape="0">
-              <a:srgbClr val="000000">
-                <a:alpha val="35000"/>
-              </a:srgbClr>
-            </a:outerShdw>
-          </a:effectLst>
-        </p:spPr>
-        <p:style>
-          <a:lnRef idx="1">
-            <a:schemeClr val="accent1"/>
-          </a:lnRef>
-          <a:fillRef idx="3">
-            <a:schemeClr val="accent1"/>
-          </a:fillRef>
-          <a:effectRef idx="2">
-            <a:schemeClr val="accent1"/>
-          </a:effectRef>
-          <a:fontRef idx="minor"/>
-        </p:style>
-      </p:sp>
-      <p:sp>
-        <p:nvSpPr>
-          <p:cNvPr id="116" name="CustomShape 2"/>
-          <p:cNvSpPr/>
-          <p:nvPr/>
-        </p:nvSpPr>
-        <p:spPr>
-          <a:xfrm>
-            <a:off x="1877760" y="1566000"/>
-            <a:ext cx="3060720" cy="3060720"/>
-          </a:xfrm>
-          <a:prstGeom prst="ellipse">
-            <a:avLst/>
-          </a:prstGeom>
-          <a:solidFill>
-            <a:srgbClr val="D9D9D9"/>
-          </a:solidFill>
-          <a:ln w="76320">
-            <a:noFill/>
-          </a:ln>
-          <a:effectLst>
-            <a:outerShdw blurRad="40000" dist="23040" dir="5400000" rotWithShape="0">
-              <a:srgbClr val="000000">
-                <a:alpha val="35000"/>
-              </a:srgbClr>
-            </a:outerShdw>
-          </a:effectLst>
-        </p:spPr>
-        <p:style>
-          <a:lnRef idx="1">
-            <a:schemeClr val="accent1"/>
-          </a:lnRef>
-          <a:fillRef idx="3">
-            <a:schemeClr val="accent1"/>
-          </a:fillRef>
-          <a:effectRef idx="2">
-            <a:schemeClr val="accent1"/>
-          </a:effectRef>
-          <a:fontRef idx="minor"/>
-        </p:style>
-      </p:sp>
-      <p:sp>
-        <p:nvSpPr>
-          <p:cNvPr id="117" name="CustomShape 3"/>
-          <p:cNvSpPr/>
-          <p:nvPr/>
-        </p:nvSpPr>
-        <p:spPr>
-          <a:xfrm>
-            <a:off x="4337640" y="3255480"/>
-            <a:ext cx="2483280" cy="2483280"/>
-          </a:xfrm>
-          <a:prstGeom prst="ellipse">
-            <a:avLst/>
-          </a:prstGeom>
-          <a:solidFill>
-            <a:srgbClr val="2F50A1"/>
-          </a:solidFill>
-          <a:ln w="76320">
-            <a:noFill/>
-          </a:ln>
-          <a:effectLst>
-            <a:outerShdw blurRad="40000" dist="23040" dir="5400000" rotWithShape="0">
-              <a:srgbClr val="000000">
-                <a:alpha val="35000"/>
-              </a:srgbClr>
-            </a:outerShdw>
-          </a:effectLst>
-        </p:spPr>
-        <p:style>
-          <a:lnRef idx="1">
-            <a:schemeClr val="accent1"/>
-          </a:lnRef>
-          <a:fillRef idx="3">
-            <a:schemeClr val="accent1"/>
-          </a:fillRef>
-          <a:effectRef idx="2">
-            <a:schemeClr val="accent1"/>
-          </a:effectRef>
-          <a:fontRef idx="minor"/>
-        </p:style>
-      </p:sp>
-      <p:sp>
-        <p:nvSpPr>
-          <p:cNvPr id="118" name="CustomShape 4"/>
-          <p:cNvSpPr/>
-          <p:nvPr/>
-        </p:nvSpPr>
-        <p:spPr>
-          <a:xfrm>
-            <a:off x="5350680" y="1434960"/>
-            <a:ext cx="2030760" cy="2030760"/>
-          </a:xfrm>
-          <a:prstGeom prst="ellipse">
-            <a:avLst/>
-          </a:prstGeom>
-          <a:solidFill>
-            <a:srgbClr val="2F50A1"/>
-          </a:solidFill>
-          <a:ln w="76320">
-            <a:noFill/>
-          </a:ln>
-          <a:effectLst>
-            <a:outerShdw blurRad="40000" dist="23040" dir="5400000" rotWithShape="0">
-              <a:srgbClr val="000000">
-                <a:alpha val="35000"/>
-              </a:srgbClr>
-            </a:outerShdw>
-          </a:effectLst>
-        </p:spPr>
-        <p:style>
-          <a:lnRef idx="1">
-            <a:schemeClr val="accent1"/>
-          </a:lnRef>
-          <a:fillRef idx="3">
-            <a:schemeClr val="accent1"/>
-          </a:fillRef>
-          <a:effectRef idx="2">
-            <a:schemeClr val="accent1"/>
-          </a:effectRef>
-          <a:fontRef idx="minor"/>
-        </p:style>
-      </p:sp>
       <p:pic>
         <p:nvPicPr>
-          <p:cNvPr id="119" name="Picture 2" descr="https://o.remove.bg/downloads/bff62d5f-6c43-41d4-af4e-2156a2b4c341/image-removebg-preview.png"/>
-          <p:cNvPicPr/>
+          <p:cNvPr id="3" name="Imagem 2">
+            <a:extLst>
+              <a:ext uri="{FF2B5EF4-FFF2-40B4-BE49-F238E27FC236}">
+                <a16:creationId xmlns:a16="http://schemas.microsoft.com/office/drawing/2014/main" id="{3CCC12E2-289A-41A6-868E-DB3C0C16CEE0}"/>
+              </a:ext>
+            </a:extLst>
+          </p:cNvPr>
+          <p:cNvPicPr>
+            <a:picLocks noChangeAspect="1"/>
+          </p:cNvPicPr>
           <p:nvPr/>
         </p:nvPicPr>
         <p:blipFill>
-          <a:blip r:embed="rId2"/>
-          <a:stretch/>
+          <a:blip r:embed="rId2">
+            <a:extLst>
+              <a:ext uri="{28A0092B-C50C-407E-A947-70E740481C1C}">
+                <a14:useLocalDpi xmlns:a14="http://schemas.microsoft.com/office/drawing/2010/main" val="0"/>
+              </a:ext>
+            </a:extLst>
+          </a:blip>
+          <a:stretch>
+            <a:fillRect/>
+          </a:stretch>
         </p:blipFill>
         <p:spPr>
           <a:xfrm>
-            <a:off x="5520600" y="1933920"/>
-            <a:ext cx="1886760" cy="817920"/>
-          </a:xfrm>
-          <a:prstGeom prst="rect">
-            <a:avLst/>
-          </a:prstGeom>
-          <a:ln>
-            <a:noFill/>
-          </a:ln>
+            <a:off x="364432" y="1585216"/>
+            <a:ext cx="5731568" cy="3687568"/>
+          </a:xfrm>
+          <a:prstGeom prst="rect">
+            <a:avLst/>
+          </a:prstGeom>
         </p:spPr>
       </p:pic>
       <p:pic>
         <p:nvPicPr>
-          <p:cNvPr id="120" name="Picture 4" descr="Amazon Web Services – Wikipédia, a enciclopédia livre"/>
-          <p:cNvPicPr/>
+          <p:cNvPr id="5" name="Imagem 4">
+            <a:extLst>
+              <a:ext uri="{FF2B5EF4-FFF2-40B4-BE49-F238E27FC236}">
+                <a16:creationId xmlns:a16="http://schemas.microsoft.com/office/drawing/2014/main" id="{8081CCFD-19CD-4CFF-80DD-D298B6618332}"/>
+              </a:ext>
+            </a:extLst>
+          </p:cNvPr>
+          <p:cNvPicPr>
+            <a:picLocks noChangeAspect="1"/>
+          </p:cNvPicPr>
           <p:nvPr/>
         </p:nvPicPr>
         <p:blipFill>
-          <a:blip r:embed="rId3"/>
-          <a:stretch/>
+          <a:blip r:embed="rId3">
+            <a:extLst>
+              <a:ext uri="{28A0092B-C50C-407E-A947-70E740481C1C}">
+                <a14:useLocalDpi xmlns:a14="http://schemas.microsoft.com/office/drawing/2010/main" val="0"/>
+              </a:ext>
+            </a:extLst>
+          </a:blip>
+          <a:stretch>
+            <a:fillRect/>
+          </a:stretch>
         </p:blipFill>
         <p:spPr>
           <a:xfrm>
-            <a:off x="7672680" y="2768040"/>
-            <a:ext cx="2208600" cy="1321200"/>
-          </a:xfrm>
-          <a:prstGeom prst="rect">
-            <a:avLst/>
-          </a:prstGeom>
-          <a:ln>
-            <a:noFill/>
-          </a:ln>
+            <a:off x="6212954" y="247871"/>
+            <a:ext cx="5665661" cy="3181129"/>
+          </a:xfrm>
+          <a:prstGeom prst="rect">
+            <a:avLst/>
+          </a:prstGeom>
         </p:spPr>
       </p:pic>
       <p:pic>
         <p:nvPicPr>
-          <p:cNvPr id="121" name="Picture 6" descr="Microsoft Azure - Wikipedia"/>
-          <p:cNvPicPr/>
+          <p:cNvPr id="7" name="Imagem 6">
+            <a:extLst>
+              <a:ext uri="{FF2B5EF4-FFF2-40B4-BE49-F238E27FC236}">
+                <a16:creationId xmlns:a16="http://schemas.microsoft.com/office/drawing/2014/main" id="{CC554959-7EB8-4745-8FA9-2D7A92BE6EEF}"/>
+              </a:ext>
+            </a:extLst>
+          </p:cNvPr>
+          <p:cNvPicPr>
+            <a:picLocks noChangeAspect="1"/>
+          </p:cNvPicPr>
           <p:nvPr/>
         </p:nvPicPr>
         <p:blipFill>
-          <a:blip r:embed="rId4"/>
-          <a:stretch/>
+          <a:blip r:embed="rId4">
+            <a:extLst>
+              <a:ext uri="{28A0092B-C50C-407E-A947-70E740481C1C}">
+                <a14:useLocalDpi xmlns:a14="http://schemas.microsoft.com/office/drawing/2010/main" val="0"/>
+              </a:ext>
+            </a:extLst>
+          </a:blip>
+          <a:stretch>
+            <a:fillRect/>
+          </a:stretch>
         </p:blipFill>
         <p:spPr>
           <a:xfrm>
-            <a:off x="2306880" y="1887840"/>
-            <a:ext cx="2093040" cy="2093040"/>
-          </a:xfrm>
-          <a:prstGeom prst="rect">
-            <a:avLst/>
-          </a:prstGeom>
-          <a:ln>
-            <a:noFill/>
-          </a:ln>
+            <a:off x="6502295" y="3620119"/>
+            <a:ext cx="5325273" cy="2990010"/>
+          </a:xfrm>
+          <a:prstGeom prst="rect">
+            <a:avLst/>
+          </a:prstGeom>
+        </p:spPr>
+      </p:pic>
+      <p:sp>
+        <p:nvSpPr>
+          <p:cNvPr id="8" name="CaixaDeTexto 7">
+            <a:extLst>
+              <a:ext uri="{FF2B5EF4-FFF2-40B4-BE49-F238E27FC236}">
+                <a16:creationId xmlns:a16="http://schemas.microsoft.com/office/drawing/2014/main" id="{3683A149-A0FD-4417-B361-00813AD3FA11}"/>
+              </a:ext>
+            </a:extLst>
+          </p:cNvPr>
+          <p:cNvSpPr txBox="1"/>
+          <p:nvPr/>
+        </p:nvSpPr>
+        <p:spPr>
+          <a:xfrm>
+            <a:off x="364432" y="464234"/>
+            <a:ext cx="3926214" cy="830997"/>
+          </a:xfrm>
+          <a:prstGeom prst="rect">
+            <a:avLst/>
+          </a:prstGeom>
+          <a:noFill/>
+        </p:spPr>
+        <p:txBody>
+          <a:bodyPr wrap="square" rtlCol="0">
+            <a:spAutoFit/>
+          </a:bodyPr>
+          <a:lstStyle/>
+          <a:p>
+            <a:r>
+              <a:rPr lang="pt-BR" sz="4800" dirty="0" err="1">
+                <a:solidFill>
+                  <a:schemeClr val="bg2"/>
+                </a:solidFill>
+                <a:latin typeface="思源黑体 CN Bold"/>
+              </a:rPr>
+              <a:t>Mockup’s</a:t>
+            </a:r>
+            <a:endParaRPr lang="pt-BR" sz="4800" dirty="0">
+              <a:solidFill>
+                <a:schemeClr val="bg2"/>
+              </a:solidFill>
+              <a:latin typeface="思源黑体 CN Bold"/>
+            </a:endParaRPr>
+          </a:p>
+        </p:txBody>
+      </p:sp>
+    </p:spTree>
+  </p:cSld>
+  <p:clrMapOvr>
+    <a:masterClrMapping/>
+  </p:clrMapOvr>
+</p:sld>
+</file>
+
+<file path=ppt/slides/slide11.xml><?xml version="1.0" encoding="utf-8"?>
+<p:sld xmlns:a="http://schemas.openxmlformats.org/drawingml/2006/main" xmlns:r="http://schemas.openxmlformats.org/officeDocument/2006/relationships" xmlns:p="http://schemas.openxmlformats.org/presentationml/2006/main">
+  <p:cSld>
+    <p:bg>
+      <p:bgPr>
+        <a:solidFill>
+          <a:schemeClr val="accent1"/>
+        </a:solidFill>
+        <a:effectLst/>
+      </p:bgPr>
+    </p:bg>
+    <p:spTree>
+      <p:nvGrpSpPr>
+        <p:cNvPr id="1" name=""/>
+        <p:cNvGrpSpPr/>
+        <p:nvPr/>
+      </p:nvGrpSpPr>
+      <p:grpSpPr>
+        <a:xfrm>
+          <a:off x="0" y="0"/>
+          <a:ext cx="0" cy="0"/>
+          <a:chOff x="0" y="0"/>
+          <a:chExt cx="0" cy="0"/>
+        </a:xfrm>
+      </p:grpSpPr>
+      <p:pic>
+        <p:nvPicPr>
+          <p:cNvPr id="3" name="Imagem 2">
+            <a:extLst>
+              <a:ext uri="{FF2B5EF4-FFF2-40B4-BE49-F238E27FC236}">
+                <a16:creationId xmlns:a16="http://schemas.microsoft.com/office/drawing/2014/main" id="{9A320181-E292-4A81-A246-392F2408E34D}"/>
+              </a:ext>
+            </a:extLst>
+          </p:cNvPr>
+          <p:cNvPicPr>
+            <a:picLocks noChangeAspect="1"/>
+          </p:cNvPicPr>
+          <p:nvPr/>
+        </p:nvPicPr>
+        <p:blipFill>
+          <a:blip r:embed="rId2">
+            <a:extLst>
+              <a:ext uri="{28A0092B-C50C-407E-A947-70E740481C1C}">
+                <a14:useLocalDpi xmlns:a14="http://schemas.microsoft.com/office/drawing/2010/main" val="0"/>
+              </a:ext>
+            </a:extLst>
+          </a:blip>
+          <a:stretch>
+            <a:fillRect/>
+          </a:stretch>
+        </p:blipFill>
+        <p:spPr>
+          <a:xfrm>
+            <a:off x="237974" y="483369"/>
+            <a:ext cx="6739602" cy="3560232"/>
+          </a:xfrm>
+          <a:prstGeom prst="rect">
+            <a:avLst/>
+          </a:prstGeom>
         </p:spPr>
       </p:pic>
       <p:pic>
         <p:nvPicPr>
-          <p:cNvPr id="122" name="Picture 8" descr="Logotipo do github - ícones de mídia social grátis"/>
-          <p:cNvPicPr/>
+          <p:cNvPr id="5" name="Imagem 4">
+            <a:extLst>
+              <a:ext uri="{FF2B5EF4-FFF2-40B4-BE49-F238E27FC236}">
+                <a16:creationId xmlns:a16="http://schemas.microsoft.com/office/drawing/2014/main" id="{04D4BDE5-E4E9-4E86-B1AB-FB13F6D3A21C}"/>
+              </a:ext>
+            </a:extLst>
+          </p:cNvPr>
+          <p:cNvPicPr>
+            <a:picLocks noChangeAspect="1"/>
+          </p:cNvPicPr>
           <p:nvPr/>
         </p:nvPicPr>
         <p:blipFill>
-          <a:blip r:embed="rId5"/>
-          <a:stretch/>
+          <a:blip r:embed="rId3">
+            <a:extLst>
+              <a:ext uri="{28A0092B-C50C-407E-A947-70E740481C1C}">
+                <a14:useLocalDpi xmlns:a14="http://schemas.microsoft.com/office/drawing/2010/main" val="0"/>
+              </a:ext>
+            </a:extLst>
+          </a:blip>
+          <a:stretch>
+            <a:fillRect/>
+          </a:stretch>
         </p:blipFill>
         <p:spPr>
           <a:xfrm>
-            <a:off x="4950000" y="3769560"/>
-            <a:ext cx="1258560" cy="1258560"/>
-          </a:xfrm>
-          <a:prstGeom prst="rect">
-            <a:avLst/>
-          </a:prstGeom>
-          <a:ln>
-            <a:noFill/>
-          </a:ln>
+            <a:off x="6330244" y="2989520"/>
+            <a:ext cx="5261461" cy="3385111"/>
+          </a:xfrm>
+          <a:prstGeom prst="rect">
+            <a:avLst/>
+          </a:prstGeom>
         </p:spPr>
       </p:pic>
     </p:spTree>
@@ -2539,7 +2540,7 @@
 </p:sld>
 </file>
 
-<file path=ppt/slides/slide11.xml><?xml version="1.0" encoding="utf-8"?>
+<file path=ppt/slides/slide12.xml><?xml version="1.0" encoding="utf-8"?>
 <p:sld xmlns:a="http://schemas.openxmlformats.org/drawingml/2006/main" xmlns:r="http://schemas.openxmlformats.org/officeDocument/2006/relationships" xmlns:p="http://schemas.openxmlformats.org/presentationml/2006/main">
   <p:cSld>
     <p:bg>
@@ -2566,73 +2567,42 @@
       </p:grpSpPr>
       <p:sp>
         <p:nvSpPr>
-          <p:cNvPr id="106" name="CustomShape 1"/>
+          <p:cNvPr id="115" name="CustomShape 1"/>
           <p:cNvSpPr/>
           <p:nvPr/>
         </p:nvSpPr>
         <p:spPr>
           <a:xfrm>
-            <a:off x="4263480" y="1133640"/>
-            <a:ext cx="3458160" cy="6047640"/>
-          </a:xfrm>
-          <a:custGeom>
-            <a:avLst/>
-            <a:gdLst/>
-            <a:ahLst/>
-            <a:cxnLst/>
-            <a:rect l="l" t="t" r="r" b="b"/>
-            <a:pathLst>
-              <a:path w="5447" h="9525">
-                <a:moveTo>
-                  <a:pt x="0" y="0"/>
-                </a:moveTo>
-                <a:lnTo>
-                  <a:pt x="5447" y="0"/>
-                </a:lnTo>
-                <a:lnTo>
-                  <a:pt x="5447" y="9499"/>
-                </a:lnTo>
-                <a:lnTo>
-                  <a:pt x="3017" y="9499"/>
-                </a:lnTo>
-                <a:lnTo>
-                  <a:pt x="63" y="9525"/>
-                </a:lnTo>
-                <a:lnTo>
-                  <a:pt x="0" y="4622"/>
-                </a:lnTo>
-                <a:lnTo>
-                  <a:pt x="0" y="0"/>
-                </a:lnTo>
-                <a:close/>
-              </a:path>
-            </a:pathLst>
-          </a:custGeom>
-          <a:gradFill rotWithShape="0">
-            <a:gsLst>
-              <a:gs pos="47000">
-                <a:srgbClr val="FFFFFF"/>
-              </a:gs>
-              <a:gs pos="100000">
-                <a:srgbClr val="0765F4"/>
-              </a:gs>
-            </a:gsLst>
-            <a:lin ang="16200000"/>
-          </a:gradFill>
-          <a:ln>
-            <a:noFill/>
-          </a:ln>
+            <a:off x="6847920" y="1636560"/>
+            <a:ext cx="3837240" cy="3837240"/>
+          </a:xfrm>
+          <a:prstGeom prst="ellipse">
+            <a:avLst/>
+          </a:prstGeom>
+          <a:solidFill>
+            <a:srgbClr val="2F50A1">
+              <a:alpha val="83000"/>
+            </a:srgbClr>
+          </a:solidFill>
+          <a:ln w="76320">
+            <a:noFill/>
+          </a:ln>
+          <a:effectLst>
+            <a:outerShdw blurRad="40000" dist="23040" dir="5400000" rotWithShape="0">
+              <a:srgbClr val="000000">
+                <a:alpha val="35000"/>
+              </a:srgbClr>
+            </a:outerShdw>
+          </a:effectLst>
         </p:spPr>
         <p:style>
-          <a:lnRef idx="2">
-            <a:schemeClr val="accent1">
-              <a:shade val="50000"/>
-            </a:schemeClr>
+          <a:lnRef idx="1">
+            <a:schemeClr val="accent1"/>
           </a:lnRef>
-          <a:fillRef idx="1">
+          <a:fillRef idx="3">
             <a:schemeClr val="accent1"/>
           </a:fillRef>
-          <a:effectRef idx="0">
+          <a:effectRef idx="2">
             <a:schemeClr val="accent1"/>
           </a:effectRef>
           <a:fontRef idx="minor"/>
@@ -2640,93 +2610,40 @@
       </p:sp>
       <p:sp>
         <p:nvSpPr>
-          <p:cNvPr id="107" name="CustomShape 2"/>
+          <p:cNvPr id="116" name="CustomShape 2"/>
           <p:cNvSpPr/>
           <p:nvPr/>
         </p:nvSpPr>
         <p:spPr>
           <a:xfrm>
-            <a:off x="3930120" y="2060280"/>
-            <a:ext cx="4124520" cy="1735920"/>
-          </a:xfrm>
-          <a:prstGeom prst="rect">
-            <a:avLst/>
-          </a:prstGeom>
-          <a:noFill/>
-          <a:ln>
-            <a:noFill/>
-          </a:ln>
+            <a:off x="1877760" y="1566000"/>
+            <a:ext cx="3060720" cy="3060720"/>
+          </a:xfrm>
+          <a:prstGeom prst="ellipse">
+            <a:avLst/>
+          </a:prstGeom>
+          <a:solidFill>
+            <a:srgbClr val="D9D9D9"/>
+          </a:solidFill>
+          <a:ln w="76320">
+            <a:noFill/>
+          </a:ln>
+          <a:effectLst>
+            <a:outerShdw blurRad="40000" dist="23040" dir="5400000" rotWithShape="0">
+              <a:srgbClr val="000000">
+                <a:alpha val="35000"/>
+              </a:srgbClr>
+            </a:outerShdw>
+          </a:effectLst>
         </p:spPr>
         <p:style>
-          <a:lnRef idx="0">
-            <a:scrgbClr r="0" g="0" b="0"/>
+          <a:lnRef idx="1">
+            <a:schemeClr val="accent1"/>
           </a:lnRef>
-          <a:fillRef idx="0">
-            <a:scrgbClr r="0" g="0" b="0"/>
-          </a:fillRef>
-          <a:effectRef idx="0">
-            <a:scrgbClr r="0" g="0" b="0"/>
-          </a:effectRef>
-          <a:fontRef idx="minor"/>
-        </p:style>
-        <p:txBody>
-          <a:bodyPr lIns="90000" tIns="45000" rIns="90000" bIns="45000">
-            <a:spAutoFit/>
-          </a:bodyPr>
-          <a:lstStyle/>
-          <a:p>
-            <a:pPr algn="ctr">
-              <a:lnSpc>
-                <a:spcPct val="100000"/>
-              </a:lnSpc>
-            </a:pPr>
-            <a:r>
-              <a:rPr lang="pt-BR" sz="5400" b="0" strike="noStrike" spc="-1">
-                <a:solidFill>
-                  <a:srgbClr val="125490"/>
-                </a:solidFill>
-                <a:latin typeface="思源黑体 CN Medium"/>
-                <a:ea typeface="思源黑体 CN Medium"/>
-              </a:rPr>
-              <a:t>Product Backlog</a:t>
-            </a:r>
-            <a:endParaRPr lang="pt-BR" sz="5400" b="0" strike="noStrike" spc="-1">
-              <a:latin typeface="Arial"/>
-            </a:endParaRPr>
-          </a:p>
-        </p:txBody>
-      </p:sp>
-      <p:sp>
-        <p:nvSpPr>
-          <p:cNvPr id="108" name="CustomShape 3"/>
-          <p:cNvSpPr/>
-          <p:nvPr/>
-        </p:nvSpPr>
-        <p:spPr>
-          <a:xfrm>
-            <a:off x="0" y="0"/>
-            <a:ext cx="12191400" cy="361800"/>
-          </a:xfrm>
-          <a:prstGeom prst="rect">
-            <a:avLst/>
-          </a:prstGeom>
-          <a:solidFill>
-            <a:srgbClr val="0D31B7"/>
-          </a:solidFill>
-          <a:ln>
-            <a:noFill/>
-          </a:ln>
-        </p:spPr>
-        <p:style>
-          <a:lnRef idx="2">
-            <a:schemeClr val="accent1">
-              <a:shade val="50000"/>
-            </a:schemeClr>
-          </a:lnRef>
-          <a:fillRef idx="1">
+          <a:fillRef idx="3">
             <a:schemeClr val="accent1"/>
           </a:fillRef>
-          <a:effectRef idx="0">
+          <a:effectRef idx="2">
             <a:schemeClr val="accent1"/>
           </a:effectRef>
           <a:fontRef idx="minor"/>
@@ -2734,35 +2651,40 @@
       </p:sp>
       <p:sp>
         <p:nvSpPr>
-          <p:cNvPr id="109" name="CustomShape 4"/>
+          <p:cNvPr id="117" name="CustomShape 3"/>
           <p:cNvSpPr/>
           <p:nvPr/>
         </p:nvSpPr>
         <p:spPr>
           <a:xfrm>
-            <a:off x="0" y="6495480"/>
-            <a:ext cx="12191400" cy="361800"/>
-          </a:xfrm>
-          <a:prstGeom prst="rect">
+            <a:off x="4337640" y="3255480"/>
+            <a:ext cx="2483280" cy="2483280"/>
+          </a:xfrm>
+          <a:prstGeom prst="ellipse">
             <a:avLst/>
           </a:prstGeom>
           <a:solidFill>
-            <a:srgbClr val="0D31B7"/>
+            <a:srgbClr val="2F50A1"/>
           </a:solidFill>
-          <a:ln>
-            <a:noFill/>
-          </a:ln>
+          <a:ln w="76320">
+            <a:noFill/>
+          </a:ln>
+          <a:effectLst>
+            <a:outerShdw blurRad="40000" dist="23040" dir="5400000" rotWithShape="0">
+              <a:srgbClr val="000000">
+                <a:alpha val="35000"/>
+              </a:srgbClr>
+            </a:outerShdw>
+          </a:effectLst>
         </p:spPr>
         <p:style>
-          <a:lnRef idx="2">
-            <a:schemeClr val="accent1">
-              <a:shade val="50000"/>
-            </a:schemeClr>
+          <a:lnRef idx="1">
+            <a:schemeClr val="accent1"/>
           </a:lnRef>
-          <a:fillRef idx="1">
+          <a:fillRef idx="3">
             <a:schemeClr val="accent1"/>
           </a:fillRef>
-          <a:effectRef idx="0">
+          <a:effectRef idx="2">
             <a:schemeClr val="accent1"/>
           </a:effectRef>
           <a:fontRef idx="minor"/>
@@ -2770,79 +2692,48 @@
       </p:sp>
       <p:sp>
         <p:nvSpPr>
-          <p:cNvPr id="110" name="CustomShape 5"/>
+          <p:cNvPr id="118" name="CustomShape 4"/>
           <p:cNvSpPr/>
           <p:nvPr/>
         </p:nvSpPr>
         <p:spPr>
-          <a:xfrm rot="5400000">
-            <a:off x="8585280" y="3246840"/>
-            <a:ext cx="6857280" cy="361800"/>
-          </a:xfrm>
-          <a:prstGeom prst="rect">
+          <a:xfrm>
+            <a:off x="5350680" y="1434960"/>
+            <a:ext cx="2030760" cy="2030760"/>
+          </a:xfrm>
+          <a:prstGeom prst="ellipse">
             <a:avLst/>
           </a:prstGeom>
           <a:solidFill>
-            <a:srgbClr val="0D31B7"/>
+            <a:srgbClr val="2F50A1"/>
           </a:solidFill>
-          <a:ln>
-            <a:noFill/>
-          </a:ln>
+          <a:ln w="76320">
+            <a:noFill/>
+          </a:ln>
+          <a:effectLst>
+            <a:outerShdw blurRad="40000" dist="23040" dir="5400000" rotWithShape="0">
+              <a:srgbClr val="000000">
+                <a:alpha val="35000"/>
+              </a:srgbClr>
+            </a:outerShdw>
+          </a:effectLst>
         </p:spPr>
         <p:style>
-          <a:lnRef idx="2">
-            <a:schemeClr val="accent1">
-              <a:shade val="50000"/>
-            </a:schemeClr>
+          <a:lnRef idx="1">
+            <a:schemeClr val="accent1"/>
           </a:lnRef>
-          <a:fillRef idx="1">
+          <a:fillRef idx="3">
             <a:schemeClr val="accent1"/>
           </a:fillRef>
-          <a:effectRef idx="0">
+          <a:effectRef idx="2">
             <a:schemeClr val="accent1"/>
           </a:effectRef>
           <a:fontRef idx="minor"/>
         </p:style>
       </p:sp>
-      <p:sp>
-        <p:nvSpPr>
-          <p:cNvPr id="111" name="CustomShape 6"/>
-          <p:cNvSpPr/>
-          <p:nvPr/>
-        </p:nvSpPr>
-        <p:spPr>
-          <a:xfrm rot="5400000">
-            <a:off x="-3246120" y="3246840"/>
-            <a:ext cx="6857280" cy="361800"/>
-          </a:xfrm>
-          <a:prstGeom prst="rect">
-            <a:avLst/>
-          </a:prstGeom>
-          <a:solidFill>
-            <a:srgbClr val="0D31B7"/>
-          </a:solidFill>
-          <a:ln>
-            <a:noFill/>
-          </a:ln>
-        </p:spPr>
-        <p:style>
-          <a:lnRef idx="2">
-            <a:schemeClr val="accent1">
-              <a:shade val="50000"/>
-            </a:schemeClr>
-          </a:lnRef>
-          <a:fillRef idx="1">
-            <a:schemeClr val="accent1"/>
-          </a:fillRef>
-          <a:effectRef idx="0">
-            <a:schemeClr val="accent1"/>
-          </a:effectRef>
-          <a:fontRef idx="minor"/>
-        </p:style>
-      </p:sp>
       <p:pic>
         <p:nvPicPr>
-          <p:cNvPr id="112" name="Picture 2" descr="Microsoft 365 Education – oit.ua.edu | The University of Alabama"/>
+          <p:cNvPr id="119" name="Picture 2" descr="https://o.remove.bg/downloads/bff62d5f-6c43-41d4-af4e-2156a2b4c341/image-removebg-preview.png"/>
           <p:cNvPicPr/>
           <p:nvPr/>
         </p:nvPicPr>
@@ -2852,8 +2743,77 @@
         </p:blipFill>
         <p:spPr>
           <a:xfrm>
-            <a:off x="5486400" y="4585320"/>
-            <a:ext cx="1218600" cy="1218600"/>
+            <a:off x="5520600" y="1933920"/>
+            <a:ext cx="1886760" cy="817920"/>
+          </a:xfrm>
+          <a:prstGeom prst="rect">
+            <a:avLst/>
+          </a:prstGeom>
+          <a:ln>
+            <a:noFill/>
+          </a:ln>
+        </p:spPr>
+      </p:pic>
+      <p:pic>
+        <p:nvPicPr>
+          <p:cNvPr id="120" name="Picture 4" descr="Amazon Web Services – Wikipédia, a enciclopédia livre"/>
+          <p:cNvPicPr/>
+          <p:nvPr/>
+        </p:nvPicPr>
+        <p:blipFill>
+          <a:blip r:embed="rId3"/>
+          <a:stretch/>
+        </p:blipFill>
+        <p:spPr>
+          <a:xfrm>
+            <a:off x="7672680" y="2768040"/>
+            <a:ext cx="2208600" cy="1321200"/>
+          </a:xfrm>
+          <a:prstGeom prst="rect">
+            <a:avLst/>
+          </a:prstGeom>
+          <a:ln>
+            <a:noFill/>
+          </a:ln>
+        </p:spPr>
+      </p:pic>
+      <p:pic>
+        <p:nvPicPr>
+          <p:cNvPr id="121" name="Picture 6" descr="Microsoft Azure - Wikipedia"/>
+          <p:cNvPicPr/>
+          <p:nvPr/>
+        </p:nvPicPr>
+        <p:blipFill>
+          <a:blip r:embed="rId4"/>
+          <a:stretch/>
+        </p:blipFill>
+        <p:spPr>
+          <a:xfrm>
+            <a:off x="2306880" y="1887840"/>
+            <a:ext cx="2093040" cy="2093040"/>
+          </a:xfrm>
+          <a:prstGeom prst="rect">
+            <a:avLst/>
+          </a:prstGeom>
+          <a:ln>
+            <a:noFill/>
+          </a:ln>
+        </p:spPr>
+      </p:pic>
+      <p:pic>
+        <p:nvPicPr>
+          <p:cNvPr id="122" name="Picture 8" descr="Logotipo do github - ícones de mídia social grátis"/>
+          <p:cNvPicPr/>
+          <p:nvPr/>
+        </p:nvPicPr>
+        <p:blipFill>
+          <a:blip r:embed="rId5"/>
+          <a:stretch/>
+        </p:blipFill>
+        <p:spPr>
+          <a:xfrm>
+            <a:off x="4950000" y="3769560"/>
+            <a:ext cx="1258560" cy="1258560"/>
           </a:xfrm>
           <a:prstGeom prst="rect">
             <a:avLst/>
@@ -2864,94 +2824,6 @@
         </p:spPr>
       </p:pic>
     </p:spTree>
-  </p:cSld>
-  <p:clrMapOvr>
-    <a:masterClrMapping/>
-  </p:clrMapOvr>
-</p:sld>
-</file>
-
-<file path=ppt/slides/slide12.xml><?xml version="1.0" encoding="utf-8"?>
-<p:sld xmlns:a="http://schemas.openxmlformats.org/drawingml/2006/main" xmlns:r="http://schemas.openxmlformats.org/officeDocument/2006/relationships" xmlns:p="http://schemas.openxmlformats.org/presentationml/2006/main">
-  <p:cSld>
-    <p:spTree>
-      <p:nvGrpSpPr>
-        <p:cNvPr id="1" name=""/>
-        <p:cNvGrpSpPr/>
-        <p:nvPr/>
-      </p:nvGrpSpPr>
-      <p:grpSpPr>
-        <a:xfrm>
-          <a:off x="0" y="0"/>
-          <a:ext cx="0" cy="0"/>
-          <a:chOff x="0" y="0"/>
-          <a:chExt cx="0" cy="0"/>
-        </a:xfrm>
-      </p:grpSpPr>
-      <p:sp>
-        <p:nvSpPr>
-          <p:cNvPr id="2" name="Título 1">
-            <a:extLst>
-              <a:ext uri="{FF2B5EF4-FFF2-40B4-BE49-F238E27FC236}">
-                <a16:creationId xmlns:a16="http://schemas.microsoft.com/office/drawing/2014/main" id="{3019AB62-53F9-425E-AA6C-2E1ED84EA1FE}"/>
-              </a:ext>
-            </a:extLst>
-          </p:cNvPr>
-          <p:cNvSpPr>
-            <a:spLocks noGrp="1"/>
-          </p:cNvSpPr>
-          <p:nvPr>
-            <p:ph type="title"/>
-          </p:nvPr>
-        </p:nvSpPr>
-        <p:spPr/>
-        <p:txBody>
-          <a:bodyPr/>
-          <a:lstStyle/>
-          <a:p>
-            <a:r>
-              <a:rPr lang="pt-BR" dirty="0"/>
-              <a:t>Metodologia</a:t>
-            </a:r>
-          </a:p>
-        </p:txBody>
-      </p:sp>
-      <p:pic>
-        <p:nvPicPr>
-          <p:cNvPr id="4" name="Imagem 3">
-            <a:extLst>
-              <a:ext uri="{FF2B5EF4-FFF2-40B4-BE49-F238E27FC236}">
-                <a16:creationId xmlns:a16="http://schemas.microsoft.com/office/drawing/2014/main" id="{80AF56C2-3D03-422A-9B91-CABEEFF22B0E}"/>
-              </a:ext>
-            </a:extLst>
-          </p:cNvPr>
-          <p:cNvPicPr>
-            <a:picLocks noChangeAspect="1"/>
-          </p:cNvPicPr>
-          <p:nvPr/>
-        </p:nvPicPr>
-        <p:blipFill>
-          <a:blip r:embed="rId2"/>
-          <a:stretch>
-            <a:fillRect/>
-          </a:stretch>
-        </p:blipFill>
-        <p:spPr>
-          <a:xfrm>
-            <a:off x="669243" y="1418400"/>
-            <a:ext cx="10676074" cy="3955458"/>
-          </a:xfrm>
-          <a:prstGeom prst="rect">
-            <a:avLst/>
-          </a:prstGeom>
-        </p:spPr>
-      </p:pic>
-    </p:spTree>
-    <p:extLst>
-      <p:ext uri="{BB962C8B-B14F-4D97-AF65-F5344CB8AC3E}">
-        <p14:creationId xmlns:p14="http://schemas.microsoft.com/office/powerpoint/2010/main" val="790331023"/>
-      </p:ext>
-    </p:extLst>
   </p:cSld>
   <p:clrMapOvr>
     <a:masterClrMapping/>
@@ -7741,9 +7613,381 @@
           <a:chExt cx="0" cy="0"/>
         </a:xfrm>
       </p:grpSpPr>
+      <p:sp>
+        <p:nvSpPr>
+          <p:cNvPr id="2" name="Título 1">
+            <a:extLst>
+              <a:ext uri="{FF2B5EF4-FFF2-40B4-BE49-F238E27FC236}">
+                <a16:creationId xmlns:a16="http://schemas.microsoft.com/office/drawing/2014/main" id="{3019AB62-53F9-425E-AA6C-2E1ED84EA1FE}"/>
+              </a:ext>
+            </a:extLst>
+          </p:cNvPr>
+          <p:cNvSpPr>
+            <a:spLocks noGrp="1"/>
+          </p:cNvSpPr>
+          <p:nvPr>
+            <p:ph type="title"/>
+          </p:nvPr>
+        </p:nvSpPr>
+        <p:spPr/>
+        <p:txBody>
+          <a:bodyPr/>
+          <a:lstStyle/>
+          <a:p>
+            <a:r>
+              <a:rPr lang="pt-BR" dirty="0"/>
+              <a:t>Metodologia</a:t>
+            </a:r>
+          </a:p>
+        </p:txBody>
+      </p:sp>
       <p:pic>
         <p:nvPicPr>
-          <p:cNvPr id="113" name="Imagem 112"/>
+          <p:cNvPr id="4" name="Imagem 3">
+            <a:extLst>
+              <a:ext uri="{FF2B5EF4-FFF2-40B4-BE49-F238E27FC236}">
+                <a16:creationId xmlns:a16="http://schemas.microsoft.com/office/drawing/2014/main" id="{80AF56C2-3D03-422A-9B91-CABEEFF22B0E}"/>
+              </a:ext>
+            </a:extLst>
+          </p:cNvPr>
+          <p:cNvPicPr>
+            <a:picLocks noChangeAspect="1"/>
+          </p:cNvPicPr>
+          <p:nvPr/>
+        </p:nvPicPr>
+        <p:blipFill>
+          <a:blip r:embed="rId2"/>
+          <a:stretch>
+            <a:fillRect/>
+          </a:stretch>
+        </p:blipFill>
+        <p:spPr>
+          <a:xfrm>
+            <a:off x="669243" y="1418400"/>
+            <a:ext cx="10676074" cy="3955458"/>
+          </a:xfrm>
+          <a:prstGeom prst="rect">
+            <a:avLst/>
+          </a:prstGeom>
+        </p:spPr>
+      </p:pic>
+    </p:spTree>
+    <p:extLst>
+      <p:ext uri="{BB962C8B-B14F-4D97-AF65-F5344CB8AC3E}">
+        <p14:creationId xmlns:p14="http://schemas.microsoft.com/office/powerpoint/2010/main" val="790331023"/>
+      </p:ext>
+    </p:extLst>
+  </p:cSld>
+  <p:clrMapOvr>
+    <a:masterClrMapping/>
+  </p:clrMapOvr>
+</p:sld>
+</file>
+
+<file path=ppt/slides/slide7.xml><?xml version="1.0" encoding="utf-8"?>
+<p:sld xmlns:a="http://schemas.openxmlformats.org/drawingml/2006/main" xmlns:r="http://schemas.openxmlformats.org/officeDocument/2006/relationships" xmlns:p="http://schemas.openxmlformats.org/presentationml/2006/main">
+  <p:cSld>
+    <p:bg>
+      <p:bgPr>
+        <a:solidFill>
+          <a:srgbClr val="FFFFFF"/>
+        </a:solidFill>
+        <a:effectLst/>
+      </p:bgPr>
+    </p:bg>
+    <p:spTree>
+      <p:nvGrpSpPr>
+        <p:cNvPr id="1" name=""/>
+        <p:cNvGrpSpPr/>
+        <p:nvPr/>
+      </p:nvGrpSpPr>
+      <p:grpSpPr>
+        <a:xfrm>
+          <a:off x="0" y="0"/>
+          <a:ext cx="0" cy="0"/>
+          <a:chOff x="0" y="0"/>
+          <a:chExt cx="0" cy="0"/>
+        </a:xfrm>
+      </p:grpSpPr>
+      <p:sp>
+        <p:nvSpPr>
+          <p:cNvPr id="106" name="CustomShape 1"/>
+          <p:cNvSpPr/>
+          <p:nvPr/>
+        </p:nvSpPr>
+        <p:spPr>
+          <a:xfrm>
+            <a:off x="4263480" y="1133640"/>
+            <a:ext cx="3458160" cy="6047640"/>
+          </a:xfrm>
+          <a:custGeom>
+            <a:avLst/>
+            <a:gdLst/>
+            <a:ahLst/>
+            <a:cxnLst/>
+            <a:rect l="l" t="t" r="r" b="b"/>
+            <a:pathLst>
+              <a:path w="5447" h="9525">
+                <a:moveTo>
+                  <a:pt x="0" y="0"/>
+                </a:moveTo>
+                <a:lnTo>
+                  <a:pt x="5447" y="0"/>
+                </a:lnTo>
+                <a:lnTo>
+                  <a:pt x="5447" y="9499"/>
+                </a:lnTo>
+                <a:lnTo>
+                  <a:pt x="3017" y="9499"/>
+                </a:lnTo>
+                <a:lnTo>
+                  <a:pt x="63" y="9525"/>
+                </a:lnTo>
+                <a:lnTo>
+                  <a:pt x="0" y="4622"/>
+                </a:lnTo>
+                <a:lnTo>
+                  <a:pt x="0" y="0"/>
+                </a:lnTo>
+                <a:close/>
+              </a:path>
+            </a:pathLst>
+          </a:custGeom>
+          <a:gradFill rotWithShape="0">
+            <a:gsLst>
+              <a:gs pos="47000">
+                <a:srgbClr val="FFFFFF"/>
+              </a:gs>
+              <a:gs pos="100000">
+                <a:srgbClr val="0765F4"/>
+              </a:gs>
+            </a:gsLst>
+            <a:lin ang="16200000"/>
+          </a:gradFill>
+          <a:ln>
+            <a:noFill/>
+          </a:ln>
+        </p:spPr>
+        <p:style>
+          <a:lnRef idx="2">
+            <a:schemeClr val="accent1">
+              <a:shade val="50000"/>
+            </a:schemeClr>
+          </a:lnRef>
+          <a:fillRef idx="1">
+            <a:schemeClr val="accent1"/>
+          </a:fillRef>
+          <a:effectRef idx="0">
+            <a:schemeClr val="accent1"/>
+          </a:effectRef>
+          <a:fontRef idx="minor"/>
+        </p:style>
+      </p:sp>
+      <p:sp>
+        <p:nvSpPr>
+          <p:cNvPr id="107" name="CustomShape 2"/>
+          <p:cNvSpPr/>
+          <p:nvPr/>
+        </p:nvSpPr>
+        <p:spPr>
+          <a:xfrm>
+            <a:off x="3930120" y="2060280"/>
+            <a:ext cx="4124520" cy="1735920"/>
+          </a:xfrm>
+          <a:prstGeom prst="rect">
+            <a:avLst/>
+          </a:prstGeom>
+          <a:noFill/>
+          <a:ln>
+            <a:noFill/>
+          </a:ln>
+        </p:spPr>
+        <p:style>
+          <a:lnRef idx="0">
+            <a:scrgbClr r="0" g="0" b="0"/>
+          </a:lnRef>
+          <a:fillRef idx="0">
+            <a:scrgbClr r="0" g="0" b="0"/>
+          </a:fillRef>
+          <a:effectRef idx="0">
+            <a:scrgbClr r="0" g="0" b="0"/>
+          </a:effectRef>
+          <a:fontRef idx="minor"/>
+        </p:style>
+        <p:txBody>
+          <a:bodyPr lIns="90000" tIns="45000" rIns="90000" bIns="45000">
+            <a:spAutoFit/>
+          </a:bodyPr>
+          <a:lstStyle/>
+          <a:p>
+            <a:pPr algn="ctr">
+              <a:lnSpc>
+                <a:spcPct val="100000"/>
+              </a:lnSpc>
+            </a:pPr>
+            <a:r>
+              <a:rPr lang="pt-BR" sz="5400" b="0" strike="noStrike" spc="-1">
+                <a:solidFill>
+                  <a:srgbClr val="125490"/>
+                </a:solidFill>
+                <a:latin typeface="思源黑体 CN Medium"/>
+                <a:ea typeface="思源黑体 CN Medium"/>
+              </a:rPr>
+              <a:t>Product Backlog</a:t>
+            </a:r>
+            <a:endParaRPr lang="pt-BR" sz="5400" b="0" strike="noStrike" spc="-1">
+              <a:latin typeface="Arial"/>
+            </a:endParaRPr>
+          </a:p>
+        </p:txBody>
+      </p:sp>
+      <p:sp>
+        <p:nvSpPr>
+          <p:cNvPr id="108" name="CustomShape 3"/>
+          <p:cNvSpPr/>
+          <p:nvPr/>
+        </p:nvSpPr>
+        <p:spPr>
+          <a:xfrm>
+            <a:off x="0" y="0"/>
+            <a:ext cx="12191400" cy="361800"/>
+          </a:xfrm>
+          <a:prstGeom prst="rect">
+            <a:avLst/>
+          </a:prstGeom>
+          <a:solidFill>
+            <a:srgbClr val="0D31B7"/>
+          </a:solidFill>
+          <a:ln>
+            <a:noFill/>
+          </a:ln>
+        </p:spPr>
+        <p:style>
+          <a:lnRef idx="2">
+            <a:schemeClr val="accent1">
+              <a:shade val="50000"/>
+            </a:schemeClr>
+          </a:lnRef>
+          <a:fillRef idx="1">
+            <a:schemeClr val="accent1"/>
+          </a:fillRef>
+          <a:effectRef idx="0">
+            <a:schemeClr val="accent1"/>
+          </a:effectRef>
+          <a:fontRef idx="minor"/>
+        </p:style>
+      </p:sp>
+      <p:sp>
+        <p:nvSpPr>
+          <p:cNvPr id="109" name="CustomShape 4"/>
+          <p:cNvSpPr/>
+          <p:nvPr/>
+        </p:nvSpPr>
+        <p:spPr>
+          <a:xfrm>
+            <a:off x="0" y="6495480"/>
+            <a:ext cx="12191400" cy="361800"/>
+          </a:xfrm>
+          <a:prstGeom prst="rect">
+            <a:avLst/>
+          </a:prstGeom>
+          <a:solidFill>
+            <a:srgbClr val="0D31B7"/>
+          </a:solidFill>
+          <a:ln>
+            <a:noFill/>
+          </a:ln>
+        </p:spPr>
+        <p:style>
+          <a:lnRef idx="2">
+            <a:schemeClr val="accent1">
+              <a:shade val="50000"/>
+            </a:schemeClr>
+          </a:lnRef>
+          <a:fillRef idx="1">
+            <a:schemeClr val="accent1"/>
+          </a:fillRef>
+          <a:effectRef idx="0">
+            <a:schemeClr val="accent1"/>
+          </a:effectRef>
+          <a:fontRef idx="minor"/>
+        </p:style>
+      </p:sp>
+      <p:sp>
+        <p:nvSpPr>
+          <p:cNvPr id="110" name="CustomShape 5"/>
+          <p:cNvSpPr/>
+          <p:nvPr/>
+        </p:nvSpPr>
+        <p:spPr>
+          <a:xfrm rot="5400000">
+            <a:off x="8585280" y="3246840"/>
+            <a:ext cx="6857280" cy="361800"/>
+          </a:xfrm>
+          <a:prstGeom prst="rect">
+            <a:avLst/>
+          </a:prstGeom>
+          <a:solidFill>
+            <a:srgbClr val="0D31B7"/>
+          </a:solidFill>
+          <a:ln>
+            <a:noFill/>
+          </a:ln>
+        </p:spPr>
+        <p:style>
+          <a:lnRef idx="2">
+            <a:schemeClr val="accent1">
+              <a:shade val="50000"/>
+            </a:schemeClr>
+          </a:lnRef>
+          <a:fillRef idx="1">
+            <a:schemeClr val="accent1"/>
+          </a:fillRef>
+          <a:effectRef idx="0">
+            <a:schemeClr val="accent1"/>
+          </a:effectRef>
+          <a:fontRef idx="minor"/>
+        </p:style>
+      </p:sp>
+      <p:sp>
+        <p:nvSpPr>
+          <p:cNvPr id="111" name="CustomShape 6"/>
+          <p:cNvSpPr/>
+          <p:nvPr/>
+        </p:nvSpPr>
+        <p:spPr>
+          <a:xfrm rot="5400000">
+            <a:off x="-3246120" y="3246840"/>
+            <a:ext cx="6857280" cy="361800"/>
+          </a:xfrm>
+          <a:prstGeom prst="rect">
+            <a:avLst/>
+          </a:prstGeom>
+          <a:solidFill>
+            <a:srgbClr val="0D31B7"/>
+          </a:solidFill>
+          <a:ln>
+            <a:noFill/>
+          </a:ln>
+        </p:spPr>
+        <p:style>
+          <a:lnRef idx="2">
+            <a:schemeClr val="accent1">
+              <a:shade val="50000"/>
+            </a:schemeClr>
+          </a:lnRef>
+          <a:fillRef idx="1">
+            <a:schemeClr val="accent1"/>
+          </a:fillRef>
+          <a:effectRef idx="0">
+            <a:schemeClr val="accent1"/>
+          </a:effectRef>
+          <a:fontRef idx="minor"/>
+        </p:style>
+      </p:sp>
+      <p:pic>
+        <p:nvPicPr>
+          <p:cNvPr id="112" name="Picture 2" descr="Microsoft 365 Education – oit.ua.edu | The University of Alabama"/>
           <p:cNvPicPr/>
           <p:nvPr/>
         </p:nvPicPr>
@@ -7753,8 +7997,8 @@
         </p:blipFill>
         <p:spPr>
           <a:xfrm>
-            <a:off x="402120" y="540000"/>
-            <a:ext cx="11376720" cy="5759640"/>
+            <a:off x="5486400" y="4585320"/>
+            <a:ext cx="1218600" cy="1218600"/>
           </a:xfrm>
           <a:prstGeom prst="rect">
             <a:avLst/>
@@ -7772,7 +8016,55 @@
 </p:sld>
 </file>
 
-<file path=ppt/slides/slide7.xml><?xml version="1.0" encoding="utf-8"?>
+<file path=ppt/slides/slide8.xml><?xml version="1.0" encoding="utf-8"?>
+<p:sld xmlns:a="http://schemas.openxmlformats.org/drawingml/2006/main" xmlns:r="http://schemas.openxmlformats.org/officeDocument/2006/relationships" xmlns:p="http://schemas.openxmlformats.org/presentationml/2006/main">
+  <p:cSld>
+    <p:spTree>
+      <p:nvGrpSpPr>
+        <p:cNvPr id="1" name=""/>
+        <p:cNvGrpSpPr/>
+        <p:nvPr/>
+      </p:nvGrpSpPr>
+      <p:grpSpPr>
+        <a:xfrm>
+          <a:off x="0" y="0"/>
+          <a:ext cx="0" cy="0"/>
+          <a:chOff x="0" y="0"/>
+          <a:chExt cx="0" cy="0"/>
+        </a:xfrm>
+      </p:grpSpPr>
+      <p:pic>
+        <p:nvPicPr>
+          <p:cNvPr id="113" name="Imagem 112"/>
+          <p:cNvPicPr/>
+          <p:nvPr/>
+        </p:nvPicPr>
+        <p:blipFill>
+          <a:blip r:embed="rId2"/>
+          <a:stretch/>
+        </p:blipFill>
+        <p:spPr>
+          <a:xfrm>
+            <a:off x="402120" y="540000"/>
+            <a:ext cx="11376720" cy="5759640"/>
+          </a:xfrm>
+          <a:prstGeom prst="rect">
+            <a:avLst/>
+          </a:prstGeom>
+          <a:ln>
+            <a:noFill/>
+          </a:ln>
+        </p:spPr>
+      </p:pic>
+    </p:spTree>
+  </p:cSld>
+  <p:clrMapOvr>
+    <a:masterClrMapping/>
+  </p:clrMapOvr>
+</p:sld>
+</file>
+
+<file path=ppt/slides/slide9.xml><?xml version="1.0" encoding="utf-8"?>
 <p:sld xmlns:a="http://schemas.openxmlformats.org/drawingml/2006/main" xmlns:r="http://schemas.openxmlformats.org/officeDocument/2006/relationships" xmlns:p="http://schemas.openxmlformats.org/presentationml/2006/main">
   <p:cSld>
     <p:spTree>
@@ -7810,298 +8102,6 @@
           <a:ln>
             <a:noFill/>
           </a:ln>
-        </p:spPr>
-      </p:pic>
-    </p:spTree>
-  </p:cSld>
-  <p:clrMapOvr>
-    <a:masterClrMapping/>
-  </p:clrMapOvr>
-</p:sld>
-</file>
-
-<file path=ppt/slides/slide8.xml><?xml version="1.0" encoding="utf-8"?>
-<p:sld xmlns:a="http://schemas.openxmlformats.org/drawingml/2006/main" xmlns:r="http://schemas.openxmlformats.org/officeDocument/2006/relationships" xmlns:p="http://schemas.openxmlformats.org/presentationml/2006/main">
-  <p:cSld>
-    <p:bg>
-      <p:bgPr>
-        <a:solidFill>
-          <a:schemeClr val="accent1"/>
-        </a:solidFill>
-        <a:effectLst/>
-      </p:bgPr>
-    </p:bg>
-    <p:spTree>
-      <p:nvGrpSpPr>
-        <p:cNvPr id="1" name=""/>
-        <p:cNvGrpSpPr/>
-        <p:nvPr/>
-      </p:nvGrpSpPr>
-      <p:grpSpPr>
-        <a:xfrm>
-          <a:off x="0" y="0"/>
-          <a:ext cx="0" cy="0"/>
-          <a:chOff x="0" y="0"/>
-          <a:chExt cx="0" cy="0"/>
-        </a:xfrm>
-      </p:grpSpPr>
-      <p:pic>
-        <p:nvPicPr>
-          <p:cNvPr id="3" name="Imagem 2">
-            <a:extLst>
-              <a:ext uri="{FF2B5EF4-FFF2-40B4-BE49-F238E27FC236}">
-                <a16:creationId xmlns:a16="http://schemas.microsoft.com/office/drawing/2014/main" id="{3CCC12E2-289A-41A6-868E-DB3C0C16CEE0}"/>
-              </a:ext>
-            </a:extLst>
-          </p:cNvPr>
-          <p:cNvPicPr>
-            <a:picLocks noChangeAspect="1"/>
-          </p:cNvPicPr>
-          <p:nvPr/>
-        </p:nvPicPr>
-        <p:blipFill>
-          <a:blip r:embed="rId2">
-            <a:extLst>
-              <a:ext uri="{28A0092B-C50C-407E-A947-70E740481C1C}">
-                <a14:useLocalDpi xmlns:a14="http://schemas.microsoft.com/office/drawing/2010/main" val="0"/>
-              </a:ext>
-            </a:extLst>
-          </a:blip>
-          <a:stretch>
-            <a:fillRect/>
-          </a:stretch>
-        </p:blipFill>
-        <p:spPr>
-          <a:xfrm>
-            <a:off x="364432" y="1585216"/>
-            <a:ext cx="5731568" cy="3687568"/>
-          </a:xfrm>
-          <a:prstGeom prst="rect">
-            <a:avLst/>
-          </a:prstGeom>
-        </p:spPr>
-      </p:pic>
-      <p:pic>
-        <p:nvPicPr>
-          <p:cNvPr id="5" name="Imagem 4">
-            <a:extLst>
-              <a:ext uri="{FF2B5EF4-FFF2-40B4-BE49-F238E27FC236}">
-                <a16:creationId xmlns:a16="http://schemas.microsoft.com/office/drawing/2014/main" id="{8081CCFD-19CD-4CFF-80DD-D298B6618332}"/>
-              </a:ext>
-            </a:extLst>
-          </p:cNvPr>
-          <p:cNvPicPr>
-            <a:picLocks noChangeAspect="1"/>
-          </p:cNvPicPr>
-          <p:nvPr/>
-        </p:nvPicPr>
-        <p:blipFill>
-          <a:blip r:embed="rId3">
-            <a:extLst>
-              <a:ext uri="{28A0092B-C50C-407E-A947-70E740481C1C}">
-                <a14:useLocalDpi xmlns:a14="http://schemas.microsoft.com/office/drawing/2010/main" val="0"/>
-              </a:ext>
-            </a:extLst>
-          </a:blip>
-          <a:stretch>
-            <a:fillRect/>
-          </a:stretch>
-        </p:blipFill>
-        <p:spPr>
-          <a:xfrm>
-            <a:off x="6212954" y="247871"/>
-            <a:ext cx="5665661" cy="3181129"/>
-          </a:xfrm>
-          <a:prstGeom prst="rect">
-            <a:avLst/>
-          </a:prstGeom>
-        </p:spPr>
-      </p:pic>
-      <p:pic>
-        <p:nvPicPr>
-          <p:cNvPr id="7" name="Imagem 6">
-            <a:extLst>
-              <a:ext uri="{FF2B5EF4-FFF2-40B4-BE49-F238E27FC236}">
-                <a16:creationId xmlns:a16="http://schemas.microsoft.com/office/drawing/2014/main" id="{CC554959-7EB8-4745-8FA9-2D7A92BE6EEF}"/>
-              </a:ext>
-            </a:extLst>
-          </p:cNvPr>
-          <p:cNvPicPr>
-            <a:picLocks noChangeAspect="1"/>
-          </p:cNvPicPr>
-          <p:nvPr/>
-        </p:nvPicPr>
-        <p:blipFill>
-          <a:blip r:embed="rId4">
-            <a:extLst>
-              <a:ext uri="{28A0092B-C50C-407E-A947-70E740481C1C}">
-                <a14:useLocalDpi xmlns:a14="http://schemas.microsoft.com/office/drawing/2010/main" val="0"/>
-              </a:ext>
-            </a:extLst>
-          </a:blip>
-          <a:stretch>
-            <a:fillRect/>
-          </a:stretch>
-        </p:blipFill>
-        <p:spPr>
-          <a:xfrm>
-            <a:off x="6502295" y="3620119"/>
-            <a:ext cx="5325273" cy="2990010"/>
-          </a:xfrm>
-          <a:prstGeom prst="rect">
-            <a:avLst/>
-          </a:prstGeom>
-        </p:spPr>
-      </p:pic>
-      <p:sp>
-        <p:nvSpPr>
-          <p:cNvPr id="8" name="CaixaDeTexto 7">
-            <a:extLst>
-              <a:ext uri="{FF2B5EF4-FFF2-40B4-BE49-F238E27FC236}">
-                <a16:creationId xmlns:a16="http://schemas.microsoft.com/office/drawing/2014/main" id="{3683A149-A0FD-4417-B361-00813AD3FA11}"/>
-              </a:ext>
-            </a:extLst>
-          </p:cNvPr>
-          <p:cNvSpPr txBox="1"/>
-          <p:nvPr/>
-        </p:nvSpPr>
-        <p:spPr>
-          <a:xfrm>
-            <a:off x="364432" y="464234"/>
-            <a:ext cx="3926214" cy="830997"/>
-          </a:xfrm>
-          <a:prstGeom prst="rect">
-            <a:avLst/>
-          </a:prstGeom>
-          <a:noFill/>
-        </p:spPr>
-        <p:txBody>
-          <a:bodyPr wrap="square" rtlCol="0">
-            <a:spAutoFit/>
-          </a:bodyPr>
-          <a:lstStyle/>
-          <a:p>
-            <a:r>
-              <a:rPr lang="pt-BR" sz="4800" dirty="0" err="1">
-                <a:solidFill>
-                  <a:schemeClr val="bg2"/>
-                </a:solidFill>
-                <a:latin typeface="思源黑体 CN Bold"/>
-              </a:rPr>
-              <a:t>Mockup’s</a:t>
-            </a:r>
-            <a:endParaRPr lang="pt-BR" sz="4800" dirty="0">
-              <a:solidFill>
-                <a:schemeClr val="bg2"/>
-              </a:solidFill>
-              <a:latin typeface="思源黑体 CN Bold"/>
-            </a:endParaRPr>
-          </a:p>
-        </p:txBody>
-      </p:sp>
-    </p:spTree>
-  </p:cSld>
-  <p:clrMapOvr>
-    <a:masterClrMapping/>
-  </p:clrMapOvr>
-</p:sld>
-</file>
-
-<file path=ppt/slides/slide9.xml><?xml version="1.0" encoding="utf-8"?>
-<p:sld xmlns:a="http://schemas.openxmlformats.org/drawingml/2006/main" xmlns:r="http://schemas.openxmlformats.org/officeDocument/2006/relationships" xmlns:p="http://schemas.openxmlformats.org/presentationml/2006/main">
-  <p:cSld>
-    <p:bg>
-      <p:bgPr>
-        <a:solidFill>
-          <a:schemeClr val="accent1"/>
-        </a:solidFill>
-        <a:effectLst/>
-      </p:bgPr>
-    </p:bg>
-    <p:spTree>
-      <p:nvGrpSpPr>
-        <p:cNvPr id="1" name=""/>
-        <p:cNvGrpSpPr/>
-        <p:nvPr/>
-      </p:nvGrpSpPr>
-      <p:grpSpPr>
-        <a:xfrm>
-          <a:off x="0" y="0"/>
-          <a:ext cx="0" cy="0"/>
-          <a:chOff x="0" y="0"/>
-          <a:chExt cx="0" cy="0"/>
-        </a:xfrm>
-      </p:grpSpPr>
-      <p:pic>
-        <p:nvPicPr>
-          <p:cNvPr id="3" name="Imagem 2">
-            <a:extLst>
-              <a:ext uri="{FF2B5EF4-FFF2-40B4-BE49-F238E27FC236}">
-                <a16:creationId xmlns:a16="http://schemas.microsoft.com/office/drawing/2014/main" id="{9A320181-E292-4A81-A246-392F2408E34D}"/>
-              </a:ext>
-            </a:extLst>
-          </p:cNvPr>
-          <p:cNvPicPr>
-            <a:picLocks noChangeAspect="1"/>
-          </p:cNvPicPr>
-          <p:nvPr/>
-        </p:nvPicPr>
-        <p:blipFill>
-          <a:blip r:embed="rId2">
-            <a:extLst>
-              <a:ext uri="{28A0092B-C50C-407E-A947-70E740481C1C}">
-                <a14:useLocalDpi xmlns:a14="http://schemas.microsoft.com/office/drawing/2010/main" val="0"/>
-              </a:ext>
-            </a:extLst>
-          </a:blip>
-          <a:stretch>
-            <a:fillRect/>
-          </a:stretch>
-        </p:blipFill>
-        <p:spPr>
-          <a:xfrm>
-            <a:off x="237974" y="483369"/>
-            <a:ext cx="6739602" cy="3560232"/>
-          </a:xfrm>
-          <a:prstGeom prst="rect">
-            <a:avLst/>
-          </a:prstGeom>
-        </p:spPr>
-      </p:pic>
-      <p:pic>
-        <p:nvPicPr>
-          <p:cNvPr id="5" name="Imagem 4">
-            <a:extLst>
-              <a:ext uri="{FF2B5EF4-FFF2-40B4-BE49-F238E27FC236}">
-                <a16:creationId xmlns:a16="http://schemas.microsoft.com/office/drawing/2014/main" id="{04D4BDE5-E4E9-4E86-B1AB-FB13F6D3A21C}"/>
-              </a:ext>
-            </a:extLst>
-          </p:cNvPr>
-          <p:cNvPicPr>
-            <a:picLocks noChangeAspect="1"/>
-          </p:cNvPicPr>
-          <p:nvPr/>
-        </p:nvPicPr>
-        <p:blipFill>
-          <a:blip r:embed="rId3">
-            <a:extLst>
-              <a:ext uri="{28A0092B-C50C-407E-A947-70E740481C1C}">
-                <a14:useLocalDpi xmlns:a14="http://schemas.microsoft.com/office/drawing/2010/main" val="0"/>
-              </a:ext>
-            </a:extLst>
-          </a:blip>
-          <a:stretch>
-            <a:fillRect/>
-          </a:stretch>
-        </p:blipFill>
-        <p:spPr>
-          <a:xfrm>
-            <a:off x="6330244" y="2989520"/>
-            <a:ext cx="5261461" cy="3385111"/>
-          </a:xfrm>
-          <a:prstGeom prst="rect">
-            <a:avLst/>
-          </a:prstGeom>
         </p:spPr>
       </p:pic>
     </p:spTree>

--- a/HSOsprint2.pptx
+++ b/HSOsprint2.pptx
@@ -8035,25 +8035,32 @@
       </p:grpSpPr>
       <p:pic>
         <p:nvPicPr>
-          <p:cNvPr id="113" name="Imagem 112"/>
-          <p:cNvPicPr/>
+          <p:cNvPr id="2" name="Imagem 1">
+            <a:extLst>
+              <a:ext uri="{FF2B5EF4-FFF2-40B4-BE49-F238E27FC236}">
+                <a16:creationId xmlns:a16="http://schemas.microsoft.com/office/drawing/2014/main" id="{D003B7D1-1AEF-41B7-8085-21713AF874A2}"/>
+              </a:ext>
+            </a:extLst>
+          </p:cNvPr>
+          <p:cNvPicPr>
+            <a:picLocks noChangeAspect="1"/>
+          </p:cNvPicPr>
           <p:nvPr/>
         </p:nvPicPr>
         <p:blipFill>
           <a:blip r:embed="rId2"/>
-          <a:stretch/>
+          <a:stretch>
+            <a:fillRect/>
+          </a:stretch>
         </p:blipFill>
         <p:spPr>
           <a:xfrm>
-            <a:off x="402120" y="540000"/>
-            <a:ext cx="11376720" cy="5759640"/>
-          </a:xfrm>
-          <a:prstGeom prst="rect">
-            <a:avLst/>
-          </a:prstGeom>
-          <a:ln>
-            <a:noFill/>
-          </a:ln>
+            <a:off x="175447" y="422031"/>
+            <a:ext cx="11716465" cy="5950634"/>
+          </a:xfrm>
+          <a:prstGeom prst="rect">
+            <a:avLst/>
+          </a:prstGeom>
         </p:spPr>
       </p:pic>
     </p:spTree>

--- a/HSOsprint2.pptx
+++ b/HSOsprint2.pptx
@@ -13,13 +13,14 @@
     <p:sldId id="270" r:id="rId7"/>
     <p:sldId id="261" r:id="rId8"/>
     <p:sldId id="264" r:id="rId9"/>
-    <p:sldId id="265" r:id="rId10"/>
-    <p:sldId id="262" r:id="rId11"/>
-    <p:sldId id="263" r:id="rId12"/>
-    <p:sldId id="266" r:id="rId13"/>
-    <p:sldId id="269" r:id="rId14"/>
-    <p:sldId id="267" r:id="rId15"/>
-    <p:sldId id="268" r:id="rId16"/>
+    <p:sldId id="271" r:id="rId10"/>
+    <p:sldId id="265" r:id="rId11"/>
+    <p:sldId id="262" r:id="rId12"/>
+    <p:sldId id="263" r:id="rId13"/>
+    <p:sldId id="266" r:id="rId14"/>
+    <p:sldId id="269" r:id="rId15"/>
+    <p:sldId id="267" r:id="rId16"/>
+    <p:sldId id="268" r:id="rId17"/>
   </p:sldIdLst>
   <p:sldSz cx="12192000" cy="6858000"/>
   <p:notesSz cx="7559675" cy="10691813"/>
@@ -2251,14 +2252,6 @@
 <file path=ppt/slides/slide10.xml><?xml version="1.0" encoding="utf-8"?>
 <p:sld xmlns:a="http://schemas.openxmlformats.org/drawingml/2006/main" xmlns:r="http://schemas.openxmlformats.org/officeDocument/2006/relationships" xmlns:p="http://schemas.openxmlformats.org/presentationml/2006/main">
   <p:cSld>
-    <p:bg>
-      <p:bgPr>
-        <a:solidFill>
-          <a:schemeClr val="accent1"/>
-        </a:solidFill>
-        <a:effectLst/>
-      </p:bgPr>
-    </p:bg>
     <p:spTree>
       <p:nvGrpSpPr>
         <p:cNvPr id="1" name=""/>
@@ -2275,158 +2268,27 @@
       </p:grpSpPr>
       <p:pic>
         <p:nvPicPr>
-          <p:cNvPr id="3" name="Imagem 2">
-            <a:extLst>
-              <a:ext uri="{FF2B5EF4-FFF2-40B4-BE49-F238E27FC236}">
-                <a16:creationId xmlns:a16="http://schemas.microsoft.com/office/drawing/2014/main" id="{3CCC12E2-289A-41A6-868E-DB3C0C16CEE0}"/>
-              </a:ext>
-            </a:extLst>
-          </p:cNvPr>
-          <p:cNvPicPr>
-            <a:picLocks noChangeAspect="1"/>
-          </p:cNvPicPr>
+          <p:cNvPr id="114" name="Imagem 113"/>
+          <p:cNvPicPr/>
           <p:nvPr/>
         </p:nvPicPr>
         <p:blipFill>
-          <a:blip r:embed="rId2">
-            <a:extLst>
-              <a:ext uri="{28A0092B-C50C-407E-A947-70E740481C1C}">
-                <a14:useLocalDpi xmlns:a14="http://schemas.microsoft.com/office/drawing/2010/main" val="0"/>
-              </a:ext>
-            </a:extLst>
-          </a:blip>
-          <a:stretch>
-            <a:fillRect/>
-          </a:stretch>
+          <a:blip r:embed="rId2"/>
+          <a:stretch/>
         </p:blipFill>
         <p:spPr>
           <a:xfrm>
-            <a:off x="364432" y="1585216"/>
-            <a:ext cx="5731568" cy="3687568"/>
-          </a:xfrm>
-          <a:prstGeom prst="rect">
-            <a:avLst/>
-          </a:prstGeom>
+            <a:off x="720000" y="270720"/>
+            <a:ext cx="10718640" cy="6028920"/>
+          </a:xfrm>
+          <a:prstGeom prst="rect">
+            <a:avLst/>
+          </a:prstGeom>
+          <a:ln>
+            <a:noFill/>
+          </a:ln>
         </p:spPr>
       </p:pic>
-      <p:pic>
-        <p:nvPicPr>
-          <p:cNvPr id="5" name="Imagem 4">
-            <a:extLst>
-              <a:ext uri="{FF2B5EF4-FFF2-40B4-BE49-F238E27FC236}">
-                <a16:creationId xmlns:a16="http://schemas.microsoft.com/office/drawing/2014/main" id="{8081CCFD-19CD-4CFF-80DD-D298B6618332}"/>
-              </a:ext>
-            </a:extLst>
-          </p:cNvPr>
-          <p:cNvPicPr>
-            <a:picLocks noChangeAspect="1"/>
-          </p:cNvPicPr>
-          <p:nvPr/>
-        </p:nvPicPr>
-        <p:blipFill>
-          <a:blip r:embed="rId3">
-            <a:extLst>
-              <a:ext uri="{28A0092B-C50C-407E-A947-70E740481C1C}">
-                <a14:useLocalDpi xmlns:a14="http://schemas.microsoft.com/office/drawing/2010/main" val="0"/>
-              </a:ext>
-            </a:extLst>
-          </a:blip>
-          <a:stretch>
-            <a:fillRect/>
-          </a:stretch>
-        </p:blipFill>
-        <p:spPr>
-          <a:xfrm>
-            <a:off x="6212954" y="247871"/>
-            <a:ext cx="5665661" cy="3181129"/>
-          </a:xfrm>
-          <a:prstGeom prst="rect">
-            <a:avLst/>
-          </a:prstGeom>
-        </p:spPr>
-      </p:pic>
-      <p:pic>
-        <p:nvPicPr>
-          <p:cNvPr id="7" name="Imagem 6">
-            <a:extLst>
-              <a:ext uri="{FF2B5EF4-FFF2-40B4-BE49-F238E27FC236}">
-                <a16:creationId xmlns:a16="http://schemas.microsoft.com/office/drawing/2014/main" id="{CC554959-7EB8-4745-8FA9-2D7A92BE6EEF}"/>
-              </a:ext>
-            </a:extLst>
-          </p:cNvPr>
-          <p:cNvPicPr>
-            <a:picLocks noChangeAspect="1"/>
-          </p:cNvPicPr>
-          <p:nvPr/>
-        </p:nvPicPr>
-        <p:blipFill>
-          <a:blip r:embed="rId4">
-            <a:extLst>
-              <a:ext uri="{28A0092B-C50C-407E-A947-70E740481C1C}">
-                <a14:useLocalDpi xmlns:a14="http://schemas.microsoft.com/office/drawing/2010/main" val="0"/>
-              </a:ext>
-            </a:extLst>
-          </a:blip>
-          <a:stretch>
-            <a:fillRect/>
-          </a:stretch>
-        </p:blipFill>
-        <p:spPr>
-          <a:xfrm>
-            <a:off x="6502295" y="3620119"/>
-            <a:ext cx="5325273" cy="2990010"/>
-          </a:xfrm>
-          <a:prstGeom prst="rect">
-            <a:avLst/>
-          </a:prstGeom>
-        </p:spPr>
-      </p:pic>
-      <p:sp>
-        <p:nvSpPr>
-          <p:cNvPr id="8" name="CaixaDeTexto 7">
-            <a:extLst>
-              <a:ext uri="{FF2B5EF4-FFF2-40B4-BE49-F238E27FC236}">
-                <a16:creationId xmlns:a16="http://schemas.microsoft.com/office/drawing/2014/main" id="{3683A149-A0FD-4417-B361-00813AD3FA11}"/>
-              </a:ext>
-            </a:extLst>
-          </p:cNvPr>
-          <p:cNvSpPr txBox="1"/>
-          <p:nvPr/>
-        </p:nvSpPr>
-        <p:spPr>
-          <a:xfrm>
-            <a:off x="364432" y="464234"/>
-            <a:ext cx="3926214" cy="830997"/>
-          </a:xfrm>
-          <a:prstGeom prst="rect">
-            <a:avLst/>
-          </a:prstGeom>
-          <a:noFill/>
-        </p:spPr>
-        <p:txBody>
-          <a:bodyPr wrap="square" rtlCol="0">
-            <a:spAutoFit/>
-          </a:bodyPr>
-          <a:lstStyle/>
-          <a:p>
-            <a:r>
-              <a:rPr lang="pt-BR" sz="4800" dirty="0" err="1">
-                <a:solidFill>
-                  <a:schemeClr val="bg2"/>
-                </a:solidFill>
-                <a:latin typeface="思源黑体 CN Bold"/>
-              </a:rPr>
-              <a:t>Mockup’s</a:t>
-            </a:r>
-            <a:endParaRPr lang="pt-BR" sz="4800" dirty="0">
-              <a:solidFill>
-                <a:schemeClr val="bg2"/>
-              </a:solidFill>
-              <a:latin typeface="思源黑体 CN Bold"/>
-            </a:endParaRPr>
-          </a:p>
-        </p:txBody>
-      </p:sp>
     </p:spTree>
   </p:cSld>
   <p:clrMapOvr>
@@ -2465,7 +2327,7 @@
           <p:cNvPr id="3" name="Imagem 2">
             <a:extLst>
               <a:ext uri="{FF2B5EF4-FFF2-40B4-BE49-F238E27FC236}">
-                <a16:creationId xmlns:a16="http://schemas.microsoft.com/office/drawing/2014/main" id="{9A320181-E292-4A81-A246-392F2408E34D}"/>
+                <a16:creationId xmlns:a16="http://schemas.microsoft.com/office/drawing/2014/main" id="{3CCC12E2-289A-41A6-868E-DB3C0C16CEE0}"/>
               </a:ext>
             </a:extLst>
           </p:cNvPr>
@@ -2488,6 +2350,193 @@
         </p:blipFill>
         <p:spPr>
           <a:xfrm>
+            <a:off x="364432" y="1585216"/>
+            <a:ext cx="5731568" cy="3687568"/>
+          </a:xfrm>
+          <a:prstGeom prst="rect">
+            <a:avLst/>
+          </a:prstGeom>
+        </p:spPr>
+      </p:pic>
+      <p:pic>
+        <p:nvPicPr>
+          <p:cNvPr id="5" name="Imagem 4">
+            <a:extLst>
+              <a:ext uri="{FF2B5EF4-FFF2-40B4-BE49-F238E27FC236}">
+                <a16:creationId xmlns:a16="http://schemas.microsoft.com/office/drawing/2014/main" id="{8081CCFD-19CD-4CFF-80DD-D298B6618332}"/>
+              </a:ext>
+            </a:extLst>
+          </p:cNvPr>
+          <p:cNvPicPr>
+            <a:picLocks noChangeAspect="1"/>
+          </p:cNvPicPr>
+          <p:nvPr/>
+        </p:nvPicPr>
+        <p:blipFill>
+          <a:blip r:embed="rId3">
+            <a:extLst>
+              <a:ext uri="{28A0092B-C50C-407E-A947-70E740481C1C}">
+                <a14:useLocalDpi xmlns:a14="http://schemas.microsoft.com/office/drawing/2010/main" val="0"/>
+              </a:ext>
+            </a:extLst>
+          </a:blip>
+          <a:stretch>
+            <a:fillRect/>
+          </a:stretch>
+        </p:blipFill>
+        <p:spPr>
+          <a:xfrm>
+            <a:off x="6212954" y="247871"/>
+            <a:ext cx="5665661" cy="3181129"/>
+          </a:xfrm>
+          <a:prstGeom prst="rect">
+            <a:avLst/>
+          </a:prstGeom>
+        </p:spPr>
+      </p:pic>
+      <p:pic>
+        <p:nvPicPr>
+          <p:cNvPr id="7" name="Imagem 6">
+            <a:extLst>
+              <a:ext uri="{FF2B5EF4-FFF2-40B4-BE49-F238E27FC236}">
+                <a16:creationId xmlns:a16="http://schemas.microsoft.com/office/drawing/2014/main" id="{CC554959-7EB8-4745-8FA9-2D7A92BE6EEF}"/>
+              </a:ext>
+            </a:extLst>
+          </p:cNvPr>
+          <p:cNvPicPr>
+            <a:picLocks noChangeAspect="1"/>
+          </p:cNvPicPr>
+          <p:nvPr/>
+        </p:nvPicPr>
+        <p:blipFill>
+          <a:blip r:embed="rId4">
+            <a:extLst>
+              <a:ext uri="{28A0092B-C50C-407E-A947-70E740481C1C}">
+                <a14:useLocalDpi xmlns:a14="http://schemas.microsoft.com/office/drawing/2010/main" val="0"/>
+              </a:ext>
+            </a:extLst>
+          </a:blip>
+          <a:stretch>
+            <a:fillRect/>
+          </a:stretch>
+        </p:blipFill>
+        <p:spPr>
+          <a:xfrm>
+            <a:off x="6502295" y="3620119"/>
+            <a:ext cx="5325273" cy="2990010"/>
+          </a:xfrm>
+          <a:prstGeom prst="rect">
+            <a:avLst/>
+          </a:prstGeom>
+        </p:spPr>
+      </p:pic>
+      <p:sp>
+        <p:nvSpPr>
+          <p:cNvPr id="8" name="CaixaDeTexto 7">
+            <a:extLst>
+              <a:ext uri="{FF2B5EF4-FFF2-40B4-BE49-F238E27FC236}">
+                <a16:creationId xmlns:a16="http://schemas.microsoft.com/office/drawing/2014/main" id="{3683A149-A0FD-4417-B361-00813AD3FA11}"/>
+              </a:ext>
+            </a:extLst>
+          </p:cNvPr>
+          <p:cNvSpPr txBox="1"/>
+          <p:nvPr/>
+        </p:nvSpPr>
+        <p:spPr>
+          <a:xfrm>
+            <a:off x="364432" y="464234"/>
+            <a:ext cx="3926214" cy="830997"/>
+          </a:xfrm>
+          <a:prstGeom prst="rect">
+            <a:avLst/>
+          </a:prstGeom>
+          <a:noFill/>
+        </p:spPr>
+        <p:txBody>
+          <a:bodyPr wrap="square" rtlCol="0">
+            <a:spAutoFit/>
+          </a:bodyPr>
+          <a:lstStyle/>
+          <a:p>
+            <a:r>
+              <a:rPr lang="pt-BR" sz="4800" dirty="0" err="1">
+                <a:solidFill>
+                  <a:schemeClr val="bg2"/>
+                </a:solidFill>
+                <a:latin typeface="思源黑体 CN Bold"/>
+              </a:rPr>
+              <a:t>Mockup’s</a:t>
+            </a:r>
+            <a:endParaRPr lang="pt-BR" sz="4800" dirty="0">
+              <a:solidFill>
+                <a:schemeClr val="bg2"/>
+              </a:solidFill>
+              <a:latin typeface="思源黑体 CN Bold"/>
+            </a:endParaRPr>
+          </a:p>
+        </p:txBody>
+      </p:sp>
+    </p:spTree>
+  </p:cSld>
+  <p:clrMapOvr>
+    <a:masterClrMapping/>
+  </p:clrMapOvr>
+</p:sld>
+</file>
+
+<file path=ppt/slides/slide12.xml><?xml version="1.0" encoding="utf-8"?>
+<p:sld xmlns:a="http://schemas.openxmlformats.org/drawingml/2006/main" xmlns:r="http://schemas.openxmlformats.org/officeDocument/2006/relationships" xmlns:p="http://schemas.openxmlformats.org/presentationml/2006/main">
+  <p:cSld>
+    <p:bg>
+      <p:bgPr>
+        <a:solidFill>
+          <a:schemeClr val="accent1"/>
+        </a:solidFill>
+        <a:effectLst/>
+      </p:bgPr>
+    </p:bg>
+    <p:spTree>
+      <p:nvGrpSpPr>
+        <p:cNvPr id="1" name=""/>
+        <p:cNvGrpSpPr/>
+        <p:nvPr/>
+      </p:nvGrpSpPr>
+      <p:grpSpPr>
+        <a:xfrm>
+          <a:off x="0" y="0"/>
+          <a:ext cx="0" cy="0"/>
+          <a:chOff x="0" y="0"/>
+          <a:chExt cx="0" cy="0"/>
+        </a:xfrm>
+      </p:grpSpPr>
+      <p:pic>
+        <p:nvPicPr>
+          <p:cNvPr id="3" name="Imagem 2">
+            <a:extLst>
+              <a:ext uri="{FF2B5EF4-FFF2-40B4-BE49-F238E27FC236}">
+                <a16:creationId xmlns:a16="http://schemas.microsoft.com/office/drawing/2014/main" id="{9A320181-E292-4A81-A246-392F2408E34D}"/>
+              </a:ext>
+            </a:extLst>
+          </p:cNvPr>
+          <p:cNvPicPr>
+            <a:picLocks noChangeAspect="1"/>
+          </p:cNvPicPr>
+          <p:nvPr/>
+        </p:nvPicPr>
+        <p:blipFill>
+          <a:blip r:embed="rId2">
+            <a:extLst>
+              <a:ext uri="{28A0092B-C50C-407E-A947-70E740481C1C}">
+                <a14:useLocalDpi xmlns:a14="http://schemas.microsoft.com/office/drawing/2010/main" val="0"/>
+              </a:ext>
+            </a:extLst>
+          </a:blip>
+          <a:stretch>
+            <a:fillRect/>
+          </a:stretch>
+        </p:blipFill>
+        <p:spPr>
+          <a:xfrm>
             <a:off x="237974" y="483369"/>
             <a:ext cx="6739602" cy="3560232"/>
           </a:xfrm>
@@ -2540,7 +2589,7 @@
 </p:sld>
 </file>
 
-<file path=ppt/slides/slide12.xml><?xml version="1.0" encoding="utf-8"?>
+<file path=ppt/slides/slide13.xml><?xml version="1.0" encoding="utf-8"?>
 <p:sld xmlns:a="http://schemas.openxmlformats.org/drawingml/2006/main" xmlns:r="http://schemas.openxmlformats.org/officeDocument/2006/relationships" xmlns:p="http://schemas.openxmlformats.org/presentationml/2006/main">
   <p:cSld>
     <p:bg>
@@ -2831,7 +2880,7 @@
 </p:sld>
 </file>
 
-<file path=ppt/slides/slide13.xml><?xml version="1.0" encoding="utf-8"?>
+<file path=ppt/slides/slide14.xml><?xml version="1.0" encoding="utf-8"?>
 <p:sld xmlns:a="http://schemas.openxmlformats.org/drawingml/2006/main" xmlns:r="http://schemas.openxmlformats.org/officeDocument/2006/relationships" xmlns:p="http://schemas.openxmlformats.org/presentationml/2006/main">
   <p:cSld>
     <p:spTree>
@@ -2891,7 +2940,7 @@
 </p:sld>
 </file>
 
-<file path=ppt/slides/slide14.xml><?xml version="1.0" encoding="utf-8"?>
+<file path=ppt/slides/slide15.xml><?xml version="1.0" encoding="utf-8"?>
 <p:sld xmlns:a="http://schemas.openxmlformats.org/drawingml/2006/main" xmlns:r="http://schemas.openxmlformats.org/officeDocument/2006/relationships" xmlns:p="http://schemas.openxmlformats.org/presentationml/2006/main">
   <p:cSld>
     <p:bg>
@@ -3168,7 +3217,7 @@
 </p:sld>
 </file>
 
-<file path=ppt/slides/slide15.xml><?xml version="1.0" encoding="utf-8"?>
+<file path=ppt/slides/slide16.xml><?xml version="1.0" encoding="utf-8"?>
 <p:sld xmlns:a="http://schemas.openxmlformats.org/drawingml/2006/main" xmlns:r="http://schemas.openxmlformats.org/officeDocument/2006/relationships" xmlns:p="http://schemas.openxmlformats.org/presentationml/2006/main">
   <p:cSld>
     <p:bg>
@@ -4219,7 +4268,7 @@
         <p:spPr>
           <a:xfrm>
             <a:off x="5126400" y="657416"/>
-            <a:ext cx="1606320" cy="552544"/>
+            <a:ext cx="2624898" cy="552544"/>
           </a:xfrm>
           <a:prstGeom prst="rect">
             <a:avLst/>
@@ -7629,7 +7678,12 @@
             <p:ph type="title"/>
           </p:nvPr>
         </p:nvSpPr>
-        <p:spPr/>
+        <p:spPr>
+          <a:xfrm>
+            <a:off x="947105" y="339342"/>
+            <a:ext cx="10972440" cy="1144800"/>
+          </a:xfrm>
+        </p:spPr>
         <p:txBody>
           <a:bodyPr/>
           <a:lstStyle/>
@@ -7643,34 +7697,259 @@
       </p:sp>
       <p:pic>
         <p:nvPicPr>
-          <p:cNvPr id="4" name="Imagem 3">
+          <p:cNvPr id="1030" name="Picture 6" descr="Sprints do Scrum: tudo o que você precisa saber | Atlassian">
             <a:extLst>
               <a:ext uri="{FF2B5EF4-FFF2-40B4-BE49-F238E27FC236}">
-                <a16:creationId xmlns:a16="http://schemas.microsoft.com/office/drawing/2014/main" id="{80AF56C2-3D03-422A-9B91-CABEEFF22B0E}"/>
+                <a16:creationId xmlns:a16="http://schemas.microsoft.com/office/drawing/2014/main" id="{46685D7B-4144-4EF8-885E-4F94E2D91209}"/>
               </a:ext>
             </a:extLst>
           </p:cNvPr>
           <p:cNvPicPr>
-            <a:picLocks noChangeAspect="1"/>
+            <a:picLocks noChangeAspect="1" noChangeArrowheads="1"/>
           </p:cNvPicPr>
           <p:nvPr/>
         </p:nvPicPr>
         <p:blipFill>
-          <a:blip r:embed="rId2"/>
+          <a:blip r:embed="rId2">
+            <a:extLst>
+              <a:ext uri="{28A0092B-C50C-407E-A947-70E740481C1C}">
+                <a14:useLocalDpi xmlns:a14="http://schemas.microsoft.com/office/drawing/2010/main" val="0"/>
+              </a:ext>
+            </a:extLst>
+          </a:blip>
+          <a:srcRect/>
           <a:stretch>
             <a:fillRect/>
           </a:stretch>
         </p:blipFill>
-        <p:spPr>
-          <a:xfrm>
-            <a:off x="669243" y="1418400"/>
-            <a:ext cx="10676074" cy="3955458"/>
-          </a:xfrm>
-          <a:prstGeom prst="rect">
-            <a:avLst/>
-          </a:prstGeom>
+        <p:spPr bwMode="auto">
+          <a:xfrm>
+            <a:off x="2991729" y="3429000"/>
+            <a:ext cx="6208542" cy="3104271"/>
+          </a:xfrm>
+          <a:prstGeom prst="rect">
+            <a:avLst/>
+          </a:prstGeom>
+          <a:noFill/>
+          <a:extLst>
+            <a:ext uri="{909E8E84-426E-40DD-AFC4-6F175D3DCCD1}">
+              <a14:hiddenFill xmlns:a14="http://schemas.microsoft.com/office/drawing/2010/main">
+                <a:solidFill>
+                  <a:srgbClr val="FFFFFF"/>
+                </a:solidFill>
+              </a14:hiddenFill>
+            </a:ext>
+          </a:extLst>
         </p:spPr>
       </p:pic>
+      <p:sp>
+        <p:nvSpPr>
+          <p:cNvPr id="3" name="CaixaDeTexto 2">
+            <a:extLst>
+              <a:ext uri="{FF2B5EF4-FFF2-40B4-BE49-F238E27FC236}">
+                <a16:creationId xmlns:a16="http://schemas.microsoft.com/office/drawing/2014/main" id="{1A849634-421B-408D-9867-7B811F8EB2A1}"/>
+              </a:ext>
+            </a:extLst>
+          </p:cNvPr>
+          <p:cNvSpPr txBox="1"/>
+          <p:nvPr/>
+        </p:nvSpPr>
+        <p:spPr>
+          <a:xfrm>
+            <a:off x="555673" y="4922592"/>
+            <a:ext cx="3981157" cy="584775"/>
+          </a:xfrm>
+          <a:prstGeom prst="rect">
+            <a:avLst/>
+          </a:prstGeom>
+          <a:noFill/>
+        </p:spPr>
+        <p:txBody>
+          <a:bodyPr wrap="square" rtlCol="0">
+            <a:spAutoFit/>
+          </a:bodyPr>
+          <a:lstStyle/>
+          <a:p>
+            <a:r>
+              <a:rPr lang="pt-BR" sz="3200" dirty="0">
+                <a:solidFill>
+                  <a:srgbClr val="0070C0"/>
+                </a:solidFill>
+                <a:latin typeface="Rockwell" panose="02060603020205020403" pitchFamily="18" charset="0"/>
+              </a:rPr>
+              <a:t>Scrum </a:t>
+            </a:r>
+          </a:p>
+        </p:txBody>
+      </p:sp>
+      <p:sp>
+        <p:nvSpPr>
+          <p:cNvPr id="5" name="CaixaDeTexto 4">
+            <a:extLst>
+              <a:ext uri="{FF2B5EF4-FFF2-40B4-BE49-F238E27FC236}">
+                <a16:creationId xmlns:a16="http://schemas.microsoft.com/office/drawing/2014/main" id="{CF59C6FF-554C-4D16-A3DF-AA89565F9A2A}"/>
+              </a:ext>
+            </a:extLst>
+          </p:cNvPr>
+          <p:cNvSpPr txBox="1"/>
+          <p:nvPr/>
+        </p:nvSpPr>
+        <p:spPr>
+          <a:xfrm>
+            <a:off x="4979963" y="2164183"/>
+            <a:ext cx="3446585" cy="584775"/>
+          </a:xfrm>
+          <a:prstGeom prst="rect">
+            <a:avLst/>
+          </a:prstGeom>
+          <a:noFill/>
+        </p:spPr>
+        <p:txBody>
+          <a:bodyPr wrap="square" rtlCol="0">
+            <a:spAutoFit/>
+          </a:bodyPr>
+          <a:lstStyle/>
+          <a:p>
+            <a:r>
+              <a:rPr lang="pt-BR" sz="3200" dirty="0">
+                <a:solidFill>
+                  <a:srgbClr val="0070C0"/>
+                </a:solidFill>
+                <a:latin typeface="Rockwell" panose="02060603020205020403" pitchFamily="18" charset="0"/>
+              </a:rPr>
+              <a:t>Daily</a:t>
+            </a:r>
+            <a:r>
+              <a:rPr lang="pt-BR" sz="3200" dirty="0">
+                <a:solidFill>
+                  <a:srgbClr val="0070C0"/>
+                </a:solidFill>
+              </a:rPr>
+              <a:t> </a:t>
+            </a:r>
+          </a:p>
+        </p:txBody>
+      </p:sp>
+      <p:sp>
+        <p:nvSpPr>
+          <p:cNvPr id="6" name="CaixaDeTexto 5">
+            <a:extLst>
+              <a:ext uri="{FF2B5EF4-FFF2-40B4-BE49-F238E27FC236}">
+                <a16:creationId xmlns:a16="http://schemas.microsoft.com/office/drawing/2014/main" id="{BF90E6A1-41F4-44CA-A8DC-8AFB5A5FBDBC}"/>
+              </a:ext>
+            </a:extLst>
+          </p:cNvPr>
+          <p:cNvSpPr txBox="1"/>
+          <p:nvPr/>
+        </p:nvSpPr>
+        <p:spPr>
+          <a:xfrm>
+            <a:off x="1468902" y="3030735"/>
+            <a:ext cx="2729132" cy="584775"/>
+          </a:xfrm>
+          <a:prstGeom prst="rect">
+            <a:avLst/>
+          </a:prstGeom>
+          <a:noFill/>
+        </p:spPr>
+        <p:txBody>
+          <a:bodyPr wrap="square" rtlCol="0">
+            <a:spAutoFit/>
+          </a:bodyPr>
+          <a:lstStyle/>
+          <a:p>
+            <a:r>
+              <a:rPr lang="pt-BR" sz="3200" dirty="0">
+                <a:solidFill>
+                  <a:srgbClr val="0070C0"/>
+                </a:solidFill>
+                <a:latin typeface="Rockwell" panose="02060603020205020403" pitchFamily="18" charset="0"/>
+              </a:rPr>
+              <a:t>Planning </a:t>
+            </a:r>
+          </a:p>
+        </p:txBody>
+      </p:sp>
+      <p:sp>
+        <p:nvSpPr>
+          <p:cNvPr id="7" name="CaixaDeTexto 6">
+            <a:extLst>
+              <a:ext uri="{FF2B5EF4-FFF2-40B4-BE49-F238E27FC236}">
+                <a16:creationId xmlns:a16="http://schemas.microsoft.com/office/drawing/2014/main" id="{96D0EDB5-F03D-415C-A08D-BBBF0D01FFAF}"/>
+              </a:ext>
+            </a:extLst>
+          </p:cNvPr>
+          <p:cNvSpPr txBox="1"/>
+          <p:nvPr/>
+        </p:nvSpPr>
+        <p:spPr>
+          <a:xfrm>
+            <a:off x="10180320" y="4337817"/>
+            <a:ext cx="2546252" cy="584775"/>
+          </a:xfrm>
+          <a:prstGeom prst="rect">
+            <a:avLst/>
+          </a:prstGeom>
+          <a:noFill/>
+        </p:spPr>
+        <p:txBody>
+          <a:bodyPr wrap="square" rtlCol="0">
+            <a:spAutoFit/>
+          </a:bodyPr>
+          <a:lstStyle/>
+          <a:p>
+            <a:r>
+              <a:rPr lang="pt-BR" sz="3200" dirty="0">
+                <a:solidFill>
+                  <a:srgbClr val="0070C0"/>
+                </a:solidFill>
+                <a:latin typeface="Rockwell" panose="02060603020205020403" pitchFamily="18" charset="0"/>
+              </a:rPr>
+              <a:t>Review </a:t>
+            </a:r>
+          </a:p>
+        </p:txBody>
+      </p:sp>
+      <p:sp>
+        <p:nvSpPr>
+          <p:cNvPr id="8" name="CaixaDeTexto 7">
+            <a:extLst>
+              <a:ext uri="{FF2B5EF4-FFF2-40B4-BE49-F238E27FC236}">
+                <a16:creationId xmlns:a16="http://schemas.microsoft.com/office/drawing/2014/main" id="{811CB59D-E4D1-4B30-81A1-F7412CAA9D77}"/>
+              </a:ext>
+            </a:extLst>
+          </p:cNvPr>
+          <p:cNvSpPr txBox="1"/>
+          <p:nvPr/>
+        </p:nvSpPr>
+        <p:spPr>
+          <a:xfrm>
+            <a:off x="8894992" y="2937480"/>
+            <a:ext cx="3024553" cy="584775"/>
+          </a:xfrm>
+          <a:prstGeom prst="rect">
+            <a:avLst/>
+          </a:prstGeom>
+          <a:noFill/>
+        </p:spPr>
+        <p:txBody>
+          <a:bodyPr wrap="square" rtlCol="0">
+            <a:spAutoFit/>
+          </a:bodyPr>
+          <a:lstStyle/>
+          <a:p>
+            <a:r>
+              <a:rPr lang="pt-BR" sz="3200" dirty="0">
+                <a:solidFill>
+                  <a:srgbClr val="0070C0"/>
+                </a:solidFill>
+                <a:latin typeface="Rockwell" panose="02060603020205020403" pitchFamily="18" charset="0"/>
+              </a:rPr>
+              <a:t>Retro </a:t>
+            </a:r>
+          </a:p>
+        </p:txBody>
+      </p:sp>
     </p:spTree>
     <p:extLst>
       <p:ext uri="{BB962C8B-B14F-4D97-AF65-F5344CB8AC3E}">
@@ -8090,28 +8369,40 @@
       </p:grpSpPr>
       <p:pic>
         <p:nvPicPr>
-          <p:cNvPr id="114" name="Imagem 113"/>
-          <p:cNvPicPr/>
+          <p:cNvPr id="4" name="Imagem 3">
+            <a:extLst>
+              <a:ext uri="{FF2B5EF4-FFF2-40B4-BE49-F238E27FC236}">
+                <a16:creationId xmlns:a16="http://schemas.microsoft.com/office/drawing/2014/main" id="{E2FA1180-86AF-43E9-9AD4-0726D050DB34}"/>
+              </a:ext>
+            </a:extLst>
+          </p:cNvPr>
+          <p:cNvPicPr>
+            <a:picLocks noChangeAspect="1"/>
+          </p:cNvPicPr>
           <p:nvPr/>
         </p:nvPicPr>
         <p:blipFill>
           <a:blip r:embed="rId2"/>
-          <a:stretch/>
+          <a:stretch>
+            <a:fillRect/>
+          </a:stretch>
         </p:blipFill>
         <p:spPr>
           <a:xfrm>
-            <a:off x="720000" y="270720"/>
-            <a:ext cx="10718640" cy="6028920"/>
-          </a:xfrm>
-          <a:prstGeom prst="rect">
-            <a:avLst/>
-          </a:prstGeom>
-          <a:ln>
-            <a:noFill/>
-          </a:ln>
+            <a:off x="209029" y="829994"/>
+            <a:ext cx="11326479" cy="5000463"/>
+          </a:xfrm>
+          <a:prstGeom prst="rect">
+            <a:avLst/>
+          </a:prstGeom>
         </p:spPr>
       </p:pic>
     </p:spTree>
+    <p:extLst>
+      <p:ext uri="{BB962C8B-B14F-4D97-AF65-F5344CB8AC3E}">
+        <p14:creationId xmlns:p14="http://schemas.microsoft.com/office/powerpoint/2010/main" val="3535913645"/>
+      </p:ext>
+    </p:extLst>
   </p:cSld>
   <p:clrMapOvr>
     <a:masterClrMapping/>
